--- a/presentation.pptx
+++ b/presentation.pptx
@@ -9191,7 +9191,7 @@
               <a:latin typeface="Times New Roman" panose="02020603050405020304" pitchFamily="18" charset="0"/>
               <a:cs typeface="Times New Roman" panose="02020603050405020304" pitchFamily="18" charset="0"/>
             </a:rPr>
-            <a:t>Server layer</a:t>
+            <a:t>Database layer</a:t>
           </a:r>
         </a:p>
       </dgm:t>
@@ -13562,7 +13562,7 @@
               <a:latin typeface="Times New Roman" panose="02020603050405020304" pitchFamily="18" charset="0"/>
               <a:cs typeface="Times New Roman" panose="02020603050405020304" pitchFamily="18" charset="0"/>
             </a:rPr>
-            <a:t>Server layer</a:t>
+            <a:t>Database layer</a:t>
           </a:r>
         </a:p>
       </dsp:txBody>
@@ -25355,7 +25355,7 @@
           <a:effectLst/>
           <a:extLst>
             <a:ext uri="{91240B29-F687-4f45-9708-019B960494DF}">
-              <a14:hiddenLine xmlns:a14="http://schemas.microsoft.com/office/drawing/2010/main" xmlns="" w="9525">
+              <a14:hiddenLine xmlns="" xmlns:a14="http://schemas.microsoft.com/office/drawing/2010/main" w="9525">
                 <a:solidFill>
                   <a:srgbClr val="000000"/>
                 </a:solidFill>
@@ -25547,7 +25547,7 @@
           <a:p>
             <a:fld id="{E133CC28-1BF0-4371-9E36-1469D628F18D}" type="datetimeFigureOut">
               <a:rPr lang="en-US" smtClean="0"/>
-              <a:t>10/15/2022</a:t>
+              <a:t>10/16/2022</a:t>
             </a:fld>
             <a:endParaRPr lang="en-US"/>
           </a:p>
@@ -25865,7 +25865,7 @@
           <a:p>
             <a:fld id="{E133CC28-1BF0-4371-9E36-1469D628F18D}" type="datetimeFigureOut">
               <a:rPr lang="en-US" smtClean="0"/>
-              <a:t>10/15/2022</a:t>
+              <a:t>10/16/2022</a:t>
             </a:fld>
             <a:endParaRPr lang="en-US"/>
           </a:p>
@@ -26353,7 +26353,7 @@
           <a:p>
             <a:fld id="{E133CC28-1BF0-4371-9E36-1469D628F18D}" type="datetimeFigureOut">
               <a:rPr lang="en-US" smtClean="0"/>
-              <a:t>10/15/2022</a:t>
+              <a:t>10/16/2022</a:t>
             </a:fld>
             <a:endParaRPr lang="en-US"/>
           </a:p>
@@ -26722,7 +26722,7 @@
           <a:p>
             <a:fld id="{E133CC28-1BF0-4371-9E36-1469D628F18D}" type="datetimeFigureOut">
               <a:rPr lang="en-US" smtClean="0"/>
-              <a:t>10/15/2022</a:t>
+              <a:t>10/16/2022</a:t>
             </a:fld>
             <a:endParaRPr lang="en-US"/>
           </a:p>
@@ -26877,7 +26877,7 @@
           <a:ln/>
           <a:extLst>
             <a:ext uri="{91240B29-F687-4f45-9708-019B960494DF}">
-              <a14:hiddenLine xmlns:a14="http://schemas.microsoft.com/office/drawing/2010/main" xmlns="" w="9525">
+              <a14:hiddenLine xmlns="" xmlns:a14="http://schemas.microsoft.com/office/drawing/2010/main" w="9525">
                 <a:solidFill>
                   <a:srgbClr val="000000"/>
                 </a:solidFill>
@@ -26995,7 +26995,7 @@
           <a:p>
             <a:fld id="{E133CC28-1BF0-4371-9E36-1469D628F18D}" type="datetimeFigureOut">
               <a:rPr lang="en-US" smtClean="0"/>
-              <a:t>10/15/2022</a:t>
+              <a:t>10/16/2022</a:t>
             </a:fld>
             <a:endParaRPr lang="en-US"/>
           </a:p>
@@ -27152,7 +27152,7 @@
           <a:ln/>
           <a:extLst>
             <a:ext uri="{91240B29-F687-4f45-9708-019B960494DF}">
-              <a14:hiddenLine xmlns:a14="http://schemas.microsoft.com/office/drawing/2010/main" xmlns="" w="9525">
+              <a14:hiddenLine xmlns="" xmlns:a14="http://schemas.microsoft.com/office/drawing/2010/main" w="9525">
                 <a:solidFill>
                   <a:srgbClr val="000000"/>
                 </a:solidFill>
@@ -27280,7 +27280,7 @@
           <a:p>
             <a:fld id="{E133CC28-1BF0-4371-9E36-1469D628F18D}" type="datetimeFigureOut">
               <a:rPr lang="en-US" smtClean="0"/>
-              <a:t>10/15/2022</a:t>
+              <a:t>10/16/2022</a:t>
             </a:fld>
             <a:endParaRPr lang="en-US"/>
           </a:p>
@@ -27435,7 +27435,7 @@
           <a:ln/>
           <a:extLst>
             <a:ext uri="{91240B29-F687-4f45-9708-019B960494DF}">
-              <a14:hiddenLine xmlns:a14="http://schemas.microsoft.com/office/drawing/2010/main" xmlns="" w="9525">
+              <a14:hiddenLine xmlns="" xmlns:a14="http://schemas.microsoft.com/office/drawing/2010/main" w="9525">
                 <a:solidFill>
                   <a:srgbClr val="000000"/>
                 </a:solidFill>
@@ -27563,7 +27563,7 @@
           <a:p>
             <a:fld id="{E133CC28-1BF0-4371-9E36-1469D628F18D}" type="datetimeFigureOut">
               <a:rPr lang="en-US" smtClean="0"/>
-              <a:t>10/15/2022</a:t>
+              <a:t>10/16/2022</a:t>
             </a:fld>
             <a:endParaRPr lang="en-US"/>
           </a:p>
@@ -27906,7 +27906,7 @@
           <a:p>
             <a:fld id="{E133CC28-1BF0-4371-9E36-1469D628F18D}" type="datetimeFigureOut">
               <a:rPr lang="en-US" smtClean="0"/>
-              <a:t>10/15/2022</a:t>
+              <a:t>10/16/2022</a:t>
             </a:fld>
             <a:endParaRPr lang="en-US"/>
           </a:p>
@@ -28061,7 +28061,7 @@
           <a:ln/>
           <a:extLst>
             <a:ext uri="{91240B29-F687-4f45-9708-019B960494DF}">
-              <a14:hiddenLine xmlns:a14="http://schemas.microsoft.com/office/drawing/2010/main" xmlns="" w="9525">
+              <a14:hiddenLine xmlns="" xmlns:a14="http://schemas.microsoft.com/office/drawing/2010/main" w="9525">
                 <a:solidFill>
                   <a:srgbClr val="000000"/>
                 </a:solidFill>
@@ -28245,7 +28245,7 @@
           <a:p>
             <a:fld id="{E133CC28-1BF0-4371-9E36-1469D628F18D}" type="datetimeFigureOut">
               <a:rPr lang="en-US" smtClean="0"/>
-              <a:t>10/15/2022</a:t>
+              <a:t>10/16/2022</a:t>
             </a:fld>
             <a:endParaRPr lang="en-US"/>
           </a:p>
@@ -28400,7 +28400,7 @@
           <a:ln/>
           <a:extLst>
             <a:ext uri="{91240B29-F687-4f45-9708-019B960494DF}">
-              <a14:hiddenLine xmlns:a14="http://schemas.microsoft.com/office/drawing/2010/main" xmlns="" w="9525">
+              <a14:hiddenLine xmlns="" xmlns:a14="http://schemas.microsoft.com/office/drawing/2010/main" w="9525">
                 <a:solidFill>
                   <a:srgbClr val="000000"/>
                 </a:solidFill>
@@ -28722,7 +28722,7 @@
           <a:p>
             <a:fld id="{E133CC28-1BF0-4371-9E36-1469D628F18D}" type="datetimeFigureOut">
               <a:rPr lang="en-US" smtClean="0"/>
-              <a:t>10/15/2022</a:t>
+              <a:t>10/16/2022</a:t>
             </a:fld>
             <a:endParaRPr lang="en-US"/>
           </a:p>
@@ -28877,7 +28877,7 @@
           <a:ln/>
           <a:extLst>
             <a:ext uri="{91240B29-F687-4f45-9708-019B960494DF}">
-              <a14:hiddenLine xmlns:a14="http://schemas.microsoft.com/office/drawing/2010/main" xmlns="" w="9525">
+              <a14:hiddenLine xmlns="" xmlns:a14="http://schemas.microsoft.com/office/drawing/2010/main" w="9525">
                 <a:solidFill>
                   <a:srgbClr val="000000"/>
                 </a:solidFill>
@@ -28943,7 +28943,7 @@
           <a:p>
             <a:fld id="{E133CC28-1BF0-4371-9E36-1469D628F18D}" type="datetimeFigureOut">
               <a:rPr lang="en-US" smtClean="0"/>
-              <a:t>10/15/2022</a:t>
+              <a:t>10/16/2022</a:t>
             </a:fld>
             <a:endParaRPr lang="en-US"/>
           </a:p>
@@ -29038,7 +29038,7 @@
           <a:p>
             <a:fld id="{E133CC28-1BF0-4371-9E36-1469D628F18D}" type="datetimeFigureOut">
               <a:rPr lang="en-US" smtClean="0"/>
-              <a:t>10/15/2022</a:t>
+              <a:t>10/16/2022</a:t>
             </a:fld>
             <a:endParaRPr lang="en-US"/>
           </a:p>
@@ -29306,7 +29306,7 @@
           <a:ln/>
           <a:extLst>
             <a:ext uri="{91240B29-F687-4f45-9708-019B960494DF}">
-              <a14:hiddenLine xmlns:a14="http://schemas.microsoft.com/office/drawing/2010/main" xmlns="" w="9525">
+              <a14:hiddenLine xmlns="" xmlns:a14="http://schemas.microsoft.com/office/drawing/2010/main" w="9525">
                 <a:solidFill>
                   <a:srgbClr val="000000"/>
                 </a:solidFill>
@@ -29505,7 +29505,7 @@
           <a:p>
             <a:fld id="{E133CC28-1BF0-4371-9E36-1469D628F18D}" type="datetimeFigureOut">
               <a:rPr lang="en-US" smtClean="0"/>
-              <a:t>10/15/2022</a:t>
+              <a:t>10/16/2022</a:t>
             </a:fld>
             <a:endParaRPr lang="en-US"/>
           </a:p>
@@ -29818,7 +29818,7 @@
           <a:p>
             <a:fld id="{E133CC28-1BF0-4371-9E36-1469D628F18D}" type="datetimeFigureOut">
               <a:rPr lang="en-US" smtClean="0"/>
-              <a:t>10/15/2022</a:t>
+              <a:t>10/16/2022</a:t>
             </a:fld>
             <a:endParaRPr lang="en-US"/>
           </a:p>
@@ -30088,7 +30088,7 @@
           <a:p>
             <a:fld id="{E133CC28-1BF0-4371-9E36-1469D628F18D}" type="datetimeFigureOut">
               <a:rPr lang="en-US" smtClean="0"/>
-              <a:t>10/15/2022</a:t>
+              <a:t>10/16/2022</a:t>
             </a:fld>
             <a:endParaRPr lang="en-US"/>
           </a:p>
@@ -32118,7 +32118,7 @@
           <a:effectLst/>
           <a:extLst>
             <a:ext uri="{91240B29-F687-4f45-9708-019B960494DF}">
-              <a14:hiddenLine xmlns="" xmlns:a14="http://schemas.microsoft.com/office/drawing/2010/main" xmlns:a16="http://schemas.microsoft.com/office/drawing/2014/main" w="9525">
+              <a14:hiddenLine xmlns:a16="http://schemas.microsoft.com/office/drawing/2014/main" xmlns:a14="http://schemas.microsoft.com/office/drawing/2010/main" xmlns="" w="9525">
                 <a:solidFill>
                   <a:srgbClr val="000000"/>
                 </a:solidFill>
@@ -33140,7 +33140,7 @@
           </a:ln>
           <a:extLst>
             <a:ext uri="{91240B29-F687-4f45-9708-019B960494DF}">
-              <a14:hiddenLine xmlns="" xmlns:a16="http://schemas.microsoft.com/office/drawing/2014/main" xmlns:p14="http://schemas.microsoft.com/office/powerpoint/2010/main" xmlns:dgm="http://schemas.openxmlformats.org/drawingml/2006/diagram" xmlns:a14="http://schemas.microsoft.com/office/drawing/2010/main" w="9525">
+              <a14:hiddenLine xmlns:a14="http://schemas.microsoft.com/office/drawing/2010/main" xmlns:dgm="http://schemas.openxmlformats.org/drawingml/2006/diagram" xmlns:p14="http://schemas.microsoft.com/office/powerpoint/2010/main" xmlns:a16="http://schemas.microsoft.com/office/drawing/2014/main" xmlns="" w="9525">
                 <a:solidFill>
                   <a:srgbClr val="000000"/>
                 </a:solidFill>
@@ -34232,7 +34232,7 @@
         <p:spPr>
           <a:xfrm>
             <a:off x="8544276" y="65447"/>
-            <a:ext cx="2643256" cy="6526563"/>
+            <a:ext cx="2421798" cy="5979753"/>
           </a:xfrm>
           <a:prstGeom prst="rect">
             <a:avLst/>
@@ -34255,7 +34255,7 @@
             <p:ph idx="1"/>
             <p:extLst>
               <p:ext uri="{D42A27DB-BD31-4B8C-83A1-F6EECF244321}">
-                <p14:modId xmlns:p14="http://schemas.microsoft.com/office/powerpoint/2010/main" val="3589004635"/>
+                <p14:modId xmlns:p14="http://schemas.microsoft.com/office/powerpoint/2010/main" val="2102503274"/>
               </p:ext>
             </p:extLst>
           </p:nvPr>
@@ -34270,6 +34270,45 @@
           </a:graphicData>
         </a:graphic>
       </p:graphicFrame>
+      <p:sp>
+        <p:nvSpPr>
+          <p:cNvPr id="3" name="CasetăText 2">
+            <a:extLst>
+              <a:ext uri="{FF2B5EF4-FFF2-40B4-BE49-F238E27FC236}">
+                <a16:creationId xmlns:a16="http://schemas.microsoft.com/office/drawing/2014/main" id="{4198BC2A-00A8-1172-C9D4-BEEA8FF3E39B}"/>
+              </a:ext>
+            </a:extLst>
+          </p:cNvPr>
+          <p:cNvSpPr txBox="1"/>
+          <p:nvPr/>
+        </p:nvSpPr>
+        <p:spPr>
+          <a:xfrm>
+            <a:off x="8368817" y="6128434"/>
+            <a:ext cx="3004260" cy="646331"/>
+          </a:xfrm>
+          <a:prstGeom prst="rect">
+            <a:avLst/>
+          </a:prstGeom>
+          <a:noFill/>
+        </p:spPr>
+        <p:txBody>
+          <a:bodyPr wrap="square" rtlCol="0">
+            <a:spAutoFit/>
+          </a:bodyPr>
+          <a:lstStyle/>
+          <a:p>
+            <a:pPr algn="ctr"/>
+            <a:r>
+              <a:rPr lang="en-US" dirty="0">
+                <a:latin typeface="Times New Roman" panose="02020603050405020304" pitchFamily="18" charset="0"/>
+                <a:cs typeface="Times New Roman" panose="02020603050405020304" pitchFamily="18" charset="0"/>
+              </a:rPr>
+              <a:t>Figure 3. User request path from UI to MAS. </a:t>
+            </a:r>
+          </a:p>
+        </p:txBody>
+      </p:sp>
     </p:spTree>
     <p:extLst>
       <p:ext uri="{BB962C8B-B14F-4D97-AF65-F5344CB8AC3E}">
@@ -34530,7 +34569,7 @@
                 <a:latin typeface="Times New Roman" panose="02020603050405020304" pitchFamily="18" charset="0"/>
                 <a:cs typeface="Times New Roman" panose="02020603050405020304" pitchFamily="18" charset="0"/>
               </a:rPr>
-              <a:t>Figure 2. Image taken from [2]</a:t>
+              <a:t>Figure 4. Image taken from [2]</a:t>
             </a:r>
             <a:endParaRPr lang="en-US" dirty="0"/>
           </a:p>
@@ -34569,7 +34608,7 @@
                 <a:latin typeface="Times New Roman" panose="02020603050405020304" pitchFamily="18" charset="0"/>
                 <a:cs typeface="Times New Roman" panose="02020603050405020304" pitchFamily="18" charset="0"/>
               </a:rPr>
-              <a:t>Figure 3. Image taken from [3]</a:t>
+              <a:t>Figure 5. Image taken from [3]</a:t>
             </a:r>
             <a:endParaRPr lang="en-US" dirty="0"/>
           </a:p>
@@ -34611,7 +34650,7 @@
                 <a:latin typeface="Times New Roman" panose="02020603050405020304" pitchFamily="18" charset="0"/>
                 <a:cs typeface="Times New Roman" panose="02020603050405020304" pitchFamily="18" charset="0"/>
               </a:rPr>
-              <a:t>Figure 4. Image taken from [4]</a:t>
+              <a:t>Figure 6. Image taken from [4]</a:t>
             </a:r>
             <a:endParaRPr lang="en-US" dirty="0"/>
           </a:p>
@@ -34653,7 +34692,7 @@
                 <a:latin typeface="Times New Roman" panose="02020603050405020304" pitchFamily="18" charset="0"/>
                 <a:cs typeface="Times New Roman" panose="02020603050405020304" pitchFamily="18" charset="0"/>
               </a:rPr>
-              <a:t>Figure 5. Image taken from [5]</a:t>
+              <a:t>Figure 7. Image taken from [5]</a:t>
             </a:r>
             <a:endParaRPr lang="en-US" dirty="0"/>
           </a:p>
@@ -34702,7 +34741,7 @@
       </p:grpSpPr>
       <p:sp>
         <p:nvSpPr>
-          <p:cNvPr id="7" name="Freeform 6">
+          <p:cNvPr id="25" name="Freeform 6">
             <a:extLst>
               <a:ext uri="{FF2B5EF4-FFF2-40B4-BE49-F238E27FC236}">
                 <a16:creationId xmlns:a16="http://schemas.microsoft.com/office/drawing/2014/main" id="{133F8CB7-795C-4272-9073-64D8CF97F220}"/>
@@ -34823,7 +34862,7 @@
       </p:sp>
       <p:sp>
         <p:nvSpPr>
-          <p:cNvPr id="8" name="Rectangle 11">
+          <p:cNvPr id="27" name="Rectangle 26">
             <a:extLst>
               <a:ext uri="{FF2B5EF4-FFF2-40B4-BE49-F238E27FC236}">
                 <a16:creationId xmlns:a16="http://schemas.microsoft.com/office/drawing/2014/main" id="{B7743172-17A8-4FA4-8434-B813E03B7665}"/>
@@ -34886,7 +34925,7 @@
       </p:sp>
       <p:sp>
         <p:nvSpPr>
-          <p:cNvPr id="11" name="Freeform 23">
+          <p:cNvPr id="29" name="Freeform 23">
             <a:extLst>
               <a:ext uri="{FF2B5EF4-FFF2-40B4-BE49-F238E27FC236}">
                 <a16:creationId xmlns:a16="http://schemas.microsoft.com/office/drawing/2014/main" id="{4CE1233C-FD2F-489E-BFDE-086F5FED6491}"/>
@@ -35109,8 +35148,8 @@
         </p:nvSpPr>
         <p:spPr>
           <a:xfrm>
-            <a:off x="496070" y="1308432"/>
-            <a:ext cx="3644864" cy="4241136"/>
+            <a:off x="451514" y="1800225"/>
+            <a:ext cx="3444211" cy="4241136"/>
           </a:xfrm>
         </p:spPr>
         <p:txBody>
@@ -35120,7 +35159,7 @@
           <a:lstStyle/>
           <a:p>
             <a:r>
-              <a:rPr lang="en-US" sz="4400" dirty="0">
+              <a:rPr lang="en-US" sz="3700" dirty="0">
                 <a:latin typeface="Times New Roman" panose="02020603050405020304" pitchFamily="18" charset="0"/>
                 <a:cs typeface="Times New Roman" panose="02020603050405020304" pitchFamily="18" charset="0"/>
               </a:rPr>
@@ -35131,10 +35170,10 @@
       </p:sp>
       <p:pic>
         <p:nvPicPr>
-          <p:cNvPr id="5" name="Substituent conținut 4">
+          <p:cNvPr id="9" name="Substituent conținut 8">
             <a:extLst>
               <a:ext uri="{FF2B5EF4-FFF2-40B4-BE49-F238E27FC236}">
-                <a16:creationId xmlns:a16="http://schemas.microsoft.com/office/drawing/2014/main" id="{971BF642-FECD-E47E-C121-45B9DEF96CA2}"/>
+                <a16:creationId xmlns:a16="http://schemas.microsoft.com/office/drawing/2014/main" id="{B0AEB2D0-40C3-56A5-E87F-5E052FF3352E}"/>
               </a:ext>
             </a:extLst>
           </p:cNvPr>
@@ -35159,8 +35198,8 @@
         </p:blipFill>
         <p:spPr>
           <a:xfrm>
-            <a:off x="5310163" y="38908"/>
-            <a:ext cx="6430323" cy="6750996"/>
+            <a:off x="4767196" y="27887"/>
+            <a:ext cx="7294612" cy="6802226"/>
           </a:xfrm>
           <a:prstGeom prst="roundRect">
             <a:avLst>

--- a/presentation.pptx
+++ b/presentation.pptx
@@ -11,14 +11,17 @@
     <p:sldId id="259" r:id="rId5"/>
     <p:sldId id="261" r:id="rId6"/>
     <p:sldId id="262" r:id="rId7"/>
-    <p:sldId id="263" r:id="rId8"/>
-    <p:sldId id="264" r:id="rId9"/>
-    <p:sldId id="265" r:id="rId10"/>
-    <p:sldId id="266" r:id="rId11"/>
-    <p:sldId id="268" r:id="rId12"/>
-    <p:sldId id="267" r:id="rId13"/>
-    <p:sldId id="269" r:id="rId14"/>
-    <p:sldId id="260" r:id="rId15"/>
+    <p:sldId id="270" r:id="rId8"/>
+    <p:sldId id="263" r:id="rId9"/>
+    <p:sldId id="264" r:id="rId10"/>
+    <p:sldId id="271" r:id="rId11"/>
+    <p:sldId id="272" r:id="rId12"/>
+    <p:sldId id="265" r:id="rId13"/>
+    <p:sldId id="266" r:id="rId14"/>
+    <p:sldId id="268" r:id="rId15"/>
+    <p:sldId id="267" r:id="rId16"/>
+    <p:sldId id="269" r:id="rId17"/>
+    <p:sldId id="260" r:id="rId18"/>
   </p:sldIdLst>
   <p:sldSz cx="12192000" cy="6858000"/>
   <p:notesSz cx="6858000" cy="9144000"/>
@@ -4866,6 +4869,753 @@
 </file>
 
 <file path=ppt/diagrams/colors5.xml><?xml version="1.0" encoding="utf-8"?>
+<dgm:colorsDef xmlns:dgm="http://schemas.openxmlformats.org/drawingml/2006/diagram" xmlns:a="http://schemas.openxmlformats.org/drawingml/2006/main" uniqueId="urn:microsoft.com/office/officeart/2005/8/colors/accent1_2">
+  <dgm:title val=""/>
+  <dgm:desc val=""/>
+  <dgm:catLst>
+    <dgm:cat type="accent1" pri="11200"/>
+  </dgm:catLst>
+  <dgm:styleLbl name="node0">
+    <dgm:fillClrLst meth="repeat">
+      <a:schemeClr val="accent1"/>
+    </dgm:fillClrLst>
+    <dgm:linClrLst meth="repeat">
+      <a:schemeClr val="lt1"/>
+    </dgm:linClrLst>
+    <dgm:effectClrLst/>
+    <dgm:txLinClrLst/>
+    <dgm:txFillClrLst/>
+    <dgm:txEffectClrLst/>
+  </dgm:styleLbl>
+  <dgm:styleLbl name="alignNode1">
+    <dgm:fillClrLst meth="repeat">
+      <a:schemeClr val="accent1"/>
+    </dgm:fillClrLst>
+    <dgm:linClrLst meth="repeat">
+      <a:schemeClr val="accent1"/>
+    </dgm:linClrLst>
+    <dgm:effectClrLst/>
+    <dgm:txLinClrLst/>
+    <dgm:txFillClrLst/>
+    <dgm:txEffectClrLst/>
+  </dgm:styleLbl>
+  <dgm:styleLbl name="node1">
+    <dgm:fillClrLst meth="repeat">
+      <a:schemeClr val="accent1"/>
+    </dgm:fillClrLst>
+    <dgm:linClrLst meth="repeat">
+      <a:schemeClr val="lt1"/>
+    </dgm:linClrLst>
+    <dgm:effectClrLst/>
+    <dgm:txLinClrLst/>
+    <dgm:txFillClrLst/>
+    <dgm:txEffectClrLst/>
+  </dgm:styleLbl>
+  <dgm:styleLbl name="lnNode1">
+    <dgm:fillClrLst meth="repeat">
+      <a:schemeClr val="accent1"/>
+    </dgm:fillClrLst>
+    <dgm:linClrLst meth="repeat">
+      <a:schemeClr val="lt1"/>
+    </dgm:linClrLst>
+    <dgm:effectClrLst/>
+    <dgm:txLinClrLst/>
+    <dgm:txFillClrLst/>
+    <dgm:txEffectClrLst/>
+  </dgm:styleLbl>
+  <dgm:styleLbl name="vennNode1">
+    <dgm:fillClrLst meth="repeat">
+      <a:schemeClr val="accent1">
+        <a:alpha val="50000"/>
+      </a:schemeClr>
+    </dgm:fillClrLst>
+    <dgm:linClrLst meth="repeat">
+      <a:schemeClr val="lt1"/>
+    </dgm:linClrLst>
+    <dgm:effectClrLst/>
+    <dgm:txLinClrLst/>
+    <dgm:txFillClrLst/>
+    <dgm:txEffectClrLst/>
+  </dgm:styleLbl>
+  <dgm:styleLbl name="node2">
+    <dgm:fillClrLst meth="repeat">
+      <a:schemeClr val="accent1"/>
+    </dgm:fillClrLst>
+    <dgm:linClrLst meth="repeat">
+      <a:schemeClr val="lt1"/>
+    </dgm:linClrLst>
+    <dgm:effectClrLst/>
+    <dgm:txLinClrLst/>
+    <dgm:txFillClrLst/>
+    <dgm:txEffectClrLst/>
+  </dgm:styleLbl>
+  <dgm:styleLbl name="node3">
+    <dgm:fillClrLst meth="repeat">
+      <a:schemeClr val="accent1"/>
+    </dgm:fillClrLst>
+    <dgm:linClrLst meth="repeat">
+      <a:schemeClr val="lt1"/>
+    </dgm:linClrLst>
+    <dgm:effectClrLst/>
+    <dgm:txLinClrLst/>
+    <dgm:txFillClrLst/>
+    <dgm:txEffectClrLst/>
+  </dgm:styleLbl>
+  <dgm:styleLbl name="node4">
+    <dgm:fillClrLst meth="repeat">
+      <a:schemeClr val="accent1"/>
+    </dgm:fillClrLst>
+    <dgm:linClrLst meth="repeat">
+      <a:schemeClr val="lt1"/>
+    </dgm:linClrLst>
+    <dgm:effectClrLst/>
+    <dgm:txLinClrLst/>
+    <dgm:txFillClrLst/>
+    <dgm:txEffectClrLst/>
+  </dgm:styleLbl>
+  <dgm:styleLbl name="fgImgPlace1">
+    <dgm:fillClrLst meth="repeat">
+      <a:schemeClr val="accent1">
+        <a:tint val="50000"/>
+      </a:schemeClr>
+    </dgm:fillClrLst>
+    <dgm:linClrLst meth="repeat">
+      <a:schemeClr val="lt1"/>
+    </dgm:linClrLst>
+    <dgm:effectClrLst/>
+    <dgm:txLinClrLst/>
+    <dgm:txFillClrLst meth="repeat">
+      <a:schemeClr val="lt1"/>
+    </dgm:txFillClrLst>
+    <dgm:txEffectClrLst/>
+  </dgm:styleLbl>
+  <dgm:styleLbl name="alignImgPlace1">
+    <dgm:fillClrLst meth="repeat">
+      <a:schemeClr val="accent1">
+        <a:tint val="50000"/>
+      </a:schemeClr>
+    </dgm:fillClrLst>
+    <dgm:linClrLst meth="repeat">
+      <a:schemeClr val="lt1"/>
+    </dgm:linClrLst>
+    <dgm:effectClrLst/>
+    <dgm:txLinClrLst/>
+    <dgm:txFillClrLst meth="repeat">
+      <a:schemeClr val="lt1"/>
+    </dgm:txFillClrLst>
+    <dgm:txEffectClrLst/>
+  </dgm:styleLbl>
+  <dgm:styleLbl name="bgImgPlace1">
+    <dgm:fillClrLst meth="repeat">
+      <a:schemeClr val="accent1">
+        <a:tint val="50000"/>
+      </a:schemeClr>
+    </dgm:fillClrLst>
+    <dgm:linClrLst meth="repeat">
+      <a:schemeClr val="lt1"/>
+    </dgm:linClrLst>
+    <dgm:effectClrLst/>
+    <dgm:txLinClrLst/>
+    <dgm:txFillClrLst meth="repeat">
+      <a:schemeClr val="lt1"/>
+    </dgm:txFillClrLst>
+    <dgm:txEffectClrLst/>
+  </dgm:styleLbl>
+  <dgm:styleLbl name="sibTrans2D1">
+    <dgm:fillClrLst meth="repeat">
+      <a:schemeClr val="accent1">
+        <a:tint val="60000"/>
+      </a:schemeClr>
+    </dgm:fillClrLst>
+    <dgm:linClrLst meth="repeat">
+      <a:schemeClr val="accent1">
+        <a:tint val="60000"/>
+      </a:schemeClr>
+    </dgm:linClrLst>
+    <dgm:effectClrLst/>
+    <dgm:txLinClrLst/>
+    <dgm:txFillClrLst/>
+    <dgm:txEffectClrLst/>
+  </dgm:styleLbl>
+  <dgm:styleLbl name="fgSibTrans2D1">
+    <dgm:fillClrLst meth="repeat">
+      <a:schemeClr val="accent1">
+        <a:tint val="60000"/>
+      </a:schemeClr>
+    </dgm:fillClrLst>
+    <dgm:linClrLst meth="repeat">
+      <a:schemeClr val="accent1">
+        <a:tint val="60000"/>
+      </a:schemeClr>
+    </dgm:linClrLst>
+    <dgm:effectClrLst/>
+    <dgm:txLinClrLst/>
+    <dgm:txFillClrLst/>
+    <dgm:txEffectClrLst/>
+  </dgm:styleLbl>
+  <dgm:styleLbl name="bgSibTrans2D1">
+    <dgm:fillClrLst meth="repeat">
+      <a:schemeClr val="accent1">
+        <a:tint val="60000"/>
+      </a:schemeClr>
+    </dgm:fillClrLst>
+    <dgm:linClrLst meth="repeat">
+      <a:schemeClr val="accent1">
+        <a:tint val="60000"/>
+      </a:schemeClr>
+    </dgm:linClrLst>
+    <dgm:effectClrLst/>
+    <dgm:txLinClrLst/>
+    <dgm:txFillClrLst/>
+    <dgm:txEffectClrLst/>
+  </dgm:styleLbl>
+  <dgm:styleLbl name="sibTrans1D1">
+    <dgm:fillClrLst meth="repeat">
+      <a:schemeClr val="accent1"/>
+    </dgm:fillClrLst>
+    <dgm:linClrLst meth="repeat">
+      <a:schemeClr val="accent1"/>
+    </dgm:linClrLst>
+    <dgm:effectClrLst/>
+    <dgm:txLinClrLst/>
+    <dgm:txFillClrLst meth="repeat">
+      <a:schemeClr val="tx1"/>
+    </dgm:txFillClrLst>
+    <dgm:txEffectClrLst/>
+  </dgm:styleLbl>
+  <dgm:styleLbl name="callout">
+    <dgm:fillClrLst meth="repeat">
+      <a:schemeClr val="accent1"/>
+    </dgm:fillClrLst>
+    <dgm:linClrLst meth="repeat">
+      <a:schemeClr val="accent1">
+        <a:tint val="50000"/>
+      </a:schemeClr>
+    </dgm:linClrLst>
+    <dgm:effectClrLst/>
+    <dgm:txLinClrLst/>
+    <dgm:txFillClrLst meth="repeat">
+      <a:schemeClr val="tx1"/>
+    </dgm:txFillClrLst>
+    <dgm:txEffectClrLst/>
+  </dgm:styleLbl>
+  <dgm:styleLbl name="asst0">
+    <dgm:fillClrLst meth="repeat">
+      <a:schemeClr val="accent1"/>
+    </dgm:fillClrLst>
+    <dgm:linClrLst meth="repeat">
+      <a:schemeClr val="lt1"/>
+    </dgm:linClrLst>
+    <dgm:effectClrLst/>
+    <dgm:txLinClrLst/>
+    <dgm:txFillClrLst/>
+    <dgm:txEffectClrLst/>
+  </dgm:styleLbl>
+  <dgm:styleLbl name="asst1">
+    <dgm:fillClrLst meth="repeat">
+      <a:schemeClr val="accent1"/>
+    </dgm:fillClrLst>
+    <dgm:linClrLst meth="repeat">
+      <a:schemeClr val="lt1"/>
+    </dgm:linClrLst>
+    <dgm:effectClrLst/>
+    <dgm:txLinClrLst/>
+    <dgm:txFillClrLst/>
+    <dgm:txEffectClrLst/>
+  </dgm:styleLbl>
+  <dgm:styleLbl name="asst2">
+    <dgm:fillClrLst meth="repeat">
+      <a:schemeClr val="accent1"/>
+    </dgm:fillClrLst>
+    <dgm:linClrLst meth="repeat">
+      <a:schemeClr val="lt1"/>
+    </dgm:linClrLst>
+    <dgm:effectClrLst/>
+    <dgm:txLinClrLst/>
+    <dgm:txFillClrLst/>
+    <dgm:txEffectClrLst/>
+  </dgm:styleLbl>
+  <dgm:styleLbl name="asst3">
+    <dgm:fillClrLst meth="repeat">
+      <a:schemeClr val="accent1"/>
+    </dgm:fillClrLst>
+    <dgm:linClrLst meth="repeat">
+      <a:schemeClr val="lt1"/>
+    </dgm:linClrLst>
+    <dgm:effectClrLst/>
+    <dgm:txLinClrLst/>
+    <dgm:txFillClrLst/>
+    <dgm:txEffectClrLst/>
+  </dgm:styleLbl>
+  <dgm:styleLbl name="asst4">
+    <dgm:fillClrLst meth="repeat">
+      <a:schemeClr val="accent1"/>
+    </dgm:fillClrLst>
+    <dgm:linClrLst meth="repeat">
+      <a:schemeClr val="lt1"/>
+    </dgm:linClrLst>
+    <dgm:effectClrLst/>
+    <dgm:txLinClrLst/>
+    <dgm:txFillClrLst/>
+    <dgm:txEffectClrLst/>
+  </dgm:styleLbl>
+  <dgm:styleLbl name="parChTrans2D1">
+    <dgm:fillClrLst meth="repeat">
+      <a:schemeClr val="accent1">
+        <a:tint val="60000"/>
+      </a:schemeClr>
+    </dgm:fillClrLst>
+    <dgm:linClrLst meth="repeat">
+      <a:schemeClr val="accent1">
+        <a:tint val="60000"/>
+      </a:schemeClr>
+    </dgm:linClrLst>
+    <dgm:effectClrLst/>
+    <dgm:txLinClrLst/>
+    <dgm:txFillClrLst meth="repeat">
+      <a:schemeClr val="lt1"/>
+    </dgm:txFillClrLst>
+    <dgm:txEffectClrLst/>
+  </dgm:styleLbl>
+  <dgm:styleLbl name="parChTrans2D2">
+    <dgm:fillClrLst meth="repeat">
+      <a:schemeClr val="accent1"/>
+    </dgm:fillClrLst>
+    <dgm:linClrLst meth="repeat">
+      <a:schemeClr val="accent1"/>
+    </dgm:linClrLst>
+    <dgm:effectClrLst/>
+    <dgm:txLinClrLst/>
+    <dgm:txFillClrLst meth="repeat">
+      <a:schemeClr val="lt1"/>
+    </dgm:txFillClrLst>
+    <dgm:txEffectClrLst/>
+  </dgm:styleLbl>
+  <dgm:styleLbl name="parChTrans2D3">
+    <dgm:fillClrLst meth="repeat">
+      <a:schemeClr val="accent1"/>
+    </dgm:fillClrLst>
+    <dgm:linClrLst meth="repeat">
+      <a:schemeClr val="accent1"/>
+    </dgm:linClrLst>
+    <dgm:effectClrLst/>
+    <dgm:txLinClrLst/>
+    <dgm:txFillClrLst meth="repeat">
+      <a:schemeClr val="lt1"/>
+    </dgm:txFillClrLst>
+    <dgm:txEffectClrLst/>
+  </dgm:styleLbl>
+  <dgm:styleLbl name="parChTrans2D4">
+    <dgm:fillClrLst meth="repeat">
+      <a:schemeClr val="accent1"/>
+    </dgm:fillClrLst>
+    <dgm:linClrLst meth="repeat">
+      <a:schemeClr val="accent1"/>
+    </dgm:linClrLst>
+    <dgm:effectClrLst/>
+    <dgm:txLinClrLst/>
+    <dgm:txFillClrLst meth="repeat">
+      <a:schemeClr val="lt1"/>
+    </dgm:txFillClrLst>
+    <dgm:txEffectClrLst/>
+  </dgm:styleLbl>
+  <dgm:styleLbl name="parChTrans1D1">
+    <dgm:fillClrLst meth="repeat">
+      <a:schemeClr val="accent1"/>
+    </dgm:fillClrLst>
+    <dgm:linClrLst meth="repeat">
+      <a:schemeClr val="accent1">
+        <a:shade val="60000"/>
+      </a:schemeClr>
+    </dgm:linClrLst>
+    <dgm:effectClrLst/>
+    <dgm:txLinClrLst/>
+    <dgm:txFillClrLst meth="repeat">
+      <a:schemeClr val="tx1"/>
+    </dgm:txFillClrLst>
+    <dgm:txEffectClrLst/>
+  </dgm:styleLbl>
+  <dgm:styleLbl name="parChTrans1D2">
+    <dgm:fillClrLst meth="repeat">
+      <a:schemeClr val="accent1"/>
+    </dgm:fillClrLst>
+    <dgm:linClrLst meth="repeat">
+      <a:schemeClr val="accent1">
+        <a:shade val="60000"/>
+      </a:schemeClr>
+    </dgm:linClrLst>
+    <dgm:effectClrLst/>
+    <dgm:txLinClrLst/>
+    <dgm:txFillClrLst meth="repeat">
+      <a:schemeClr val="tx1"/>
+    </dgm:txFillClrLst>
+    <dgm:txEffectClrLst/>
+  </dgm:styleLbl>
+  <dgm:styleLbl name="parChTrans1D3">
+    <dgm:fillClrLst meth="repeat">
+      <a:schemeClr val="accent1"/>
+    </dgm:fillClrLst>
+    <dgm:linClrLst meth="repeat">
+      <a:schemeClr val="accent1">
+        <a:shade val="80000"/>
+      </a:schemeClr>
+    </dgm:linClrLst>
+    <dgm:effectClrLst/>
+    <dgm:txLinClrLst/>
+    <dgm:txFillClrLst meth="repeat">
+      <a:schemeClr val="tx1"/>
+    </dgm:txFillClrLst>
+    <dgm:txEffectClrLst/>
+  </dgm:styleLbl>
+  <dgm:styleLbl name="parChTrans1D4">
+    <dgm:fillClrLst meth="repeat">
+      <a:schemeClr val="accent1"/>
+    </dgm:fillClrLst>
+    <dgm:linClrLst meth="repeat">
+      <a:schemeClr val="accent1">
+        <a:shade val="80000"/>
+      </a:schemeClr>
+    </dgm:linClrLst>
+    <dgm:effectClrLst/>
+    <dgm:txLinClrLst/>
+    <dgm:txFillClrLst meth="repeat">
+      <a:schemeClr val="tx1"/>
+    </dgm:txFillClrLst>
+    <dgm:txEffectClrLst/>
+  </dgm:styleLbl>
+  <dgm:styleLbl name="fgAcc1">
+    <dgm:fillClrLst meth="repeat">
+      <a:schemeClr val="lt1">
+        <a:alpha val="90000"/>
+      </a:schemeClr>
+    </dgm:fillClrLst>
+    <dgm:linClrLst meth="repeat">
+      <a:schemeClr val="accent1"/>
+    </dgm:linClrLst>
+    <dgm:effectClrLst/>
+    <dgm:txLinClrLst/>
+    <dgm:txFillClrLst meth="repeat">
+      <a:schemeClr val="dk1"/>
+    </dgm:txFillClrLst>
+    <dgm:txEffectClrLst/>
+  </dgm:styleLbl>
+  <dgm:styleLbl name="conFgAcc1">
+    <dgm:fillClrLst meth="repeat">
+      <a:schemeClr val="lt1">
+        <a:alpha val="90000"/>
+      </a:schemeClr>
+    </dgm:fillClrLst>
+    <dgm:linClrLst meth="repeat">
+      <a:schemeClr val="accent1"/>
+    </dgm:linClrLst>
+    <dgm:effectClrLst/>
+    <dgm:txLinClrLst/>
+    <dgm:txFillClrLst meth="repeat">
+      <a:schemeClr val="dk1"/>
+    </dgm:txFillClrLst>
+    <dgm:txEffectClrLst/>
+  </dgm:styleLbl>
+  <dgm:styleLbl name="alignAcc1">
+    <dgm:fillClrLst meth="repeat">
+      <a:schemeClr val="lt1">
+        <a:alpha val="90000"/>
+      </a:schemeClr>
+    </dgm:fillClrLst>
+    <dgm:linClrLst meth="repeat">
+      <a:schemeClr val="accent1"/>
+    </dgm:linClrLst>
+    <dgm:effectClrLst/>
+    <dgm:txLinClrLst/>
+    <dgm:txFillClrLst meth="repeat">
+      <a:schemeClr val="dk1"/>
+    </dgm:txFillClrLst>
+    <dgm:txEffectClrLst/>
+  </dgm:styleLbl>
+  <dgm:styleLbl name="trAlignAcc1">
+    <dgm:fillClrLst meth="repeat">
+      <a:schemeClr val="lt1">
+        <a:alpha val="40000"/>
+      </a:schemeClr>
+    </dgm:fillClrLst>
+    <dgm:linClrLst meth="repeat">
+      <a:schemeClr val="accent1"/>
+    </dgm:linClrLst>
+    <dgm:effectClrLst/>
+    <dgm:txLinClrLst/>
+    <dgm:txFillClrLst meth="repeat">
+      <a:schemeClr val="dk1"/>
+    </dgm:txFillClrLst>
+    <dgm:txEffectClrLst/>
+  </dgm:styleLbl>
+  <dgm:styleLbl name="bgAcc1">
+    <dgm:fillClrLst meth="repeat">
+      <a:schemeClr val="lt1">
+        <a:alpha val="90000"/>
+      </a:schemeClr>
+    </dgm:fillClrLst>
+    <dgm:linClrLst meth="repeat">
+      <a:schemeClr val="accent1"/>
+    </dgm:linClrLst>
+    <dgm:effectClrLst/>
+    <dgm:txLinClrLst/>
+    <dgm:txFillClrLst meth="repeat">
+      <a:schemeClr val="dk1"/>
+    </dgm:txFillClrLst>
+    <dgm:txEffectClrLst/>
+  </dgm:styleLbl>
+  <dgm:styleLbl name="solidFgAcc1">
+    <dgm:fillClrLst meth="repeat">
+      <a:schemeClr val="lt1"/>
+    </dgm:fillClrLst>
+    <dgm:linClrLst meth="repeat">
+      <a:schemeClr val="accent1"/>
+    </dgm:linClrLst>
+    <dgm:effectClrLst/>
+    <dgm:txLinClrLst/>
+    <dgm:txFillClrLst meth="repeat">
+      <a:schemeClr val="dk1"/>
+    </dgm:txFillClrLst>
+    <dgm:txEffectClrLst/>
+  </dgm:styleLbl>
+  <dgm:styleLbl name="solidAlignAcc1">
+    <dgm:fillClrLst meth="repeat">
+      <a:schemeClr val="lt1"/>
+    </dgm:fillClrLst>
+    <dgm:linClrLst meth="repeat">
+      <a:schemeClr val="accent1"/>
+    </dgm:linClrLst>
+    <dgm:effectClrLst/>
+    <dgm:txLinClrLst/>
+    <dgm:txFillClrLst meth="repeat">
+      <a:schemeClr val="dk1"/>
+    </dgm:txFillClrLst>
+    <dgm:txEffectClrLst/>
+  </dgm:styleLbl>
+  <dgm:styleLbl name="solidBgAcc1">
+    <dgm:fillClrLst meth="repeat">
+      <a:schemeClr val="lt1"/>
+    </dgm:fillClrLst>
+    <dgm:linClrLst meth="repeat">
+      <a:schemeClr val="accent1"/>
+    </dgm:linClrLst>
+    <dgm:effectClrLst/>
+    <dgm:txLinClrLst/>
+    <dgm:txFillClrLst meth="repeat">
+      <a:schemeClr val="dk1"/>
+    </dgm:txFillClrLst>
+    <dgm:txEffectClrLst/>
+  </dgm:styleLbl>
+  <dgm:styleLbl name="fgAccFollowNode1">
+    <dgm:fillClrLst meth="repeat">
+      <a:schemeClr val="accent1">
+        <a:alpha val="90000"/>
+        <a:tint val="40000"/>
+      </a:schemeClr>
+    </dgm:fillClrLst>
+    <dgm:linClrLst meth="repeat">
+      <a:schemeClr val="accent1">
+        <a:alpha val="90000"/>
+        <a:tint val="40000"/>
+      </a:schemeClr>
+    </dgm:linClrLst>
+    <dgm:effectClrLst/>
+    <dgm:txLinClrLst/>
+    <dgm:txFillClrLst meth="repeat">
+      <a:schemeClr val="dk1"/>
+    </dgm:txFillClrLst>
+    <dgm:txEffectClrLst/>
+  </dgm:styleLbl>
+  <dgm:styleLbl name="alignAccFollowNode1">
+    <dgm:fillClrLst meth="repeat">
+      <a:schemeClr val="accent1">
+        <a:alpha val="90000"/>
+        <a:tint val="40000"/>
+      </a:schemeClr>
+    </dgm:fillClrLst>
+    <dgm:linClrLst meth="repeat">
+      <a:schemeClr val="accent1">
+        <a:alpha val="90000"/>
+        <a:tint val="40000"/>
+      </a:schemeClr>
+    </dgm:linClrLst>
+    <dgm:effectClrLst/>
+    <dgm:txLinClrLst/>
+    <dgm:txFillClrLst meth="repeat">
+      <a:schemeClr val="dk1"/>
+    </dgm:txFillClrLst>
+    <dgm:txEffectClrLst/>
+  </dgm:styleLbl>
+  <dgm:styleLbl name="bgAccFollowNode1">
+    <dgm:fillClrLst meth="repeat">
+      <a:schemeClr val="accent1">
+        <a:alpha val="90000"/>
+        <a:tint val="40000"/>
+      </a:schemeClr>
+    </dgm:fillClrLst>
+    <dgm:linClrLst meth="repeat">
+      <a:schemeClr val="accent1">
+        <a:alpha val="90000"/>
+        <a:tint val="40000"/>
+      </a:schemeClr>
+    </dgm:linClrLst>
+    <dgm:effectClrLst/>
+    <dgm:txLinClrLst/>
+    <dgm:txFillClrLst meth="repeat">
+      <a:schemeClr val="dk1"/>
+    </dgm:txFillClrLst>
+    <dgm:txEffectClrLst/>
+  </dgm:styleLbl>
+  <dgm:styleLbl name="fgAcc0">
+    <dgm:fillClrLst meth="repeat">
+      <a:schemeClr val="lt1">
+        <a:alpha val="90000"/>
+      </a:schemeClr>
+    </dgm:fillClrLst>
+    <dgm:linClrLst meth="repeat">
+      <a:schemeClr val="accent1"/>
+    </dgm:linClrLst>
+    <dgm:effectClrLst/>
+    <dgm:txLinClrLst/>
+    <dgm:txFillClrLst meth="repeat">
+      <a:schemeClr val="dk1"/>
+    </dgm:txFillClrLst>
+    <dgm:txEffectClrLst/>
+  </dgm:styleLbl>
+  <dgm:styleLbl name="fgAcc2">
+    <dgm:fillClrLst meth="repeat">
+      <a:schemeClr val="lt1">
+        <a:alpha val="90000"/>
+      </a:schemeClr>
+    </dgm:fillClrLst>
+    <dgm:linClrLst meth="repeat">
+      <a:schemeClr val="accent1"/>
+    </dgm:linClrLst>
+    <dgm:effectClrLst/>
+    <dgm:txLinClrLst/>
+    <dgm:txFillClrLst meth="repeat">
+      <a:schemeClr val="dk1"/>
+    </dgm:txFillClrLst>
+    <dgm:txEffectClrLst/>
+  </dgm:styleLbl>
+  <dgm:styleLbl name="fgAcc3">
+    <dgm:fillClrLst meth="repeat">
+      <a:schemeClr val="lt1">
+        <a:alpha val="90000"/>
+      </a:schemeClr>
+    </dgm:fillClrLst>
+    <dgm:linClrLst meth="repeat">
+      <a:schemeClr val="accent1"/>
+    </dgm:linClrLst>
+    <dgm:effectClrLst/>
+    <dgm:txLinClrLst/>
+    <dgm:txFillClrLst meth="repeat">
+      <a:schemeClr val="dk1"/>
+    </dgm:txFillClrLst>
+    <dgm:txEffectClrLst/>
+  </dgm:styleLbl>
+  <dgm:styleLbl name="fgAcc4">
+    <dgm:fillClrLst meth="repeat">
+      <a:schemeClr val="lt1">
+        <a:alpha val="90000"/>
+      </a:schemeClr>
+    </dgm:fillClrLst>
+    <dgm:linClrLst meth="repeat">
+      <a:schemeClr val="accent1"/>
+    </dgm:linClrLst>
+    <dgm:effectClrLst/>
+    <dgm:txLinClrLst/>
+    <dgm:txFillClrLst meth="repeat">
+      <a:schemeClr val="dk1"/>
+    </dgm:txFillClrLst>
+    <dgm:txEffectClrLst/>
+  </dgm:styleLbl>
+  <dgm:styleLbl name="bgShp">
+    <dgm:fillClrLst meth="repeat">
+      <a:schemeClr val="accent1">
+        <a:tint val="40000"/>
+      </a:schemeClr>
+    </dgm:fillClrLst>
+    <dgm:linClrLst meth="repeat">
+      <a:schemeClr val="accent1"/>
+    </dgm:linClrLst>
+    <dgm:effectClrLst/>
+    <dgm:txLinClrLst/>
+    <dgm:txFillClrLst meth="repeat">
+      <a:schemeClr val="dk1"/>
+    </dgm:txFillClrLst>
+    <dgm:txEffectClrLst/>
+  </dgm:styleLbl>
+  <dgm:styleLbl name="dkBgShp">
+    <dgm:fillClrLst meth="repeat">
+      <a:schemeClr val="accent1">
+        <a:shade val="80000"/>
+      </a:schemeClr>
+    </dgm:fillClrLst>
+    <dgm:linClrLst meth="repeat">
+      <a:schemeClr val="accent1"/>
+    </dgm:linClrLst>
+    <dgm:effectClrLst/>
+    <dgm:txLinClrLst/>
+    <dgm:txFillClrLst meth="repeat">
+      <a:schemeClr val="lt1"/>
+    </dgm:txFillClrLst>
+    <dgm:txEffectClrLst/>
+  </dgm:styleLbl>
+  <dgm:styleLbl name="trBgShp">
+    <dgm:fillClrLst meth="repeat">
+      <a:schemeClr val="accent1">
+        <a:tint val="50000"/>
+        <a:alpha val="40000"/>
+      </a:schemeClr>
+    </dgm:fillClrLst>
+    <dgm:linClrLst meth="repeat">
+      <a:schemeClr val="accent1"/>
+    </dgm:linClrLst>
+    <dgm:effectClrLst/>
+    <dgm:txLinClrLst/>
+    <dgm:txFillClrLst meth="repeat">
+      <a:schemeClr val="lt1"/>
+    </dgm:txFillClrLst>
+    <dgm:txEffectClrLst/>
+  </dgm:styleLbl>
+  <dgm:styleLbl name="fgShp">
+    <dgm:fillClrLst meth="repeat">
+      <a:schemeClr val="accent1">
+        <a:tint val="60000"/>
+      </a:schemeClr>
+    </dgm:fillClrLst>
+    <dgm:linClrLst meth="repeat">
+      <a:schemeClr val="lt1"/>
+    </dgm:linClrLst>
+    <dgm:effectClrLst/>
+    <dgm:txLinClrLst/>
+    <dgm:txFillClrLst meth="repeat">
+      <a:schemeClr val="dk1"/>
+    </dgm:txFillClrLst>
+    <dgm:txEffectClrLst/>
+  </dgm:styleLbl>
+  <dgm:styleLbl name="revTx">
+    <dgm:fillClrLst meth="repeat">
+      <a:schemeClr val="lt1">
+        <a:alpha val="0"/>
+      </a:schemeClr>
+    </dgm:fillClrLst>
+    <dgm:linClrLst meth="repeat">
+      <a:schemeClr val="dk1">
+        <a:alpha val="0"/>
+      </a:schemeClr>
+    </dgm:linClrLst>
+    <dgm:effectClrLst/>
+    <dgm:txLinClrLst/>
+    <dgm:txFillClrLst meth="repeat">
+      <a:schemeClr val="tx1"/>
+    </dgm:txFillClrLst>
+    <dgm:txEffectClrLst/>
+  </dgm:styleLbl>
+</dgm:colorsDef>
+</file>
+
+<file path=ppt/diagrams/colors6.xml><?xml version="1.0" encoding="utf-8"?>
 <dgm:colorsDef xmlns:dgm="http://schemas.openxmlformats.org/drawingml/2006/diagram" xmlns:a="http://schemas.openxmlformats.org/drawingml/2006/main" uniqueId="urn:microsoft.com/office/officeart/2005/8/colors/colorful5">
   <dgm:title val=""/>
   <dgm:desc val=""/>
@@ -5647,7 +6397,754 @@
 </dgm:colorsDef>
 </file>
 
-<file path=ppt/diagrams/colors6.xml><?xml version="1.0" encoding="utf-8"?>
+<file path=ppt/diagrams/colors7.xml><?xml version="1.0" encoding="utf-8"?>
+<dgm:colorsDef xmlns:dgm="http://schemas.openxmlformats.org/drawingml/2006/diagram" xmlns:a="http://schemas.openxmlformats.org/drawingml/2006/main" uniqueId="urn:microsoft.com/office/officeart/2005/8/colors/accent1_2">
+  <dgm:title val=""/>
+  <dgm:desc val=""/>
+  <dgm:catLst>
+    <dgm:cat type="accent1" pri="11200"/>
+  </dgm:catLst>
+  <dgm:styleLbl name="node0">
+    <dgm:fillClrLst meth="repeat">
+      <a:schemeClr val="accent1"/>
+    </dgm:fillClrLst>
+    <dgm:linClrLst meth="repeat">
+      <a:schemeClr val="lt1"/>
+    </dgm:linClrLst>
+    <dgm:effectClrLst/>
+    <dgm:txLinClrLst/>
+    <dgm:txFillClrLst/>
+    <dgm:txEffectClrLst/>
+  </dgm:styleLbl>
+  <dgm:styleLbl name="alignNode1">
+    <dgm:fillClrLst meth="repeat">
+      <a:schemeClr val="accent1"/>
+    </dgm:fillClrLst>
+    <dgm:linClrLst meth="repeat">
+      <a:schemeClr val="accent1"/>
+    </dgm:linClrLst>
+    <dgm:effectClrLst/>
+    <dgm:txLinClrLst/>
+    <dgm:txFillClrLst/>
+    <dgm:txEffectClrLst/>
+  </dgm:styleLbl>
+  <dgm:styleLbl name="node1">
+    <dgm:fillClrLst meth="repeat">
+      <a:schemeClr val="accent1"/>
+    </dgm:fillClrLst>
+    <dgm:linClrLst meth="repeat">
+      <a:schemeClr val="lt1"/>
+    </dgm:linClrLst>
+    <dgm:effectClrLst/>
+    <dgm:txLinClrLst/>
+    <dgm:txFillClrLst/>
+    <dgm:txEffectClrLst/>
+  </dgm:styleLbl>
+  <dgm:styleLbl name="lnNode1">
+    <dgm:fillClrLst meth="repeat">
+      <a:schemeClr val="accent1"/>
+    </dgm:fillClrLst>
+    <dgm:linClrLst meth="repeat">
+      <a:schemeClr val="lt1"/>
+    </dgm:linClrLst>
+    <dgm:effectClrLst/>
+    <dgm:txLinClrLst/>
+    <dgm:txFillClrLst/>
+    <dgm:txEffectClrLst/>
+  </dgm:styleLbl>
+  <dgm:styleLbl name="vennNode1">
+    <dgm:fillClrLst meth="repeat">
+      <a:schemeClr val="accent1">
+        <a:alpha val="50000"/>
+      </a:schemeClr>
+    </dgm:fillClrLst>
+    <dgm:linClrLst meth="repeat">
+      <a:schemeClr val="lt1"/>
+    </dgm:linClrLst>
+    <dgm:effectClrLst/>
+    <dgm:txLinClrLst/>
+    <dgm:txFillClrLst/>
+    <dgm:txEffectClrLst/>
+  </dgm:styleLbl>
+  <dgm:styleLbl name="node2">
+    <dgm:fillClrLst meth="repeat">
+      <a:schemeClr val="accent1"/>
+    </dgm:fillClrLst>
+    <dgm:linClrLst meth="repeat">
+      <a:schemeClr val="lt1"/>
+    </dgm:linClrLst>
+    <dgm:effectClrLst/>
+    <dgm:txLinClrLst/>
+    <dgm:txFillClrLst/>
+    <dgm:txEffectClrLst/>
+  </dgm:styleLbl>
+  <dgm:styleLbl name="node3">
+    <dgm:fillClrLst meth="repeat">
+      <a:schemeClr val="accent1"/>
+    </dgm:fillClrLst>
+    <dgm:linClrLst meth="repeat">
+      <a:schemeClr val="lt1"/>
+    </dgm:linClrLst>
+    <dgm:effectClrLst/>
+    <dgm:txLinClrLst/>
+    <dgm:txFillClrLst/>
+    <dgm:txEffectClrLst/>
+  </dgm:styleLbl>
+  <dgm:styleLbl name="node4">
+    <dgm:fillClrLst meth="repeat">
+      <a:schemeClr val="accent1"/>
+    </dgm:fillClrLst>
+    <dgm:linClrLst meth="repeat">
+      <a:schemeClr val="lt1"/>
+    </dgm:linClrLst>
+    <dgm:effectClrLst/>
+    <dgm:txLinClrLst/>
+    <dgm:txFillClrLst/>
+    <dgm:txEffectClrLst/>
+  </dgm:styleLbl>
+  <dgm:styleLbl name="fgImgPlace1">
+    <dgm:fillClrLst meth="repeat">
+      <a:schemeClr val="accent1">
+        <a:tint val="50000"/>
+      </a:schemeClr>
+    </dgm:fillClrLst>
+    <dgm:linClrLst meth="repeat">
+      <a:schemeClr val="lt1"/>
+    </dgm:linClrLst>
+    <dgm:effectClrLst/>
+    <dgm:txLinClrLst/>
+    <dgm:txFillClrLst meth="repeat">
+      <a:schemeClr val="lt1"/>
+    </dgm:txFillClrLst>
+    <dgm:txEffectClrLst/>
+  </dgm:styleLbl>
+  <dgm:styleLbl name="alignImgPlace1">
+    <dgm:fillClrLst meth="repeat">
+      <a:schemeClr val="accent1">
+        <a:tint val="50000"/>
+      </a:schemeClr>
+    </dgm:fillClrLst>
+    <dgm:linClrLst meth="repeat">
+      <a:schemeClr val="lt1"/>
+    </dgm:linClrLst>
+    <dgm:effectClrLst/>
+    <dgm:txLinClrLst/>
+    <dgm:txFillClrLst meth="repeat">
+      <a:schemeClr val="lt1"/>
+    </dgm:txFillClrLst>
+    <dgm:txEffectClrLst/>
+  </dgm:styleLbl>
+  <dgm:styleLbl name="bgImgPlace1">
+    <dgm:fillClrLst meth="repeat">
+      <a:schemeClr val="accent1">
+        <a:tint val="50000"/>
+      </a:schemeClr>
+    </dgm:fillClrLst>
+    <dgm:linClrLst meth="repeat">
+      <a:schemeClr val="lt1"/>
+    </dgm:linClrLst>
+    <dgm:effectClrLst/>
+    <dgm:txLinClrLst/>
+    <dgm:txFillClrLst meth="repeat">
+      <a:schemeClr val="lt1"/>
+    </dgm:txFillClrLst>
+    <dgm:txEffectClrLst/>
+  </dgm:styleLbl>
+  <dgm:styleLbl name="sibTrans2D1">
+    <dgm:fillClrLst meth="repeat">
+      <a:schemeClr val="accent1">
+        <a:tint val="60000"/>
+      </a:schemeClr>
+    </dgm:fillClrLst>
+    <dgm:linClrLst meth="repeat">
+      <a:schemeClr val="accent1">
+        <a:tint val="60000"/>
+      </a:schemeClr>
+    </dgm:linClrLst>
+    <dgm:effectClrLst/>
+    <dgm:txLinClrLst/>
+    <dgm:txFillClrLst/>
+    <dgm:txEffectClrLst/>
+  </dgm:styleLbl>
+  <dgm:styleLbl name="fgSibTrans2D1">
+    <dgm:fillClrLst meth="repeat">
+      <a:schemeClr val="accent1">
+        <a:tint val="60000"/>
+      </a:schemeClr>
+    </dgm:fillClrLst>
+    <dgm:linClrLst meth="repeat">
+      <a:schemeClr val="accent1">
+        <a:tint val="60000"/>
+      </a:schemeClr>
+    </dgm:linClrLst>
+    <dgm:effectClrLst/>
+    <dgm:txLinClrLst/>
+    <dgm:txFillClrLst/>
+    <dgm:txEffectClrLst/>
+  </dgm:styleLbl>
+  <dgm:styleLbl name="bgSibTrans2D1">
+    <dgm:fillClrLst meth="repeat">
+      <a:schemeClr val="accent1">
+        <a:tint val="60000"/>
+      </a:schemeClr>
+    </dgm:fillClrLst>
+    <dgm:linClrLst meth="repeat">
+      <a:schemeClr val="accent1">
+        <a:tint val="60000"/>
+      </a:schemeClr>
+    </dgm:linClrLst>
+    <dgm:effectClrLst/>
+    <dgm:txLinClrLst/>
+    <dgm:txFillClrLst/>
+    <dgm:txEffectClrLst/>
+  </dgm:styleLbl>
+  <dgm:styleLbl name="sibTrans1D1">
+    <dgm:fillClrLst meth="repeat">
+      <a:schemeClr val="accent1"/>
+    </dgm:fillClrLst>
+    <dgm:linClrLst meth="repeat">
+      <a:schemeClr val="accent1"/>
+    </dgm:linClrLst>
+    <dgm:effectClrLst/>
+    <dgm:txLinClrLst/>
+    <dgm:txFillClrLst meth="repeat">
+      <a:schemeClr val="tx1"/>
+    </dgm:txFillClrLst>
+    <dgm:txEffectClrLst/>
+  </dgm:styleLbl>
+  <dgm:styleLbl name="callout">
+    <dgm:fillClrLst meth="repeat">
+      <a:schemeClr val="accent1"/>
+    </dgm:fillClrLst>
+    <dgm:linClrLst meth="repeat">
+      <a:schemeClr val="accent1">
+        <a:tint val="50000"/>
+      </a:schemeClr>
+    </dgm:linClrLst>
+    <dgm:effectClrLst/>
+    <dgm:txLinClrLst/>
+    <dgm:txFillClrLst meth="repeat">
+      <a:schemeClr val="tx1"/>
+    </dgm:txFillClrLst>
+    <dgm:txEffectClrLst/>
+  </dgm:styleLbl>
+  <dgm:styleLbl name="asst0">
+    <dgm:fillClrLst meth="repeat">
+      <a:schemeClr val="accent1"/>
+    </dgm:fillClrLst>
+    <dgm:linClrLst meth="repeat">
+      <a:schemeClr val="lt1"/>
+    </dgm:linClrLst>
+    <dgm:effectClrLst/>
+    <dgm:txLinClrLst/>
+    <dgm:txFillClrLst/>
+    <dgm:txEffectClrLst/>
+  </dgm:styleLbl>
+  <dgm:styleLbl name="asst1">
+    <dgm:fillClrLst meth="repeat">
+      <a:schemeClr val="accent1"/>
+    </dgm:fillClrLst>
+    <dgm:linClrLst meth="repeat">
+      <a:schemeClr val="lt1"/>
+    </dgm:linClrLst>
+    <dgm:effectClrLst/>
+    <dgm:txLinClrLst/>
+    <dgm:txFillClrLst/>
+    <dgm:txEffectClrLst/>
+  </dgm:styleLbl>
+  <dgm:styleLbl name="asst2">
+    <dgm:fillClrLst meth="repeat">
+      <a:schemeClr val="accent1"/>
+    </dgm:fillClrLst>
+    <dgm:linClrLst meth="repeat">
+      <a:schemeClr val="lt1"/>
+    </dgm:linClrLst>
+    <dgm:effectClrLst/>
+    <dgm:txLinClrLst/>
+    <dgm:txFillClrLst/>
+    <dgm:txEffectClrLst/>
+  </dgm:styleLbl>
+  <dgm:styleLbl name="asst3">
+    <dgm:fillClrLst meth="repeat">
+      <a:schemeClr val="accent1"/>
+    </dgm:fillClrLst>
+    <dgm:linClrLst meth="repeat">
+      <a:schemeClr val="lt1"/>
+    </dgm:linClrLst>
+    <dgm:effectClrLst/>
+    <dgm:txLinClrLst/>
+    <dgm:txFillClrLst/>
+    <dgm:txEffectClrLst/>
+  </dgm:styleLbl>
+  <dgm:styleLbl name="asst4">
+    <dgm:fillClrLst meth="repeat">
+      <a:schemeClr val="accent1"/>
+    </dgm:fillClrLst>
+    <dgm:linClrLst meth="repeat">
+      <a:schemeClr val="lt1"/>
+    </dgm:linClrLst>
+    <dgm:effectClrLst/>
+    <dgm:txLinClrLst/>
+    <dgm:txFillClrLst/>
+    <dgm:txEffectClrLst/>
+  </dgm:styleLbl>
+  <dgm:styleLbl name="parChTrans2D1">
+    <dgm:fillClrLst meth="repeat">
+      <a:schemeClr val="accent1">
+        <a:tint val="60000"/>
+      </a:schemeClr>
+    </dgm:fillClrLst>
+    <dgm:linClrLst meth="repeat">
+      <a:schemeClr val="accent1">
+        <a:tint val="60000"/>
+      </a:schemeClr>
+    </dgm:linClrLst>
+    <dgm:effectClrLst/>
+    <dgm:txLinClrLst/>
+    <dgm:txFillClrLst meth="repeat">
+      <a:schemeClr val="lt1"/>
+    </dgm:txFillClrLst>
+    <dgm:txEffectClrLst/>
+  </dgm:styleLbl>
+  <dgm:styleLbl name="parChTrans2D2">
+    <dgm:fillClrLst meth="repeat">
+      <a:schemeClr val="accent1"/>
+    </dgm:fillClrLst>
+    <dgm:linClrLst meth="repeat">
+      <a:schemeClr val="accent1"/>
+    </dgm:linClrLst>
+    <dgm:effectClrLst/>
+    <dgm:txLinClrLst/>
+    <dgm:txFillClrLst meth="repeat">
+      <a:schemeClr val="lt1"/>
+    </dgm:txFillClrLst>
+    <dgm:txEffectClrLst/>
+  </dgm:styleLbl>
+  <dgm:styleLbl name="parChTrans2D3">
+    <dgm:fillClrLst meth="repeat">
+      <a:schemeClr val="accent1"/>
+    </dgm:fillClrLst>
+    <dgm:linClrLst meth="repeat">
+      <a:schemeClr val="accent1"/>
+    </dgm:linClrLst>
+    <dgm:effectClrLst/>
+    <dgm:txLinClrLst/>
+    <dgm:txFillClrLst meth="repeat">
+      <a:schemeClr val="lt1"/>
+    </dgm:txFillClrLst>
+    <dgm:txEffectClrLst/>
+  </dgm:styleLbl>
+  <dgm:styleLbl name="parChTrans2D4">
+    <dgm:fillClrLst meth="repeat">
+      <a:schemeClr val="accent1"/>
+    </dgm:fillClrLst>
+    <dgm:linClrLst meth="repeat">
+      <a:schemeClr val="accent1"/>
+    </dgm:linClrLst>
+    <dgm:effectClrLst/>
+    <dgm:txLinClrLst/>
+    <dgm:txFillClrLst meth="repeat">
+      <a:schemeClr val="lt1"/>
+    </dgm:txFillClrLst>
+    <dgm:txEffectClrLst/>
+  </dgm:styleLbl>
+  <dgm:styleLbl name="parChTrans1D1">
+    <dgm:fillClrLst meth="repeat">
+      <a:schemeClr val="accent1"/>
+    </dgm:fillClrLst>
+    <dgm:linClrLst meth="repeat">
+      <a:schemeClr val="accent1">
+        <a:shade val="60000"/>
+      </a:schemeClr>
+    </dgm:linClrLst>
+    <dgm:effectClrLst/>
+    <dgm:txLinClrLst/>
+    <dgm:txFillClrLst meth="repeat">
+      <a:schemeClr val="tx1"/>
+    </dgm:txFillClrLst>
+    <dgm:txEffectClrLst/>
+  </dgm:styleLbl>
+  <dgm:styleLbl name="parChTrans1D2">
+    <dgm:fillClrLst meth="repeat">
+      <a:schemeClr val="accent1"/>
+    </dgm:fillClrLst>
+    <dgm:linClrLst meth="repeat">
+      <a:schemeClr val="accent1">
+        <a:shade val="60000"/>
+      </a:schemeClr>
+    </dgm:linClrLst>
+    <dgm:effectClrLst/>
+    <dgm:txLinClrLst/>
+    <dgm:txFillClrLst meth="repeat">
+      <a:schemeClr val="tx1"/>
+    </dgm:txFillClrLst>
+    <dgm:txEffectClrLst/>
+  </dgm:styleLbl>
+  <dgm:styleLbl name="parChTrans1D3">
+    <dgm:fillClrLst meth="repeat">
+      <a:schemeClr val="accent1"/>
+    </dgm:fillClrLst>
+    <dgm:linClrLst meth="repeat">
+      <a:schemeClr val="accent1">
+        <a:shade val="80000"/>
+      </a:schemeClr>
+    </dgm:linClrLst>
+    <dgm:effectClrLst/>
+    <dgm:txLinClrLst/>
+    <dgm:txFillClrLst meth="repeat">
+      <a:schemeClr val="tx1"/>
+    </dgm:txFillClrLst>
+    <dgm:txEffectClrLst/>
+  </dgm:styleLbl>
+  <dgm:styleLbl name="parChTrans1D4">
+    <dgm:fillClrLst meth="repeat">
+      <a:schemeClr val="accent1"/>
+    </dgm:fillClrLst>
+    <dgm:linClrLst meth="repeat">
+      <a:schemeClr val="accent1">
+        <a:shade val="80000"/>
+      </a:schemeClr>
+    </dgm:linClrLst>
+    <dgm:effectClrLst/>
+    <dgm:txLinClrLst/>
+    <dgm:txFillClrLst meth="repeat">
+      <a:schemeClr val="tx1"/>
+    </dgm:txFillClrLst>
+    <dgm:txEffectClrLst/>
+  </dgm:styleLbl>
+  <dgm:styleLbl name="fgAcc1">
+    <dgm:fillClrLst meth="repeat">
+      <a:schemeClr val="lt1">
+        <a:alpha val="90000"/>
+      </a:schemeClr>
+    </dgm:fillClrLst>
+    <dgm:linClrLst meth="repeat">
+      <a:schemeClr val="accent1"/>
+    </dgm:linClrLst>
+    <dgm:effectClrLst/>
+    <dgm:txLinClrLst/>
+    <dgm:txFillClrLst meth="repeat">
+      <a:schemeClr val="dk1"/>
+    </dgm:txFillClrLst>
+    <dgm:txEffectClrLst/>
+  </dgm:styleLbl>
+  <dgm:styleLbl name="conFgAcc1">
+    <dgm:fillClrLst meth="repeat">
+      <a:schemeClr val="lt1">
+        <a:alpha val="90000"/>
+      </a:schemeClr>
+    </dgm:fillClrLst>
+    <dgm:linClrLst meth="repeat">
+      <a:schemeClr val="accent1"/>
+    </dgm:linClrLst>
+    <dgm:effectClrLst/>
+    <dgm:txLinClrLst/>
+    <dgm:txFillClrLst meth="repeat">
+      <a:schemeClr val="dk1"/>
+    </dgm:txFillClrLst>
+    <dgm:txEffectClrLst/>
+  </dgm:styleLbl>
+  <dgm:styleLbl name="alignAcc1">
+    <dgm:fillClrLst meth="repeat">
+      <a:schemeClr val="lt1">
+        <a:alpha val="90000"/>
+      </a:schemeClr>
+    </dgm:fillClrLst>
+    <dgm:linClrLst meth="repeat">
+      <a:schemeClr val="accent1"/>
+    </dgm:linClrLst>
+    <dgm:effectClrLst/>
+    <dgm:txLinClrLst/>
+    <dgm:txFillClrLst meth="repeat">
+      <a:schemeClr val="dk1"/>
+    </dgm:txFillClrLst>
+    <dgm:txEffectClrLst/>
+  </dgm:styleLbl>
+  <dgm:styleLbl name="trAlignAcc1">
+    <dgm:fillClrLst meth="repeat">
+      <a:schemeClr val="lt1">
+        <a:alpha val="40000"/>
+      </a:schemeClr>
+    </dgm:fillClrLst>
+    <dgm:linClrLst meth="repeat">
+      <a:schemeClr val="accent1"/>
+    </dgm:linClrLst>
+    <dgm:effectClrLst/>
+    <dgm:txLinClrLst/>
+    <dgm:txFillClrLst meth="repeat">
+      <a:schemeClr val="dk1"/>
+    </dgm:txFillClrLst>
+    <dgm:txEffectClrLst/>
+  </dgm:styleLbl>
+  <dgm:styleLbl name="bgAcc1">
+    <dgm:fillClrLst meth="repeat">
+      <a:schemeClr val="lt1">
+        <a:alpha val="90000"/>
+      </a:schemeClr>
+    </dgm:fillClrLst>
+    <dgm:linClrLst meth="repeat">
+      <a:schemeClr val="accent1"/>
+    </dgm:linClrLst>
+    <dgm:effectClrLst/>
+    <dgm:txLinClrLst/>
+    <dgm:txFillClrLst meth="repeat">
+      <a:schemeClr val="dk1"/>
+    </dgm:txFillClrLst>
+    <dgm:txEffectClrLst/>
+  </dgm:styleLbl>
+  <dgm:styleLbl name="solidFgAcc1">
+    <dgm:fillClrLst meth="repeat">
+      <a:schemeClr val="lt1"/>
+    </dgm:fillClrLst>
+    <dgm:linClrLst meth="repeat">
+      <a:schemeClr val="accent1"/>
+    </dgm:linClrLst>
+    <dgm:effectClrLst/>
+    <dgm:txLinClrLst/>
+    <dgm:txFillClrLst meth="repeat">
+      <a:schemeClr val="dk1"/>
+    </dgm:txFillClrLst>
+    <dgm:txEffectClrLst/>
+  </dgm:styleLbl>
+  <dgm:styleLbl name="solidAlignAcc1">
+    <dgm:fillClrLst meth="repeat">
+      <a:schemeClr val="lt1"/>
+    </dgm:fillClrLst>
+    <dgm:linClrLst meth="repeat">
+      <a:schemeClr val="accent1"/>
+    </dgm:linClrLst>
+    <dgm:effectClrLst/>
+    <dgm:txLinClrLst/>
+    <dgm:txFillClrLst meth="repeat">
+      <a:schemeClr val="dk1"/>
+    </dgm:txFillClrLst>
+    <dgm:txEffectClrLst/>
+  </dgm:styleLbl>
+  <dgm:styleLbl name="solidBgAcc1">
+    <dgm:fillClrLst meth="repeat">
+      <a:schemeClr val="lt1"/>
+    </dgm:fillClrLst>
+    <dgm:linClrLst meth="repeat">
+      <a:schemeClr val="accent1"/>
+    </dgm:linClrLst>
+    <dgm:effectClrLst/>
+    <dgm:txLinClrLst/>
+    <dgm:txFillClrLst meth="repeat">
+      <a:schemeClr val="dk1"/>
+    </dgm:txFillClrLst>
+    <dgm:txEffectClrLst/>
+  </dgm:styleLbl>
+  <dgm:styleLbl name="fgAccFollowNode1">
+    <dgm:fillClrLst meth="repeat">
+      <a:schemeClr val="accent1">
+        <a:alpha val="90000"/>
+        <a:tint val="40000"/>
+      </a:schemeClr>
+    </dgm:fillClrLst>
+    <dgm:linClrLst meth="repeat">
+      <a:schemeClr val="accent1">
+        <a:alpha val="90000"/>
+        <a:tint val="40000"/>
+      </a:schemeClr>
+    </dgm:linClrLst>
+    <dgm:effectClrLst/>
+    <dgm:txLinClrLst/>
+    <dgm:txFillClrLst meth="repeat">
+      <a:schemeClr val="dk1"/>
+    </dgm:txFillClrLst>
+    <dgm:txEffectClrLst/>
+  </dgm:styleLbl>
+  <dgm:styleLbl name="alignAccFollowNode1">
+    <dgm:fillClrLst meth="repeat">
+      <a:schemeClr val="accent1">
+        <a:alpha val="90000"/>
+        <a:tint val="40000"/>
+      </a:schemeClr>
+    </dgm:fillClrLst>
+    <dgm:linClrLst meth="repeat">
+      <a:schemeClr val="accent1">
+        <a:alpha val="90000"/>
+        <a:tint val="40000"/>
+      </a:schemeClr>
+    </dgm:linClrLst>
+    <dgm:effectClrLst/>
+    <dgm:txLinClrLst/>
+    <dgm:txFillClrLst meth="repeat">
+      <a:schemeClr val="dk1"/>
+    </dgm:txFillClrLst>
+    <dgm:txEffectClrLst/>
+  </dgm:styleLbl>
+  <dgm:styleLbl name="bgAccFollowNode1">
+    <dgm:fillClrLst meth="repeat">
+      <a:schemeClr val="accent1">
+        <a:alpha val="90000"/>
+        <a:tint val="40000"/>
+      </a:schemeClr>
+    </dgm:fillClrLst>
+    <dgm:linClrLst meth="repeat">
+      <a:schemeClr val="accent1">
+        <a:alpha val="90000"/>
+        <a:tint val="40000"/>
+      </a:schemeClr>
+    </dgm:linClrLst>
+    <dgm:effectClrLst/>
+    <dgm:txLinClrLst/>
+    <dgm:txFillClrLst meth="repeat">
+      <a:schemeClr val="dk1"/>
+    </dgm:txFillClrLst>
+    <dgm:txEffectClrLst/>
+  </dgm:styleLbl>
+  <dgm:styleLbl name="fgAcc0">
+    <dgm:fillClrLst meth="repeat">
+      <a:schemeClr val="lt1">
+        <a:alpha val="90000"/>
+      </a:schemeClr>
+    </dgm:fillClrLst>
+    <dgm:linClrLst meth="repeat">
+      <a:schemeClr val="accent1"/>
+    </dgm:linClrLst>
+    <dgm:effectClrLst/>
+    <dgm:txLinClrLst/>
+    <dgm:txFillClrLst meth="repeat">
+      <a:schemeClr val="dk1"/>
+    </dgm:txFillClrLst>
+    <dgm:txEffectClrLst/>
+  </dgm:styleLbl>
+  <dgm:styleLbl name="fgAcc2">
+    <dgm:fillClrLst meth="repeat">
+      <a:schemeClr val="lt1">
+        <a:alpha val="90000"/>
+      </a:schemeClr>
+    </dgm:fillClrLst>
+    <dgm:linClrLst meth="repeat">
+      <a:schemeClr val="accent1"/>
+    </dgm:linClrLst>
+    <dgm:effectClrLst/>
+    <dgm:txLinClrLst/>
+    <dgm:txFillClrLst meth="repeat">
+      <a:schemeClr val="dk1"/>
+    </dgm:txFillClrLst>
+    <dgm:txEffectClrLst/>
+  </dgm:styleLbl>
+  <dgm:styleLbl name="fgAcc3">
+    <dgm:fillClrLst meth="repeat">
+      <a:schemeClr val="lt1">
+        <a:alpha val="90000"/>
+      </a:schemeClr>
+    </dgm:fillClrLst>
+    <dgm:linClrLst meth="repeat">
+      <a:schemeClr val="accent1"/>
+    </dgm:linClrLst>
+    <dgm:effectClrLst/>
+    <dgm:txLinClrLst/>
+    <dgm:txFillClrLst meth="repeat">
+      <a:schemeClr val="dk1"/>
+    </dgm:txFillClrLst>
+    <dgm:txEffectClrLst/>
+  </dgm:styleLbl>
+  <dgm:styleLbl name="fgAcc4">
+    <dgm:fillClrLst meth="repeat">
+      <a:schemeClr val="lt1">
+        <a:alpha val="90000"/>
+      </a:schemeClr>
+    </dgm:fillClrLst>
+    <dgm:linClrLst meth="repeat">
+      <a:schemeClr val="accent1"/>
+    </dgm:linClrLst>
+    <dgm:effectClrLst/>
+    <dgm:txLinClrLst/>
+    <dgm:txFillClrLst meth="repeat">
+      <a:schemeClr val="dk1"/>
+    </dgm:txFillClrLst>
+    <dgm:txEffectClrLst/>
+  </dgm:styleLbl>
+  <dgm:styleLbl name="bgShp">
+    <dgm:fillClrLst meth="repeat">
+      <a:schemeClr val="accent1">
+        <a:tint val="40000"/>
+      </a:schemeClr>
+    </dgm:fillClrLst>
+    <dgm:linClrLst meth="repeat">
+      <a:schemeClr val="accent1"/>
+    </dgm:linClrLst>
+    <dgm:effectClrLst/>
+    <dgm:txLinClrLst/>
+    <dgm:txFillClrLst meth="repeat">
+      <a:schemeClr val="dk1"/>
+    </dgm:txFillClrLst>
+    <dgm:txEffectClrLst/>
+  </dgm:styleLbl>
+  <dgm:styleLbl name="dkBgShp">
+    <dgm:fillClrLst meth="repeat">
+      <a:schemeClr val="accent1">
+        <a:shade val="80000"/>
+      </a:schemeClr>
+    </dgm:fillClrLst>
+    <dgm:linClrLst meth="repeat">
+      <a:schemeClr val="accent1"/>
+    </dgm:linClrLst>
+    <dgm:effectClrLst/>
+    <dgm:txLinClrLst/>
+    <dgm:txFillClrLst meth="repeat">
+      <a:schemeClr val="lt1"/>
+    </dgm:txFillClrLst>
+    <dgm:txEffectClrLst/>
+  </dgm:styleLbl>
+  <dgm:styleLbl name="trBgShp">
+    <dgm:fillClrLst meth="repeat">
+      <a:schemeClr val="accent1">
+        <a:tint val="50000"/>
+        <a:alpha val="40000"/>
+      </a:schemeClr>
+    </dgm:fillClrLst>
+    <dgm:linClrLst meth="repeat">
+      <a:schemeClr val="accent1"/>
+    </dgm:linClrLst>
+    <dgm:effectClrLst/>
+    <dgm:txLinClrLst/>
+    <dgm:txFillClrLst meth="repeat">
+      <a:schemeClr val="lt1"/>
+    </dgm:txFillClrLst>
+    <dgm:txEffectClrLst/>
+  </dgm:styleLbl>
+  <dgm:styleLbl name="fgShp">
+    <dgm:fillClrLst meth="repeat">
+      <a:schemeClr val="accent1">
+        <a:tint val="60000"/>
+      </a:schemeClr>
+    </dgm:fillClrLst>
+    <dgm:linClrLst meth="repeat">
+      <a:schemeClr val="lt1"/>
+    </dgm:linClrLst>
+    <dgm:effectClrLst/>
+    <dgm:txLinClrLst/>
+    <dgm:txFillClrLst meth="repeat">
+      <a:schemeClr val="dk1"/>
+    </dgm:txFillClrLst>
+    <dgm:txEffectClrLst/>
+  </dgm:styleLbl>
+  <dgm:styleLbl name="revTx">
+    <dgm:fillClrLst meth="repeat">
+      <a:schemeClr val="lt1">
+        <a:alpha val="0"/>
+      </a:schemeClr>
+    </dgm:fillClrLst>
+    <dgm:linClrLst meth="repeat">
+      <a:schemeClr val="dk1">
+        <a:alpha val="0"/>
+      </a:schemeClr>
+    </dgm:linClrLst>
+    <dgm:effectClrLst/>
+    <dgm:txLinClrLst/>
+    <dgm:txFillClrLst meth="repeat">
+      <a:schemeClr val="tx1"/>
+    </dgm:txFillClrLst>
+    <dgm:txEffectClrLst/>
+  </dgm:styleLbl>
+</dgm:colorsDef>
+</file>
+
+<file path=ppt/diagrams/colors8.xml><?xml version="1.0" encoding="utf-8"?>
 <dgm:colorsDef xmlns:dgm="http://schemas.openxmlformats.org/drawingml/2006/diagram" xmlns:a="http://schemas.openxmlformats.org/drawingml/2006/main" uniqueId="urn:microsoft.com/office/officeart/2018/5/colors/Iconchunking_neutralbg_colorful1">
   <dgm:title val=""/>
   <dgm:desc val=""/>
@@ -6568,7 +8065,7 @@
 </dgm:colorsDef>
 </file>
 
-<file path=ppt/diagrams/colors7.xml><?xml version="1.0" encoding="utf-8"?>
+<file path=ppt/diagrams/colors9.xml><?xml version="1.0" encoding="utf-8"?>
 <dgm:colorsDef xmlns:dgm="http://schemas.openxmlformats.org/drawingml/2006/diagram" xmlns:a="http://schemas.openxmlformats.org/drawingml/2006/main" uniqueId="urn:microsoft.com/office/officeart/2005/8/colors/colorful1">
   <dgm:title val=""/>
   <dgm:desc val=""/>
@@ -9348,6 +10845,504 @@
 <file path=ppt/diagrams/data5.xml><?xml version="1.0" encoding="utf-8"?>
 <dgm:dataModel xmlns:dgm="http://schemas.openxmlformats.org/drawingml/2006/diagram" xmlns:a="http://schemas.openxmlformats.org/drawingml/2006/main">
   <dgm:ptLst>
+    <dgm:pt modelId="{ED924D34-EE58-43BA-A9FB-979AD8745B11}" type="doc">
+      <dgm:prSet loTypeId="urn:microsoft.com/office/officeart/2018/2/layout/IconCircleList" loCatId="icon" qsTypeId="urn:microsoft.com/office/officeart/2005/8/quickstyle/simple1" qsCatId="simple" csTypeId="urn:microsoft.com/office/officeart/2005/8/colors/accent1_2" csCatId="accent1" phldr="1"/>
+      <dgm:spPr/>
+      <dgm:t>
+        <a:bodyPr/>
+        <a:lstStyle/>
+        <a:p>
+          <a:endParaRPr lang="en-US"/>
+        </a:p>
+      </dgm:t>
+    </dgm:pt>
+    <dgm:pt modelId="{24C47394-B9F3-43B7-B740-790A8B4DE5D6}">
+      <dgm:prSet custT="1"/>
+      <dgm:spPr/>
+      <dgm:t>
+        <a:bodyPr/>
+        <a:lstStyle/>
+        <a:p>
+          <a:pPr>
+            <a:lnSpc>
+              <a:spcPct val="100000"/>
+            </a:lnSpc>
+          </a:pPr>
+          <a:r>
+            <a:rPr lang="en-US" sz="1200" b="0" i="0" dirty="0">
+              <a:latin typeface="Times New Roman" panose="02020603050405020304" pitchFamily="18" charset="0"/>
+              <a:cs typeface="Times New Roman" panose="02020603050405020304" pitchFamily="18" charset="0"/>
+            </a:rPr>
+            <a:t>Developed a realistic and functional database vacation package services (flight, accommodations and attractions) with complex relations.</a:t>
+          </a:r>
+          <a:endParaRPr lang="en-US" sz="1200" dirty="0">
+            <a:latin typeface="Times New Roman" panose="02020603050405020304" pitchFamily="18" charset="0"/>
+            <a:cs typeface="Times New Roman" panose="02020603050405020304" pitchFamily="18" charset="0"/>
+          </a:endParaRPr>
+        </a:p>
+      </dgm:t>
+    </dgm:pt>
+    <dgm:pt modelId="{B7EF4BE9-FC3C-4B0F-85F5-5311DE32C195}" type="parTrans" cxnId="{B83652B5-B767-4EC7-A1A6-EB7C4373BC7D}">
+      <dgm:prSet/>
+      <dgm:spPr/>
+      <dgm:t>
+        <a:bodyPr/>
+        <a:lstStyle/>
+        <a:p>
+          <a:endParaRPr lang="en-US"/>
+        </a:p>
+      </dgm:t>
+    </dgm:pt>
+    <dgm:pt modelId="{B4B6CC9E-B0E1-4DB8-8234-B8AF84300FF7}" type="sibTrans" cxnId="{B83652B5-B767-4EC7-A1A6-EB7C4373BC7D}">
+      <dgm:prSet/>
+      <dgm:spPr/>
+      <dgm:t>
+        <a:bodyPr/>
+        <a:lstStyle/>
+        <a:p>
+          <a:pPr>
+            <a:lnSpc>
+              <a:spcPct val="100000"/>
+            </a:lnSpc>
+          </a:pPr>
+          <a:endParaRPr lang="en-US"/>
+        </a:p>
+      </dgm:t>
+    </dgm:pt>
+    <dgm:pt modelId="{E392AE32-2687-448D-B042-03CF32C953BC}">
+      <dgm:prSet/>
+      <dgm:spPr/>
+      <dgm:t>
+        <a:bodyPr/>
+        <a:lstStyle/>
+        <a:p>
+          <a:pPr>
+            <a:lnSpc>
+              <a:spcPct val="100000"/>
+            </a:lnSpc>
+          </a:pPr>
+          <a:r>
+            <a:rPr lang="en-US" b="0" i="0" dirty="0">
+              <a:latin typeface="Times New Roman" panose="02020603050405020304" pitchFamily="18" charset="0"/>
+              <a:cs typeface="Times New Roman" panose="02020603050405020304" pitchFamily="18" charset="0"/>
+            </a:rPr>
+            <a:t>Populated the database with wide amount of data, including thousands of </a:t>
+          </a:r>
+          <a:r>
+            <a:rPr lang="en-US" dirty="0">
+              <a:latin typeface="Times New Roman" panose="02020603050405020304" pitchFamily="18" charset="0"/>
+              <a:cs typeface="Times New Roman" panose="02020603050405020304" pitchFamily="18" charset="0"/>
+            </a:rPr>
+            <a:t>stays</a:t>
+          </a:r>
+          <a:r>
+            <a:rPr lang="en-US" b="0" i="0" dirty="0">
+              <a:latin typeface="Times New Roman" panose="02020603050405020304" pitchFamily="18" charset="0"/>
+              <a:cs typeface="Times New Roman" panose="02020603050405020304" pitchFamily="18" charset="0"/>
+            </a:rPr>
+            <a:t> options and flight routes.</a:t>
+          </a:r>
+          <a:endParaRPr lang="en-US" dirty="0">
+            <a:latin typeface="Times New Roman" panose="02020603050405020304" pitchFamily="18" charset="0"/>
+            <a:cs typeface="Times New Roman" panose="02020603050405020304" pitchFamily="18" charset="0"/>
+          </a:endParaRPr>
+        </a:p>
+      </dgm:t>
+    </dgm:pt>
+    <dgm:pt modelId="{DEA3ADC7-859F-4C25-9E6A-04524D319244}" type="parTrans" cxnId="{7D69B745-5640-49CF-8F35-591EA9EBB3E7}">
+      <dgm:prSet/>
+      <dgm:spPr/>
+      <dgm:t>
+        <a:bodyPr/>
+        <a:lstStyle/>
+        <a:p>
+          <a:endParaRPr lang="en-US"/>
+        </a:p>
+      </dgm:t>
+    </dgm:pt>
+    <dgm:pt modelId="{AD1B170A-9725-4D89-896E-ED4491236A84}" type="sibTrans" cxnId="{7D69B745-5640-49CF-8F35-591EA9EBB3E7}">
+      <dgm:prSet/>
+      <dgm:spPr/>
+      <dgm:t>
+        <a:bodyPr/>
+        <a:lstStyle/>
+        <a:p>
+          <a:pPr>
+            <a:lnSpc>
+              <a:spcPct val="100000"/>
+            </a:lnSpc>
+          </a:pPr>
+          <a:endParaRPr lang="en-US"/>
+        </a:p>
+      </dgm:t>
+    </dgm:pt>
+    <dgm:pt modelId="{47F4B6CD-958A-4561-98D8-AA08570D3D12}">
+      <dgm:prSet/>
+      <dgm:spPr/>
+      <dgm:t>
+        <a:bodyPr/>
+        <a:lstStyle/>
+        <a:p>
+          <a:pPr>
+            <a:lnSpc>
+              <a:spcPct val="100000"/>
+            </a:lnSpc>
+          </a:pPr>
+          <a:r>
+            <a:rPr lang="en-US" b="0" i="0" dirty="0">
+              <a:latin typeface="Times New Roman" panose="02020603050405020304" pitchFamily="18" charset="0"/>
+              <a:cs typeface="Times New Roman" panose="02020603050405020304" pitchFamily="18" charset="0"/>
+            </a:rPr>
+            <a:t>Designed the database to support efficient query processing for optimal recommendations.</a:t>
+          </a:r>
+          <a:endParaRPr lang="en-US" dirty="0">
+            <a:latin typeface="Times New Roman" panose="02020603050405020304" pitchFamily="18" charset="0"/>
+            <a:cs typeface="Times New Roman" panose="02020603050405020304" pitchFamily="18" charset="0"/>
+          </a:endParaRPr>
+        </a:p>
+      </dgm:t>
+    </dgm:pt>
+    <dgm:pt modelId="{A9C20124-BDB7-4E9E-A5D6-8F325312A212}" type="parTrans" cxnId="{2FDF61B2-1BCE-4D29-81AB-753EB49004A2}">
+      <dgm:prSet/>
+      <dgm:spPr/>
+      <dgm:t>
+        <a:bodyPr/>
+        <a:lstStyle/>
+        <a:p>
+          <a:endParaRPr lang="en-US"/>
+        </a:p>
+      </dgm:t>
+    </dgm:pt>
+    <dgm:pt modelId="{649F0739-E7A8-47E0-9B5A-0FE29A4D35FD}" type="sibTrans" cxnId="{2FDF61B2-1BCE-4D29-81AB-753EB49004A2}">
+      <dgm:prSet/>
+      <dgm:spPr/>
+      <dgm:t>
+        <a:bodyPr/>
+        <a:lstStyle/>
+        <a:p>
+          <a:pPr>
+            <a:lnSpc>
+              <a:spcPct val="100000"/>
+            </a:lnSpc>
+          </a:pPr>
+          <a:endParaRPr lang="en-US"/>
+        </a:p>
+      </dgm:t>
+    </dgm:pt>
+    <dgm:pt modelId="{8E455A30-E607-4B35-ACC4-2C021E863A23}">
+      <dgm:prSet/>
+      <dgm:spPr/>
+      <dgm:t>
+        <a:bodyPr/>
+        <a:lstStyle/>
+        <a:p>
+          <a:pPr>
+            <a:lnSpc>
+              <a:spcPct val="100000"/>
+            </a:lnSpc>
+          </a:pPr>
+          <a:r>
+            <a:rPr lang="en-US" b="0" i="0" dirty="0">
+              <a:latin typeface="Times New Roman" panose="02020603050405020304" pitchFamily="18" charset="0"/>
+              <a:cs typeface="Times New Roman" panose="02020603050405020304" pitchFamily="18" charset="0"/>
+            </a:rPr>
+            <a:t>Recorded agents’ interaction and solutions they bring.</a:t>
+          </a:r>
+          <a:endParaRPr lang="en-US" dirty="0">
+            <a:latin typeface="Times New Roman" panose="02020603050405020304" pitchFamily="18" charset="0"/>
+            <a:cs typeface="Times New Roman" panose="02020603050405020304" pitchFamily="18" charset="0"/>
+          </a:endParaRPr>
+        </a:p>
+      </dgm:t>
+    </dgm:pt>
+    <dgm:pt modelId="{13947C64-37FB-4864-BF35-9C9FD193C810}" type="parTrans" cxnId="{FF05F683-4A4A-4FF0-B75F-778DABC3CBA1}">
+      <dgm:prSet/>
+      <dgm:spPr/>
+      <dgm:t>
+        <a:bodyPr/>
+        <a:lstStyle/>
+        <a:p>
+          <a:endParaRPr lang="en-US"/>
+        </a:p>
+      </dgm:t>
+    </dgm:pt>
+    <dgm:pt modelId="{B7DEA1E7-1782-44EC-BA40-6B2F891F78C2}" type="sibTrans" cxnId="{FF05F683-4A4A-4FF0-B75F-778DABC3CBA1}">
+      <dgm:prSet/>
+      <dgm:spPr/>
+      <dgm:t>
+        <a:bodyPr/>
+        <a:lstStyle/>
+        <a:p>
+          <a:endParaRPr lang="en-US"/>
+        </a:p>
+      </dgm:t>
+    </dgm:pt>
+    <dgm:pt modelId="{BF187DCD-F032-413C-82C3-83D44A2D9BE2}" type="pres">
+      <dgm:prSet presAssocID="{ED924D34-EE58-43BA-A9FB-979AD8745B11}" presName="root" presStyleCnt="0">
+        <dgm:presLayoutVars>
+          <dgm:dir/>
+          <dgm:resizeHandles val="exact"/>
+        </dgm:presLayoutVars>
+      </dgm:prSet>
+      <dgm:spPr/>
+    </dgm:pt>
+    <dgm:pt modelId="{9E5983B7-2584-4383-877D-61E6336E27DF}" type="pres">
+      <dgm:prSet presAssocID="{ED924D34-EE58-43BA-A9FB-979AD8745B11}" presName="container" presStyleCnt="0">
+        <dgm:presLayoutVars>
+          <dgm:dir/>
+          <dgm:resizeHandles val="exact"/>
+        </dgm:presLayoutVars>
+      </dgm:prSet>
+      <dgm:spPr/>
+    </dgm:pt>
+    <dgm:pt modelId="{D68B9BAF-B0E8-469B-8E13-BB62B226C43A}" type="pres">
+      <dgm:prSet presAssocID="{24C47394-B9F3-43B7-B740-790A8B4DE5D6}" presName="compNode" presStyleCnt="0"/>
+      <dgm:spPr/>
+    </dgm:pt>
+    <dgm:pt modelId="{7269E734-BC7A-4844-9664-4CD5E4024513}" type="pres">
+      <dgm:prSet presAssocID="{24C47394-B9F3-43B7-B740-790A8B4DE5D6}" presName="iconBgRect" presStyleLbl="bgShp" presStyleIdx="0" presStyleCnt="4"/>
+      <dgm:spPr/>
+    </dgm:pt>
+    <dgm:pt modelId="{BEDED3B9-0A00-46F4-BEB2-C87B0FC56195}" type="pres">
+      <dgm:prSet presAssocID="{24C47394-B9F3-43B7-B740-790A8B4DE5D6}" presName="iconRect" presStyleLbl="node1" presStyleIdx="0" presStyleCnt="4"/>
+      <dgm:spPr>
+        <a:blipFill>
+          <a:blip xmlns:r="http://schemas.openxmlformats.org/officeDocument/2006/relationships" r:embed="rId1">
+            <a:extLst>
+              <a:ext uri="{28A0092B-C50C-407E-A947-70E740481C1C}">
+                <a14:useLocalDpi xmlns:a14="http://schemas.microsoft.com/office/drawing/2010/main" val="0"/>
+              </a:ext>
+              <a:ext uri="{96DAC541-7B7A-43D3-8B79-37D633B846F1}">
+                <asvg:svgBlip xmlns:asvg="http://schemas.microsoft.com/office/drawing/2016/SVG/main" r:embed="rId2"/>
+              </a:ext>
+            </a:extLst>
+          </a:blip>
+          <a:stretch>
+            <a:fillRect/>
+          </a:stretch>
+        </a:blipFill>
+      </dgm:spPr>
+      <dgm:extLst>
+        <a:ext uri="{E40237B7-FDA0-4F09-8148-C483321AD2D9}">
+          <dgm14:cNvPr xmlns:dgm14="http://schemas.microsoft.com/office/drawing/2010/diagram" id="0" name="" descr="Pilot"/>
+        </a:ext>
+      </dgm:extLst>
+    </dgm:pt>
+    <dgm:pt modelId="{4CB42DBE-026B-4BE3-9205-BA6B4EEBCE76}" type="pres">
+      <dgm:prSet presAssocID="{24C47394-B9F3-43B7-B740-790A8B4DE5D6}" presName="spaceRect" presStyleCnt="0"/>
+      <dgm:spPr/>
+    </dgm:pt>
+    <dgm:pt modelId="{F0BBF86A-DE3E-4EE3-A980-F64021C9280F}" type="pres">
+      <dgm:prSet presAssocID="{24C47394-B9F3-43B7-B740-790A8B4DE5D6}" presName="textRect" presStyleLbl="revTx" presStyleIdx="0" presStyleCnt="4">
+        <dgm:presLayoutVars>
+          <dgm:chMax val="1"/>
+          <dgm:chPref val="1"/>
+        </dgm:presLayoutVars>
+      </dgm:prSet>
+      <dgm:spPr/>
+    </dgm:pt>
+    <dgm:pt modelId="{39CC6344-2B42-471E-8D1D-9569DE3851CB}" type="pres">
+      <dgm:prSet presAssocID="{B4B6CC9E-B0E1-4DB8-8234-B8AF84300FF7}" presName="sibTrans" presStyleLbl="sibTrans2D1" presStyleIdx="0" presStyleCnt="0"/>
+      <dgm:spPr/>
+    </dgm:pt>
+    <dgm:pt modelId="{02F13B02-6D44-4B0E-98C3-3A8F6116472A}" type="pres">
+      <dgm:prSet presAssocID="{E392AE32-2687-448D-B042-03CF32C953BC}" presName="compNode" presStyleCnt="0"/>
+      <dgm:spPr/>
+    </dgm:pt>
+    <dgm:pt modelId="{4C51AA87-0980-4669-B073-40DB0429B653}" type="pres">
+      <dgm:prSet presAssocID="{E392AE32-2687-448D-B042-03CF32C953BC}" presName="iconBgRect" presStyleLbl="bgShp" presStyleIdx="1" presStyleCnt="4"/>
+      <dgm:spPr/>
+    </dgm:pt>
+    <dgm:pt modelId="{E701C902-EDD1-4046-ABA9-CFF521B1BCE7}" type="pres">
+      <dgm:prSet presAssocID="{E392AE32-2687-448D-B042-03CF32C953BC}" presName="iconRect" presStyleLbl="node1" presStyleIdx="1" presStyleCnt="4"/>
+      <dgm:spPr>
+        <a:blipFill>
+          <a:blip xmlns:r="http://schemas.openxmlformats.org/officeDocument/2006/relationships" r:embed="rId3">
+            <a:extLst>
+              <a:ext uri="{28A0092B-C50C-407E-A947-70E740481C1C}">
+                <a14:useLocalDpi xmlns:a14="http://schemas.microsoft.com/office/drawing/2010/main" val="0"/>
+              </a:ext>
+              <a:ext uri="{96DAC541-7B7A-43D3-8B79-37D633B846F1}">
+                <asvg:svgBlip xmlns:asvg="http://schemas.microsoft.com/office/drawing/2016/SVG/main" r:embed="rId4"/>
+              </a:ext>
+            </a:extLst>
+          </a:blip>
+          <a:stretch>
+            <a:fillRect/>
+          </a:stretch>
+        </a:blipFill>
+      </dgm:spPr>
+      <dgm:extLst>
+        <a:ext uri="{E40237B7-FDA0-4F09-8148-C483321AD2D9}">
+          <dgm14:cNvPr xmlns:dgm14="http://schemas.microsoft.com/office/drawing/2010/diagram" id="0" name="" descr="Elicopter"/>
+        </a:ext>
+      </dgm:extLst>
+    </dgm:pt>
+    <dgm:pt modelId="{224FD99F-60E8-4ABD-A282-423FB5942154}" type="pres">
+      <dgm:prSet presAssocID="{E392AE32-2687-448D-B042-03CF32C953BC}" presName="spaceRect" presStyleCnt="0"/>
+      <dgm:spPr/>
+    </dgm:pt>
+    <dgm:pt modelId="{893A3422-6AEE-463E-8A19-286E623F8ACC}" type="pres">
+      <dgm:prSet presAssocID="{E392AE32-2687-448D-B042-03CF32C953BC}" presName="textRect" presStyleLbl="revTx" presStyleIdx="1" presStyleCnt="4">
+        <dgm:presLayoutVars>
+          <dgm:chMax val="1"/>
+          <dgm:chPref val="1"/>
+        </dgm:presLayoutVars>
+      </dgm:prSet>
+      <dgm:spPr/>
+    </dgm:pt>
+    <dgm:pt modelId="{578B9FCC-E7AD-42FB-ADEF-66547F6217A8}" type="pres">
+      <dgm:prSet presAssocID="{AD1B170A-9725-4D89-896E-ED4491236A84}" presName="sibTrans" presStyleLbl="sibTrans2D1" presStyleIdx="0" presStyleCnt="0"/>
+      <dgm:spPr/>
+    </dgm:pt>
+    <dgm:pt modelId="{FBC5E2B6-7580-42DE-95FC-099FEE8FCBD9}" type="pres">
+      <dgm:prSet presAssocID="{47F4B6CD-958A-4561-98D8-AA08570D3D12}" presName="compNode" presStyleCnt="0"/>
+      <dgm:spPr/>
+    </dgm:pt>
+    <dgm:pt modelId="{55B48314-3E0E-4A66-9AA1-DBBE9316CD87}" type="pres">
+      <dgm:prSet presAssocID="{47F4B6CD-958A-4561-98D8-AA08570D3D12}" presName="iconBgRect" presStyleLbl="bgShp" presStyleIdx="2" presStyleCnt="4"/>
+      <dgm:spPr/>
+    </dgm:pt>
+    <dgm:pt modelId="{F749EC66-809C-410D-9764-C433B76D12A0}" type="pres">
+      <dgm:prSet presAssocID="{47F4B6CD-958A-4561-98D8-AA08570D3D12}" presName="iconRect" presStyleLbl="node1" presStyleIdx="2" presStyleCnt="4"/>
+      <dgm:spPr>
+        <a:blipFill>
+          <a:blip xmlns:r="http://schemas.openxmlformats.org/officeDocument/2006/relationships" r:embed="rId5">
+            <a:extLst>
+              <a:ext uri="{28A0092B-C50C-407E-A947-70E740481C1C}">
+                <a14:useLocalDpi xmlns:a14="http://schemas.microsoft.com/office/drawing/2010/main" val="0"/>
+              </a:ext>
+              <a:ext uri="{96DAC541-7B7A-43D3-8B79-37D633B846F1}">
+                <asvg:svgBlip xmlns:asvg="http://schemas.microsoft.com/office/drawing/2016/SVG/main" r:embed="rId6"/>
+              </a:ext>
+            </a:extLst>
+          </a:blip>
+          <a:stretch>
+            <a:fillRect/>
+          </a:stretch>
+        </a:blipFill>
+      </dgm:spPr>
+      <dgm:extLst>
+        <a:ext uri="{E40237B7-FDA0-4F09-8148-C483321AD2D9}">
+          <dgm14:cNvPr xmlns:dgm14="http://schemas.microsoft.com/office/drawing/2010/diagram" id="0" name="" descr="Bază de date"/>
+        </a:ext>
+      </dgm:extLst>
+    </dgm:pt>
+    <dgm:pt modelId="{BCE84649-5119-47D0-A4FD-E2F851C3B3B1}" type="pres">
+      <dgm:prSet presAssocID="{47F4B6CD-958A-4561-98D8-AA08570D3D12}" presName="spaceRect" presStyleCnt="0"/>
+      <dgm:spPr/>
+    </dgm:pt>
+    <dgm:pt modelId="{DB844117-C25A-47A7-A4DB-AF1EF787A5C4}" type="pres">
+      <dgm:prSet presAssocID="{47F4B6CD-958A-4561-98D8-AA08570D3D12}" presName="textRect" presStyleLbl="revTx" presStyleIdx="2" presStyleCnt="4">
+        <dgm:presLayoutVars>
+          <dgm:chMax val="1"/>
+          <dgm:chPref val="1"/>
+        </dgm:presLayoutVars>
+      </dgm:prSet>
+      <dgm:spPr/>
+    </dgm:pt>
+    <dgm:pt modelId="{0A32EEC1-BFC1-4012-9191-010559F83E11}" type="pres">
+      <dgm:prSet presAssocID="{649F0739-E7A8-47E0-9B5A-0FE29A4D35FD}" presName="sibTrans" presStyleLbl="sibTrans2D1" presStyleIdx="0" presStyleCnt="0"/>
+      <dgm:spPr/>
+    </dgm:pt>
+    <dgm:pt modelId="{B9FCB7F1-9421-45CB-9855-9AAFF1E276D2}" type="pres">
+      <dgm:prSet presAssocID="{8E455A30-E607-4B35-ACC4-2C021E863A23}" presName="compNode" presStyleCnt="0"/>
+      <dgm:spPr/>
+    </dgm:pt>
+    <dgm:pt modelId="{FB0B1686-99DE-4186-8932-566ABE0D8CE1}" type="pres">
+      <dgm:prSet presAssocID="{8E455A30-E607-4B35-ACC4-2C021E863A23}" presName="iconBgRect" presStyleLbl="bgShp" presStyleIdx="3" presStyleCnt="4"/>
+      <dgm:spPr/>
+    </dgm:pt>
+    <dgm:pt modelId="{82BDF2EF-392A-4F95-B1BE-7C062C5EA0CA}" type="pres">
+      <dgm:prSet presAssocID="{8E455A30-E607-4B35-ACC4-2C021E863A23}" presName="iconRect" presStyleLbl="node1" presStyleIdx="3" presStyleCnt="4"/>
+      <dgm:spPr>
+        <a:blipFill>
+          <a:blip xmlns:r="http://schemas.openxmlformats.org/officeDocument/2006/relationships" r:embed="rId7">
+            <a:extLst>
+              <a:ext uri="{28A0092B-C50C-407E-A947-70E740481C1C}">
+                <a14:useLocalDpi xmlns:a14="http://schemas.microsoft.com/office/drawing/2010/main" val="0"/>
+              </a:ext>
+              <a:ext uri="{96DAC541-7B7A-43D3-8B79-37D633B846F1}">
+                <asvg:svgBlip xmlns:asvg="http://schemas.microsoft.com/office/drawing/2016/SVG/main" r:embed="rId8"/>
+              </a:ext>
+            </a:extLst>
+          </a:blip>
+          <a:stretch>
+            <a:fillRect/>
+          </a:stretch>
+        </a:blipFill>
+      </dgm:spPr>
+      <dgm:extLst>
+        <a:ext uri="{E40237B7-FDA0-4F09-8148-C483321AD2D9}">
+          <dgm14:cNvPr xmlns:dgm14="http://schemas.microsoft.com/office/drawing/2010/diagram" id="0" name="" descr="Call center"/>
+        </a:ext>
+      </dgm:extLst>
+    </dgm:pt>
+    <dgm:pt modelId="{E94EA332-AAAC-4ECB-BEDD-6DDDDBAC628A}" type="pres">
+      <dgm:prSet presAssocID="{8E455A30-E607-4B35-ACC4-2C021E863A23}" presName="spaceRect" presStyleCnt="0"/>
+      <dgm:spPr/>
+    </dgm:pt>
+    <dgm:pt modelId="{AAF3B625-3378-49CB-A78E-00FE04356A81}" type="pres">
+      <dgm:prSet presAssocID="{8E455A30-E607-4B35-ACC4-2C021E863A23}" presName="textRect" presStyleLbl="revTx" presStyleIdx="3" presStyleCnt="4">
+        <dgm:presLayoutVars>
+          <dgm:chMax val="1"/>
+          <dgm:chPref val="1"/>
+        </dgm:presLayoutVars>
+      </dgm:prSet>
+      <dgm:spPr/>
+    </dgm:pt>
+  </dgm:ptLst>
+  <dgm:cxnLst>
+    <dgm:cxn modelId="{60634D0E-88C0-41F6-8DD7-B6C8238B9123}" type="presOf" srcId="{AD1B170A-9725-4D89-896E-ED4491236A84}" destId="{578B9FCC-E7AD-42FB-ADEF-66547F6217A8}" srcOrd="0" destOrd="0" presId="urn:microsoft.com/office/officeart/2018/2/layout/IconCircleList"/>
+    <dgm:cxn modelId="{A3858217-F112-4485-8800-07528E29C1CD}" type="presOf" srcId="{B4B6CC9E-B0E1-4DB8-8234-B8AF84300FF7}" destId="{39CC6344-2B42-471E-8D1D-9569DE3851CB}" srcOrd="0" destOrd="0" presId="urn:microsoft.com/office/officeart/2018/2/layout/IconCircleList"/>
+    <dgm:cxn modelId="{88F3AC23-04B8-457C-90EF-A290AA4FE6EF}" type="presOf" srcId="{47F4B6CD-958A-4561-98D8-AA08570D3D12}" destId="{DB844117-C25A-47A7-A4DB-AF1EF787A5C4}" srcOrd="0" destOrd="0" presId="urn:microsoft.com/office/officeart/2018/2/layout/IconCircleList"/>
+    <dgm:cxn modelId="{D30BF127-A4FE-4A8A-8621-E53C8F3D77FA}" type="presOf" srcId="{649F0739-E7A8-47E0-9B5A-0FE29A4D35FD}" destId="{0A32EEC1-BFC1-4012-9191-010559F83E11}" srcOrd="0" destOrd="0" presId="urn:microsoft.com/office/officeart/2018/2/layout/IconCircleList"/>
+    <dgm:cxn modelId="{2276B245-BF0F-4947-BE13-71EFEB048DC5}" type="presOf" srcId="{E392AE32-2687-448D-B042-03CF32C953BC}" destId="{893A3422-6AEE-463E-8A19-286E623F8ACC}" srcOrd="0" destOrd="0" presId="urn:microsoft.com/office/officeart/2018/2/layout/IconCircleList"/>
+    <dgm:cxn modelId="{7D69B745-5640-49CF-8F35-591EA9EBB3E7}" srcId="{ED924D34-EE58-43BA-A9FB-979AD8745B11}" destId="{E392AE32-2687-448D-B042-03CF32C953BC}" srcOrd="1" destOrd="0" parTransId="{DEA3ADC7-859F-4C25-9E6A-04524D319244}" sibTransId="{AD1B170A-9725-4D89-896E-ED4491236A84}"/>
+    <dgm:cxn modelId="{EFF4546F-9618-48C3-9D57-36DE5CC08926}" type="presOf" srcId="{8E455A30-E607-4B35-ACC4-2C021E863A23}" destId="{AAF3B625-3378-49CB-A78E-00FE04356A81}" srcOrd="0" destOrd="0" presId="urn:microsoft.com/office/officeart/2018/2/layout/IconCircleList"/>
+    <dgm:cxn modelId="{448D597B-DE45-4E43-9F0E-811ACDCA86ED}" type="presOf" srcId="{24C47394-B9F3-43B7-B740-790A8B4DE5D6}" destId="{F0BBF86A-DE3E-4EE3-A980-F64021C9280F}" srcOrd="0" destOrd="0" presId="urn:microsoft.com/office/officeart/2018/2/layout/IconCircleList"/>
+    <dgm:cxn modelId="{FF05F683-4A4A-4FF0-B75F-778DABC3CBA1}" srcId="{ED924D34-EE58-43BA-A9FB-979AD8745B11}" destId="{8E455A30-E607-4B35-ACC4-2C021E863A23}" srcOrd="3" destOrd="0" parTransId="{13947C64-37FB-4864-BF35-9C9FD193C810}" sibTransId="{B7DEA1E7-1782-44EC-BA40-6B2F891F78C2}"/>
+    <dgm:cxn modelId="{2FDF61B2-1BCE-4D29-81AB-753EB49004A2}" srcId="{ED924D34-EE58-43BA-A9FB-979AD8745B11}" destId="{47F4B6CD-958A-4561-98D8-AA08570D3D12}" srcOrd="2" destOrd="0" parTransId="{A9C20124-BDB7-4E9E-A5D6-8F325312A212}" sibTransId="{649F0739-E7A8-47E0-9B5A-0FE29A4D35FD}"/>
+    <dgm:cxn modelId="{B83652B5-B767-4EC7-A1A6-EB7C4373BC7D}" srcId="{ED924D34-EE58-43BA-A9FB-979AD8745B11}" destId="{24C47394-B9F3-43B7-B740-790A8B4DE5D6}" srcOrd="0" destOrd="0" parTransId="{B7EF4BE9-FC3C-4B0F-85F5-5311DE32C195}" sibTransId="{B4B6CC9E-B0E1-4DB8-8234-B8AF84300FF7}"/>
+    <dgm:cxn modelId="{9C0A1DF1-6934-45B2-9551-576D7DC92BFC}" type="presOf" srcId="{ED924D34-EE58-43BA-A9FB-979AD8745B11}" destId="{BF187DCD-F032-413C-82C3-83D44A2D9BE2}" srcOrd="0" destOrd="0" presId="urn:microsoft.com/office/officeart/2018/2/layout/IconCircleList"/>
+    <dgm:cxn modelId="{3BE4D046-F3E8-43C9-9BBD-2E7F1EAB142C}" type="presParOf" srcId="{BF187DCD-F032-413C-82C3-83D44A2D9BE2}" destId="{9E5983B7-2584-4383-877D-61E6336E27DF}" srcOrd="0" destOrd="0" presId="urn:microsoft.com/office/officeart/2018/2/layout/IconCircleList"/>
+    <dgm:cxn modelId="{4BE36A29-D803-40C6-8675-B7350095E5A2}" type="presParOf" srcId="{9E5983B7-2584-4383-877D-61E6336E27DF}" destId="{D68B9BAF-B0E8-469B-8E13-BB62B226C43A}" srcOrd="0" destOrd="0" presId="urn:microsoft.com/office/officeart/2018/2/layout/IconCircleList"/>
+    <dgm:cxn modelId="{D23FC22E-0EE7-486C-A25D-90B11DFC91B0}" type="presParOf" srcId="{D68B9BAF-B0E8-469B-8E13-BB62B226C43A}" destId="{7269E734-BC7A-4844-9664-4CD5E4024513}" srcOrd="0" destOrd="0" presId="urn:microsoft.com/office/officeart/2018/2/layout/IconCircleList"/>
+    <dgm:cxn modelId="{7616F3AF-1037-4624-AB04-4E14269D7080}" type="presParOf" srcId="{D68B9BAF-B0E8-469B-8E13-BB62B226C43A}" destId="{BEDED3B9-0A00-46F4-BEB2-C87B0FC56195}" srcOrd="1" destOrd="0" presId="urn:microsoft.com/office/officeart/2018/2/layout/IconCircleList"/>
+    <dgm:cxn modelId="{95490064-A451-4FE2-9C6A-EB8AE71ABF51}" type="presParOf" srcId="{D68B9BAF-B0E8-469B-8E13-BB62B226C43A}" destId="{4CB42DBE-026B-4BE3-9205-BA6B4EEBCE76}" srcOrd="2" destOrd="0" presId="urn:microsoft.com/office/officeart/2018/2/layout/IconCircleList"/>
+    <dgm:cxn modelId="{BEE7E512-1475-49B6-BED4-0FC2DF1D1A4F}" type="presParOf" srcId="{D68B9BAF-B0E8-469B-8E13-BB62B226C43A}" destId="{F0BBF86A-DE3E-4EE3-A980-F64021C9280F}" srcOrd="3" destOrd="0" presId="urn:microsoft.com/office/officeart/2018/2/layout/IconCircleList"/>
+    <dgm:cxn modelId="{2D9263A7-EF71-43CF-94B2-051B858F94C5}" type="presParOf" srcId="{9E5983B7-2584-4383-877D-61E6336E27DF}" destId="{39CC6344-2B42-471E-8D1D-9569DE3851CB}" srcOrd="1" destOrd="0" presId="urn:microsoft.com/office/officeart/2018/2/layout/IconCircleList"/>
+    <dgm:cxn modelId="{BE7FE43B-864C-4BE9-86D4-A0CB1C63F9EC}" type="presParOf" srcId="{9E5983B7-2584-4383-877D-61E6336E27DF}" destId="{02F13B02-6D44-4B0E-98C3-3A8F6116472A}" srcOrd="2" destOrd="0" presId="urn:microsoft.com/office/officeart/2018/2/layout/IconCircleList"/>
+    <dgm:cxn modelId="{77570F23-3BA3-471B-BD59-6A5B8FD1A27C}" type="presParOf" srcId="{02F13B02-6D44-4B0E-98C3-3A8F6116472A}" destId="{4C51AA87-0980-4669-B073-40DB0429B653}" srcOrd="0" destOrd="0" presId="urn:microsoft.com/office/officeart/2018/2/layout/IconCircleList"/>
+    <dgm:cxn modelId="{B8B217A2-3D88-46FD-A1D6-1EE6CB45EF00}" type="presParOf" srcId="{02F13B02-6D44-4B0E-98C3-3A8F6116472A}" destId="{E701C902-EDD1-4046-ABA9-CFF521B1BCE7}" srcOrd="1" destOrd="0" presId="urn:microsoft.com/office/officeart/2018/2/layout/IconCircleList"/>
+    <dgm:cxn modelId="{576A624E-871A-40F3-8548-866B7AE38D06}" type="presParOf" srcId="{02F13B02-6D44-4B0E-98C3-3A8F6116472A}" destId="{224FD99F-60E8-4ABD-A282-423FB5942154}" srcOrd="2" destOrd="0" presId="urn:microsoft.com/office/officeart/2018/2/layout/IconCircleList"/>
+    <dgm:cxn modelId="{4FF19E5D-58AD-41A2-A84F-8498E0CC6B86}" type="presParOf" srcId="{02F13B02-6D44-4B0E-98C3-3A8F6116472A}" destId="{893A3422-6AEE-463E-8A19-286E623F8ACC}" srcOrd="3" destOrd="0" presId="urn:microsoft.com/office/officeart/2018/2/layout/IconCircleList"/>
+    <dgm:cxn modelId="{2836C40B-6B74-472F-A851-57EA585B7D37}" type="presParOf" srcId="{9E5983B7-2584-4383-877D-61E6336E27DF}" destId="{578B9FCC-E7AD-42FB-ADEF-66547F6217A8}" srcOrd="3" destOrd="0" presId="urn:microsoft.com/office/officeart/2018/2/layout/IconCircleList"/>
+    <dgm:cxn modelId="{45AF0C28-6E03-48DD-B5CC-CAC1B76EAECD}" type="presParOf" srcId="{9E5983B7-2584-4383-877D-61E6336E27DF}" destId="{FBC5E2B6-7580-42DE-95FC-099FEE8FCBD9}" srcOrd="4" destOrd="0" presId="urn:microsoft.com/office/officeart/2018/2/layout/IconCircleList"/>
+    <dgm:cxn modelId="{087EFF60-BCF9-4E66-8065-CB9B81C9F8C3}" type="presParOf" srcId="{FBC5E2B6-7580-42DE-95FC-099FEE8FCBD9}" destId="{55B48314-3E0E-4A66-9AA1-DBBE9316CD87}" srcOrd="0" destOrd="0" presId="urn:microsoft.com/office/officeart/2018/2/layout/IconCircleList"/>
+    <dgm:cxn modelId="{A18E347E-7F7B-40C6-80A0-CF74751AE76E}" type="presParOf" srcId="{FBC5E2B6-7580-42DE-95FC-099FEE8FCBD9}" destId="{F749EC66-809C-410D-9764-C433B76D12A0}" srcOrd="1" destOrd="0" presId="urn:microsoft.com/office/officeart/2018/2/layout/IconCircleList"/>
+    <dgm:cxn modelId="{73B60C70-9CA9-440E-88B6-737E89631DFC}" type="presParOf" srcId="{FBC5E2B6-7580-42DE-95FC-099FEE8FCBD9}" destId="{BCE84649-5119-47D0-A4FD-E2F851C3B3B1}" srcOrd="2" destOrd="0" presId="urn:microsoft.com/office/officeart/2018/2/layout/IconCircleList"/>
+    <dgm:cxn modelId="{5A81E684-407B-4246-A6B9-EB675CA5AB0F}" type="presParOf" srcId="{FBC5E2B6-7580-42DE-95FC-099FEE8FCBD9}" destId="{DB844117-C25A-47A7-A4DB-AF1EF787A5C4}" srcOrd="3" destOrd="0" presId="urn:microsoft.com/office/officeart/2018/2/layout/IconCircleList"/>
+    <dgm:cxn modelId="{182C7CF2-4303-473B-8D0A-04E01BB34E20}" type="presParOf" srcId="{9E5983B7-2584-4383-877D-61E6336E27DF}" destId="{0A32EEC1-BFC1-4012-9191-010559F83E11}" srcOrd="5" destOrd="0" presId="urn:microsoft.com/office/officeart/2018/2/layout/IconCircleList"/>
+    <dgm:cxn modelId="{EE3070DB-9E87-4002-A7F3-9420EE12F5C4}" type="presParOf" srcId="{9E5983B7-2584-4383-877D-61E6336E27DF}" destId="{B9FCB7F1-9421-45CB-9855-9AAFF1E276D2}" srcOrd="6" destOrd="0" presId="urn:microsoft.com/office/officeart/2018/2/layout/IconCircleList"/>
+    <dgm:cxn modelId="{DFD92AAD-C9D0-4F12-9CA4-0FDA24F39CFB}" type="presParOf" srcId="{B9FCB7F1-9421-45CB-9855-9AAFF1E276D2}" destId="{FB0B1686-99DE-4186-8932-566ABE0D8CE1}" srcOrd="0" destOrd="0" presId="urn:microsoft.com/office/officeart/2018/2/layout/IconCircleList"/>
+    <dgm:cxn modelId="{5A7FDD37-B6DD-4BBE-AEB1-70FDDC71A2D2}" type="presParOf" srcId="{B9FCB7F1-9421-45CB-9855-9AAFF1E276D2}" destId="{82BDF2EF-392A-4F95-B1BE-7C062C5EA0CA}" srcOrd="1" destOrd="0" presId="urn:microsoft.com/office/officeart/2018/2/layout/IconCircleList"/>
+    <dgm:cxn modelId="{2AE70131-82BC-4ACC-BCC0-C735F66D2D40}" type="presParOf" srcId="{B9FCB7F1-9421-45CB-9855-9AAFF1E276D2}" destId="{E94EA332-AAAC-4ECB-BEDD-6DDDDBAC628A}" srcOrd="2" destOrd="0" presId="urn:microsoft.com/office/officeart/2018/2/layout/IconCircleList"/>
+    <dgm:cxn modelId="{933FDF54-2F3C-4887-85D5-404EB86CA88B}" type="presParOf" srcId="{B9FCB7F1-9421-45CB-9855-9AAFF1E276D2}" destId="{AAF3B625-3378-49CB-A78E-00FE04356A81}" srcOrd="3" destOrd="0" presId="urn:microsoft.com/office/officeart/2018/2/layout/IconCircleList"/>
+  </dgm:cxnLst>
+  <dgm:bg/>
+  <dgm:whole/>
+  <dgm:extLst>
+    <a:ext uri="http://schemas.microsoft.com/office/drawing/2008/diagram">
+      <dsp:dataModelExt xmlns:dsp="http://schemas.microsoft.com/office/drawing/2008/diagram" relId="rId12" minVer="http://schemas.openxmlformats.org/drawingml/2006/diagram"/>
+    </a:ext>
+  </dgm:extLst>
+</dgm:dataModel>
+</file>
+
+<file path=ppt/diagrams/data6.xml><?xml version="1.0" encoding="utf-8"?>
+<dgm:dataModel xmlns:dgm="http://schemas.openxmlformats.org/drawingml/2006/diagram" xmlns:a="http://schemas.openxmlformats.org/drawingml/2006/main">
+  <dgm:ptLst>
     <dgm:pt modelId="{092174DA-D31A-40EC-97E4-C10D1EBFC75C}" type="doc">
       <dgm:prSet loTypeId="urn:microsoft.com/office/officeart/2005/8/layout/process1" loCatId="process" qsTypeId="urn:microsoft.com/office/officeart/2005/8/quickstyle/simple2" qsCatId="simple" csTypeId="urn:microsoft.com/office/officeart/2005/8/colors/colorful5" csCatId="colorful"/>
       <dgm:spPr/>
@@ -9742,7 +11737,257 @@
 </dgm:dataModel>
 </file>
 
-<file path=ppt/diagrams/data6.xml><?xml version="1.0" encoding="utf-8"?>
+<file path=ppt/diagrams/data7.xml><?xml version="1.0" encoding="utf-8"?>
+<dgm:dataModel xmlns:dgm="http://schemas.openxmlformats.org/drawingml/2006/diagram" xmlns:a="http://schemas.openxmlformats.org/drawingml/2006/main">
+  <dgm:ptLst>
+    <dgm:pt modelId="{6656C129-DCF4-4AA9-9AF2-C634D2191AD6}" type="doc">
+      <dgm:prSet loTypeId="urn:microsoft.com/office/officeart/2005/8/layout/hierarchy1" loCatId="hierarchy" qsTypeId="urn:microsoft.com/office/officeart/2005/8/quickstyle/simple1" qsCatId="simple" csTypeId="urn:microsoft.com/office/officeart/2005/8/colors/accent1_2" csCatId="accent1" phldr="1"/>
+      <dgm:spPr/>
+      <dgm:t>
+        <a:bodyPr/>
+        <a:lstStyle/>
+        <a:p>
+          <a:endParaRPr lang="en-US"/>
+        </a:p>
+      </dgm:t>
+    </dgm:pt>
+    <dgm:pt modelId="{19430894-CCE9-4251-8BAA-2B3CB4F4C9D1}">
+      <dgm:prSet custT="1"/>
+      <dgm:spPr/>
+      <dgm:t>
+        <a:bodyPr/>
+        <a:lstStyle/>
+        <a:p>
+          <a:r>
+            <a:rPr lang="en-US" sz="2000" dirty="0">
+              <a:latin typeface="Times New Roman" panose="02020603050405020304" pitchFamily="18" charset="0"/>
+              <a:cs typeface="Times New Roman" panose="02020603050405020304" pitchFamily="18" charset="0"/>
+            </a:rPr>
+            <a:t>To choose by a single characteristic?</a:t>
+          </a:r>
+        </a:p>
+      </dgm:t>
+    </dgm:pt>
+    <dgm:pt modelId="{63F4B5D3-31E5-43B3-94DA-8E3968037E38}" type="parTrans" cxnId="{7D32FA91-6B53-4F29-ABD9-F5DD4C0D95C1}">
+      <dgm:prSet/>
+      <dgm:spPr/>
+      <dgm:t>
+        <a:bodyPr/>
+        <a:lstStyle/>
+        <a:p>
+          <a:endParaRPr lang="en-US"/>
+        </a:p>
+      </dgm:t>
+    </dgm:pt>
+    <dgm:pt modelId="{DA4A2AC8-975F-49B0-B061-7AF044226A00}" type="sibTrans" cxnId="{7D32FA91-6B53-4F29-ABD9-F5DD4C0D95C1}">
+      <dgm:prSet/>
+      <dgm:spPr/>
+      <dgm:t>
+        <a:bodyPr/>
+        <a:lstStyle/>
+        <a:p>
+          <a:endParaRPr lang="en-US"/>
+        </a:p>
+      </dgm:t>
+    </dgm:pt>
+    <dgm:pt modelId="{5961A42A-30AE-404B-9B4F-99C24133F319}">
+      <dgm:prSet custT="1"/>
+      <dgm:spPr/>
+      <dgm:t>
+        <a:bodyPr/>
+        <a:lstStyle/>
+        <a:p>
+          <a:r>
+            <a:rPr lang="en-US" sz="2000" dirty="0">
+              <a:latin typeface="Times New Roman" panose="02020603050405020304" pitchFamily="18" charset="0"/>
+              <a:cs typeface="Times New Roman" panose="02020603050405020304" pitchFamily="18" charset="0"/>
+            </a:rPr>
+            <a:t>By several basic characteristic features?</a:t>
+          </a:r>
+        </a:p>
+      </dgm:t>
+    </dgm:pt>
+    <dgm:pt modelId="{7A7D2281-A363-48C7-B982-F32BB7B27576}" type="parTrans" cxnId="{B4500ED1-550C-4EC1-BB45-70990F96D9B1}">
+      <dgm:prSet/>
+      <dgm:spPr/>
+      <dgm:t>
+        <a:bodyPr/>
+        <a:lstStyle/>
+        <a:p>
+          <a:endParaRPr lang="en-US"/>
+        </a:p>
+      </dgm:t>
+    </dgm:pt>
+    <dgm:pt modelId="{6DCC6AFD-73DC-478B-B7DB-17BAB626CD9B}" type="sibTrans" cxnId="{B4500ED1-550C-4EC1-BB45-70990F96D9B1}">
+      <dgm:prSet/>
+      <dgm:spPr/>
+      <dgm:t>
+        <a:bodyPr/>
+        <a:lstStyle/>
+        <a:p>
+          <a:endParaRPr lang="en-US"/>
+        </a:p>
+      </dgm:t>
+    </dgm:pt>
+    <dgm:pt modelId="{C17BEB8C-1E1F-4343-A28F-EF137E547726}">
+      <dgm:prSet/>
+      <dgm:spPr/>
+      <dgm:t>
+        <a:bodyPr/>
+        <a:lstStyle/>
+        <a:p>
+          <a:r>
+            <a:rPr lang="en-US" dirty="0">
+              <a:latin typeface="Times New Roman" panose="02020603050405020304" pitchFamily="18" charset="0"/>
+              <a:cs typeface="Times New Roman" panose="02020603050405020304" pitchFamily="18" charset="0"/>
+            </a:rPr>
+            <a:t>Or by the option that corresponds to most characteristics?</a:t>
+          </a:r>
+        </a:p>
+      </dgm:t>
+    </dgm:pt>
+    <dgm:pt modelId="{B2A8835A-EBE5-441C-932B-29DB39A55C88}" type="parTrans" cxnId="{FEACBBED-526B-4E03-9213-1672D41F2FB3}">
+      <dgm:prSet/>
+      <dgm:spPr/>
+      <dgm:t>
+        <a:bodyPr/>
+        <a:lstStyle/>
+        <a:p>
+          <a:endParaRPr lang="en-US"/>
+        </a:p>
+      </dgm:t>
+    </dgm:pt>
+    <dgm:pt modelId="{18D751D9-CEA7-49A3-A879-C1D9B29D1A3E}" type="sibTrans" cxnId="{FEACBBED-526B-4E03-9213-1672D41F2FB3}">
+      <dgm:prSet/>
+      <dgm:spPr/>
+      <dgm:t>
+        <a:bodyPr/>
+        <a:lstStyle/>
+        <a:p>
+          <a:endParaRPr lang="en-US"/>
+        </a:p>
+      </dgm:t>
+    </dgm:pt>
+    <dgm:pt modelId="{D5BF9032-69DF-46E0-A215-B18D2AAAFD88}" type="pres">
+      <dgm:prSet presAssocID="{6656C129-DCF4-4AA9-9AF2-C634D2191AD6}" presName="hierChild1" presStyleCnt="0">
+        <dgm:presLayoutVars>
+          <dgm:chPref val="1"/>
+          <dgm:dir/>
+          <dgm:animOne val="branch"/>
+          <dgm:animLvl val="lvl"/>
+          <dgm:resizeHandles/>
+        </dgm:presLayoutVars>
+      </dgm:prSet>
+      <dgm:spPr/>
+    </dgm:pt>
+    <dgm:pt modelId="{5BE966EC-F69F-4E56-8078-349EDF08D706}" type="pres">
+      <dgm:prSet presAssocID="{19430894-CCE9-4251-8BAA-2B3CB4F4C9D1}" presName="hierRoot1" presStyleCnt="0"/>
+      <dgm:spPr/>
+    </dgm:pt>
+    <dgm:pt modelId="{7C3D8EB6-7E5D-42F9-A382-F73FE2269D87}" type="pres">
+      <dgm:prSet presAssocID="{19430894-CCE9-4251-8BAA-2B3CB4F4C9D1}" presName="composite" presStyleCnt="0"/>
+      <dgm:spPr/>
+    </dgm:pt>
+    <dgm:pt modelId="{936361C2-B694-4E0A-9A3B-882444E6991F}" type="pres">
+      <dgm:prSet presAssocID="{19430894-CCE9-4251-8BAA-2B3CB4F4C9D1}" presName="background" presStyleLbl="node0" presStyleIdx="0" presStyleCnt="3"/>
+      <dgm:spPr/>
+    </dgm:pt>
+    <dgm:pt modelId="{E9EC3B53-5274-4229-B6F0-A1FF0A16F9D4}" type="pres">
+      <dgm:prSet presAssocID="{19430894-CCE9-4251-8BAA-2B3CB4F4C9D1}" presName="text" presStyleLbl="fgAcc0" presStyleIdx="0" presStyleCnt="3">
+        <dgm:presLayoutVars>
+          <dgm:chPref val="3"/>
+        </dgm:presLayoutVars>
+      </dgm:prSet>
+      <dgm:spPr/>
+    </dgm:pt>
+    <dgm:pt modelId="{0C1A5FAA-24EC-4C11-B148-F04F15464AD5}" type="pres">
+      <dgm:prSet presAssocID="{19430894-CCE9-4251-8BAA-2B3CB4F4C9D1}" presName="hierChild2" presStyleCnt="0"/>
+      <dgm:spPr/>
+    </dgm:pt>
+    <dgm:pt modelId="{335E1646-4EAE-459E-8488-47CFA0919233}" type="pres">
+      <dgm:prSet presAssocID="{5961A42A-30AE-404B-9B4F-99C24133F319}" presName="hierRoot1" presStyleCnt="0"/>
+      <dgm:spPr/>
+    </dgm:pt>
+    <dgm:pt modelId="{212E967A-D608-44BA-AE64-92BB01983DC9}" type="pres">
+      <dgm:prSet presAssocID="{5961A42A-30AE-404B-9B4F-99C24133F319}" presName="composite" presStyleCnt="0"/>
+      <dgm:spPr/>
+    </dgm:pt>
+    <dgm:pt modelId="{2B7F1CFA-9F05-45EF-A8FD-009DF92C2928}" type="pres">
+      <dgm:prSet presAssocID="{5961A42A-30AE-404B-9B4F-99C24133F319}" presName="background" presStyleLbl="node0" presStyleIdx="1" presStyleCnt="3"/>
+      <dgm:spPr/>
+    </dgm:pt>
+    <dgm:pt modelId="{99641263-97D4-4FD8-ABD6-D78FEEBE2035}" type="pres">
+      <dgm:prSet presAssocID="{5961A42A-30AE-404B-9B4F-99C24133F319}" presName="text" presStyleLbl="fgAcc0" presStyleIdx="1" presStyleCnt="3">
+        <dgm:presLayoutVars>
+          <dgm:chPref val="3"/>
+        </dgm:presLayoutVars>
+      </dgm:prSet>
+      <dgm:spPr/>
+    </dgm:pt>
+    <dgm:pt modelId="{3A0812D9-3684-4275-9A96-46C270645BEB}" type="pres">
+      <dgm:prSet presAssocID="{5961A42A-30AE-404B-9B4F-99C24133F319}" presName="hierChild2" presStyleCnt="0"/>
+      <dgm:spPr/>
+    </dgm:pt>
+    <dgm:pt modelId="{7F3D469B-63FF-4861-AC23-7D05CFA6B2C0}" type="pres">
+      <dgm:prSet presAssocID="{C17BEB8C-1E1F-4343-A28F-EF137E547726}" presName="hierRoot1" presStyleCnt="0"/>
+      <dgm:spPr/>
+    </dgm:pt>
+    <dgm:pt modelId="{7671B00A-5AE1-476E-B6C2-A76A87E66765}" type="pres">
+      <dgm:prSet presAssocID="{C17BEB8C-1E1F-4343-A28F-EF137E547726}" presName="composite" presStyleCnt="0"/>
+      <dgm:spPr/>
+    </dgm:pt>
+    <dgm:pt modelId="{F7D79F10-BDE8-4344-A067-46BBC45A41B3}" type="pres">
+      <dgm:prSet presAssocID="{C17BEB8C-1E1F-4343-A28F-EF137E547726}" presName="background" presStyleLbl="node0" presStyleIdx="2" presStyleCnt="3"/>
+      <dgm:spPr/>
+    </dgm:pt>
+    <dgm:pt modelId="{445352F8-B8E3-4C7B-90B6-090D51C157CC}" type="pres">
+      <dgm:prSet presAssocID="{C17BEB8C-1E1F-4343-A28F-EF137E547726}" presName="text" presStyleLbl="fgAcc0" presStyleIdx="2" presStyleCnt="3">
+        <dgm:presLayoutVars>
+          <dgm:chPref val="3"/>
+        </dgm:presLayoutVars>
+      </dgm:prSet>
+      <dgm:spPr/>
+    </dgm:pt>
+    <dgm:pt modelId="{CA72C2DE-A2BE-47A7-A0C6-6AF3B34D6538}" type="pres">
+      <dgm:prSet presAssocID="{C17BEB8C-1E1F-4343-A28F-EF137E547726}" presName="hierChild2" presStyleCnt="0"/>
+      <dgm:spPr/>
+    </dgm:pt>
+  </dgm:ptLst>
+  <dgm:cxnLst>
+    <dgm:cxn modelId="{F5FB895B-2741-475B-91FF-8074AE3F0D98}" type="presOf" srcId="{19430894-CCE9-4251-8BAA-2B3CB4F4C9D1}" destId="{E9EC3B53-5274-4229-B6F0-A1FF0A16F9D4}" srcOrd="0" destOrd="0" presId="urn:microsoft.com/office/officeart/2005/8/layout/hierarchy1"/>
+    <dgm:cxn modelId="{D5607868-37A2-49D9-B014-6A62819208CD}" type="presOf" srcId="{C17BEB8C-1E1F-4343-A28F-EF137E547726}" destId="{445352F8-B8E3-4C7B-90B6-090D51C157CC}" srcOrd="0" destOrd="0" presId="urn:microsoft.com/office/officeart/2005/8/layout/hierarchy1"/>
+    <dgm:cxn modelId="{7D32FA91-6B53-4F29-ABD9-F5DD4C0D95C1}" srcId="{6656C129-DCF4-4AA9-9AF2-C634D2191AD6}" destId="{19430894-CCE9-4251-8BAA-2B3CB4F4C9D1}" srcOrd="0" destOrd="0" parTransId="{63F4B5D3-31E5-43B3-94DA-8E3968037E38}" sibTransId="{DA4A2AC8-975F-49B0-B061-7AF044226A00}"/>
+    <dgm:cxn modelId="{BA1256C9-F9D5-44A2-B02E-3E40DE240FB3}" type="presOf" srcId="{6656C129-DCF4-4AA9-9AF2-C634D2191AD6}" destId="{D5BF9032-69DF-46E0-A215-B18D2AAAFD88}" srcOrd="0" destOrd="0" presId="urn:microsoft.com/office/officeart/2005/8/layout/hierarchy1"/>
+    <dgm:cxn modelId="{B4500ED1-550C-4EC1-BB45-70990F96D9B1}" srcId="{6656C129-DCF4-4AA9-9AF2-C634D2191AD6}" destId="{5961A42A-30AE-404B-9B4F-99C24133F319}" srcOrd="1" destOrd="0" parTransId="{7A7D2281-A363-48C7-B982-F32BB7B27576}" sibTransId="{6DCC6AFD-73DC-478B-B7DB-17BAB626CD9B}"/>
+    <dgm:cxn modelId="{B4EE8ED6-0AE6-46EC-8477-B431B67B5B95}" type="presOf" srcId="{5961A42A-30AE-404B-9B4F-99C24133F319}" destId="{99641263-97D4-4FD8-ABD6-D78FEEBE2035}" srcOrd="0" destOrd="0" presId="urn:microsoft.com/office/officeart/2005/8/layout/hierarchy1"/>
+    <dgm:cxn modelId="{FEACBBED-526B-4E03-9213-1672D41F2FB3}" srcId="{6656C129-DCF4-4AA9-9AF2-C634D2191AD6}" destId="{C17BEB8C-1E1F-4343-A28F-EF137E547726}" srcOrd="2" destOrd="0" parTransId="{B2A8835A-EBE5-441C-932B-29DB39A55C88}" sibTransId="{18D751D9-CEA7-49A3-A879-C1D9B29D1A3E}"/>
+    <dgm:cxn modelId="{7E07D3A7-7880-4BCD-8E5B-8166258408BD}" type="presParOf" srcId="{D5BF9032-69DF-46E0-A215-B18D2AAAFD88}" destId="{5BE966EC-F69F-4E56-8078-349EDF08D706}" srcOrd="0" destOrd="0" presId="urn:microsoft.com/office/officeart/2005/8/layout/hierarchy1"/>
+    <dgm:cxn modelId="{5EDFD28A-B4A7-4D85-A24D-317E4F05CC12}" type="presParOf" srcId="{5BE966EC-F69F-4E56-8078-349EDF08D706}" destId="{7C3D8EB6-7E5D-42F9-A382-F73FE2269D87}" srcOrd="0" destOrd="0" presId="urn:microsoft.com/office/officeart/2005/8/layout/hierarchy1"/>
+    <dgm:cxn modelId="{40770DAC-1D2A-42C5-BD54-E3A7EFFBAC8A}" type="presParOf" srcId="{7C3D8EB6-7E5D-42F9-A382-F73FE2269D87}" destId="{936361C2-B694-4E0A-9A3B-882444E6991F}" srcOrd="0" destOrd="0" presId="urn:microsoft.com/office/officeart/2005/8/layout/hierarchy1"/>
+    <dgm:cxn modelId="{2E32A609-21D6-4DC3-9427-B1A5FD66D939}" type="presParOf" srcId="{7C3D8EB6-7E5D-42F9-A382-F73FE2269D87}" destId="{E9EC3B53-5274-4229-B6F0-A1FF0A16F9D4}" srcOrd="1" destOrd="0" presId="urn:microsoft.com/office/officeart/2005/8/layout/hierarchy1"/>
+    <dgm:cxn modelId="{8164F2DC-86DE-457F-9204-2F4880C012BD}" type="presParOf" srcId="{5BE966EC-F69F-4E56-8078-349EDF08D706}" destId="{0C1A5FAA-24EC-4C11-B148-F04F15464AD5}" srcOrd="1" destOrd="0" presId="urn:microsoft.com/office/officeart/2005/8/layout/hierarchy1"/>
+    <dgm:cxn modelId="{F626021A-4024-4E9C-ACD0-339521F07515}" type="presParOf" srcId="{D5BF9032-69DF-46E0-A215-B18D2AAAFD88}" destId="{335E1646-4EAE-459E-8488-47CFA0919233}" srcOrd="1" destOrd="0" presId="urn:microsoft.com/office/officeart/2005/8/layout/hierarchy1"/>
+    <dgm:cxn modelId="{3394F23F-6287-4F15-BD36-9FCAE5F293A1}" type="presParOf" srcId="{335E1646-4EAE-459E-8488-47CFA0919233}" destId="{212E967A-D608-44BA-AE64-92BB01983DC9}" srcOrd="0" destOrd="0" presId="urn:microsoft.com/office/officeart/2005/8/layout/hierarchy1"/>
+    <dgm:cxn modelId="{BEC83240-CC7D-4BC8-B3B4-F452B0D9F17C}" type="presParOf" srcId="{212E967A-D608-44BA-AE64-92BB01983DC9}" destId="{2B7F1CFA-9F05-45EF-A8FD-009DF92C2928}" srcOrd="0" destOrd="0" presId="urn:microsoft.com/office/officeart/2005/8/layout/hierarchy1"/>
+    <dgm:cxn modelId="{9A998251-0C85-41AD-8E73-41F4D77DDA8C}" type="presParOf" srcId="{212E967A-D608-44BA-AE64-92BB01983DC9}" destId="{99641263-97D4-4FD8-ABD6-D78FEEBE2035}" srcOrd="1" destOrd="0" presId="urn:microsoft.com/office/officeart/2005/8/layout/hierarchy1"/>
+    <dgm:cxn modelId="{6DEF6758-289B-40FE-AD10-AC7C41128080}" type="presParOf" srcId="{335E1646-4EAE-459E-8488-47CFA0919233}" destId="{3A0812D9-3684-4275-9A96-46C270645BEB}" srcOrd="1" destOrd="0" presId="urn:microsoft.com/office/officeart/2005/8/layout/hierarchy1"/>
+    <dgm:cxn modelId="{E16A72EE-4DFF-41DE-831C-4464C9CFC673}" type="presParOf" srcId="{D5BF9032-69DF-46E0-A215-B18D2AAAFD88}" destId="{7F3D469B-63FF-4861-AC23-7D05CFA6B2C0}" srcOrd="2" destOrd="0" presId="urn:microsoft.com/office/officeart/2005/8/layout/hierarchy1"/>
+    <dgm:cxn modelId="{6F8EF084-7677-4DA4-9CE5-F49DF4A80DE1}" type="presParOf" srcId="{7F3D469B-63FF-4861-AC23-7D05CFA6B2C0}" destId="{7671B00A-5AE1-476E-B6C2-A76A87E66765}" srcOrd="0" destOrd="0" presId="urn:microsoft.com/office/officeart/2005/8/layout/hierarchy1"/>
+    <dgm:cxn modelId="{6F4BF93B-64E5-411C-954A-EB466782CB81}" type="presParOf" srcId="{7671B00A-5AE1-476E-B6C2-A76A87E66765}" destId="{F7D79F10-BDE8-4344-A067-46BBC45A41B3}" srcOrd="0" destOrd="0" presId="urn:microsoft.com/office/officeart/2005/8/layout/hierarchy1"/>
+    <dgm:cxn modelId="{0FF46A27-5123-4703-A2D2-FAD314CD3163}" type="presParOf" srcId="{7671B00A-5AE1-476E-B6C2-A76A87E66765}" destId="{445352F8-B8E3-4C7B-90B6-090D51C157CC}" srcOrd="1" destOrd="0" presId="urn:microsoft.com/office/officeart/2005/8/layout/hierarchy1"/>
+    <dgm:cxn modelId="{BB2E527D-2F36-4583-83D7-0CB713DC8AAF}" type="presParOf" srcId="{7F3D469B-63FF-4861-AC23-7D05CFA6B2C0}" destId="{CA72C2DE-A2BE-47A7-A0C6-6AF3B34D6538}" srcOrd="1" destOrd="0" presId="urn:microsoft.com/office/officeart/2005/8/layout/hierarchy1"/>
+  </dgm:cxnLst>
+  <dgm:bg/>
+  <dgm:whole/>
+  <dgm:extLst>
+    <a:ext uri="http://schemas.microsoft.com/office/drawing/2008/diagram">
+      <dsp:dataModelExt xmlns:dsp="http://schemas.microsoft.com/office/drawing/2008/diagram" relId="rId8" minVer="http://schemas.openxmlformats.org/drawingml/2006/diagram"/>
+    </a:ext>
+  </dgm:extLst>
+</dgm:dataModel>
+</file>
+
+<file path=ppt/diagrams/data8.xml><?xml version="1.0" encoding="utf-8"?>
 <dgm:dataModel xmlns:dgm="http://schemas.openxmlformats.org/drawingml/2006/diagram" xmlns:a="http://schemas.openxmlformats.org/drawingml/2006/main">
   <dgm:ptLst>
     <dgm:pt modelId="{D5A606A8-F3D8-4410-972C-B2B763CE475D}" type="doc">
@@ -10274,11 +12519,11 @@
 </dgm:dataModel>
 </file>
 
-<file path=ppt/diagrams/data7.xml><?xml version="1.0" encoding="utf-8"?>
+<file path=ppt/diagrams/data9.xml><?xml version="1.0" encoding="utf-8"?>
 <dgm:dataModel xmlns:dgm="http://schemas.openxmlformats.org/drawingml/2006/diagram" xmlns:a="http://schemas.openxmlformats.org/drawingml/2006/main">
   <dgm:ptLst>
     <dgm:pt modelId="{37D6C01E-DA83-45D3-8860-2AB242F56809}" type="doc">
-      <dgm:prSet loTypeId="urn:microsoft.com/office/officeart/2016/7/layout/VerticalSolidActionList" loCatId="List" qsTypeId="urn:microsoft.com/office/officeart/2005/8/quickstyle/simple4" qsCatId="simple" csTypeId="urn:microsoft.com/office/officeart/2005/8/colors/colorful1" csCatId="colorful"/>
+      <dgm:prSet loTypeId="urn:microsoft.com/office/officeart/2016/7/layout/VerticalSolidActionList" loCatId="List" qsTypeId="urn:microsoft.com/office/officeart/2005/8/quickstyle/simple4" qsCatId="simple" csTypeId="urn:microsoft.com/office/officeart/2005/8/colors/colorful1" csCatId="colorful" phldr="1"/>
       <dgm:spPr/>
       <dgm:t>
         <a:bodyPr/>
@@ -10424,7 +12669,7 @@
               <a:latin typeface="Times New Roman" panose="02020603050405020304" pitchFamily="18" charset="0"/>
               <a:cs typeface="Times New Roman" panose="02020603050405020304" pitchFamily="18" charset="0"/>
             </a:rPr>
-            <a:t>Convert from REST architecture to the Web Socket</a:t>
+            <a:t>Convert from HTTP communication to the Web Socket</a:t>
           </a:r>
         </a:p>
       </dgm:t>
@@ -13583,6 +15828,684 @@
       <dsp:cNvGrpSpPr/>
     </dsp:nvGrpSpPr>
     <dsp:grpSpPr/>
+    <dsp:sp modelId="{7269E734-BC7A-4844-9664-4CD5E4024513}">
+      <dsp:nvSpPr>
+        <dsp:cNvPr id="0" name=""/>
+        <dsp:cNvSpPr/>
+      </dsp:nvSpPr>
+      <dsp:spPr>
+        <a:xfrm>
+          <a:off x="106467" y="673947"/>
+          <a:ext cx="776089" cy="776089"/>
+        </a:xfrm>
+        <a:prstGeom prst="ellipse">
+          <a:avLst/>
+        </a:prstGeom>
+        <a:solidFill>
+          <a:schemeClr val="accent1">
+            <a:tint val="40000"/>
+            <a:hueOff val="0"/>
+            <a:satOff val="0"/>
+            <a:lumOff val="0"/>
+            <a:alphaOff val="0"/>
+          </a:schemeClr>
+        </a:solidFill>
+        <a:ln>
+          <a:noFill/>
+        </a:ln>
+        <a:effectLst/>
+      </dsp:spPr>
+      <dsp:style>
+        <a:lnRef idx="0">
+          <a:scrgbClr r="0" g="0" b="0"/>
+        </a:lnRef>
+        <a:fillRef idx="1">
+          <a:scrgbClr r="0" g="0" b="0"/>
+        </a:fillRef>
+        <a:effectRef idx="0">
+          <a:scrgbClr r="0" g="0" b="0"/>
+        </a:effectRef>
+        <a:fontRef idx="minor"/>
+      </dsp:style>
+    </dsp:sp>
+    <dsp:sp modelId="{BEDED3B9-0A00-46F4-BEB2-C87B0FC56195}">
+      <dsp:nvSpPr>
+        <dsp:cNvPr id="0" name=""/>
+        <dsp:cNvSpPr/>
+      </dsp:nvSpPr>
+      <dsp:spPr>
+        <a:xfrm>
+          <a:off x="269446" y="836926"/>
+          <a:ext cx="450131" cy="450131"/>
+        </a:xfrm>
+        <a:prstGeom prst="rect">
+          <a:avLst/>
+        </a:prstGeom>
+        <a:blipFill>
+          <a:blip xmlns:r="http://schemas.openxmlformats.org/officeDocument/2006/relationships" r:embed="rId1">
+            <a:extLst>
+              <a:ext uri="{28A0092B-C50C-407E-A947-70E740481C1C}">
+                <a14:useLocalDpi xmlns:a14="http://schemas.microsoft.com/office/drawing/2010/main" val="0"/>
+              </a:ext>
+              <a:ext uri="{96DAC541-7B7A-43D3-8B79-37D633B846F1}">
+                <asvg:svgBlip xmlns:asvg="http://schemas.microsoft.com/office/drawing/2016/SVG/main" r:embed="rId2"/>
+              </a:ext>
+            </a:extLst>
+          </a:blip>
+          <a:stretch>
+            <a:fillRect/>
+          </a:stretch>
+        </a:blipFill>
+        <a:ln w="15875" cap="rnd" cmpd="sng" algn="ctr">
+          <a:solidFill>
+            <a:schemeClr val="lt1">
+              <a:hueOff val="0"/>
+              <a:satOff val="0"/>
+              <a:lumOff val="0"/>
+              <a:alphaOff val="0"/>
+            </a:schemeClr>
+          </a:solidFill>
+          <a:prstDash val="solid"/>
+        </a:ln>
+        <a:effectLst/>
+      </dsp:spPr>
+      <dsp:style>
+        <a:lnRef idx="2">
+          <a:scrgbClr r="0" g="0" b="0"/>
+        </a:lnRef>
+        <a:fillRef idx="1">
+          <a:scrgbClr r="0" g="0" b="0"/>
+        </a:fillRef>
+        <a:effectRef idx="0">
+          <a:scrgbClr r="0" g="0" b="0"/>
+        </a:effectRef>
+        <a:fontRef idx="minor">
+          <a:schemeClr val="lt1"/>
+        </a:fontRef>
+      </dsp:style>
+    </dsp:sp>
+    <dsp:sp modelId="{F0BBF86A-DE3E-4EE3-A980-F64021C9280F}">
+      <dsp:nvSpPr>
+        <dsp:cNvPr id="0" name=""/>
+        <dsp:cNvSpPr/>
+      </dsp:nvSpPr>
+      <dsp:spPr>
+        <a:xfrm>
+          <a:off x="1048861" y="673947"/>
+          <a:ext cx="1829352" cy="776089"/>
+        </a:xfrm>
+        <a:prstGeom prst="rect">
+          <a:avLst/>
+        </a:prstGeom>
+        <a:noFill/>
+        <a:ln>
+          <a:noFill/>
+        </a:ln>
+        <a:effectLst/>
+      </dsp:spPr>
+      <dsp:style>
+        <a:lnRef idx="0">
+          <a:scrgbClr r="0" g="0" b="0"/>
+        </a:lnRef>
+        <a:fillRef idx="0">
+          <a:scrgbClr r="0" g="0" b="0"/>
+        </a:fillRef>
+        <a:effectRef idx="0">
+          <a:scrgbClr r="0" g="0" b="0"/>
+        </a:effectRef>
+        <a:fontRef idx="minor"/>
+      </dsp:style>
+      <dsp:txBody>
+        <a:bodyPr spcFirstLastPara="0" vert="horz" wrap="square" lIns="0" tIns="0" rIns="0" bIns="0" numCol="1" spcCol="1270" anchor="ctr" anchorCtr="0">
+          <a:noAutofit/>
+        </a:bodyPr>
+        <a:lstStyle/>
+        <a:p>
+          <a:pPr marL="0" lvl="0" indent="0" algn="l" defTabSz="533400">
+            <a:lnSpc>
+              <a:spcPct val="100000"/>
+            </a:lnSpc>
+            <a:spcBef>
+              <a:spcPct val="0"/>
+            </a:spcBef>
+            <a:spcAft>
+              <a:spcPct val="35000"/>
+            </a:spcAft>
+            <a:buNone/>
+          </a:pPr>
+          <a:r>
+            <a:rPr lang="en-US" sz="1200" b="0" i="0" kern="1200" dirty="0">
+              <a:latin typeface="Times New Roman" panose="02020603050405020304" pitchFamily="18" charset="0"/>
+              <a:cs typeface="Times New Roman" panose="02020603050405020304" pitchFamily="18" charset="0"/>
+            </a:rPr>
+            <a:t>Developed a realistic and functional database vacation package services (flight, accommodations and attractions) with complex relations.</a:t>
+          </a:r>
+          <a:endParaRPr lang="en-US" sz="1200" kern="1200" dirty="0">
+            <a:latin typeface="Times New Roman" panose="02020603050405020304" pitchFamily="18" charset="0"/>
+            <a:cs typeface="Times New Roman" panose="02020603050405020304" pitchFamily="18" charset="0"/>
+          </a:endParaRPr>
+        </a:p>
+      </dsp:txBody>
+      <dsp:txXfrm>
+        <a:off x="1048861" y="673947"/>
+        <a:ext cx="1829352" cy="776089"/>
+      </dsp:txXfrm>
+    </dsp:sp>
+    <dsp:sp modelId="{4C51AA87-0980-4669-B073-40DB0429B653}">
+      <dsp:nvSpPr>
+        <dsp:cNvPr id="0" name=""/>
+        <dsp:cNvSpPr/>
+      </dsp:nvSpPr>
+      <dsp:spPr>
+        <a:xfrm>
+          <a:off x="3196964" y="673947"/>
+          <a:ext cx="776089" cy="776089"/>
+        </a:xfrm>
+        <a:prstGeom prst="ellipse">
+          <a:avLst/>
+        </a:prstGeom>
+        <a:solidFill>
+          <a:schemeClr val="accent1">
+            <a:tint val="40000"/>
+            <a:hueOff val="0"/>
+            <a:satOff val="0"/>
+            <a:lumOff val="0"/>
+            <a:alphaOff val="0"/>
+          </a:schemeClr>
+        </a:solidFill>
+        <a:ln>
+          <a:noFill/>
+        </a:ln>
+        <a:effectLst/>
+      </dsp:spPr>
+      <dsp:style>
+        <a:lnRef idx="0">
+          <a:scrgbClr r="0" g="0" b="0"/>
+        </a:lnRef>
+        <a:fillRef idx="1">
+          <a:scrgbClr r="0" g="0" b="0"/>
+        </a:fillRef>
+        <a:effectRef idx="0">
+          <a:scrgbClr r="0" g="0" b="0"/>
+        </a:effectRef>
+        <a:fontRef idx="minor"/>
+      </dsp:style>
+    </dsp:sp>
+    <dsp:sp modelId="{E701C902-EDD1-4046-ABA9-CFF521B1BCE7}">
+      <dsp:nvSpPr>
+        <dsp:cNvPr id="0" name=""/>
+        <dsp:cNvSpPr/>
+      </dsp:nvSpPr>
+      <dsp:spPr>
+        <a:xfrm>
+          <a:off x="3359943" y="836926"/>
+          <a:ext cx="450131" cy="450131"/>
+        </a:xfrm>
+        <a:prstGeom prst="rect">
+          <a:avLst/>
+        </a:prstGeom>
+        <a:blipFill>
+          <a:blip xmlns:r="http://schemas.openxmlformats.org/officeDocument/2006/relationships" r:embed="rId3">
+            <a:extLst>
+              <a:ext uri="{28A0092B-C50C-407E-A947-70E740481C1C}">
+                <a14:useLocalDpi xmlns:a14="http://schemas.microsoft.com/office/drawing/2010/main" val="0"/>
+              </a:ext>
+              <a:ext uri="{96DAC541-7B7A-43D3-8B79-37D633B846F1}">
+                <asvg:svgBlip xmlns:asvg="http://schemas.microsoft.com/office/drawing/2016/SVG/main" r:embed="rId4"/>
+              </a:ext>
+            </a:extLst>
+          </a:blip>
+          <a:stretch>
+            <a:fillRect/>
+          </a:stretch>
+        </a:blipFill>
+        <a:ln w="15875" cap="rnd" cmpd="sng" algn="ctr">
+          <a:solidFill>
+            <a:schemeClr val="lt1">
+              <a:hueOff val="0"/>
+              <a:satOff val="0"/>
+              <a:lumOff val="0"/>
+              <a:alphaOff val="0"/>
+            </a:schemeClr>
+          </a:solidFill>
+          <a:prstDash val="solid"/>
+        </a:ln>
+        <a:effectLst/>
+      </dsp:spPr>
+      <dsp:style>
+        <a:lnRef idx="2">
+          <a:scrgbClr r="0" g="0" b="0"/>
+        </a:lnRef>
+        <a:fillRef idx="1">
+          <a:scrgbClr r="0" g="0" b="0"/>
+        </a:fillRef>
+        <a:effectRef idx="0">
+          <a:scrgbClr r="0" g="0" b="0"/>
+        </a:effectRef>
+        <a:fontRef idx="minor">
+          <a:schemeClr val="lt1"/>
+        </a:fontRef>
+      </dsp:style>
+    </dsp:sp>
+    <dsp:sp modelId="{893A3422-6AEE-463E-8A19-286E623F8ACC}">
+      <dsp:nvSpPr>
+        <dsp:cNvPr id="0" name=""/>
+        <dsp:cNvSpPr/>
+      </dsp:nvSpPr>
+      <dsp:spPr>
+        <a:xfrm>
+          <a:off x="4139358" y="673947"/>
+          <a:ext cx="1829352" cy="776089"/>
+        </a:xfrm>
+        <a:prstGeom prst="rect">
+          <a:avLst/>
+        </a:prstGeom>
+        <a:noFill/>
+        <a:ln>
+          <a:noFill/>
+        </a:ln>
+        <a:effectLst/>
+      </dsp:spPr>
+      <dsp:style>
+        <a:lnRef idx="0">
+          <a:scrgbClr r="0" g="0" b="0"/>
+        </a:lnRef>
+        <a:fillRef idx="0">
+          <a:scrgbClr r="0" g="0" b="0"/>
+        </a:fillRef>
+        <a:effectRef idx="0">
+          <a:scrgbClr r="0" g="0" b="0"/>
+        </a:effectRef>
+        <a:fontRef idx="minor"/>
+      </dsp:style>
+      <dsp:txBody>
+        <a:bodyPr spcFirstLastPara="0" vert="horz" wrap="square" lIns="0" tIns="0" rIns="0" bIns="0" numCol="1" spcCol="1270" anchor="ctr" anchorCtr="0">
+          <a:noAutofit/>
+        </a:bodyPr>
+        <a:lstStyle/>
+        <a:p>
+          <a:pPr marL="0" lvl="0" indent="0" algn="l" defTabSz="533400">
+            <a:lnSpc>
+              <a:spcPct val="100000"/>
+            </a:lnSpc>
+            <a:spcBef>
+              <a:spcPct val="0"/>
+            </a:spcBef>
+            <a:spcAft>
+              <a:spcPct val="35000"/>
+            </a:spcAft>
+            <a:buNone/>
+          </a:pPr>
+          <a:r>
+            <a:rPr lang="en-US" sz="1200" b="0" i="0" kern="1200" dirty="0">
+              <a:latin typeface="Times New Roman" panose="02020603050405020304" pitchFamily="18" charset="0"/>
+              <a:cs typeface="Times New Roman" panose="02020603050405020304" pitchFamily="18" charset="0"/>
+            </a:rPr>
+            <a:t>Populated the database with wide amount of data, including thousands of </a:t>
+          </a:r>
+          <a:r>
+            <a:rPr lang="en-US" sz="1200" kern="1200" dirty="0">
+              <a:latin typeface="Times New Roman" panose="02020603050405020304" pitchFamily="18" charset="0"/>
+              <a:cs typeface="Times New Roman" panose="02020603050405020304" pitchFamily="18" charset="0"/>
+            </a:rPr>
+            <a:t>stays</a:t>
+          </a:r>
+          <a:r>
+            <a:rPr lang="en-US" sz="1200" b="0" i="0" kern="1200" dirty="0">
+              <a:latin typeface="Times New Roman" panose="02020603050405020304" pitchFamily="18" charset="0"/>
+              <a:cs typeface="Times New Roman" panose="02020603050405020304" pitchFamily="18" charset="0"/>
+            </a:rPr>
+            <a:t> options and flight routes.</a:t>
+          </a:r>
+          <a:endParaRPr lang="en-US" sz="1200" kern="1200" dirty="0">
+            <a:latin typeface="Times New Roman" panose="02020603050405020304" pitchFamily="18" charset="0"/>
+            <a:cs typeface="Times New Roman" panose="02020603050405020304" pitchFamily="18" charset="0"/>
+          </a:endParaRPr>
+        </a:p>
+      </dsp:txBody>
+      <dsp:txXfrm>
+        <a:off x="4139358" y="673947"/>
+        <a:ext cx="1829352" cy="776089"/>
+      </dsp:txXfrm>
+    </dsp:sp>
+    <dsp:sp modelId="{55B48314-3E0E-4A66-9AA1-DBBE9316CD87}">
+      <dsp:nvSpPr>
+        <dsp:cNvPr id="0" name=""/>
+        <dsp:cNvSpPr/>
+      </dsp:nvSpPr>
+      <dsp:spPr>
+        <a:xfrm>
+          <a:off x="106467" y="2044027"/>
+          <a:ext cx="776089" cy="776089"/>
+        </a:xfrm>
+        <a:prstGeom prst="ellipse">
+          <a:avLst/>
+        </a:prstGeom>
+        <a:solidFill>
+          <a:schemeClr val="accent1">
+            <a:tint val="40000"/>
+            <a:hueOff val="0"/>
+            <a:satOff val="0"/>
+            <a:lumOff val="0"/>
+            <a:alphaOff val="0"/>
+          </a:schemeClr>
+        </a:solidFill>
+        <a:ln>
+          <a:noFill/>
+        </a:ln>
+        <a:effectLst/>
+      </dsp:spPr>
+      <dsp:style>
+        <a:lnRef idx="0">
+          <a:scrgbClr r="0" g="0" b="0"/>
+        </a:lnRef>
+        <a:fillRef idx="1">
+          <a:scrgbClr r="0" g="0" b="0"/>
+        </a:fillRef>
+        <a:effectRef idx="0">
+          <a:scrgbClr r="0" g="0" b="0"/>
+        </a:effectRef>
+        <a:fontRef idx="minor"/>
+      </dsp:style>
+    </dsp:sp>
+    <dsp:sp modelId="{F749EC66-809C-410D-9764-C433B76D12A0}">
+      <dsp:nvSpPr>
+        <dsp:cNvPr id="0" name=""/>
+        <dsp:cNvSpPr/>
+      </dsp:nvSpPr>
+      <dsp:spPr>
+        <a:xfrm>
+          <a:off x="269446" y="2207006"/>
+          <a:ext cx="450131" cy="450131"/>
+        </a:xfrm>
+        <a:prstGeom prst="rect">
+          <a:avLst/>
+        </a:prstGeom>
+        <a:blipFill>
+          <a:blip xmlns:r="http://schemas.openxmlformats.org/officeDocument/2006/relationships" r:embed="rId5">
+            <a:extLst>
+              <a:ext uri="{28A0092B-C50C-407E-A947-70E740481C1C}">
+                <a14:useLocalDpi xmlns:a14="http://schemas.microsoft.com/office/drawing/2010/main" val="0"/>
+              </a:ext>
+              <a:ext uri="{96DAC541-7B7A-43D3-8B79-37D633B846F1}">
+                <asvg:svgBlip xmlns:asvg="http://schemas.microsoft.com/office/drawing/2016/SVG/main" r:embed="rId6"/>
+              </a:ext>
+            </a:extLst>
+          </a:blip>
+          <a:stretch>
+            <a:fillRect/>
+          </a:stretch>
+        </a:blipFill>
+        <a:ln w="15875" cap="rnd" cmpd="sng" algn="ctr">
+          <a:solidFill>
+            <a:schemeClr val="lt1">
+              <a:hueOff val="0"/>
+              <a:satOff val="0"/>
+              <a:lumOff val="0"/>
+              <a:alphaOff val="0"/>
+            </a:schemeClr>
+          </a:solidFill>
+          <a:prstDash val="solid"/>
+        </a:ln>
+        <a:effectLst/>
+      </dsp:spPr>
+      <dsp:style>
+        <a:lnRef idx="2">
+          <a:scrgbClr r="0" g="0" b="0"/>
+        </a:lnRef>
+        <a:fillRef idx="1">
+          <a:scrgbClr r="0" g="0" b="0"/>
+        </a:fillRef>
+        <a:effectRef idx="0">
+          <a:scrgbClr r="0" g="0" b="0"/>
+        </a:effectRef>
+        <a:fontRef idx="minor">
+          <a:schemeClr val="lt1"/>
+        </a:fontRef>
+      </dsp:style>
+    </dsp:sp>
+    <dsp:sp modelId="{DB844117-C25A-47A7-A4DB-AF1EF787A5C4}">
+      <dsp:nvSpPr>
+        <dsp:cNvPr id="0" name=""/>
+        <dsp:cNvSpPr/>
+      </dsp:nvSpPr>
+      <dsp:spPr>
+        <a:xfrm>
+          <a:off x="1048861" y="2044027"/>
+          <a:ext cx="1829352" cy="776089"/>
+        </a:xfrm>
+        <a:prstGeom prst="rect">
+          <a:avLst/>
+        </a:prstGeom>
+        <a:noFill/>
+        <a:ln>
+          <a:noFill/>
+        </a:ln>
+        <a:effectLst/>
+      </dsp:spPr>
+      <dsp:style>
+        <a:lnRef idx="0">
+          <a:scrgbClr r="0" g="0" b="0"/>
+        </a:lnRef>
+        <a:fillRef idx="0">
+          <a:scrgbClr r="0" g="0" b="0"/>
+        </a:fillRef>
+        <a:effectRef idx="0">
+          <a:scrgbClr r="0" g="0" b="0"/>
+        </a:effectRef>
+        <a:fontRef idx="minor"/>
+      </dsp:style>
+      <dsp:txBody>
+        <a:bodyPr spcFirstLastPara="0" vert="horz" wrap="square" lIns="0" tIns="0" rIns="0" bIns="0" numCol="1" spcCol="1270" anchor="ctr" anchorCtr="0">
+          <a:noAutofit/>
+        </a:bodyPr>
+        <a:lstStyle/>
+        <a:p>
+          <a:pPr marL="0" lvl="0" indent="0" algn="l" defTabSz="533400">
+            <a:lnSpc>
+              <a:spcPct val="100000"/>
+            </a:lnSpc>
+            <a:spcBef>
+              <a:spcPct val="0"/>
+            </a:spcBef>
+            <a:spcAft>
+              <a:spcPct val="35000"/>
+            </a:spcAft>
+            <a:buNone/>
+          </a:pPr>
+          <a:r>
+            <a:rPr lang="en-US" sz="1200" b="0" i="0" kern="1200" dirty="0">
+              <a:latin typeface="Times New Roman" panose="02020603050405020304" pitchFamily="18" charset="0"/>
+              <a:cs typeface="Times New Roman" panose="02020603050405020304" pitchFamily="18" charset="0"/>
+            </a:rPr>
+            <a:t>Designed the database to support efficient query processing for optimal recommendations.</a:t>
+          </a:r>
+          <a:endParaRPr lang="en-US" sz="1200" kern="1200" dirty="0">
+            <a:latin typeface="Times New Roman" panose="02020603050405020304" pitchFamily="18" charset="0"/>
+            <a:cs typeface="Times New Roman" panose="02020603050405020304" pitchFamily="18" charset="0"/>
+          </a:endParaRPr>
+        </a:p>
+      </dsp:txBody>
+      <dsp:txXfrm>
+        <a:off x="1048861" y="2044027"/>
+        <a:ext cx="1829352" cy="776089"/>
+      </dsp:txXfrm>
+    </dsp:sp>
+    <dsp:sp modelId="{FB0B1686-99DE-4186-8932-566ABE0D8CE1}">
+      <dsp:nvSpPr>
+        <dsp:cNvPr id="0" name=""/>
+        <dsp:cNvSpPr/>
+      </dsp:nvSpPr>
+      <dsp:spPr>
+        <a:xfrm>
+          <a:off x="3196964" y="2044027"/>
+          <a:ext cx="776089" cy="776089"/>
+        </a:xfrm>
+        <a:prstGeom prst="ellipse">
+          <a:avLst/>
+        </a:prstGeom>
+        <a:solidFill>
+          <a:schemeClr val="accent1">
+            <a:tint val="40000"/>
+            <a:hueOff val="0"/>
+            <a:satOff val="0"/>
+            <a:lumOff val="0"/>
+            <a:alphaOff val="0"/>
+          </a:schemeClr>
+        </a:solidFill>
+        <a:ln>
+          <a:noFill/>
+        </a:ln>
+        <a:effectLst/>
+      </dsp:spPr>
+      <dsp:style>
+        <a:lnRef idx="0">
+          <a:scrgbClr r="0" g="0" b="0"/>
+        </a:lnRef>
+        <a:fillRef idx="1">
+          <a:scrgbClr r="0" g="0" b="0"/>
+        </a:fillRef>
+        <a:effectRef idx="0">
+          <a:scrgbClr r="0" g="0" b="0"/>
+        </a:effectRef>
+        <a:fontRef idx="minor"/>
+      </dsp:style>
+    </dsp:sp>
+    <dsp:sp modelId="{82BDF2EF-392A-4F95-B1BE-7C062C5EA0CA}">
+      <dsp:nvSpPr>
+        <dsp:cNvPr id="0" name=""/>
+        <dsp:cNvSpPr/>
+      </dsp:nvSpPr>
+      <dsp:spPr>
+        <a:xfrm>
+          <a:off x="3359943" y="2207006"/>
+          <a:ext cx="450131" cy="450131"/>
+        </a:xfrm>
+        <a:prstGeom prst="rect">
+          <a:avLst/>
+        </a:prstGeom>
+        <a:blipFill>
+          <a:blip xmlns:r="http://schemas.openxmlformats.org/officeDocument/2006/relationships" r:embed="rId7">
+            <a:extLst>
+              <a:ext uri="{28A0092B-C50C-407E-A947-70E740481C1C}">
+                <a14:useLocalDpi xmlns:a14="http://schemas.microsoft.com/office/drawing/2010/main" val="0"/>
+              </a:ext>
+              <a:ext uri="{96DAC541-7B7A-43D3-8B79-37D633B846F1}">
+                <asvg:svgBlip xmlns:asvg="http://schemas.microsoft.com/office/drawing/2016/SVG/main" r:embed="rId8"/>
+              </a:ext>
+            </a:extLst>
+          </a:blip>
+          <a:stretch>
+            <a:fillRect/>
+          </a:stretch>
+        </a:blipFill>
+        <a:ln w="15875" cap="rnd" cmpd="sng" algn="ctr">
+          <a:solidFill>
+            <a:schemeClr val="lt1">
+              <a:hueOff val="0"/>
+              <a:satOff val="0"/>
+              <a:lumOff val="0"/>
+              <a:alphaOff val="0"/>
+            </a:schemeClr>
+          </a:solidFill>
+          <a:prstDash val="solid"/>
+        </a:ln>
+        <a:effectLst/>
+      </dsp:spPr>
+      <dsp:style>
+        <a:lnRef idx="2">
+          <a:scrgbClr r="0" g="0" b="0"/>
+        </a:lnRef>
+        <a:fillRef idx="1">
+          <a:scrgbClr r="0" g="0" b="0"/>
+        </a:fillRef>
+        <a:effectRef idx="0">
+          <a:scrgbClr r="0" g="0" b="0"/>
+        </a:effectRef>
+        <a:fontRef idx="minor">
+          <a:schemeClr val="lt1"/>
+        </a:fontRef>
+      </dsp:style>
+    </dsp:sp>
+    <dsp:sp modelId="{AAF3B625-3378-49CB-A78E-00FE04356A81}">
+      <dsp:nvSpPr>
+        <dsp:cNvPr id="0" name=""/>
+        <dsp:cNvSpPr/>
+      </dsp:nvSpPr>
+      <dsp:spPr>
+        <a:xfrm>
+          <a:off x="4139358" y="2044027"/>
+          <a:ext cx="1829352" cy="776089"/>
+        </a:xfrm>
+        <a:prstGeom prst="rect">
+          <a:avLst/>
+        </a:prstGeom>
+        <a:noFill/>
+        <a:ln>
+          <a:noFill/>
+        </a:ln>
+        <a:effectLst/>
+      </dsp:spPr>
+      <dsp:style>
+        <a:lnRef idx="0">
+          <a:scrgbClr r="0" g="0" b="0"/>
+        </a:lnRef>
+        <a:fillRef idx="0">
+          <a:scrgbClr r="0" g="0" b="0"/>
+        </a:fillRef>
+        <a:effectRef idx="0">
+          <a:scrgbClr r="0" g="0" b="0"/>
+        </a:effectRef>
+        <a:fontRef idx="minor"/>
+      </dsp:style>
+      <dsp:txBody>
+        <a:bodyPr spcFirstLastPara="0" vert="horz" wrap="square" lIns="0" tIns="0" rIns="0" bIns="0" numCol="1" spcCol="1270" anchor="ctr" anchorCtr="0">
+          <a:noAutofit/>
+        </a:bodyPr>
+        <a:lstStyle/>
+        <a:p>
+          <a:pPr marL="0" lvl="0" indent="0" algn="l" defTabSz="533400">
+            <a:lnSpc>
+              <a:spcPct val="100000"/>
+            </a:lnSpc>
+            <a:spcBef>
+              <a:spcPct val="0"/>
+            </a:spcBef>
+            <a:spcAft>
+              <a:spcPct val="35000"/>
+            </a:spcAft>
+            <a:buNone/>
+          </a:pPr>
+          <a:r>
+            <a:rPr lang="en-US" sz="1200" b="0" i="0" kern="1200" dirty="0">
+              <a:latin typeface="Times New Roman" panose="02020603050405020304" pitchFamily="18" charset="0"/>
+              <a:cs typeface="Times New Roman" panose="02020603050405020304" pitchFamily="18" charset="0"/>
+            </a:rPr>
+            <a:t>Recorded agents’ interaction and solutions they bring.</a:t>
+          </a:r>
+          <a:endParaRPr lang="en-US" sz="1200" kern="1200" dirty="0">
+            <a:latin typeface="Times New Roman" panose="02020603050405020304" pitchFamily="18" charset="0"/>
+            <a:cs typeface="Times New Roman" panose="02020603050405020304" pitchFamily="18" charset="0"/>
+          </a:endParaRPr>
+        </a:p>
+      </dsp:txBody>
+      <dsp:txXfrm>
+        <a:off x="4139358" y="2044027"/>
+        <a:ext cx="1829352" cy="776089"/>
+      </dsp:txXfrm>
+    </dsp:sp>
+  </dsp:spTree>
+</dsp:drawing>
+</file>
+
+<file path=ppt/diagrams/drawing6.xml><?xml version="1.0" encoding="utf-8"?>
+<dsp:drawing xmlns:dgm="http://schemas.openxmlformats.org/drawingml/2006/diagram" xmlns:dsp="http://schemas.microsoft.com/office/drawing/2008/diagram" xmlns:a="http://schemas.openxmlformats.org/drawingml/2006/main">
+  <dsp:spTree>
+    <dsp:nvGrpSpPr>
+      <dsp:cNvPr id="0" name=""/>
+      <dsp:cNvGrpSpPr/>
+    </dsp:nvGrpSpPr>
+    <dsp:grpSpPr/>
     <dsp:sp modelId="{1DDD3CCD-BD37-4816-A5F8-FE26FAE813DF}">
       <dsp:nvSpPr>
         <dsp:cNvPr id="0" name=""/>
@@ -14424,7 +17347,415 @@
 </dsp:drawing>
 </file>
 
-<file path=ppt/diagrams/drawing6.xml><?xml version="1.0" encoding="utf-8"?>
+<file path=ppt/diagrams/drawing7.xml><?xml version="1.0" encoding="utf-8"?>
+<dsp:drawing xmlns:dgm="http://schemas.openxmlformats.org/drawingml/2006/diagram" xmlns:dsp="http://schemas.microsoft.com/office/drawing/2008/diagram" xmlns:a="http://schemas.openxmlformats.org/drawingml/2006/main">
+  <dsp:spTree>
+    <dsp:nvGrpSpPr>
+      <dsp:cNvPr id="0" name=""/>
+      <dsp:cNvGrpSpPr/>
+    </dsp:nvGrpSpPr>
+    <dsp:grpSpPr/>
+    <dsp:sp modelId="{936361C2-B694-4E0A-9A3B-882444E6991F}">
+      <dsp:nvSpPr>
+        <dsp:cNvPr id="0" name=""/>
+        <dsp:cNvSpPr/>
+      </dsp:nvSpPr>
+      <dsp:spPr>
+        <a:xfrm>
+          <a:off x="0" y="911270"/>
+          <a:ext cx="2123985" cy="1348730"/>
+        </a:xfrm>
+        <a:prstGeom prst="roundRect">
+          <a:avLst>
+            <a:gd name="adj" fmla="val 10000"/>
+          </a:avLst>
+        </a:prstGeom>
+        <a:solidFill>
+          <a:schemeClr val="accent1">
+            <a:hueOff val="0"/>
+            <a:satOff val="0"/>
+            <a:lumOff val="0"/>
+            <a:alphaOff val="0"/>
+          </a:schemeClr>
+        </a:solidFill>
+        <a:ln w="15875" cap="rnd" cmpd="sng" algn="ctr">
+          <a:solidFill>
+            <a:schemeClr val="lt1">
+              <a:hueOff val="0"/>
+              <a:satOff val="0"/>
+              <a:lumOff val="0"/>
+              <a:alphaOff val="0"/>
+            </a:schemeClr>
+          </a:solidFill>
+          <a:prstDash val="solid"/>
+        </a:ln>
+        <a:effectLst/>
+      </dsp:spPr>
+      <dsp:style>
+        <a:lnRef idx="2">
+          <a:scrgbClr r="0" g="0" b="0"/>
+        </a:lnRef>
+        <a:fillRef idx="1">
+          <a:scrgbClr r="0" g="0" b="0"/>
+        </a:fillRef>
+        <a:effectRef idx="0">
+          <a:scrgbClr r="0" g="0" b="0"/>
+        </a:effectRef>
+        <a:fontRef idx="minor">
+          <a:schemeClr val="lt1"/>
+        </a:fontRef>
+      </dsp:style>
+    </dsp:sp>
+    <dsp:sp modelId="{E9EC3B53-5274-4229-B6F0-A1FF0A16F9D4}">
+      <dsp:nvSpPr>
+        <dsp:cNvPr id="0" name=""/>
+        <dsp:cNvSpPr/>
+      </dsp:nvSpPr>
+      <dsp:spPr>
+        <a:xfrm>
+          <a:off x="235998" y="1135468"/>
+          <a:ext cx="2123985" cy="1348730"/>
+        </a:xfrm>
+        <a:prstGeom prst="roundRect">
+          <a:avLst>
+            <a:gd name="adj" fmla="val 10000"/>
+          </a:avLst>
+        </a:prstGeom>
+        <a:solidFill>
+          <a:schemeClr val="lt1">
+            <a:alpha val="90000"/>
+            <a:hueOff val="0"/>
+            <a:satOff val="0"/>
+            <a:lumOff val="0"/>
+            <a:alphaOff val="0"/>
+          </a:schemeClr>
+        </a:solidFill>
+        <a:ln w="15875" cap="rnd" cmpd="sng" algn="ctr">
+          <a:solidFill>
+            <a:schemeClr val="accent1">
+              <a:hueOff val="0"/>
+              <a:satOff val="0"/>
+              <a:lumOff val="0"/>
+              <a:alphaOff val="0"/>
+            </a:schemeClr>
+          </a:solidFill>
+          <a:prstDash val="solid"/>
+        </a:ln>
+        <a:effectLst/>
+      </dsp:spPr>
+      <dsp:style>
+        <a:lnRef idx="2">
+          <a:scrgbClr r="0" g="0" b="0"/>
+        </a:lnRef>
+        <a:fillRef idx="1">
+          <a:scrgbClr r="0" g="0" b="0"/>
+        </a:fillRef>
+        <a:effectRef idx="0">
+          <a:scrgbClr r="0" g="0" b="0"/>
+        </a:effectRef>
+        <a:fontRef idx="minor"/>
+      </dsp:style>
+      <dsp:txBody>
+        <a:bodyPr spcFirstLastPara="0" vert="horz" wrap="square" lIns="76200" tIns="76200" rIns="76200" bIns="76200" numCol="1" spcCol="1270" anchor="ctr" anchorCtr="0">
+          <a:noAutofit/>
+        </a:bodyPr>
+        <a:lstStyle/>
+        <a:p>
+          <a:pPr marL="0" lvl="0" indent="0" algn="ctr" defTabSz="889000">
+            <a:lnSpc>
+              <a:spcPct val="90000"/>
+            </a:lnSpc>
+            <a:spcBef>
+              <a:spcPct val="0"/>
+            </a:spcBef>
+            <a:spcAft>
+              <a:spcPct val="35000"/>
+            </a:spcAft>
+            <a:buNone/>
+          </a:pPr>
+          <a:r>
+            <a:rPr lang="en-US" sz="2000" kern="1200" dirty="0">
+              <a:latin typeface="Times New Roman" panose="02020603050405020304" pitchFamily="18" charset="0"/>
+              <a:cs typeface="Times New Roman" panose="02020603050405020304" pitchFamily="18" charset="0"/>
+            </a:rPr>
+            <a:t>To choose by a single characteristic?</a:t>
+          </a:r>
+        </a:p>
+      </dsp:txBody>
+      <dsp:txXfrm>
+        <a:off x="275501" y="1174971"/>
+        <a:ext cx="2044979" cy="1269724"/>
+      </dsp:txXfrm>
+    </dsp:sp>
+    <dsp:sp modelId="{2B7F1CFA-9F05-45EF-A8FD-009DF92C2928}">
+      <dsp:nvSpPr>
+        <dsp:cNvPr id="0" name=""/>
+        <dsp:cNvSpPr/>
+      </dsp:nvSpPr>
+      <dsp:spPr>
+        <a:xfrm>
+          <a:off x="2595981" y="911270"/>
+          <a:ext cx="2123985" cy="1348730"/>
+        </a:xfrm>
+        <a:prstGeom prst="roundRect">
+          <a:avLst>
+            <a:gd name="adj" fmla="val 10000"/>
+          </a:avLst>
+        </a:prstGeom>
+        <a:solidFill>
+          <a:schemeClr val="accent1">
+            <a:hueOff val="0"/>
+            <a:satOff val="0"/>
+            <a:lumOff val="0"/>
+            <a:alphaOff val="0"/>
+          </a:schemeClr>
+        </a:solidFill>
+        <a:ln w="15875" cap="rnd" cmpd="sng" algn="ctr">
+          <a:solidFill>
+            <a:schemeClr val="lt1">
+              <a:hueOff val="0"/>
+              <a:satOff val="0"/>
+              <a:lumOff val="0"/>
+              <a:alphaOff val="0"/>
+            </a:schemeClr>
+          </a:solidFill>
+          <a:prstDash val="solid"/>
+        </a:ln>
+        <a:effectLst/>
+      </dsp:spPr>
+      <dsp:style>
+        <a:lnRef idx="2">
+          <a:scrgbClr r="0" g="0" b="0"/>
+        </a:lnRef>
+        <a:fillRef idx="1">
+          <a:scrgbClr r="0" g="0" b="0"/>
+        </a:fillRef>
+        <a:effectRef idx="0">
+          <a:scrgbClr r="0" g="0" b="0"/>
+        </a:effectRef>
+        <a:fontRef idx="minor">
+          <a:schemeClr val="lt1"/>
+        </a:fontRef>
+      </dsp:style>
+    </dsp:sp>
+    <dsp:sp modelId="{99641263-97D4-4FD8-ABD6-D78FEEBE2035}">
+      <dsp:nvSpPr>
+        <dsp:cNvPr id="0" name=""/>
+        <dsp:cNvSpPr/>
+      </dsp:nvSpPr>
+      <dsp:spPr>
+        <a:xfrm>
+          <a:off x="2831980" y="1135468"/>
+          <a:ext cx="2123985" cy="1348730"/>
+        </a:xfrm>
+        <a:prstGeom prst="roundRect">
+          <a:avLst>
+            <a:gd name="adj" fmla="val 10000"/>
+          </a:avLst>
+        </a:prstGeom>
+        <a:solidFill>
+          <a:schemeClr val="lt1">
+            <a:alpha val="90000"/>
+            <a:hueOff val="0"/>
+            <a:satOff val="0"/>
+            <a:lumOff val="0"/>
+            <a:alphaOff val="0"/>
+          </a:schemeClr>
+        </a:solidFill>
+        <a:ln w="15875" cap="rnd" cmpd="sng" algn="ctr">
+          <a:solidFill>
+            <a:schemeClr val="accent1">
+              <a:hueOff val="0"/>
+              <a:satOff val="0"/>
+              <a:lumOff val="0"/>
+              <a:alphaOff val="0"/>
+            </a:schemeClr>
+          </a:solidFill>
+          <a:prstDash val="solid"/>
+        </a:ln>
+        <a:effectLst/>
+      </dsp:spPr>
+      <dsp:style>
+        <a:lnRef idx="2">
+          <a:scrgbClr r="0" g="0" b="0"/>
+        </a:lnRef>
+        <a:fillRef idx="1">
+          <a:scrgbClr r="0" g="0" b="0"/>
+        </a:fillRef>
+        <a:effectRef idx="0">
+          <a:scrgbClr r="0" g="0" b="0"/>
+        </a:effectRef>
+        <a:fontRef idx="minor"/>
+      </dsp:style>
+      <dsp:txBody>
+        <a:bodyPr spcFirstLastPara="0" vert="horz" wrap="square" lIns="76200" tIns="76200" rIns="76200" bIns="76200" numCol="1" spcCol="1270" anchor="ctr" anchorCtr="0">
+          <a:noAutofit/>
+        </a:bodyPr>
+        <a:lstStyle/>
+        <a:p>
+          <a:pPr marL="0" lvl="0" indent="0" algn="ctr" defTabSz="889000">
+            <a:lnSpc>
+              <a:spcPct val="90000"/>
+            </a:lnSpc>
+            <a:spcBef>
+              <a:spcPct val="0"/>
+            </a:spcBef>
+            <a:spcAft>
+              <a:spcPct val="35000"/>
+            </a:spcAft>
+            <a:buNone/>
+          </a:pPr>
+          <a:r>
+            <a:rPr lang="en-US" sz="2000" kern="1200" dirty="0">
+              <a:latin typeface="Times New Roman" panose="02020603050405020304" pitchFamily="18" charset="0"/>
+              <a:cs typeface="Times New Roman" panose="02020603050405020304" pitchFamily="18" charset="0"/>
+            </a:rPr>
+            <a:t>By several basic characteristic features?</a:t>
+          </a:r>
+        </a:p>
+      </dsp:txBody>
+      <dsp:txXfrm>
+        <a:off x="2871483" y="1174971"/>
+        <a:ext cx="2044979" cy="1269724"/>
+      </dsp:txXfrm>
+    </dsp:sp>
+    <dsp:sp modelId="{F7D79F10-BDE8-4344-A067-46BBC45A41B3}">
+      <dsp:nvSpPr>
+        <dsp:cNvPr id="0" name=""/>
+        <dsp:cNvSpPr/>
+      </dsp:nvSpPr>
+      <dsp:spPr>
+        <a:xfrm>
+          <a:off x="5191963" y="911270"/>
+          <a:ext cx="2123985" cy="1348730"/>
+        </a:xfrm>
+        <a:prstGeom prst="roundRect">
+          <a:avLst>
+            <a:gd name="adj" fmla="val 10000"/>
+          </a:avLst>
+        </a:prstGeom>
+        <a:solidFill>
+          <a:schemeClr val="accent1">
+            <a:hueOff val="0"/>
+            <a:satOff val="0"/>
+            <a:lumOff val="0"/>
+            <a:alphaOff val="0"/>
+          </a:schemeClr>
+        </a:solidFill>
+        <a:ln w="15875" cap="rnd" cmpd="sng" algn="ctr">
+          <a:solidFill>
+            <a:schemeClr val="lt1">
+              <a:hueOff val="0"/>
+              <a:satOff val="0"/>
+              <a:lumOff val="0"/>
+              <a:alphaOff val="0"/>
+            </a:schemeClr>
+          </a:solidFill>
+          <a:prstDash val="solid"/>
+        </a:ln>
+        <a:effectLst/>
+      </dsp:spPr>
+      <dsp:style>
+        <a:lnRef idx="2">
+          <a:scrgbClr r="0" g="0" b="0"/>
+        </a:lnRef>
+        <a:fillRef idx="1">
+          <a:scrgbClr r="0" g="0" b="0"/>
+        </a:fillRef>
+        <a:effectRef idx="0">
+          <a:scrgbClr r="0" g="0" b="0"/>
+        </a:effectRef>
+        <a:fontRef idx="minor">
+          <a:schemeClr val="lt1"/>
+        </a:fontRef>
+      </dsp:style>
+    </dsp:sp>
+    <dsp:sp modelId="{445352F8-B8E3-4C7B-90B6-090D51C157CC}">
+      <dsp:nvSpPr>
+        <dsp:cNvPr id="0" name=""/>
+        <dsp:cNvSpPr/>
+      </dsp:nvSpPr>
+      <dsp:spPr>
+        <a:xfrm>
+          <a:off x="5427961" y="1135468"/>
+          <a:ext cx="2123985" cy="1348730"/>
+        </a:xfrm>
+        <a:prstGeom prst="roundRect">
+          <a:avLst>
+            <a:gd name="adj" fmla="val 10000"/>
+          </a:avLst>
+        </a:prstGeom>
+        <a:solidFill>
+          <a:schemeClr val="lt1">
+            <a:alpha val="90000"/>
+            <a:hueOff val="0"/>
+            <a:satOff val="0"/>
+            <a:lumOff val="0"/>
+            <a:alphaOff val="0"/>
+          </a:schemeClr>
+        </a:solidFill>
+        <a:ln w="15875" cap="rnd" cmpd="sng" algn="ctr">
+          <a:solidFill>
+            <a:schemeClr val="accent1">
+              <a:hueOff val="0"/>
+              <a:satOff val="0"/>
+              <a:lumOff val="0"/>
+              <a:alphaOff val="0"/>
+            </a:schemeClr>
+          </a:solidFill>
+          <a:prstDash val="solid"/>
+        </a:ln>
+        <a:effectLst/>
+      </dsp:spPr>
+      <dsp:style>
+        <a:lnRef idx="2">
+          <a:scrgbClr r="0" g="0" b="0"/>
+        </a:lnRef>
+        <a:fillRef idx="1">
+          <a:scrgbClr r="0" g="0" b="0"/>
+        </a:fillRef>
+        <a:effectRef idx="0">
+          <a:scrgbClr r="0" g="0" b="0"/>
+        </a:effectRef>
+        <a:fontRef idx="minor"/>
+      </dsp:style>
+      <dsp:txBody>
+        <a:bodyPr spcFirstLastPara="0" vert="horz" wrap="square" lIns="80010" tIns="80010" rIns="80010" bIns="80010" numCol="1" spcCol="1270" anchor="ctr" anchorCtr="0">
+          <a:noAutofit/>
+        </a:bodyPr>
+        <a:lstStyle/>
+        <a:p>
+          <a:pPr marL="0" lvl="0" indent="0" algn="ctr" defTabSz="933450">
+            <a:lnSpc>
+              <a:spcPct val="90000"/>
+            </a:lnSpc>
+            <a:spcBef>
+              <a:spcPct val="0"/>
+            </a:spcBef>
+            <a:spcAft>
+              <a:spcPct val="35000"/>
+            </a:spcAft>
+            <a:buNone/>
+          </a:pPr>
+          <a:r>
+            <a:rPr lang="en-US" sz="2100" kern="1200" dirty="0">
+              <a:latin typeface="Times New Roman" panose="02020603050405020304" pitchFamily="18" charset="0"/>
+              <a:cs typeface="Times New Roman" panose="02020603050405020304" pitchFamily="18" charset="0"/>
+            </a:rPr>
+            <a:t>Or by the option that corresponds to most characteristics?</a:t>
+          </a:r>
+        </a:p>
+      </dsp:txBody>
+      <dsp:txXfrm>
+        <a:off x="5467464" y="1174971"/>
+        <a:ext cx="2044979" cy="1269724"/>
+      </dsp:txXfrm>
+    </dsp:sp>
+  </dsp:spTree>
+</dsp:drawing>
+</file>
+
+<file path=ppt/diagrams/drawing8.xml><?xml version="1.0" encoding="utf-8"?>
 <dsp:drawing xmlns:dgm="http://schemas.openxmlformats.org/drawingml/2006/diagram" xmlns:dsp="http://schemas.microsoft.com/office/drawing/2008/diagram" xmlns:a="http://schemas.openxmlformats.org/drawingml/2006/main">
   <dsp:spTree>
     <dsp:nvGrpSpPr>
@@ -15206,7 +18537,7 @@
 </dsp:drawing>
 </file>
 
-<file path=ppt/diagrams/drawing7.xml><?xml version="1.0" encoding="utf-8"?>
+<file path=ppt/diagrams/drawing9.xml><?xml version="1.0" encoding="utf-8"?>
 <dsp:drawing xmlns:dgm="http://schemas.openxmlformats.org/drawingml/2006/diagram" xmlns:dsp="http://schemas.microsoft.com/office/drawing/2008/diagram" xmlns:a="http://schemas.openxmlformats.org/drawingml/2006/main">
   <dsp:spTree>
     <dsp:nvGrpSpPr>
@@ -15467,7 +18798,7 @@
               <a:latin typeface="Times New Roman" panose="02020603050405020304" pitchFamily="18" charset="0"/>
               <a:cs typeface="Times New Roman" panose="02020603050405020304" pitchFamily="18" charset="0"/>
             </a:rPr>
-            <a:t>Convert from REST architecture to the Web Socket</a:t>
+            <a:t>Convert from HTTP communication to the Web Socket</a:t>
           </a:r>
         </a:p>
       </dsp:txBody>
@@ -17349,6 +20680,218 @@
 </file>
 
 <file path=ppt/diagrams/layout5.xml><?xml version="1.0" encoding="utf-8"?>
+<dgm:layoutDef xmlns:dgm="http://schemas.openxmlformats.org/drawingml/2006/diagram" xmlns:a="http://schemas.openxmlformats.org/drawingml/2006/main" uniqueId="urn:microsoft.com/office/officeart/2018/2/layout/IconCircleList">
+  <dgm:title val="Icon Circle List"/>
+  <dgm:desc val="Use to show non-sequential or grouped chunks of information accompanied by related visuals. Circular shapes can hold an icon or small picture and corresponding text box shows Level 1 text. Works best for icons or small pictures with medium-length descriptions."/>
+  <dgm:catLst>
+    <dgm:cat type="icon" pri="500"/>
+  </dgm:catLst>
+  <dgm:sampData useDef="1">
+    <dgm:dataModel>
+      <dgm:ptLst/>
+      <dgm:bg/>
+      <dgm:whole/>
+    </dgm:dataModel>
+  </dgm:sampData>
+  <dgm:styleData useDef="1">
+    <dgm:dataModel>
+      <dgm:ptLst/>
+      <dgm:bg/>
+      <dgm:whole/>
+    </dgm:dataModel>
+  </dgm:styleData>
+  <dgm:clrData useDef="1">
+    <dgm:dataModel>
+      <dgm:ptLst/>
+      <dgm:bg/>
+      <dgm:whole/>
+    </dgm:dataModel>
+  </dgm:clrData>
+  <dgm:layoutNode name="root">
+    <dgm:varLst>
+      <dgm:dir/>
+      <dgm:resizeHandles val="exact"/>
+    </dgm:varLst>
+    <dgm:alg type="sp"/>
+    <dgm:shape xmlns:r="http://schemas.openxmlformats.org/officeDocument/2006/relationships" r:blip="">
+      <dgm:adjLst/>
+    </dgm:shape>
+    <dgm:presOf/>
+    <dgm:choose name="Name0">
+      <dgm:if name="Name1" axis="ch" ptType="node" func="cnt" op="lte" val="3">
+        <dgm:constrLst>
+          <dgm:constr type="w" for="ch" forName="container" refType="w"/>
+          <dgm:constr type="h" for="ch" forName="container" refType="h" fact="0.4"/>
+        </dgm:constrLst>
+      </dgm:if>
+      <dgm:else name="Name2">
+        <dgm:constrLst>
+          <dgm:constr type="w" for="ch" forName="container" refType="w"/>
+          <dgm:constr type="h" for="ch" forName="container" refType="h"/>
+        </dgm:constrLst>
+      </dgm:else>
+    </dgm:choose>
+    <dgm:ruleLst>
+      <dgm:rule type="h" for="ch" forName="container" val="INF" fact="NaN" max="NaN"/>
+    </dgm:ruleLst>
+    <dgm:layoutNode name="container">
+      <dgm:varLst>
+        <dgm:dir/>
+        <dgm:resizeHandles val="exact"/>
+      </dgm:varLst>
+      <dgm:choose name="Name3">
+        <dgm:if name="Name4" axis="self" func="var" arg="dir" op="equ" val="norm">
+          <dgm:alg type="snake">
+            <dgm:param type="grDir" val="tL"/>
+            <dgm:param type="flowDir" val="row"/>
+            <dgm:param type="contDir" val="sameDir"/>
+          </dgm:alg>
+        </dgm:if>
+        <dgm:else name="Name5">
+          <dgm:alg type="snake">
+            <dgm:param type="grDir" val="tR"/>
+            <dgm:param type="flowDir" val="row"/>
+            <dgm:param type="contDir" val="sameDir"/>
+          </dgm:alg>
+        </dgm:else>
+      </dgm:choose>
+      <dgm:shape xmlns:r="http://schemas.openxmlformats.org/officeDocument/2006/relationships" r:blip="">
+        <dgm:adjLst/>
+      </dgm:shape>
+      <dgm:presOf/>
+      <dgm:constrLst>
+        <dgm:constr type="w" for="ch" forName="compNode" refType="w"/>
+        <dgm:constr type="h" for="ch" forName="compNode" refType="w" fact="0.28"/>
+        <dgm:constr type="w" for="ch" forName="sibTrans" refType="w" refFor="ch" refForName="compNode" fact="0.115"/>
+        <dgm:constr type="sp" refType="h" op="equ" fact="0.17"/>
+        <dgm:constr type="primFontSz" for="des" ptType="node" op="equ" val="24"/>
+        <dgm:constr type="h" for="des" forName="compNode" op="equ"/>
+        <dgm:constr type="h" for="des" forName="iconBgRect" op="equ"/>
+      </dgm:constrLst>
+      <dgm:ruleLst>
+        <dgm:rule type="w" for="ch" forName="compNode" val="60" fact="NaN" max="NaN"/>
+      </dgm:ruleLst>
+      <dgm:forEach name="Name6" axis="ch" ptType="node">
+        <dgm:layoutNode name="compNode">
+          <dgm:alg type="composite"/>
+          <dgm:shape xmlns:r="http://schemas.openxmlformats.org/officeDocument/2006/relationships" r:blip="">
+            <dgm:adjLst/>
+          </dgm:shape>
+          <dgm:presOf axis="self"/>
+          <dgm:constrLst>
+            <dgm:constr type="w" for="ch" forName="iconBgRect" refType="w" fact="0.28"/>
+            <dgm:constr type="h" for="ch" forName="iconBgRect" refType="w" refFor="ch" refForName="iconBgRect"/>
+            <dgm:constr type="t" for="ch" forName="iconBgRect"/>
+            <dgm:constr type="l" for="ch" forName="iconBgRect"/>
+            <dgm:constr type="w" for="ch" forName="iconRect" refType="w" refFor="ch" refForName="iconBgRect" fact="0.58"/>
+            <dgm:constr type="h" for="ch" forName="iconRect" refType="w" refFor="ch" refForName="iconRect"/>
+            <dgm:constr type="ctrX" for="ch" forName="iconRect" refType="ctrX" refFor="ch" refForName="iconBgRect"/>
+            <dgm:constr type="ctrY" for="ch" forName="iconRect" refType="ctrY" refFor="ch" refForName="iconBgRect"/>
+            <dgm:constr type="w" for="ch" forName="spaceRect" refType="w" fact="0.06"/>
+            <dgm:constr type="h" for="ch" forName="spaceRect" refType="h" refFor="ch" refForName="iconBgRect"/>
+            <dgm:constr type="t" for="ch" forName="spaceRect" refType="t" refFor="ch" refForName="iconBgRect"/>
+            <dgm:constr type="l" for="ch" forName="spaceRect" refType="r" refFor="ch" refForName="iconBgRect"/>
+            <dgm:constr type="h" for="ch" forName="textRect" refType="h" refFor="ch" refForName="iconBgRect"/>
+            <dgm:constr type="t" for="ch" forName="textRect" refType="t" refFor="ch" refForName="iconBgRect"/>
+            <dgm:constr type="l" for="ch" forName="textRect" refType="r" refFor="ch" refForName="spaceRect"/>
+          </dgm:constrLst>
+          <dgm:ruleLst/>
+          <dgm:layoutNode name="iconBgRect" styleLbl="bgShp">
+            <dgm:alg type="sp"/>
+            <dgm:shape xmlns:r="http://schemas.openxmlformats.org/officeDocument/2006/relationships" type="ellipse" r:blip="">
+              <dgm:adjLst/>
+            </dgm:shape>
+            <dgm:presOf/>
+            <dgm:constrLst/>
+            <dgm:ruleLst/>
+          </dgm:layoutNode>
+          <dgm:layoutNode name="iconRect" styleLbl="node1">
+            <dgm:alg type="sp"/>
+            <dgm:shape xmlns:r="http://schemas.openxmlformats.org/officeDocument/2006/relationships" type="rect" r:blip="" blipPhldr="1">
+              <dgm:adjLst/>
+            </dgm:shape>
+            <dgm:presOf/>
+            <dgm:constrLst/>
+            <dgm:ruleLst/>
+          </dgm:layoutNode>
+          <dgm:layoutNode name="spaceRect">
+            <dgm:alg type="sp"/>
+            <dgm:shape xmlns:r="http://schemas.openxmlformats.org/officeDocument/2006/relationships" r:blip="">
+              <dgm:adjLst/>
+            </dgm:shape>
+            <dgm:presOf/>
+            <dgm:constrLst/>
+            <dgm:ruleLst/>
+          </dgm:layoutNode>
+          <dgm:layoutNode name="textRect" styleLbl="revTx">
+            <dgm:varLst>
+              <dgm:chMax val="1"/>
+              <dgm:chPref val="1"/>
+            </dgm:varLst>
+            <dgm:choose name="Name7">
+              <dgm:if name="Name8" func="var" arg="dir" op="equ" val="norm">
+                <dgm:alg type="tx">
+                  <dgm:param type="txAnchorVert" val="mid"/>
+                  <dgm:param type="parTxLTRAlign" val="l"/>
+                  <dgm:param type="shpTxLTRAlignCh" val="l"/>
+                  <dgm:param type="parTxRTLAlign" val="l"/>
+                  <dgm:param type="shpTxRTLAlignCh" val="l"/>
+                </dgm:alg>
+              </dgm:if>
+              <dgm:else name="Name9">
+                <dgm:alg type="tx">
+                  <dgm:param type="txAnchorVert" val="mid"/>
+                  <dgm:param type="parTxLTRAlign" val="r"/>
+                  <dgm:param type="shpTxLTRAlignCh" val="r"/>
+                  <dgm:param type="parTxRTLAlign" val="r"/>
+                  <dgm:param type="shpTxRTLAlignCh" val="r"/>
+                </dgm:alg>
+              </dgm:else>
+            </dgm:choose>
+            <dgm:shape xmlns:r="http://schemas.openxmlformats.org/officeDocument/2006/relationships" type="rect" r:blip="">
+              <dgm:adjLst/>
+            </dgm:shape>
+            <dgm:presOf axis="self" ptType="node"/>
+            <dgm:constrLst>
+              <dgm:constr type="lMarg"/>
+              <dgm:constr type="rMarg"/>
+              <dgm:constr type="tMarg"/>
+              <dgm:constr type="bMarg"/>
+            </dgm:constrLst>
+            <dgm:ruleLst>
+              <dgm:rule type="primFontSz" val="11" fact="NaN" max="NaN"/>
+            </dgm:ruleLst>
+          </dgm:layoutNode>
+        </dgm:layoutNode>
+        <dgm:forEach name="Name10" axis="followSib" ptType="sibTrans" cnt="1">
+          <dgm:layoutNode name="sibTrans">
+            <dgm:alg type="sp"/>
+            <dgm:shape xmlns:r="http://schemas.openxmlformats.org/officeDocument/2006/relationships" type="rect" r:blip="" hideGeom="1">
+              <dgm:adjLst/>
+            </dgm:shape>
+            <dgm:presOf axis="self"/>
+            <dgm:constrLst/>
+            <dgm:ruleLst/>
+          </dgm:layoutNode>
+        </dgm:forEach>
+      </dgm:forEach>
+    </dgm:layoutNode>
+  </dgm:layoutNode>
+  <dgm:extLst>
+    <a:ext uri="{68A01E43-0DF5-4B5B-8FA6-DAF915123BFB}">
+      <dgm1612:lstStyle xmlns:dgm1612="http://schemas.microsoft.com/office/drawing/2016/12/diagram">
+        <a:lvl1pPr>
+          <a:lnSpc>
+            <a:spcPct val="100000"/>
+          </a:lnSpc>
+        </a:lvl1pPr>
+      </dgm1612:lstStyle>
+    </a:ext>
+  </dgm:extLst>
+</dgm:layoutDef>
+</file>
+
+<file path=ppt/diagrams/layout6.xml><?xml version="1.0" encoding="utf-8"?>
 <dgm:layoutDef xmlns:dgm="http://schemas.openxmlformats.org/drawingml/2006/diagram" xmlns:a="http://schemas.openxmlformats.org/drawingml/2006/main" uniqueId="urn:microsoft.com/office/officeart/2005/8/layout/process1">
   <dgm:title val=""/>
   <dgm:desc val=""/>
@@ -17494,7 +21037,570 @@
 </dgm:layoutDef>
 </file>
 
-<file path=ppt/diagrams/layout6.xml><?xml version="1.0" encoding="utf-8"?>
+<file path=ppt/diagrams/layout7.xml><?xml version="1.0" encoding="utf-8"?>
+<dgm:layoutDef xmlns:dgm="http://schemas.openxmlformats.org/drawingml/2006/diagram" xmlns:a="http://schemas.openxmlformats.org/drawingml/2006/main" uniqueId="urn:microsoft.com/office/officeart/2005/8/layout/hierarchy1">
+  <dgm:title val=""/>
+  <dgm:desc val=""/>
+  <dgm:catLst>
+    <dgm:cat type="hierarchy" pri="2000"/>
+  </dgm:catLst>
+  <dgm:sampData>
+    <dgm:dataModel>
+      <dgm:ptLst>
+        <dgm:pt modelId="0" type="doc"/>
+        <dgm:pt modelId="1">
+          <dgm:prSet phldr="1"/>
+        </dgm:pt>
+        <dgm:pt modelId="2">
+          <dgm:prSet phldr="1"/>
+        </dgm:pt>
+        <dgm:pt modelId="21">
+          <dgm:prSet phldr="1"/>
+        </dgm:pt>
+        <dgm:pt modelId="22">
+          <dgm:prSet phldr="1"/>
+        </dgm:pt>
+        <dgm:pt modelId="3">
+          <dgm:prSet phldr="1"/>
+        </dgm:pt>
+        <dgm:pt modelId="31">
+          <dgm:prSet phldr="1"/>
+        </dgm:pt>
+      </dgm:ptLst>
+      <dgm:cxnLst>
+        <dgm:cxn modelId="4" srcId="0" destId="1" srcOrd="0" destOrd="0"/>
+        <dgm:cxn modelId="5" srcId="1" destId="2" srcOrd="0" destOrd="0"/>
+        <dgm:cxn modelId="6" srcId="1" destId="3" srcOrd="1" destOrd="0"/>
+        <dgm:cxn modelId="23" srcId="2" destId="21" srcOrd="0" destOrd="0"/>
+        <dgm:cxn modelId="24" srcId="2" destId="22" srcOrd="1" destOrd="0"/>
+        <dgm:cxn modelId="33" srcId="3" destId="31" srcOrd="0" destOrd="0"/>
+      </dgm:cxnLst>
+      <dgm:bg/>
+      <dgm:whole/>
+    </dgm:dataModel>
+  </dgm:sampData>
+  <dgm:styleData>
+    <dgm:dataModel>
+      <dgm:ptLst>
+        <dgm:pt modelId="0" type="doc"/>
+        <dgm:pt modelId="1"/>
+        <dgm:pt modelId="11"/>
+        <dgm:pt modelId="12"/>
+      </dgm:ptLst>
+      <dgm:cxnLst>
+        <dgm:cxn modelId="2" srcId="0" destId="1" srcOrd="0" destOrd="0"/>
+        <dgm:cxn modelId="13" srcId="1" destId="11" srcOrd="0" destOrd="0"/>
+        <dgm:cxn modelId="14" srcId="1" destId="12" srcOrd="1" destOrd="0"/>
+      </dgm:cxnLst>
+      <dgm:bg/>
+      <dgm:whole/>
+    </dgm:dataModel>
+  </dgm:styleData>
+  <dgm:clrData>
+    <dgm:dataModel>
+      <dgm:ptLst>
+        <dgm:pt modelId="0" type="doc"/>
+        <dgm:pt modelId="1"/>
+        <dgm:pt modelId="2"/>
+        <dgm:pt modelId="21"/>
+        <dgm:pt modelId="211"/>
+        <dgm:pt modelId="3"/>
+        <dgm:pt modelId="31"/>
+        <dgm:pt modelId="311"/>
+      </dgm:ptLst>
+      <dgm:cxnLst>
+        <dgm:cxn modelId="4" srcId="0" destId="1" srcOrd="0" destOrd="0"/>
+        <dgm:cxn modelId="5" srcId="1" destId="2" srcOrd="0" destOrd="0"/>
+        <dgm:cxn modelId="6" srcId="1" destId="3" srcOrd="1" destOrd="0"/>
+        <dgm:cxn modelId="23" srcId="2" destId="21" srcOrd="0" destOrd="0"/>
+        <dgm:cxn modelId="24" srcId="21" destId="211" srcOrd="0" destOrd="0"/>
+        <dgm:cxn modelId="33" srcId="3" destId="31" srcOrd="0" destOrd="0"/>
+        <dgm:cxn modelId="34" srcId="31" destId="311" srcOrd="0" destOrd="0"/>
+      </dgm:cxnLst>
+      <dgm:bg/>
+      <dgm:whole/>
+    </dgm:dataModel>
+  </dgm:clrData>
+  <dgm:layoutNode name="hierChild1">
+    <dgm:varLst>
+      <dgm:chPref val="1"/>
+      <dgm:dir/>
+      <dgm:animOne val="branch"/>
+      <dgm:animLvl val="lvl"/>
+      <dgm:resizeHandles/>
+    </dgm:varLst>
+    <dgm:choose name="Name0">
+      <dgm:if name="Name1" func="var" arg="dir" op="equ" val="norm">
+        <dgm:alg type="hierChild">
+          <dgm:param type="linDir" val="fromL"/>
+        </dgm:alg>
+      </dgm:if>
+      <dgm:else name="Name2">
+        <dgm:alg type="hierChild">
+          <dgm:param type="linDir" val="fromR"/>
+        </dgm:alg>
+      </dgm:else>
+    </dgm:choose>
+    <dgm:shape xmlns:r="http://schemas.openxmlformats.org/officeDocument/2006/relationships" r:blip="">
+      <dgm:adjLst/>
+    </dgm:shape>
+    <dgm:presOf/>
+    <dgm:constrLst>
+      <dgm:constr type="primFontSz" for="des" ptType="node" op="equ" val="65"/>
+      <dgm:constr type="w" for="des" forName="composite" refType="w"/>
+      <dgm:constr type="h" for="des" forName="composite" refType="w" refFor="des" refForName="composite" fact="0.667"/>
+      <dgm:constr type="w" for="des" forName="composite2" refType="w" refFor="des" refForName="composite"/>
+      <dgm:constr type="h" for="des" forName="composite2" refType="h" refFor="des" refForName="composite"/>
+      <dgm:constr type="w" for="des" forName="composite3" refType="w" refFor="des" refForName="composite"/>
+      <dgm:constr type="h" for="des" forName="composite3" refType="h" refFor="des" refForName="composite"/>
+      <dgm:constr type="w" for="des" forName="composite4" refType="w" refFor="des" refForName="composite"/>
+      <dgm:constr type="h" for="des" forName="composite4" refType="h" refFor="des" refForName="composite"/>
+      <dgm:constr type="w" for="des" forName="composite5" refType="w" refFor="des" refForName="composite"/>
+      <dgm:constr type="h" for="des" forName="composite5" refType="h" refFor="des" refForName="composite"/>
+      <dgm:constr type="sibSp" refType="w" refFor="des" refForName="composite" fact="0.1"/>
+      <dgm:constr type="sibSp" for="des" forName="hierChild2" refType="sibSp"/>
+      <dgm:constr type="sibSp" for="des" forName="hierChild3" refType="sibSp"/>
+      <dgm:constr type="sibSp" for="des" forName="hierChild4" refType="sibSp"/>
+      <dgm:constr type="sibSp" for="des" forName="hierChild5" refType="sibSp"/>
+      <dgm:constr type="sibSp" for="des" forName="hierChild6" refType="sibSp"/>
+      <dgm:constr type="sp" for="des" forName="hierRoot1" refType="h" refFor="des" refForName="composite" fact="0.25"/>
+      <dgm:constr type="sp" for="des" forName="hierRoot2" refType="sp" refFor="des" refForName="hierRoot1"/>
+      <dgm:constr type="sp" for="des" forName="hierRoot3" refType="sp" refFor="des" refForName="hierRoot1"/>
+      <dgm:constr type="sp" for="des" forName="hierRoot4" refType="sp" refFor="des" refForName="hierRoot1"/>
+      <dgm:constr type="sp" for="des" forName="hierRoot5" refType="sp" refFor="des" refForName="hierRoot1"/>
+    </dgm:constrLst>
+    <dgm:ruleLst/>
+    <dgm:forEach name="Name3" axis="ch">
+      <dgm:forEach name="Name4" axis="self" ptType="node">
+        <dgm:layoutNode name="hierRoot1">
+          <dgm:alg type="hierRoot"/>
+          <dgm:shape xmlns:r="http://schemas.openxmlformats.org/officeDocument/2006/relationships" r:blip="">
+            <dgm:adjLst/>
+          </dgm:shape>
+          <dgm:presOf/>
+          <dgm:constrLst>
+            <dgm:constr type="bendDist" for="des" ptType="parTrans" refType="sp" fact="0.5"/>
+          </dgm:constrLst>
+          <dgm:ruleLst/>
+          <dgm:layoutNode name="composite">
+            <dgm:alg type="composite"/>
+            <dgm:shape xmlns:r="http://schemas.openxmlformats.org/officeDocument/2006/relationships" r:blip="">
+              <dgm:adjLst/>
+            </dgm:shape>
+            <dgm:presOf/>
+            <dgm:constrLst>
+              <dgm:constr type="w" for="ch" forName="background" refType="w" fact="0.9"/>
+              <dgm:constr type="h" for="ch" forName="background" refType="w" refFor="ch" refForName="background" fact="0.635"/>
+              <dgm:constr type="t" for="ch" forName="background"/>
+              <dgm:constr type="l" for="ch" forName="background"/>
+              <dgm:constr type="w" for="ch" forName="text" refType="w" fact="0.9"/>
+              <dgm:constr type="h" for="ch" forName="text" refType="w" refFor="ch" refForName="text" fact="0.635"/>
+              <dgm:constr type="t" for="ch" forName="text" refType="w" fact="0.095"/>
+              <dgm:constr type="l" for="ch" forName="text" refType="w" fact="0.1"/>
+            </dgm:constrLst>
+            <dgm:ruleLst/>
+            <dgm:layoutNode name="background" styleLbl="node0" moveWith="text">
+              <dgm:alg type="sp"/>
+              <dgm:shape xmlns:r="http://schemas.openxmlformats.org/officeDocument/2006/relationships" type="roundRect" r:blip="">
+                <dgm:adjLst>
+                  <dgm:adj idx="1" val="0.1"/>
+                </dgm:adjLst>
+              </dgm:shape>
+              <dgm:presOf/>
+              <dgm:constrLst/>
+              <dgm:ruleLst/>
+            </dgm:layoutNode>
+            <dgm:layoutNode name="text" styleLbl="fgAcc0">
+              <dgm:varLst>
+                <dgm:chPref val="3"/>
+              </dgm:varLst>
+              <dgm:alg type="tx"/>
+              <dgm:shape xmlns:r="http://schemas.openxmlformats.org/officeDocument/2006/relationships" type="roundRect" r:blip="">
+                <dgm:adjLst>
+                  <dgm:adj idx="1" val="0.1"/>
+                </dgm:adjLst>
+              </dgm:shape>
+              <dgm:presOf axis="self"/>
+              <dgm:constrLst>
+                <dgm:constr type="tMarg" refType="primFontSz" fact="0.3"/>
+                <dgm:constr type="bMarg" refType="primFontSz" fact="0.3"/>
+                <dgm:constr type="lMarg" refType="primFontSz" fact="0.3"/>
+                <dgm:constr type="rMarg" refType="primFontSz" fact="0.3"/>
+              </dgm:constrLst>
+              <dgm:ruleLst>
+                <dgm:rule type="primFontSz" val="5" fact="NaN" max="NaN"/>
+              </dgm:ruleLst>
+            </dgm:layoutNode>
+          </dgm:layoutNode>
+          <dgm:layoutNode name="hierChild2">
+            <dgm:choose name="Name5">
+              <dgm:if name="Name6" func="var" arg="dir" op="equ" val="norm">
+                <dgm:alg type="hierChild">
+                  <dgm:param type="linDir" val="fromL"/>
+                </dgm:alg>
+              </dgm:if>
+              <dgm:else name="Name7">
+                <dgm:alg type="hierChild">
+                  <dgm:param type="linDir" val="fromR"/>
+                </dgm:alg>
+              </dgm:else>
+            </dgm:choose>
+            <dgm:shape xmlns:r="http://schemas.openxmlformats.org/officeDocument/2006/relationships" r:blip="">
+              <dgm:adjLst/>
+            </dgm:shape>
+            <dgm:presOf/>
+            <dgm:constrLst/>
+            <dgm:ruleLst/>
+            <dgm:forEach name="Name8" axis="ch">
+              <dgm:forEach name="Name9" axis="self" ptType="parTrans" cnt="1">
+                <dgm:layoutNode name="Name10">
+                  <dgm:alg type="conn">
+                    <dgm:param type="dim" val="1D"/>
+                    <dgm:param type="endSty" val="noArr"/>
+                    <dgm:param type="connRout" val="bend"/>
+                    <dgm:param type="bendPt" val="end"/>
+                    <dgm:param type="begPts" val="bCtr"/>
+                    <dgm:param type="endPts" val="tCtr"/>
+                    <dgm:param type="srcNode" val="background"/>
+                    <dgm:param type="dstNode" val="background2"/>
+                  </dgm:alg>
+                  <dgm:shape xmlns:r="http://schemas.openxmlformats.org/officeDocument/2006/relationships" type="conn" r:blip="" zOrderOff="-999">
+                    <dgm:adjLst/>
+                  </dgm:shape>
+                  <dgm:presOf axis="self"/>
+                  <dgm:constrLst>
+                    <dgm:constr type="begPad"/>
+                    <dgm:constr type="endPad"/>
+                  </dgm:constrLst>
+                  <dgm:ruleLst/>
+                </dgm:layoutNode>
+              </dgm:forEach>
+              <dgm:forEach name="Name11" axis="self" ptType="node">
+                <dgm:layoutNode name="hierRoot2">
+                  <dgm:alg type="hierRoot"/>
+                  <dgm:shape xmlns:r="http://schemas.openxmlformats.org/officeDocument/2006/relationships" r:blip="">
+                    <dgm:adjLst/>
+                  </dgm:shape>
+                  <dgm:presOf/>
+                  <dgm:constrLst>
+                    <dgm:constr type="bendDist" for="des" ptType="parTrans" refType="sp" fact="0.5"/>
+                  </dgm:constrLst>
+                  <dgm:ruleLst/>
+                  <dgm:layoutNode name="composite2">
+                    <dgm:alg type="composite"/>
+                    <dgm:shape xmlns:r="http://schemas.openxmlformats.org/officeDocument/2006/relationships" r:blip="">
+                      <dgm:adjLst/>
+                    </dgm:shape>
+                    <dgm:presOf/>
+                    <dgm:constrLst>
+                      <dgm:constr type="w" for="ch" forName="background2" refType="w" fact="0.9"/>
+                      <dgm:constr type="h" for="ch" forName="background2" refType="w" refFor="ch" refForName="background2" fact="0.635"/>
+                      <dgm:constr type="t" for="ch" forName="background2"/>
+                      <dgm:constr type="l" for="ch" forName="background2"/>
+                      <dgm:constr type="w" for="ch" forName="text2" refType="w" fact="0.9"/>
+                      <dgm:constr type="h" for="ch" forName="text2" refType="w" refFor="ch" refForName="text2" fact="0.635"/>
+                      <dgm:constr type="t" for="ch" forName="text2" refType="w" fact="0.095"/>
+                      <dgm:constr type="l" for="ch" forName="text2" refType="w" fact="0.1"/>
+                    </dgm:constrLst>
+                    <dgm:ruleLst/>
+                    <dgm:layoutNode name="background2" moveWith="text2">
+                      <dgm:alg type="sp"/>
+                      <dgm:shape xmlns:r="http://schemas.openxmlformats.org/officeDocument/2006/relationships" type="roundRect" r:blip="">
+                        <dgm:adjLst>
+                          <dgm:adj idx="1" val="0.1"/>
+                        </dgm:adjLst>
+                      </dgm:shape>
+                      <dgm:presOf/>
+                      <dgm:constrLst/>
+                      <dgm:ruleLst/>
+                    </dgm:layoutNode>
+                    <dgm:layoutNode name="text2" styleLbl="fgAcc2">
+                      <dgm:varLst>
+                        <dgm:chPref val="3"/>
+                      </dgm:varLst>
+                      <dgm:alg type="tx"/>
+                      <dgm:shape xmlns:r="http://schemas.openxmlformats.org/officeDocument/2006/relationships" type="roundRect" r:blip="">
+                        <dgm:adjLst>
+                          <dgm:adj idx="1" val="0.1"/>
+                        </dgm:adjLst>
+                      </dgm:shape>
+                      <dgm:presOf axis="self"/>
+                      <dgm:constrLst>
+                        <dgm:constr type="tMarg" refType="primFontSz" fact="0.3"/>
+                        <dgm:constr type="bMarg" refType="primFontSz" fact="0.3"/>
+                        <dgm:constr type="lMarg" refType="primFontSz" fact="0.3"/>
+                        <dgm:constr type="rMarg" refType="primFontSz" fact="0.3"/>
+                      </dgm:constrLst>
+                      <dgm:ruleLst>
+                        <dgm:rule type="primFontSz" val="5" fact="NaN" max="NaN"/>
+                      </dgm:ruleLst>
+                    </dgm:layoutNode>
+                  </dgm:layoutNode>
+                  <dgm:layoutNode name="hierChild3">
+                    <dgm:choose name="Name12">
+                      <dgm:if name="Name13" func="var" arg="dir" op="equ" val="norm">
+                        <dgm:alg type="hierChild">
+                          <dgm:param type="linDir" val="fromL"/>
+                        </dgm:alg>
+                      </dgm:if>
+                      <dgm:else name="Name14">
+                        <dgm:alg type="hierChild">
+                          <dgm:param type="linDir" val="fromR"/>
+                        </dgm:alg>
+                      </dgm:else>
+                    </dgm:choose>
+                    <dgm:shape xmlns:r="http://schemas.openxmlformats.org/officeDocument/2006/relationships" r:blip="">
+                      <dgm:adjLst/>
+                    </dgm:shape>
+                    <dgm:presOf/>
+                    <dgm:constrLst/>
+                    <dgm:ruleLst/>
+                    <dgm:forEach name="Name15" axis="ch">
+                      <dgm:forEach name="Name16" axis="self" ptType="parTrans" cnt="1">
+                        <dgm:layoutNode name="Name17">
+                          <dgm:alg type="conn">
+                            <dgm:param type="dim" val="1D"/>
+                            <dgm:param type="endSty" val="noArr"/>
+                            <dgm:param type="connRout" val="bend"/>
+                            <dgm:param type="bendPt" val="end"/>
+                            <dgm:param type="begPts" val="bCtr"/>
+                            <dgm:param type="endPts" val="tCtr"/>
+                            <dgm:param type="srcNode" val="background2"/>
+                            <dgm:param type="dstNode" val="background3"/>
+                          </dgm:alg>
+                          <dgm:shape xmlns:r="http://schemas.openxmlformats.org/officeDocument/2006/relationships" type="conn" r:blip="" zOrderOff="-999">
+                            <dgm:adjLst/>
+                          </dgm:shape>
+                          <dgm:presOf axis="self"/>
+                          <dgm:constrLst>
+                            <dgm:constr type="begPad"/>
+                            <dgm:constr type="endPad"/>
+                          </dgm:constrLst>
+                          <dgm:ruleLst/>
+                        </dgm:layoutNode>
+                      </dgm:forEach>
+                      <dgm:forEach name="Name18" axis="self" ptType="node">
+                        <dgm:layoutNode name="hierRoot3">
+                          <dgm:alg type="hierRoot"/>
+                          <dgm:shape xmlns:r="http://schemas.openxmlformats.org/officeDocument/2006/relationships" r:blip="">
+                            <dgm:adjLst/>
+                          </dgm:shape>
+                          <dgm:presOf/>
+                          <dgm:constrLst>
+                            <dgm:constr type="bendDist" for="des" ptType="parTrans" refType="sp" fact="0.5"/>
+                          </dgm:constrLst>
+                          <dgm:ruleLst/>
+                          <dgm:layoutNode name="composite3">
+                            <dgm:alg type="composite"/>
+                            <dgm:shape xmlns:r="http://schemas.openxmlformats.org/officeDocument/2006/relationships" r:blip="">
+                              <dgm:adjLst/>
+                            </dgm:shape>
+                            <dgm:presOf/>
+                            <dgm:constrLst>
+                              <dgm:constr type="w" for="ch" forName="background3" refType="w" fact="0.9"/>
+                              <dgm:constr type="h" for="ch" forName="background3" refType="w" refFor="ch" refForName="background3" fact="0.635"/>
+                              <dgm:constr type="t" for="ch" forName="background3"/>
+                              <dgm:constr type="l" for="ch" forName="background3"/>
+                              <dgm:constr type="w" for="ch" forName="text3" refType="w" fact="0.9"/>
+                              <dgm:constr type="h" for="ch" forName="text3" refType="w" refFor="ch" refForName="text3" fact="0.635"/>
+                              <dgm:constr type="t" for="ch" forName="text3" refType="w" fact="0.095"/>
+                              <dgm:constr type="l" for="ch" forName="text3" refType="w" fact="0.1"/>
+                            </dgm:constrLst>
+                            <dgm:ruleLst/>
+                            <dgm:layoutNode name="background3" moveWith="text3">
+                              <dgm:alg type="sp"/>
+                              <dgm:shape xmlns:r="http://schemas.openxmlformats.org/officeDocument/2006/relationships" type="roundRect" r:blip="">
+                                <dgm:adjLst>
+                                  <dgm:adj idx="1" val="0.1"/>
+                                </dgm:adjLst>
+                              </dgm:shape>
+                              <dgm:presOf/>
+                              <dgm:constrLst/>
+                              <dgm:ruleLst/>
+                            </dgm:layoutNode>
+                            <dgm:layoutNode name="text3" styleLbl="fgAcc3">
+                              <dgm:varLst>
+                                <dgm:chPref val="3"/>
+                              </dgm:varLst>
+                              <dgm:alg type="tx"/>
+                              <dgm:shape xmlns:r="http://schemas.openxmlformats.org/officeDocument/2006/relationships" type="roundRect" r:blip="">
+                                <dgm:adjLst>
+                                  <dgm:adj idx="1" val="0.1"/>
+                                </dgm:adjLst>
+                              </dgm:shape>
+                              <dgm:presOf axis="self"/>
+                              <dgm:constrLst>
+                                <dgm:constr type="tMarg" refType="primFontSz" fact="0.3"/>
+                                <dgm:constr type="bMarg" refType="primFontSz" fact="0.3"/>
+                                <dgm:constr type="lMarg" refType="primFontSz" fact="0.3"/>
+                                <dgm:constr type="rMarg" refType="primFontSz" fact="0.3"/>
+                              </dgm:constrLst>
+                              <dgm:ruleLst>
+                                <dgm:rule type="primFontSz" val="5" fact="NaN" max="NaN"/>
+                              </dgm:ruleLst>
+                            </dgm:layoutNode>
+                          </dgm:layoutNode>
+                          <dgm:layoutNode name="hierChild4">
+                            <dgm:choose name="Name19">
+                              <dgm:if name="Name20" func="var" arg="dir" op="equ" val="norm">
+                                <dgm:alg type="hierChild">
+                                  <dgm:param type="linDir" val="fromL"/>
+                                </dgm:alg>
+                              </dgm:if>
+                              <dgm:else name="Name21">
+                                <dgm:alg type="hierChild">
+                                  <dgm:param type="linDir" val="fromR"/>
+                                </dgm:alg>
+                              </dgm:else>
+                            </dgm:choose>
+                            <dgm:shape xmlns:r="http://schemas.openxmlformats.org/officeDocument/2006/relationships" r:blip="">
+                              <dgm:adjLst/>
+                            </dgm:shape>
+                            <dgm:presOf/>
+                            <dgm:constrLst/>
+                            <dgm:ruleLst/>
+                            <dgm:forEach name="repeat" axis="ch">
+                              <dgm:forEach name="Name22" axis="self" ptType="parTrans" cnt="1">
+                                <dgm:layoutNode name="Name23">
+                                  <dgm:choose name="Name24">
+                                    <dgm:if name="Name25" axis="self" func="depth" op="lte" val="4">
+                                      <dgm:alg type="conn">
+                                        <dgm:param type="dim" val="1D"/>
+                                        <dgm:param type="endSty" val="noArr"/>
+                                        <dgm:param type="connRout" val="bend"/>
+                                        <dgm:param type="bendPt" val="end"/>
+                                        <dgm:param type="begPts" val="bCtr"/>
+                                        <dgm:param type="endPts" val="tCtr"/>
+                                        <dgm:param type="srcNode" val="background3"/>
+                                        <dgm:param type="dstNode" val="background4"/>
+                                      </dgm:alg>
+                                    </dgm:if>
+                                    <dgm:else name="Name26">
+                                      <dgm:alg type="conn">
+                                        <dgm:param type="dim" val="1D"/>
+                                        <dgm:param type="endSty" val="noArr"/>
+                                        <dgm:param type="connRout" val="bend"/>
+                                        <dgm:param type="bendPt" val="end"/>
+                                        <dgm:param type="begPts" val="bCtr"/>
+                                        <dgm:param type="endPts" val="tCtr"/>
+                                        <dgm:param type="srcNode" val="background4"/>
+                                        <dgm:param type="dstNode" val="background4"/>
+                                      </dgm:alg>
+                                    </dgm:else>
+                                  </dgm:choose>
+                                  <dgm:shape xmlns:r="http://schemas.openxmlformats.org/officeDocument/2006/relationships" type="conn" r:blip="" zOrderOff="-999">
+                                    <dgm:adjLst/>
+                                  </dgm:shape>
+                                  <dgm:presOf axis="self"/>
+                                  <dgm:constrLst>
+                                    <dgm:constr type="begPad"/>
+                                    <dgm:constr type="endPad"/>
+                                  </dgm:constrLst>
+                                  <dgm:ruleLst/>
+                                </dgm:layoutNode>
+                              </dgm:forEach>
+                              <dgm:forEach name="Name27" axis="self" ptType="node">
+                                <dgm:layoutNode name="hierRoot4">
+                                  <dgm:alg type="hierRoot"/>
+                                  <dgm:shape xmlns:r="http://schemas.openxmlformats.org/officeDocument/2006/relationships" r:blip="">
+                                    <dgm:adjLst/>
+                                  </dgm:shape>
+                                  <dgm:presOf/>
+                                  <dgm:constrLst>
+                                    <dgm:constr type="bendDist" for="des" ptType="parTrans" refType="sp" fact="0.5"/>
+                                  </dgm:constrLst>
+                                  <dgm:ruleLst/>
+                                  <dgm:layoutNode name="composite4">
+                                    <dgm:alg type="composite"/>
+                                    <dgm:shape xmlns:r="http://schemas.openxmlformats.org/officeDocument/2006/relationships" r:blip="">
+                                      <dgm:adjLst/>
+                                    </dgm:shape>
+                                    <dgm:presOf/>
+                                    <dgm:constrLst>
+                                      <dgm:constr type="w" for="ch" forName="background4" refType="w" fact="0.9"/>
+                                      <dgm:constr type="h" for="ch" forName="background4" refType="w" refFor="ch" refForName="background4" fact="0.635"/>
+                                      <dgm:constr type="t" for="ch" forName="background4"/>
+                                      <dgm:constr type="l" for="ch" forName="background4"/>
+                                      <dgm:constr type="w" for="ch" forName="text4" refType="w" fact="0.9"/>
+                                      <dgm:constr type="h" for="ch" forName="text4" refType="w" refFor="ch" refForName="text4" fact="0.635"/>
+                                      <dgm:constr type="t" for="ch" forName="text4" refType="w" fact="0.095"/>
+                                      <dgm:constr type="l" for="ch" forName="text4" refType="w" fact="0.1"/>
+                                    </dgm:constrLst>
+                                    <dgm:ruleLst/>
+                                    <dgm:layoutNode name="background4" moveWith="text4">
+                                      <dgm:alg type="sp"/>
+                                      <dgm:shape xmlns:r="http://schemas.openxmlformats.org/officeDocument/2006/relationships" type="roundRect" r:blip="">
+                                        <dgm:adjLst>
+                                          <dgm:adj idx="1" val="0.1"/>
+                                        </dgm:adjLst>
+                                      </dgm:shape>
+                                      <dgm:presOf/>
+                                      <dgm:constrLst/>
+                                      <dgm:ruleLst/>
+                                    </dgm:layoutNode>
+                                    <dgm:layoutNode name="text4" styleLbl="fgAcc4">
+                                      <dgm:varLst>
+                                        <dgm:chPref val="3"/>
+                                      </dgm:varLst>
+                                      <dgm:alg type="tx"/>
+                                      <dgm:shape xmlns:r="http://schemas.openxmlformats.org/officeDocument/2006/relationships" type="roundRect" r:blip="">
+                                        <dgm:adjLst>
+                                          <dgm:adj idx="1" val="0.1"/>
+                                        </dgm:adjLst>
+                                      </dgm:shape>
+                                      <dgm:presOf axis="self"/>
+                                      <dgm:constrLst>
+                                        <dgm:constr type="tMarg" refType="primFontSz" fact="0.3"/>
+                                        <dgm:constr type="bMarg" refType="primFontSz" fact="0.3"/>
+                                        <dgm:constr type="lMarg" refType="primFontSz" fact="0.3"/>
+                                        <dgm:constr type="rMarg" refType="primFontSz" fact="0.3"/>
+                                      </dgm:constrLst>
+                                      <dgm:ruleLst>
+                                        <dgm:rule type="primFontSz" val="5" fact="NaN" max="NaN"/>
+                                      </dgm:ruleLst>
+                                    </dgm:layoutNode>
+                                  </dgm:layoutNode>
+                                  <dgm:layoutNode name="hierChild5">
+                                    <dgm:choose name="Name28">
+                                      <dgm:if name="Name29" func="var" arg="dir" op="equ" val="norm">
+                                        <dgm:alg type="hierChild">
+                                          <dgm:param type="linDir" val="fromL"/>
+                                        </dgm:alg>
+                                      </dgm:if>
+                                      <dgm:else name="Name30">
+                                        <dgm:alg type="hierChild">
+                                          <dgm:param type="linDir" val="fromR"/>
+                                        </dgm:alg>
+                                      </dgm:else>
+                                    </dgm:choose>
+                                    <dgm:shape xmlns:r="http://schemas.openxmlformats.org/officeDocument/2006/relationships" r:blip="">
+                                      <dgm:adjLst/>
+                                    </dgm:shape>
+                                    <dgm:presOf/>
+                                    <dgm:constrLst/>
+                                    <dgm:ruleLst/>
+                                    <dgm:forEach name="Name31" ref="repeat"/>
+                                  </dgm:layoutNode>
+                                </dgm:layoutNode>
+                              </dgm:forEach>
+                            </dgm:forEach>
+                          </dgm:layoutNode>
+                        </dgm:layoutNode>
+                      </dgm:forEach>
+                    </dgm:forEach>
+                  </dgm:layoutNode>
+                </dgm:layoutNode>
+              </dgm:forEach>
+            </dgm:forEach>
+          </dgm:layoutNode>
+        </dgm:layoutNode>
+      </dgm:forEach>
+    </dgm:forEach>
+  </dgm:layoutNode>
+</dgm:layoutDef>
+</file>
+
+<file path=ppt/diagrams/layout8.xml><?xml version="1.0" encoding="utf-8"?>
 <dgm:layoutDef xmlns:dgm="http://schemas.openxmlformats.org/drawingml/2006/diagram" xmlns:a="http://schemas.openxmlformats.org/drawingml/2006/main" uniqueId="urn:microsoft.com/office/officeart/2018/2/layout/IconVerticalSolidList">
   <dgm:title val="Icon Vertical Solid List"/>
   <dgm:desc val="Use to show a series of visuals from top to bottom with Level 1 or Level 1 and Level 2 text grouped in a shape. Works best with icons or small pictures with lengthier descriptions."/>
@@ -17788,7 +21894,7 @@
 </dgm:layoutDef>
 </file>
 
-<file path=ppt/diagrams/layout7.xml><?xml version="1.0" encoding="utf-8"?>
+<file path=ppt/diagrams/layout9.xml><?xml version="1.0" encoding="utf-8"?>
 <dgm:layoutDef xmlns:dgm="http://schemas.openxmlformats.org/drawingml/2006/diagram" xmlns:a="http://schemas.openxmlformats.org/drawingml/2006/main" uniqueId="urn:microsoft.com/office/officeart/2016/7/layout/VerticalSolidActionList">
   <dgm:title val="Vertical Solid Action List"/>
   <dgm:desc val="Use to show non-sequential or grouped lists of information. Works well with large amounts of text. All text has the same level of emphasis, and direction is not implied."/>
@@ -22159,6 +26265,1040 @@
 </file>
 
 <file path=ppt/diagrams/quickStyle5.xml><?xml version="1.0" encoding="utf-8"?>
+<dgm:styleDef xmlns:dgm="http://schemas.openxmlformats.org/drawingml/2006/diagram" xmlns:a="http://schemas.openxmlformats.org/drawingml/2006/main" uniqueId="urn:microsoft.com/office/officeart/2005/8/quickstyle/simple1">
+  <dgm:title val=""/>
+  <dgm:desc val=""/>
+  <dgm:catLst>
+    <dgm:cat type="simple" pri="10100"/>
+  </dgm:catLst>
+  <dgm:scene3d>
+    <a:camera prst="orthographicFront"/>
+    <a:lightRig rig="threePt" dir="t"/>
+  </dgm:scene3d>
+  <dgm:styleLbl name="node0">
+    <dgm:scene3d>
+      <a:camera prst="orthographicFront"/>
+      <a:lightRig rig="threePt" dir="t"/>
+    </dgm:scene3d>
+    <dgm:sp3d/>
+    <dgm:txPr/>
+    <dgm:style>
+      <a:lnRef idx="2">
+        <a:scrgbClr r="0" g="0" b="0"/>
+      </a:lnRef>
+      <a:fillRef idx="1">
+        <a:scrgbClr r="0" g="0" b="0"/>
+      </a:fillRef>
+      <a:effectRef idx="0">
+        <a:scrgbClr r="0" g="0" b="0"/>
+      </a:effectRef>
+      <a:fontRef idx="minor">
+        <a:schemeClr val="lt1"/>
+      </a:fontRef>
+    </dgm:style>
+  </dgm:styleLbl>
+  <dgm:styleLbl name="lnNode1">
+    <dgm:scene3d>
+      <a:camera prst="orthographicFront"/>
+      <a:lightRig rig="threePt" dir="t"/>
+    </dgm:scene3d>
+    <dgm:sp3d/>
+    <dgm:txPr/>
+    <dgm:style>
+      <a:lnRef idx="2">
+        <a:scrgbClr r="0" g="0" b="0"/>
+      </a:lnRef>
+      <a:fillRef idx="1">
+        <a:scrgbClr r="0" g="0" b="0"/>
+      </a:fillRef>
+      <a:effectRef idx="0">
+        <a:scrgbClr r="0" g="0" b="0"/>
+      </a:effectRef>
+      <a:fontRef idx="minor">
+        <a:schemeClr val="lt1"/>
+      </a:fontRef>
+    </dgm:style>
+  </dgm:styleLbl>
+  <dgm:styleLbl name="vennNode1">
+    <dgm:scene3d>
+      <a:camera prst="orthographicFront"/>
+      <a:lightRig rig="threePt" dir="t"/>
+    </dgm:scene3d>
+    <dgm:sp3d/>
+    <dgm:txPr/>
+    <dgm:style>
+      <a:lnRef idx="2">
+        <a:scrgbClr r="0" g="0" b="0"/>
+      </a:lnRef>
+      <a:fillRef idx="1">
+        <a:scrgbClr r="0" g="0" b="0"/>
+      </a:fillRef>
+      <a:effectRef idx="0">
+        <a:scrgbClr r="0" g="0" b="0"/>
+      </a:effectRef>
+      <a:fontRef idx="minor">
+        <a:schemeClr val="tx1"/>
+      </a:fontRef>
+    </dgm:style>
+  </dgm:styleLbl>
+  <dgm:styleLbl name="alignNode1">
+    <dgm:scene3d>
+      <a:camera prst="orthographicFront"/>
+      <a:lightRig rig="threePt" dir="t"/>
+    </dgm:scene3d>
+    <dgm:sp3d/>
+    <dgm:txPr/>
+    <dgm:style>
+      <a:lnRef idx="2">
+        <a:scrgbClr r="0" g="0" b="0"/>
+      </a:lnRef>
+      <a:fillRef idx="1">
+        <a:scrgbClr r="0" g="0" b="0"/>
+      </a:fillRef>
+      <a:effectRef idx="0">
+        <a:scrgbClr r="0" g="0" b="0"/>
+      </a:effectRef>
+      <a:fontRef idx="minor">
+        <a:schemeClr val="lt1"/>
+      </a:fontRef>
+    </dgm:style>
+  </dgm:styleLbl>
+  <dgm:styleLbl name="node1">
+    <dgm:scene3d>
+      <a:camera prst="orthographicFront"/>
+      <a:lightRig rig="threePt" dir="t"/>
+    </dgm:scene3d>
+    <dgm:sp3d/>
+    <dgm:txPr/>
+    <dgm:style>
+      <a:lnRef idx="2">
+        <a:scrgbClr r="0" g="0" b="0"/>
+      </a:lnRef>
+      <a:fillRef idx="1">
+        <a:scrgbClr r="0" g="0" b="0"/>
+      </a:fillRef>
+      <a:effectRef idx="0">
+        <a:scrgbClr r="0" g="0" b="0"/>
+      </a:effectRef>
+      <a:fontRef idx="minor">
+        <a:schemeClr val="lt1"/>
+      </a:fontRef>
+    </dgm:style>
+  </dgm:styleLbl>
+  <dgm:styleLbl name="node2">
+    <dgm:scene3d>
+      <a:camera prst="orthographicFront"/>
+      <a:lightRig rig="threePt" dir="t"/>
+    </dgm:scene3d>
+    <dgm:sp3d/>
+    <dgm:txPr/>
+    <dgm:style>
+      <a:lnRef idx="2">
+        <a:scrgbClr r="0" g="0" b="0"/>
+      </a:lnRef>
+      <a:fillRef idx="1">
+        <a:scrgbClr r="0" g="0" b="0"/>
+      </a:fillRef>
+      <a:effectRef idx="0">
+        <a:scrgbClr r="0" g="0" b="0"/>
+      </a:effectRef>
+      <a:fontRef idx="minor">
+        <a:schemeClr val="lt1"/>
+      </a:fontRef>
+    </dgm:style>
+  </dgm:styleLbl>
+  <dgm:styleLbl name="node3">
+    <dgm:scene3d>
+      <a:camera prst="orthographicFront"/>
+      <a:lightRig rig="threePt" dir="t"/>
+    </dgm:scene3d>
+    <dgm:sp3d/>
+    <dgm:txPr/>
+    <dgm:style>
+      <a:lnRef idx="2">
+        <a:scrgbClr r="0" g="0" b="0"/>
+      </a:lnRef>
+      <a:fillRef idx="1">
+        <a:scrgbClr r="0" g="0" b="0"/>
+      </a:fillRef>
+      <a:effectRef idx="0">
+        <a:scrgbClr r="0" g="0" b="0"/>
+      </a:effectRef>
+      <a:fontRef idx="minor">
+        <a:schemeClr val="lt1"/>
+      </a:fontRef>
+    </dgm:style>
+  </dgm:styleLbl>
+  <dgm:styleLbl name="node4">
+    <dgm:scene3d>
+      <a:camera prst="orthographicFront"/>
+      <a:lightRig rig="threePt" dir="t"/>
+    </dgm:scene3d>
+    <dgm:sp3d/>
+    <dgm:txPr/>
+    <dgm:style>
+      <a:lnRef idx="2">
+        <a:scrgbClr r="0" g="0" b="0"/>
+      </a:lnRef>
+      <a:fillRef idx="1">
+        <a:scrgbClr r="0" g="0" b="0"/>
+      </a:fillRef>
+      <a:effectRef idx="0">
+        <a:scrgbClr r="0" g="0" b="0"/>
+      </a:effectRef>
+      <a:fontRef idx="minor">
+        <a:schemeClr val="lt1"/>
+      </a:fontRef>
+    </dgm:style>
+  </dgm:styleLbl>
+  <dgm:styleLbl name="fgImgPlace1">
+    <dgm:scene3d>
+      <a:camera prst="orthographicFront"/>
+      <a:lightRig rig="threePt" dir="t"/>
+    </dgm:scene3d>
+    <dgm:sp3d/>
+    <dgm:txPr/>
+    <dgm:style>
+      <a:lnRef idx="2">
+        <a:scrgbClr r="0" g="0" b="0"/>
+      </a:lnRef>
+      <a:fillRef idx="1">
+        <a:scrgbClr r="0" g="0" b="0"/>
+      </a:fillRef>
+      <a:effectRef idx="0">
+        <a:scrgbClr r="0" g="0" b="0"/>
+      </a:effectRef>
+      <a:fontRef idx="minor"/>
+    </dgm:style>
+  </dgm:styleLbl>
+  <dgm:styleLbl name="alignImgPlace1">
+    <dgm:scene3d>
+      <a:camera prst="orthographicFront"/>
+      <a:lightRig rig="threePt" dir="t"/>
+    </dgm:scene3d>
+    <dgm:sp3d/>
+    <dgm:txPr/>
+    <dgm:style>
+      <a:lnRef idx="2">
+        <a:scrgbClr r="0" g="0" b="0"/>
+      </a:lnRef>
+      <a:fillRef idx="1">
+        <a:scrgbClr r="0" g="0" b="0"/>
+      </a:fillRef>
+      <a:effectRef idx="0">
+        <a:scrgbClr r="0" g="0" b="0"/>
+      </a:effectRef>
+      <a:fontRef idx="minor"/>
+    </dgm:style>
+  </dgm:styleLbl>
+  <dgm:styleLbl name="bgImgPlace1">
+    <dgm:scene3d>
+      <a:camera prst="orthographicFront"/>
+      <a:lightRig rig="threePt" dir="t"/>
+    </dgm:scene3d>
+    <dgm:sp3d/>
+    <dgm:txPr/>
+    <dgm:style>
+      <a:lnRef idx="2">
+        <a:scrgbClr r="0" g="0" b="0"/>
+      </a:lnRef>
+      <a:fillRef idx="1">
+        <a:scrgbClr r="0" g="0" b="0"/>
+      </a:fillRef>
+      <a:effectRef idx="0">
+        <a:scrgbClr r="0" g="0" b="0"/>
+      </a:effectRef>
+      <a:fontRef idx="minor"/>
+    </dgm:style>
+  </dgm:styleLbl>
+  <dgm:styleLbl name="sibTrans2D1">
+    <dgm:scene3d>
+      <a:camera prst="orthographicFront"/>
+      <a:lightRig rig="threePt" dir="t"/>
+    </dgm:scene3d>
+    <dgm:sp3d/>
+    <dgm:txPr/>
+    <dgm:style>
+      <a:lnRef idx="0">
+        <a:scrgbClr r="0" g="0" b="0"/>
+      </a:lnRef>
+      <a:fillRef idx="1">
+        <a:scrgbClr r="0" g="0" b="0"/>
+      </a:fillRef>
+      <a:effectRef idx="0">
+        <a:scrgbClr r="0" g="0" b="0"/>
+      </a:effectRef>
+      <a:fontRef idx="minor">
+        <a:schemeClr val="lt1"/>
+      </a:fontRef>
+    </dgm:style>
+  </dgm:styleLbl>
+  <dgm:styleLbl name="fgSibTrans2D1">
+    <dgm:scene3d>
+      <a:camera prst="orthographicFront"/>
+      <a:lightRig rig="threePt" dir="t"/>
+    </dgm:scene3d>
+    <dgm:sp3d/>
+    <dgm:txPr/>
+    <dgm:style>
+      <a:lnRef idx="0">
+        <a:scrgbClr r="0" g="0" b="0"/>
+      </a:lnRef>
+      <a:fillRef idx="1">
+        <a:scrgbClr r="0" g="0" b="0"/>
+      </a:fillRef>
+      <a:effectRef idx="0">
+        <a:scrgbClr r="0" g="0" b="0"/>
+      </a:effectRef>
+      <a:fontRef idx="minor">
+        <a:schemeClr val="lt1"/>
+      </a:fontRef>
+    </dgm:style>
+  </dgm:styleLbl>
+  <dgm:styleLbl name="bgSibTrans2D1">
+    <dgm:scene3d>
+      <a:camera prst="orthographicFront"/>
+      <a:lightRig rig="threePt" dir="t"/>
+    </dgm:scene3d>
+    <dgm:sp3d/>
+    <dgm:txPr/>
+    <dgm:style>
+      <a:lnRef idx="0">
+        <a:scrgbClr r="0" g="0" b="0"/>
+      </a:lnRef>
+      <a:fillRef idx="1">
+        <a:scrgbClr r="0" g="0" b="0"/>
+      </a:fillRef>
+      <a:effectRef idx="0">
+        <a:scrgbClr r="0" g="0" b="0"/>
+      </a:effectRef>
+      <a:fontRef idx="minor">
+        <a:schemeClr val="lt1"/>
+      </a:fontRef>
+    </dgm:style>
+  </dgm:styleLbl>
+  <dgm:styleLbl name="sibTrans1D1">
+    <dgm:scene3d>
+      <a:camera prst="orthographicFront"/>
+      <a:lightRig rig="threePt" dir="t"/>
+    </dgm:scene3d>
+    <dgm:sp3d/>
+    <dgm:txPr/>
+    <dgm:style>
+      <a:lnRef idx="1">
+        <a:scrgbClr r="0" g="0" b="0"/>
+      </a:lnRef>
+      <a:fillRef idx="0">
+        <a:scrgbClr r="0" g="0" b="0"/>
+      </a:fillRef>
+      <a:effectRef idx="0">
+        <a:scrgbClr r="0" g="0" b="0"/>
+      </a:effectRef>
+      <a:fontRef idx="minor"/>
+    </dgm:style>
+  </dgm:styleLbl>
+  <dgm:styleLbl name="callout">
+    <dgm:scene3d>
+      <a:camera prst="orthographicFront"/>
+      <a:lightRig rig="threePt" dir="t"/>
+    </dgm:scene3d>
+    <dgm:sp3d/>
+    <dgm:txPr/>
+    <dgm:style>
+      <a:lnRef idx="2">
+        <a:scrgbClr r="0" g="0" b="0"/>
+      </a:lnRef>
+      <a:fillRef idx="1">
+        <a:scrgbClr r="0" g="0" b="0"/>
+      </a:fillRef>
+      <a:effectRef idx="0">
+        <a:scrgbClr r="0" g="0" b="0"/>
+      </a:effectRef>
+      <a:fontRef idx="minor"/>
+    </dgm:style>
+  </dgm:styleLbl>
+  <dgm:styleLbl name="asst0">
+    <dgm:scene3d>
+      <a:camera prst="orthographicFront"/>
+      <a:lightRig rig="threePt" dir="t"/>
+    </dgm:scene3d>
+    <dgm:sp3d/>
+    <dgm:txPr/>
+    <dgm:style>
+      <a:lnRef idx="2">
+        <a:scrgbClr r="0" g="0" b="0"/>
+      </a:lnRef>
+      <a:fillRef idx="1">
+        <a:scrgbClr r="0" g="0" b="0"/>
+      </a:fillRef>
+      <a:effectRef idx="0">
+        <a:scrgbClr r="0" g="0" b="0"/>
+      </a:effectRef>
+      <a:fontRef idx="minor">
+        <a:schemeClr val="lt1"/>
+      </a:fontRef>
+    </dgm:style>
+  </dgm:styleLbl>
+  <dgm:styleLbl name="asst1">
+    <dgm:scene3d>
+      <a:camera prst="orthographicFront"/>
+      <a:lightRig rig="threePt" dir="t"/>
+    </dgm:scene3d>
+    <dgm:sp3d/>
+    <dgm:txPr/>
+    <dgm:style>
+      <a:lnRef idx="2">
+        <a:scrgbClr r="0" g="0" b="0"/>
+      </a:lnRef>
+      <a:fillRef idx="1">
+        <a:scrgbClr r="0" g="0" b="0"/>
+      </a:fillRef>
+      <a:effectRef idx="0">
+        <a:scrgbClr r="0" g="0" b="0"/>
+      </a:effectRef>
+      <a:fontRef idx="minor">
+        <a:schemeClr val="lt1"/>
+      </a:fontRef>
+    </dgm:style>
+  </dgm:styleLbl>
+  <dgm:styleLbl name="asst2">
+    <dgm:scene3d>
+      <a:camera prst="orthographicFront"/>
+      <a:lightRig rig="threePt" dir="t"/>
+    </dgm:scene3d>
+    <dgm:sp3d/>
+    <dgm:txPr/>
+    <dgm:style>
+      <a:lnRef idx="2">
+        <a:scrgbClr r="0" g="0" b="0"/>
+      </a:lnRef>
+      <a:fillRef idx="1">
+        <a:scrgbClr r="0" g="0" b="0"/>
+      </a:fillRef>
+      <a:effectRef idx="0">
+        <a:scrgbClr r="0" g="0" b="0"/>
+      </a:effectRef>
+      <a:fontRef idx="minor">
+        <a:schemeClr val="lt1"/>
+      </a:fontRef>
+    </dgm:style>
+  </dgm:styleLbl>
+  <dgm:styleLbl name="asst3">
+    <dgm:scene3d>
+      <a:camera prst="orthographicFront"/>
+      <a:lightRig rig="threePt" dir="t"/>
+    </dgm:scene3d>
+    <dgm:sp3d/>
+    <dgm:txPr/>
+    <dgm:style>
+      <a:lnRef idx="2">
+        <a:scrgbClr r="0" g="0" b="0"/>
+      </a:lnRef>
+      <a:fillRef idx="1">
+        <a:scrgbClr r="0" g="0" b="0"/>
+      </a:fillRef>
+      <a:effectRef idx="0">
+        <a:scrgbClr r="0" g="0" b="0"/>
+      </a:effectRef>
+      <a:fontRef idx="minor">
+        <a:schemeClr val="lt1"/>
+      </a:fontRef>
+    </dgm:style>
+  </dgm:styleLbl>
+  <dgm:styleLbl name="asst4">
+    <dgm:scene3d>
+      <a:camera prst="orthographicFront"/>
+      <a:lightRig rig="threePt" dir="t"/>
+    </dgm:scene3d>
+    <dgm:sp3d/>
+    <dgm:txPr/>
+    <dgm:style>
+      <a:lnRef idx="2">
+        <a:scrgbClr r="0" g="0" b="0"/>
+      </a:lnRef>
+      <a:fillRef idx="1">
+        <a:scrgbClr r="0" g="0" b="0"/>
+      </a:fillRef>
+      <a:effectRef idx="0">
+        <a:scrgbClr r="0" g="0" b="0"/>
+      </a:effectRef>
+      <a:fontRef idx="minor">
+        <a:schemeClr val="lt1"/>
+      </a:fontRef>
+    </dgm:style>
+  </dgm:styleLbl>
+  <dgm:styleLbl name="parChTrans2D1">
+    <dgm:scene3d>
+      <a:camera prst="orthographicFront"/>
+      <a:lightRig rig="threePt" dir="t"/>
+    </dgm:scene3d>
+    <dgm:sp3d/>
+    <dgm:txPr/>
+    <dgm:style>
+      <a:lnRef idx="2">
+        <a:scrgbClr r="0" g="0" b="0"/>
+      </a:lnRef>
+      <a:fillRef idx="1">
+        <a:scrgbClr r="0" g="0" b="0"/>
+      </a:fillRef>
+      <a:effectRef idx="0">
+        <a:scrgbClr r="0" g="0" b="0"/>
+      </a:effectRef>
+      <a:fontRef idx="minor">
+        <a:schemeClr val="lt1"/>
+      </a:fontRef>
+    </dgm:style>
+  </dgm:styleLbl>
+  <dgm:styleLbl name="parChTrans2D2">
+    <dgm:scene3d>
+      <a:camera prst="orthographicFront"/>
+      <a:lightRig rig="threePt" dir="t"/>
+    </dgm:scene3d>
+    <dgm:sp3d/>
+    <dgm:txPr/>
+    <dgm:style>
+      <a:lnRef idx="2">
+        <a:scrgbClr r="0" g="0" b="0"/>
+      </a:lnRef>
+      <a:fillRef idx="1">
+        <a:scrgbClr r="0" g="0" b="0"/>
+      </a:fillRef>
+      <a:effectRef idx="0">
+        <a:scrgbClr r="0" g="0" b="0"/>
+      </a:effectRef>
+      <a:fontRef idx="minor">
+        <a:schemeClr val="lt1"/>
+      </a:fontRef>
+    </dgm:style>
+  </dgm:styleLbl>
+  <dgm:styleLbl name="parChTrans2D3">
+    <dgm:scene3d>
+      <a:camera prst="orthographicFront"/>
+      <a:lightRig rig="threePt" dir="t"/>
+    </dgm:scene3d>
+    <dgm:sp3d/>
+    <dgm:txPr/>
+    <dgm:style>
+      <a:lnRef idx="2">
+        <a:scrgbClr r="0" g="0" b="0"/>
+      </a:lnRef>
+      <a:fillRef idx="1">
+        <a:scrgbClr r="0" g="0" b="0"/>
+      </a:fillRef>
+      <a:effectRef idx="0">
+        <a:scrgbClr r="0" g="0" b="0"/>
+      </a:effectRef>
+      <a:fontRef idx="minor">
+        <a:schemeClr val="lt1"/>
+      </a:fontRef>
+    </dgm:style>
+  </dgm:styleLbl>
+  <dgm:styleLbl name="parChTrans2D4">
+    <dgm:scene3d>
+      <a:camera prst="orthographicFront"/>
+      <a:lightRig rig="threePt" dir="t"/>
+    </dgm:scene3d>
+    <dgm:sp3d/>
+    <dgm:txPr/>
+    <dgm:style>
+      <a:lnRef idx="2">
+        <a:scrgbClr r="0" g="0" b="0"/>
+      </a:lnRef>
+      <a:fillRef idx="1">
+        <a:scrgbClr r="0" g="0" b="0"/>
+      </a:fillRef>
+      <a:effectRef idx="0">
+        <a:scrgbClr r="0" g="0" b="0"/>
+      </a:effectRef>
+      <a:fontRef idx="minor">
+        <a:schemeClr val="lt1"/>
+      </a:fontRef>
+    </dgm:style>
+  </dgm:styleLbl>
+  <dgm:styleLbl name="parChTrans1D1">
+    <dgm:scene3d>
+      <a:camera prst="orthographicFront"/>
+      <a:lightRig rig="threePt" dir="t"/>
+    </dgm:scene3d>
+    <dgm:sp3d/>
+    <dgm:txPr/>
+    <dgm:style>
+      <a:lnRef idx="2">
+        <a:scrgbClr r="0" g="0" b="0"/>
+      </a:lnRef>
+      <a:fillRef idx="0">
+        <a:scrgbClr r="0" g="0" b="0"/>
+      </a:fillRef>
+      <a:effectRef idx="0">
+        <a:scrgbClr r="0" g="0" b="0"/>
+      </a:effectRef>
+      <a:fontRef idx="minor"/>
+    </dgm:style>
+  </dgm:styleLbl>
+  <dgm:styleLbl name="parChTrans1D2">
+    <dgm:scene3d>
+      <a:camera prst="orthographicFront"/>
+      <a:lightRig rig="threePt" dir="t"/>
+    </dgm:scene3d>
+    <dgm:sp3d/>
+    <dgm:txPr/>
+    <dgm:style>
+      <a:lnRef idx="2">
+        <a:scrgbClr r="0" g="0" b="0"/>
+      </a:lnRef>
+      <a:fillRef idx="0">
+        <a:scrgbClr r="0" g="0" b="0"/>
+      </a:fillRef>
+      <a:effectRef idx="0">
+        <a:scrgbClr r="0" g="0" b="0"/>
+      </a:effectRef>
+      <a:fontRef idx="minor"/>
+    </dgm:style>
+  </dgm:styleLbl>
+  <dgm:styleLbl name="parChTrans1D3">
+    <dgm:scene3d>
+      <a:camera prst="orthographicFront"/>
+      <a:lightRig rig="threePt" dir="t"/>
+    </dgm:scene3d>
+    <dgm:sp3d/>
+    <dgm:txPr/>
+    <dgm:style>
+      <a:lnRef idx="2">
+        <a:scrgbClr r="0" g="0" b="0"/>
+      </a:lnRef>
+      <a:fillRef idx="0">
+        <a:scrgbClr r="0" g="0" b="0"/>
+      </a:fillRef>
+      <a:effectRef idx="0">
+        <a:scrgbClr r="0" g="0" b="0"/>
+      </a:effectRef>
+      <a:fontRef idx="minor"/>
+    </dgm:style>
+  </dgm:styleLbl>
+  <dgm:styleLbl name="parChTrans1D4">
+    <dgm:scene3d>
+      <a:camera prst="orthographicFront"/>
+      <a:lightRig rig="threePt" dir="t"/>
+    </dgm:scene3d>
+    <dgm:sp3d/>
+    <dgm:txPr/>
+    <dgm:style>
+      <a:lnRef idx="2">
+        <a:scrgbClr r="0" g="0" b="0"/>
+      </a:lnRef>
+      <a:fillRef idx="0">
+        <a:scrgbClr r="0" g="0" b="0"/>
+      </a:fillRef>
+      <a:effectRef idx="0">
+        <a:scrgbClr r="0" g="0" b="0"/>
+      </a:effectRef>
+      <a:fontRef idx="minor"/>
+    </dgm:style>
+  </dgm:styleLbl>
+  <dgm:styleLbl name="fgAcc1">
+    <dgm:scene3d>
+      <a:camera prst="orthographicFront"/>
+      <a:lightRig rig="threePt" dir="t"/>
+    </dgm:scene3d>
+    <dgm:sp3d/>
+    <dgm:txPr/>
+    <dgm:style>
+      <a:lnRef idx="2">
+        <a:scrgbClr r="0" g="0" b="0"/>
+      </a:lnRef>
+      <a:fillRef idx="1">
+        <a:scrgbClr r="0" g="0" b="0"/>
+      </a:fillRef>
+      <a:effectRef idx="0">
+        <a:scrgbClr r="0" g="0" b="0"/>
+      </a:effectRef>
+      <a:fontRef idx="minor"/>
+    </dgm:style>
+  </dgm:styleLbl>
+  <dgm:styleLbl name="conFgAcc1">
+    <dgm:scene3d>
+      <a:camera prst="orthographicFront"/>
+      <a:lightRig rig="threePt" dir="t"/>
+    </dgm:scene3d>
+    <dgm:sp3d/>
+    <dgm:txPr/>
+    <dgm:style>
+      <a:lnRef idx="2">
+        <a:scrgbClr r="0" g="0" b="0"/>
+      </a:lnRef>
+      <a:fillRef idx="1">
+        <a:scrgbClr r="0" g="0" b="0"/>
+      </a:fillRef>
+      <a:effectRef idx="0">
+        <a:scrgbClr r="0" g="0" b="0"/>
+      </a:effectRef>
+      <a:fontRef idx="minor"/>
+    </dgm:style>
+  </dgm:styleLbl>
+  <dgm:styleLbl name="alignAcc1">
+    <dgm:scene3d>
+      <a:camera prst="orthographicFront"/>
+      <a:lightRig rig="threePt" dir="t"/>
+    </dgm:scene3d>
+    <dgm:sp3d/>
+    <dgm:txPr/>
+    <dgm:style>
+      <a:lnRef idx="2">
+        <a:scrgbClr r="0" g="0" b="0"/>
+      </a:lnRef>
+      <a:fillRef idx="1">
+        <a:scrgbClr r="0" g="0" b="0"/>
+      </a:fillRef>
+      <a:effectRef idx="0">
+        <a:scrgbClr r="0" g="0" b="0"/>
+      </a:effectRef>
+      <a:fontRef idx="minor"/>
+    </dgm:style>
+  </dgm:styleLbl>
+  <dgm:styleLbl name="trAlignAcc1">
+    <dgm:scene3d>
+      <a:camera prst="orthographicFront"/>
+      <a:lightRig rig="threePt" dir="t"/>
+    </dgm:scene3d>
+    <dgm:sp3d/>
+    <dgm:txPr/>
+    <dgm:style>
+      <a:lnRef idx="1">
+        <a:scrgbClr r="0" g="0" b="0"/>
+      </a:lnRef>
+      <a:fillRef idx="1">
+        <a:scrgbClr r="0" g="0" b="0"/>
+      </a:fillRef>
+      <a:effectRef idx="0">
+        <a:scrgbClr r="0" g="0" b="0"/>
+      </a:effectRef>
+      <a:fontRef idx="minor"/>
+    </dgm:style>
+  </dgm:styleLbl>
+  <dgm:styleLbl name="bgAcc1">
+    <dgm:scene3d>
+      <a:camera prst="orthographicFront"/>
+      <a:lightRig rig="threePt" dir="t"/>
+    </dgm:scene3d>
+    <dgm:sp3d/>
+    <dgm:txPr/>
+    <dgm:style>
+      <a:lnRef idx="2">
+        <a:scrgbClr r="0" g="0" b="0"/>
+      </a:lnRef>
+      <a:fillRef idx="1">
+        <a:scrgbClr r="0" g="0" b="0"/>
+      </a:fillRef>
+      <a:effectRef idx="0">
+        <a:scrgbClr r="0" g="0" b="0"/>
+      </a:effectRef>
+      <a:fontRef idx="minor"/>
+    </dgm:style>
+  </dgm:styleLbl>
+  <dgm:styleLbl name="solidFgAcc1">
+    <dgm:scene3d>
+      <a:camera prst="orthographicFront"/>
+      <a:lightRig rig="threePt" dir="t"/>
+    </dgm:scene3d>
+    <dgm:sp3d/>
+    <dgm:txPr/>
+    <dgm:style>
+      <a:lnRef idx="2">
+        <a:scrgbClr r="0" g="0" b="0"/>
+      </a:lnRef>
+      <a:fillRef idx="1">
+        <a:scrgbClr r="0" g="0" b="0"/>
+      </a:fillRef>
+      <a:effectRef idx="0">
+        <a:scrgbClr r="0" g="0" b="0"/>
+      </a:effectRef>
+      <a:fontRef idx="minor"/>
+    </dgm:style>
+  </dgm:styleLbl>
+  <dgm:styleLbl name="solidAlignAcc1">
+    <dgm:scene3d>
+      <a:camera prst="orthographicFront"/>
+      <a:lightRig rig="threePt" dir="t"/>
+    </dgm:scene3d>
+    <dgm:sp3d/>
+    <dgm:txPr/>
+    <dgm:style>
+      <a:lnRef idx="2">
+        <a:scrgbClr r="0" g="0" b="0"/>
+      </a:lnRef>
+      <a:fillRef idx="1">
+        <a:scrgbClr r="0" g="0" b="0"/>
+      </a:fillRef>
+      <a:effectRef idx="0">
+        <a:scrgbClr r="0" g="0" b="0"/>
+      </a:effectRef>
+      <a:fontRef idx="minor"/>
+    </dgm:style>
+  </dgm:styleLbl>
+  <dgm:styleLbl name="solidBgAcc1">
+    <dgm:scene3d>
+      <a:camera prst="orthographicFront"/>
+      <a:lightRig rig="threePt" dir="t"/>
+    </dgm:scene3d>
+    <dgm:sp3d/>
+    <dgm:txPr/>
+    <dgm:style>
+      <a:lnRef idx="2">
+        <a:scrgbClr r="0" g="0" b="0"/>
+      </a:lnRef>
+      <a:fillRef idx="1">
+        <a:scrgbClr r="0" g="0" b="0"/>
+      </a:fillRef>
+      <a:effectRef idx="0">
+        <a:scrgbClr r="0" g="0" b="0"/>
+      </a:effectRef>
+      <a:fontRef idx="minor"/>
+    </dgm:style>
+  </dgm:styleLbl>
+  <dgm:styleLbl name="fgAccFollowNode1">
+    <dgm:scene3d>
+      <a:camera prst="orthographicFront"/>
+      <a:lightRig rig="threePt" dir="t"/>
+    </dgm:scene3d>
+    <dgm:sp3d/>
+    <dgm:txPr/>
+    <dgm:style>
+      <a:lnRef idx="2">
+        <a:scrgbClr r="0" g="0" b="0"/>
+      </a:lnRef>
+      <a:fillRef idx="1">
+        <a:scrgbClr r="0" g="0" b="0"/>
+      </a:fillRef>
+      <a:effectRef idx="0">
+        <a:scrgbClr r="0" g="0" b="0"/>
+      </a:effectRef>
+      <a:fontRef idx="minor"/>
+    </dgm:style>
+  </dgm:styleLbl>
+  <dgm:styleLbl name="alignAccFollowNode1">
+    <dgm:scene3d>
+      <a:camera prst="orthographicFront"/>
+      <a:lightRig rig="threePt" dir="t"/>
+    </dgm:scene3d>
+    <dgm:sp3d/>
+    <dgm:txPr/>
+    <dgm:style>
+      <a:lnRef idx="2">
+        <a:scrgbClr r="0" g="0" b="0"/>
+      </a:lnRef>
+      <a:fillRef idx="1">
+        <a:scrgbClr r="0" g="0" b="0"/>
+      </a:fillRef>
+      <a:effectRef idx="0">
+        <a:scrgbClr r="0" g="0" b="0"/>
+      </a:effectRef>
+      <a:fontRef idx="minor"/>
+    </dgm:style>
+  </dgm:styleLbl>
+  <dgm:styleLbl name="bgAccFollowNode1">
+    <dgm:scene3d>
+      <a:camera prst="orthographicFront"/>
+      <a:lightRig rig="threePt" dir="t"/>
+    </dgm:scene3d>
+    <dgm:sp3d/>
+    <dgm:txPr/>
+    <dgm:style>
+      <a:lnRef idx="2">
+        <a:scrgbClr r="0" g="0" b="0"/>
+      </a:lnRef>
+      <a:fillRef idx="1">
+        <a:scrgbClr r="0" g="0" b="0"/>
+      </a:fillRef>
+      <a:effectRef idx="0">
+        <a:scrgbClr r="0" g="0" b="0"/>
+      </a:effectRef>
+      <a:fontRef idx="minor"/>
+    </dgm:style>
+  </dgm:styleLbl>
+  <dgm:styleLbl name="fgAcc0">
+    <dgm:scene3d>
+      <a:camera prst="orthographicFront"/>
+      <a:lightRig rig="threePt" dir="t"/>
+    </dgm:scene3d>
+    <dgm:sp3d/>
+    <dgm:txPr/>
+    <dgm:style>
+      <a:lnRef idx="2">
+        <a:scrgbClr r="0" g="0" b="0"/>
+      </a:lnRef>
+      <a:fillRef idx="1">
+        <a:scrgbClr r="0" g="0" b="0"/>
+      </a:fillRef>
+      <a:effectRef idx="0">
+        <a:scrgbClr r="0" g="0" b="0"/>
+      </a:effectRef>
+      <a:fontRef idx="minor"/>
+    </dgm:style>
+  </dgm:styleLbl>
+  <dgm:styleLbl name="fgAcc2">
+    <dgm:scene3d>
+      <a:camera prst="orthographicFront"/>
+      <a:lightRig rig="threePt" dir="t"/>
+    </dgm:scene3d>
+    <dgm:sp3d/>
+    <dgm:txPr/>
+    <dgm:style>
+      <a:lnRef idx="2">
+        <a:scrgbClr r="0" g="0" b="0"/>
+      </a:lnRef>
+      <a:fillRef idx="1">
+        <a:scrgbClr r="0" g="0" b="0"/>
+      </a:fillRef>
+      <a:effectRef idx="0">
+        <a:scrgbClr r="0" g="0" b="0"/>
+      </a:effectRef>
+      <a:fontRef idx="minor"/>
+    </dgm:style>
+  </dgm:styleLbl>
+  <dgm:styleLbl name="fgAcc3">
+    <dgm:scene3d>
+      <a:camera prst="orthographicFront"/>
+      <a:lightRig rig="threePt" dir="t"/>
+    </dgm:scene3d>
+    <dgm:sp3d/>
+    <dgm:txPr/>
+    <dgm:style>
+      <a:lnRef idx="2">
+        <a:scrgbClr r="0" g="0" b="0"/>
+      </a:lnRef>
+      <a:fillRef idx="1">
+        <a:scrgbClr r="0" g="0" b="0"/>
+      </a:fillRef>
+      <a:effectRef idx="0">
+        <a:scrgbClr r="0" g="0" b="0"/>
+      </a:effectRef>
+      <a:fontRef idx="minor"/>
+    </dgm:style>
+  </dgm:styleLbl>
+  <dgm:styleLbl name="fgAcc4">
+    <dgm:scene3d>
+      <a:camera prst="orthographicFront"/>
+      <a:lightRig rig="threePt" dir="t"/>
+    </dgm:scene3d>
+    <dgm:sp3d/>
+    <dgm:txPr/>
+    <dgm:style>
+      <a:lnRef idx="2">
+        <a:scrgbClr r="0" g="0" b="0"/>
+      </a:lnRef>
+      <a:fillRef idx="1">
+        <a:scrgbClr r="0" g="0" b="0"/>
+      </a:fillRef>
+      <a:effectRef idx="0">
+        <a:scrgbClr r="0" g="0" b="0"/>
+      </a:effectRef>
+      <a:fontRef idx="minor"/>
+    </dgm:style>
+  </dgm:styleLbl>
+  <dgm:styleLbl name="bgShp">
+    <dgm:scene3d>
+      <a:camera prst="orthographicFront"/>
+      <a:lightRig rig="threePt" dir="t"/>
+    </dgm:scene3d>
+    <dgm:sp3d/>
+    <dgm:txPr/>
+    <dgm:style>
+      <a:lnRef idx="0">
+        <a:scrgbClr r="0" g="0" b="0"/>
+      </a:lnRef>
+      <a:fillRef idx="1">
+        <a:scrgbClr r="0" g="0" b="0"/>
+      </a:fillRef>
+      <a:effectRef idx="0">
+        <a:scrgbClr r="0" g="0" b="0"/>
+      </a:effectRef>
+      <a:fontRef idx="minor"/>
+    </dgm:style>
+  </dgm:styleLbl>
+  <dgm:styleLbl name="dkBgShp">
+    <dgm:scene3d>
+      <a:camera prst="orthographicFront"/>
+      <a:lightRig rig="threePt" dir="t"/>
+    </dgm:scene3d>
+    <dgm:sp3d/>
+    <dgm:txPr/>
+    <dgm:style>
+      <a:lnRef idx="0">
+        <a:scrgbClr r="0" g="0" b="0"/>
+      </a:lnRef>
+      <a:fillRef idx="1">
+        <a:scrgbClr r="0" g="0" b="0"/>
+      </a:fillRef>
+      <a:effectRef idx="0">
+        <a:scrgbClr r="0" g="0" b="0"/>
+      </a:effectRef>
+      <a:fontRef idx="minor"/>
+    </dgm:style>
+  </dgm:styleLbl>
+  <dgm:styleLbl name="trBgShp">
+    <dgm:scene3d>
+      <a:camera prst="orthographicFront"/>
+      <a:lightRig rig="threePt" dir="t"/>
+    </dgm:scene3d>
+    <dgm:sp3d/>
+    <dgm:txPr/>
+    <dgm:style>
+      <a:lnRef idx="0">
+        <a:scrgbClr r="0" g="0" b="0"/>
+      </a:lnRef>
+      <a:fillRef idx="1">
+        <a:scrgbClr r="0" g="0" b="0"/>
+      </a:fillRef>
+      <a:effectRef idx="0">
+        <a:scrgbClr r="0" g="0" b="0"/>
+      </a:effectRef>
+      <a:fontRef idx="minor"/>
+    </dgm:style>
+  </dgm:styleLbl>
+  <dgm:styleLbl name="fgShp">
+    <dgm:scene3d>
+      <a:camera prst="orthographicFront"/>
+      <a:lightRig rig="threePt" dir="t"/>
+    </dgm:scene3d>
+    <dgm:sp3d/>
+    <dgm:txPr/>
+    <dgm:style>
+      <a:lnRef idx="2">
+        <a:scrgbClr r="0" g="0" b="0"/>
+      </a:lnRef>
+      <a:fillRef idx="1">
+        <a:scrgbClr r="0" g="0" b="0"/>
+      </a:fillRef>
+      <a:effectRef idx="0">
+        <a:scrgbClr r="0" g="0" b="0"/>
+      </a:effectRef>
+      <a:fontRef idx="minor"/>
+    </dgm:style>
+  </dgm:styleLbl>
+  <dgm:styleLbl name="revTx">
+    <dgm:scene3d>
+      <a:camera prst="orthographicFront"/>
+      <a:lightRig rig="threePt" dir="t"/>
+    </dgm:scene3d>
+    <dgm:sp3d/>
+    <dgm:txPr/>
+    <dgm:style>
+      <a:lnRef idx="0">
+        <a:scrgbClr r="0" g="0" b="0"/>
+      </a:lnRef>
+      <a:fillRef idx="0">
+        <a:scrgbClr r="0" g="0" b="0"/>
+      </a:fillRef>
+      <a:effectRef idx="0">
+        <a:scrgbClr r="0" g="0" b="0"/>
+      </a:effectRef>
+      <a:fontRef idx="minor"/>
+    </dgm:style>
+  </dgm:styleLbl>
+</dgm:styleDef>
+</file>
+
+<file path=ppt/diagrams/quickStyle6.xml><?xml version="1.0" encoding="utf-8"?>
 <dgm:styleDef xmlns:dgm="http://schemas.openxmlformats.org/drawingml/2006/diagram" xmlns:a="http://schemas.openxmlformats.org/drawingml/2006/main" uniqueId="urn:microsoft.com/office/officeart/2005/8/quickstyle/simple2">
   <dgm:title val=""/>
   <dgm:desc val=""/>
@@ -23192,7 +28332,7 @@
 </dgm:styleDef>
 </file>
 
-<file path=ppt/diagrams/quickStyle6.xml><?xml version="1.0" encoding="utf-8"?>
+<file path=ppt/diagrams/quickStyle7.xml><?xml version="1.0" encoding="utf-8"?>
 <dgm:styleDef xmlns:dgm="http://schemas.openxmlformats.org/drawingml/2006/diagram" xmlns:a="http://schemas.openxmlformats.org/drawingml/2006/main" uniqueId="urn:microsoft.com/office/officeart/2005/8/quickstyle/simple1">
   <dgm:title val=""/>
   <dgm:desc val=""/>
@@ -24226,7 +29366,1041 @@
 </dgm:styleDef>
 </file>
 
-<file path=ppt/diagrams/quickStyle7.xml><?xml version="1.0" encoding="utf-8"?>
+<file path=ppt/diagrams/quickStyle8.xml><?xml version="1.0" encoding="utf-8"?>
+<dgm:styleDef xmlns:dgm="http://schemas.openxmlformats.org/drawingml/2006/diagram" xmlns:a="http://schemas.openxmlformats.org/drawingml/2006/main" uniqueId="urn:microsoft.com/office/officeart/2005/8/quickstyle/simple1">
+  <dgm:title val=""/>
+  <dgm:desc val=""/>
+  <dgm:catLst>
+    <dgm:cat type="simple" pri="10100"/>
+  </dgm:catLst>
+  <dgm:scene3d>
+    <a:camera prst="orthographicFront"/>
+    <a:lightRig rig="threePt" dir="t"/>
+  </dgm:scene3d>
+  <dgm:styleLbl name="node0">
+    <dgm:scene3d>
+      <a:camera prst="orthographicFront"/>
+      <a:lightRig rig="threePt" dir="t"/>
+    </dgm:scene3d>
+    <dgm:sp3d/>
+    <dgm:txPr/>
+    <dgm:style>
+      <a:lnRef idx="2">
+        <a:scrgbClr r="0" g="0" b="0"/>
+      </a:lnRef>
+      <a:fillRef idx="1">
+        <a:scrgbClr r="0" g="0" b="0"/>
+      </a:fillRef>
+      <a:effectRef idx="0">
+        <a:scrgbClr r="0" g="0" b="0"/>
+      </a:effectRef>
+      <a:fontRef idx="minor">
+        <a:schemeClr val="lt1"/>
+      </a:fontRef>
+    </dgm:style>
+  </dgm:styleLbl>
+  <dgm:styleLbl name="lnNode1">
+    <dgm:scene3d>
+      <a:camera prst="orthographicFront"/>
+      <a:lightRig rig="threePt" dir="t"/>
+    </dgm:scene3d>
+    <dgm:sp3d/>
+    <dgm:txPr/>
+    <dgm:style>
+      <a:lnRef idx="2">
+        <a:scrgbClr r="0" g="0" b="0"/>
+      </a:lnRef>
+      <a:fillRef idx="1">
+        <a:scrgbClr r="0" g="0" b="0"/>
+      </a:fillRef>
+      <a:effectRef idx="0">
+        <a:scrgbClr r="0" g="0" b="0"/>
+      </a:effectRef>
+      <a:fontRef idx="minor">
+        <a:schemeClr val="lt1"/>
+      </a:fontRef>
+    </dgm:style>
+  </dgm:styleLbl>
+  <dgm:styleLbl name="vennNode1">
+    <dgm:scene3d>
+      <a:camera prst="orthographicFront"/>
+      <a:lightRig rig="threePt" dir="t"/>
+    </dgm:scene3d>
+    <dgm:sp3d/>
+    <dgm:txPr/>
+    <dgm:style>
+      <a:lnRef idx="2">
+        <a:scrgbClr r="0" g="0" b="0"/>
+      </a:lnRef>
+      <a:fillRef idx="1">
+        <a:scrgbClr r="0" g="0" b="0"/>
+      </a:fillRef>
+      <a:effectRef idx="0">
+        <a:scrgbClr r="0" g="0" b="0"/>
+      </a:effectRef>
+      <a:fontRef idx="minor">
+        <a:schemeClr val="tx1"/>
+      </a:fontRef>
+    </dgm:style>
+  </dgm:styleLbl>
+  <dgm:styleLbl name="alignNode1">
+    <dgm:scene3d>
+      <a:camera prst="orthographicFront"/>
+      <a:lightRig rig="threePt" dir="t"/>
+    </dgm:scene3d>
+    <dgm:sp3d/>
+    <dgm:txPr/>
+    <dgm:style>
+      <a:lnRef idx="2">
+        <a:scrgbClr r="0" g="0" b="0"/>
+      </a:lnRef>
+      <a:fillRef idx="1">
+        <a:scrgbClr r="0" g="0" b="0"/>
+      </a:fillRef>
+      <a:effectRef idx="0">
+        <a:scrgbClr r="0" g="0" b="0"/>
+      </a:effectRef>
+      <a:fontRef idx="minor">
+        <a:schemeClr val="lt1"/>
+      </a:fontRef>
+    </dgm:style>
+  </dgm:styleLbl>
+  <dgm:styleLbl name="node1">
+    <dgm:scene3d>
+      <a:camera prst="orthographicFront"/>
+      <a:lightRig rig="threePt" dir="t"/>
+    </dgm:scene3d>
+    <dgm:sp3d/>
+    <dgm:txPr/>
+    <dgm:style>
+      <a:lnRef idx="2">
+        <a:scrgbClr r="0" g="0" b="0"/>
+      </a:lnRef>
+      <a:fillRef idx="1">
+        <a:scrgbClr r="0" g="0" b="0"/>
+      </a:fillRef>
+      <a:effectRef idx="0">
+        <a:scrgbClr r="0" g="0" b="0"/>
+      </a:effectRef>
+      <a:fontRef idx="minor">
+        <a:schemeClr val="lt1"/>
+      </a:fontRef>
+    </dgm:style>
+  </dgm:styleLbl>
+  <dgm:styleLbl name="node2">
+    <dgm:scene3d>
+      <a:camera prst="orthographicFront"/>
+      <a:lightRig rig="threePt" dir="t"/>
+    </dgm:scene3d>
+    <dgm:sp3d/>
+    <dgm:txPr/>
+    <dgm:style>
+      <a:lnRef idx="2">
+        <a:scrgbClr r="0" g="0" b="0"/>
+      </a:lnRef>
+      <a:fillRef idx="1">
+        <a:scrgbClr r="0" g="0" b="0"/>
+      </a:fillRef>
+      <a:effectRef idx="0">
+        <a:scrgbClr r="0" g="0" b="0"/>
+      </a:effectRef>
+      <a:fontRef idx="minor">
+        <a:schemeClr val="lt1"/>
+      </a:fontRef>
+    </dgm:style>
+  </dgm:styleLbl>
+  <dgm:styleLbl name="node3">
+    <dgm:scene3d>
+      <a:camera prst="orthographicFront"/>
+      <a:lightRig rig="threePt" dir="t"/>
+    </dgm:scene3d>
+    <dgm:sp3d/>
+    <dgm:txPr/>
+    <dgm:style>
+      <a:lnRef idx="2">
+        <a:scrgbClr r="0" g="0" b="0"/>
+      </a:lnRef>
+      <a:fillRef idx="1">
+        <a:scrgbClr r="0" g="0" b="0"/>
+      </a:fillRef>
+      <a:effectRef idx="0">
+        <a:scrgbClr r="0" g="0" b="0"/>
+      </a:effectRef>
+      <a:fontRef idx="minor">
+        <a:schemeClr val="lt1"/>
+      </a:fontRef>
+    </dgm:style>
+  </dgm:styleLbl>
+  <dgm:styleLbl name="node4">
+    <dgm:scene3d>
+      <a:camera prst="orthographicFront"/>
+      <a:lightRig rig="threePt" dir="t"/>
+    </dgm:scene3d>
+    <dgm:sp3d/>
+    <dgm:txPr/>
+    <dgm:style>
+      <a:lnRef idx="2">
+        <a:scrgbClr r="0" g="0" b="0"/>
+      </a:lnRef>
+      <a:fillRef idx="1">
+        <a:scrgbClr r="0" g="0" b="0"/>
+      </a:fillRef>
+      <a:effectRef idx="0">
+        <a:scrgbClr r="0" g="0" b="0"/>
+      </a:effectRef>
+      <a:fontRef idx="minor">
+        <a:schemeClr val="lt1"/>
+      </a:fontRef>
+    </dgm:style>
+  </dgm:styleLbl>
+  <dgm:styleLbl name="fgImgPlace1">
+    <dgm:scene3d>
+      <a:camera prst="orthographicFront"/>
+      <a:lightRig rig="threePt" dir="t"/>
+    </dgm:scene3d>
+    <dgm:sp3d/>
+    <dgm:txPr/>
+    <dgm:style>
+      <a:lnRef idx="2">
+        <a:scrgbClr r="0" g="0" b="0"/>
+      </a:lnRef>
+      <a:fillRef idx="1">
+        <a:scrgbClr r="0" g="0" b="0"/>
+      </a:fillRef>
+      <a:effectRef idx="0">
+        <a:scrgbClr r="0" g="0" b="0"/>
+      </a:effectRef>
+      <a:fontRef idx="minor"/>
+    </dgm:style>
+  </dgm:styleLbl>
+  <dgm:styleLbl name="alignImgPlace1">
+    <dgm:scene3d>
+      <a:camera prst="orthographicFront"/>
+      <a:lightRig rig="threePt" dir="t"/>
+    </dgm:scene3d>
+    <dgm:sp3d/>
+    <dgm:txPr/>
+    <dgm:style>
+      <a:lnRef idx="2">
+        <a:scrgbClr r="0" g="0" b="0"/>
+      </a:lnRef>
+      <a:fillRef idx="1">
+        <a:scrgbClr r="0" g="0" b="0"/>
+      </a:fillRef>
+      <a:effectRef idx="0">
+        <a:scrgbClr r="0" g="0" b="0"/>
+      </a:effectRef>
+      <a:fontRef idx="minor"/>
+    </dgm:style>
+  </dgm:styleLbl>
+  <dgm:styleLbl name="bgImgPlace1">
+    <dgm:scene3d>
+      <a:camera prst="orthographicFront"/>
+      <a:lightRig rig="threePt" dir="t"/>
+    </dgm:scene3d>
+    <dgm:sp3d/>
+    <dgm:txPr/>
+    <dgm:style>
+      <a:lnRef idx="2">
+        <a:scrgbClr r="0" g="0" b="0"/>
+      </a:lnRef>
+      <a:fillRef idx="1">
+        <a:scrgbClr r="0" g="0" b="0"/>
+      </a:fillRef>
+      <a:effectRef idx="0">
+        <a:scrgbClr r="0" g="0" b="0"/>
+      </a:effectRef>
+      <a:fontRef idx="minor"/>
+    </dgm:style>
+  </dgm:styleLbl>
+  <dgm:styleLbl name="sibTrans2D1">
+    <dgm:scene3d>
+      <a:camera prst="orthographicFront"/>
+      <a:lightRig rig="threePt" dir="t"/>
+    </dgm:scene3d>
+    <dgm:sp3d/>
+    <dgm:txPr/>
+    <dgm:style>
+      <a:lnRef idx="0">
+        <a:scrgbClr r="0" g="0" b="0"/>
+      </a:lnRef>
+      <a:fillRef idx="1">
+        <a:scrgbClr r="0" g="0" b="0"/>
+      </a:fillRef>
+      <a:effectRef idx="0">
+        <a:scrgbClr r="0" g="0" b="0"/>
+      </a:effectRef>
+      <a:fontRef idx="minor">
+        <a:schemeClr val="lt1"/>
+      </a:fontRef>
+    </dgm:style>
+  </dgm:styleLbl>
+  <dgm:styleLbl name="fgSibTrans2D1">
+    <dgm:scene3d>
+      <a:camera prst="orthographicFront"/>
+      <a:lightRig rig="threePt" dir="t"/>
+    </dgm:scene3d>
+    <dgm:sp3d/>
+    <dgm:txPr/>
+    <dgm:style>
+      <a:lnRef idx="0">
+        <a:scrgbClr r="0" g="0" b="0"/>
+      </a:lnRef>
+      <a:fillRef idx="1">
+        <a:scrgbClr r="0" g="0" b="0"/>
+      </a:fillRef>
+      <a:effectRef idx="0">
+        <a:scrgbClr r="0" g="0" b="0"/>
+      </a:effectRef>
+      <a:fontRef idx="minor">
+        <a:schemeClr val="lt1"/>
+      </a:fontRef>
+    </dgm:style>
+  </dgm:styleLbl>
+  <dgm:styleLbl name="bgSibTrans2D1">
+    <dgm:scene3d>
+      <a:camera prst="orthographicFront"/>
+      <a:lightRig rig="threePt" dir="t"/>
+    </dgm:scene3d>
+    <dgm:sp3d/>
+    <dgm:txPr/>
+    <dgm:style>
+      <a:lnRef idx="0">
+        <a:scrgbClr r="0" g="0" b="0"/>
+      </a:lnRef>
+      <a:fillRef idx="1">
+        <a:scrgbClr r="0" g="0" b="0"/>
+      </a:fillRef>
+      <a:effectRef idx="0">
+        <a:scrgbClr r="0" g="0" b="0"/>
+      </a:effectRef>
+      <a:fontRef idx="minor">
+        <a:schemeClr val="lt1"/>
+      </a:fontRef>
+    </dgm:style>
+  </dgm:styleLbl>
+  <dgm:styleLbl name="sibTrans1D1">
+    <dgm:scene3d>
+      <a:camera prst="orthographicFront"/>
+      <a:lightRig rig="threePt" dir="t"/>
+    </dgm:scene3d>
+    <dgm:sp3d/>
+    <dgm:txPr/>
+    <dgm:style>
+      <a:lnRef idx="1">
+        <a:scrgbClr r="0" g="0" b="0"/>
+      </a:lnRef>
+      <a:fillRef idx="0">
+        <a:scrgbClr r="0" g="0" b="0"/>
+      </a:fillRef>
+      <a:effectRef idx="0">
+        <a:scrgbClr r="0" g="0" b="0"/>
+      </a:effectRef>
+      <a:fontRef idx="minor"/>
+    </dgm:style>
+  </dgm:styleLbl>
+  <dgm:styleLbl name="callout">
+    <dgm:scene3d>
+      <a:camera prst="orthographicFront"/>
+      <a:lightRig rig="threePt" dir="t"/>
+    </dgm:scene3d>
+    <dgm:sp3d/>
+    <dgm:txPr/>
+    <dgm:style>
+      <a:lnRef idx="2">
+        <a:scrgbClr r="0" g="0" b="0"/>
+      </a:lnRef>
+      <a:fillRef idx="1">
+        <a:scrgbClr r="0" g="0" b="0"/>
+      </a:fillRef>
+      <a:effectRef idx="0">
+        <a:scrgbClr r="0" g="0" b="0"/>
+      </a:effectRef>
+      <a:fontRef idx="minor"/>
+    </dgm:style>
+  </dgm:styleLbl>
+  <dgm:styleLbl name="asst0">
+    <dgm:scene3d>
+      <a:camera prst="orthographicFront"/>
+      <a:lightRig rig="threePt" dir="t"/>
+    </dgm:scene3d>
+    <dgm:sp3d/>
+    <dgm:txPr/>
+    <dgm:style>
+      <a:lnRef idx="2">
+        <a:scrgbClr r="0" g="0" b="0"/>
+      </a:lnRef>
+      <a:fillRef idx="1">
+        <a:scrgbClr r="0" g="0" b="0"/>
+      </a:fillRef>
+      <a:effectRef idx="0">
+        <a:scrgbClr r="0" g="0" b="0"/>
+      </a:effectRef>
+      <a:fontRef idx="minor">
+        <a:schemeClr val="lt1"/>
+      </a:fontRef>
+    </dgm:style>
+  </dgm:styleLbl>
+  <dgm:styleLbl name="asst1">
+    <dgm:scene3d>
+      <a:camera prst="orthographicFront"/>
+      <a:lightRig rig="threePt" dir="t"/>
+    </dgm:scene3d>
+    <dgm:sp3d/>
+    <dgm:txPr/>
+    <dgm:style>
+      <a:lnRef idx="2">
+        <a:scrgbClr r="0" g="0" b="0"/>
+      </a:lnRef>
+      <a:fillRef idx="1">
+        <a:scrgbClr r="0" g="0" b="0"/>
+      </a:fillRef>
+      <a:effectRef idx="0">
+        <a:scrgbClr r="0" g="0" b="0"/>
+      </a:effectRef>
+      <a:fontRef idx="minor">
+        <a:schemeClr val="lt1"/>
+      </a:fontRef>
+    </dgm:style>
+  </dgm:styleLbl>
+  <dgm:styleLbl name="asst2">
+    <dgm:scene3d>
+      <a:camera prst="orthographicFront"/>
+      <a:lightRig rig="threePt" dir="t"/>
+    </dgm:scene3d>
+    <dgm:sp3d/>
+    <dgm:txPr/>
+    <dgm:style>
+      <a:lnRef idx="2">
+        <a:scrgbClr r="0" g="0" b="0"/>
+      </a:lnRef>
+      <a:fillRef idx="1">
+        <a:scrgbClr r="0" g="0" b="0"/>
+      </a:fillRef>
+      <a:effectRef idx="0">
+        <a:scrgbClr r="0" g="0" b="0"/>
+      </a:effectRef>
+      <a:fontRef idx="minor">
+        <a:schemeClr val="lt1"/>
+      </a:fontRef>
+    </dgm:style>
+  </dgm:styleLbl>
+  <dgm:styleLbl name="asst3">
+    <dgm:scene3d>
+      <a:camera prst="orthographicFront"/>
+      <a:lightRig rig="threePt" dir="t"/>
+    </dgm:scene3d>
+    <dgm:sp3d/>
+    <dgm:txPr/>
+    <dgm:style>
+      <a:lnRef idx="2">
+        <a:scrgbClr r="0" g="0" b="0"/>
+      </a:lnRef>
+      <a:fillRef idx="1">
+        <a:scrgbClr r="0" g="0" b="0"/>
+      </a:fillRef>
+      <a:effectRef idx="0">
+        <a:scrgbClr r="0" g="0" b="0"/>
+      </a:effectRef>
+      <a:fontRef idx="minor">
+        <a:schemeClr val="lt1"/>
+      </a:fontRef>
+    </dgm:style>
+  </dgm:styleLbl>
+  <dgm:styleLbl name="asst4">
+    <dgm:scene3d>
+      <a:camera prst="orthographicFront"/>
+      <a:lightRig rig="threePt" dir="t"/>
+    </dgm:scene3d>
+    <dgm:sp3d/>
+    <dgm:txPr/>
+    <dgm:style>
+      <a:lnRef idx="2">
+        <a:scrgbClr r="0" g="0" b="0"/>
+      </a:lnRef>
+      <a:fillRef idx="1">
+        <a:scrgbClr r="0" g="0" b="0"/>
+      </a:fillRef>
+      <a:effectRef idx="0">
+        <a:scrgbClr r="0" g="0" b="0"/>
+      </a:effectRef>
+      <a:fontRef idx="minor">
+        <a:schemeClr val="lt1"/>
+      </a:fontRef>
+    </dgm:style>
+  </dgm:styleLbl>
+  <dgm:styleLbl name="parChTrans2D1">
+    <dgm:scene3d>
+      <a:camera prst="orthographicFront"/>
+      <a:lightRig rig="threePt" dir="t"/>
+    </dgm:scene3d>
+    <dgm:sp3d/>
+    <dgm:txPr/>
+    <dgm:style>
+      <a:lnRef idx="2">
+        <a:scrgbClr r="0" g="0" b="0"/>
+      </a:lnRef>
+      <a:fillRef idx="1">
+        <a:scrgbClr r="0" g="0" b="0"/>
+      </a:fillRef>
+      <a:effectRef idx="0">
+        <a:scrgbClr r="0" g="0" b="0"/>
+      </a:effectRef>
+      <a:fontRef idx="minor">
+        <a:schemeClr val="lt1"/>
+      </a:fontRef>
+    </dgm:style>
+  </dgm:styleLbl>
+  <dgm:styleLbl name="parChTrans2D2">
+    <dgm:scene3d>
+      <a:camera prst="orthographicFront"/>
+      <a:lightRig rig="threePt" dir="t"/>
+    </dgm:scene3d>
+    <dgm:sp3d/>
+    <dgm:txPr/>
+    <dgm:style>
+      <a:lnRef idx="2">
+        <a:scrgbClr r="0" g="0" b="0"/>
+      </a:lnRef>
+      <a:fillRef idx="1">
+        <a:scrgbClr r="0" g="0" b="0"/>
+      </a:fillRef>
+      <a:effectRef idx="0">
+        <a:scrgbClr r="0" g="0" b="0"/>
+      </a:effectRef>
+      <a:fontRef idx="minor">
+        <a:schemeClr val="lt1"/>
+      </a:fontRef>
+    </dgm:style>
+  </dgm:styleLbl>
+  <dgm:styleLbl name="parChTrans2D3">
+    <dgm:scene3d>
+      <a:camera prst="orthographicFront"/>
+      <a:lightRig rig="threePt" dir="t"/>
+    </dgm:scene3d>
+    <dgm:sp3d/>
+    <dgm:txPr/>
+    <dgm:style>
+      <a:lnRef idx="2">
+        <a:scrgbClr r="0" g="0" b="0"/>
+      </a:lnRef>
+      <a:fillRef idx="1">
+        <a:scrgbClr r="0" g="0" b="0"/>
+      </a:fillRef>
+      <a:effectRef idx="0">
+        <a:scrgbClr r="0" g="0" b="0"/>
+      </a:effectRef>
+      <a:fontRef idx="minor">
+        <a:schemeClr val="lt1"/>
+      </a:fontRef>
+    </dgm:style>
+  </dgm:styleLbl>
+  <dgm:styleLbl name="parChTrans2D4">
+    <dgm:scene3d>
+      <a:camera prst="orthographicFront"/>
+      <a:lightRig rig="threePt" dir="t"/>
+    </dgm:scene3d>
+    <dgm:sp3d/>
+    <dgm:txPr/>
+    <dgm:style>
+      <a:lnRef idx="2">
+        <a:scrgbClr r="0" g="0" b="0"/>
+      </a:lnRef>
+      <a:fillRef idx="1">
+        <a:scrgbClr r="0" g="0" b="0"/>
+      </a:fillRef>
+      <a:effectRef idx="0">
+        <a:scrgbClr r="0" g="0" b="0"/>
+      </a:effectRef>
+      <a:fontRef idx="minor">
+        <a:schemeClr val="lt1"/>
+      </a:fontRef>
+    </dgm:style>
+  </dgm:styleLbl>
+  <dgm:styleLbl name="parChTrans1D1">
+    <dgm:scene3d>
+      <a:camera prst="orthographicFront"/>
+      <a:lightRig rig="threePt" dir="t"/>
+    </dgm:scene3d>
+    <dgm:sp3d/>
+    <dgm:txPr/>
+    <dgm:style>
+      <a:lnRef idx="2">
+        <a:scrgbClr r="0" g="0" b="0"/>
+      </a:lnRef>
+      <a:fillRef idx="0">
+        <a:scrgbClr r="0" g="0" b="0"/>
+      </a:fillRef>
+      <a:effectRef idx="0">
+        <a:scrgbClr r="0" g="0" b="0"/>
+      </a:effectRef>
+      <a:fontRef idx="minor"/>
+    </dgm:style>
+  </dgm:styleLbl>
+  <dgm:styleLbl name="parChTrans1D2">
+    <dgm:scene3d>
+      <a:camera prst="orthographicFront"/>
+      <a:lightRig rig="threePt" dir="t"/>
+    </dgm:scene3d>
+    <dgm:sp3d/>
+    <dgm:txPr/>
+    <dgm:style>
+      <a:lnRef idx="2">
+        <a:scrgbClr r="0" g="0" b="0"/>
+      </a:lnRef>
+      <a:fillRef idx="0">
+        <a:scrgbClr r="0" g="0" b="0"/>
+      </a:fillRef>
+      <a:effectRef idx="0">
+        <a:scrgbClr r="0" g="0" b="0"/>
+      </a:effectRef>
+      <a:fontRef idx="minor"/>
+    </dgm:style>
+  </dgm:styleLbl>
+  <dgm:styleLbl name="parChTrans1D3">
+    <dgm:scene3d>
+      <a:camera prst="orthographicFront"/>
+      <a:lightRig rig="threePt" dir="t"/>
+    </dgm:scene3d>
+    <dgm:sp3d/>
+    <dgm:txPr/>
+    <dgm:style>
+      <a:lnRef idx="2">
+        <a:scrgbClr r="0" g="0" b="0"/>
+      </a:lnRef>
+      <a:fillRef idx="0">
+        <a:scrgbClr r="0" g="0" b="0"/>
+      </a:fillRef>
+      <a:effectRef idx="0">
+        <a:scrgbClr r="0" g="0" b="0"/>
+      </a:effectRef>
+      <a:fontRef idx="minor"/>
+    </dgm:style>
+  </dgm:styleLbl>
+  <dgm:styleLbl name="parChTrans1D4">
+    <dgm:scene3d>
+      <a:camera prst="orthographicFront"/>
+      <a:lightRig rig="threePt" dir="t"/>
+    </dgm:scene3d>
+    <dgm:sp3d/>
+    <dgm:txPr/>
+    <dgm:style>
+      <a:lnRef idx="2">
+        <a:scrgbClr r="0" g="0" b="0"/>
+      </a:lnRef>
+      <a:fillRef idx="0">
+        <a:scrgbClr r="0" g="0" b="0"/>
+      </a:fillRef>
+      <a:effectRef idx="0">
+        <a:scrgbClr r="0" g="0" b="0"/>
+      </a:effectRef>
+      <a:fontRef idx="minor"/>
+    </dgm:style>
+  </dgm:styleLbl>
+  <dgm:styleLbl name="fgAcc1">
+    <dgm:scene3d>
+      <a:camera prst="orthographicFront"/>
+      <a:lightRig rig="threePt" dir="t"/>
+    </dgm:scene3d>
+    <dgm:sp3d/>
+    <dgm:txPr/>
+    <dgm:style>
+      <a:lnRef idx="2">
+        <a:scrgbClr r="0" g="0" b="0"/>
+      </a:lnRef>
+      <a:fillRef idx="1">
+        <a:scrgbClr r="0" g="0" b="0"/>
+      </a:fillRef>
+      <a:effectRef idx="0">
+        <a:scrgbClr r="0" g="0" b="0"/>
+      </a:effectRef>
+      <a:fontRef idx="minor"/>
+    </dgm:style>
+  </dgm:styleLbl>
+  <dgm:styleLbl name="conFgAcc1">
+    <dgm:scene3d>
+      <a:camera prst="orthographicFront"/>
+      <a:lightRig rig="threePt" dir="t"/>
+    </dgm:scene3d>
+    <dgm:sp3d/>
+    <dgm:txPr/>
+    <dgm:style>
+      <a:lnRef idx="2">
+        <a:scrgbClr r="0" g="0" b="0"/>
+      </a:lnRef>
+      <a:fillRef idx="1">
+        <a:scrgbClr r="0" g="0" b="0"/>
+      </a:fillRef>
+      <a:effectRef idx="0">
+        <a:scrgbClr r="0" g="0" b="0"/>
+      </a:effectRef>
+      <a:fontRef idx="minor"/>
+    </dgm:style>
+  </dgm:styleLbl>
+  <dgm:styleLbl name="alignAcc1">
+    <dgm:scene3d>
+      <a:camera prst="orthographicFront"/>
+      <a:lightRig rig="threePt" dir="t"/>
+    </dgm:scene3d>
+    <dgm:sp3d/>
+    <dgm:txPr/>
+    <dgm:style>
+      <a:lnRef idx="2">
+        <a:scrgbClr r="0" g="0" b="0"/>
+      </a:lnRef>
+      <a:fillRef idx="1">
+        <a:scrgbClr r="0" g="0" b="0"/>
+      </a:fillRef>
+      <a:effectRef idx="0">
+        <a:scrgbClr r="0" g="0" b="0"/>
+      </a:effectRef>
+      <a:fontRef idx="minor"/>
+    </dgm:style>
+  </dgm:styleLbl>
+  <dgm:styleLbl name="trAlignAcc1">
+    <dgm:scene3d>
+      <a:camera prst="orthographicFront"/>
+      <a:lightRig rig="threePt" dir="t"/>
+    </dgm:scene3d>
+    <dgm:sp3d/>
+    <dgm:txPr/>
+    <dgm:style>
+      <a:lnRef idx="1">
+        <a:scrgbClr r="0" g="0" b="0"/>
+      </a:lnRef>
+      <a:fillRef idx="1">
+        <a:scrgbClr r="0" g="0" b="0"/>
+      </a:fillRef>
+      <a:effectRef idx="0">
+        <a:scrgbClr r="0" g="0" b="0"/>
+      </a:effectRef>
+      <a:fontRef idx="minor"/>
+    </dgm:style>
+  </dgm:styleLbl>
+  <dgm:styleLbl name="bgAcc1">
+    <dgm:scene3d>
+      <a:camera prst="orthographicFront"/>
+      <a:lightRig rig="threePt" dir="t"/>
+    </dgm:scene3d>
+    <dgm:sp3d/>
+    <dgm:txPr/>
+    <dgm:style>
+      <a:lnRef idx="2">
+        <a:scrgbClr r="0" g="0" b="0"/>
+      </a:lnRef>
+      <a:fillRef idx="1">
+        <a:scrgbClr r="0" g="0" b="0"/>
+      </a:fillRef>
+      <a:effectRef idx="0">
+        <a:scrgbClr r="0" g="0" b="0"/>
+      </a:effectRef>
+      <a:fontRef idx="minor"/>
+    </dgm:style>
+  </dgm:styleLbl>
+  <dgm:styleLbl name="solidFgAcc1">
+    <dgm:scene3d>
+      <a:camera prst="orthographicFront"/>
+      <a:lightRig rig="threePt" dir="t"/>
+    </dgm:scene3d>
+    <dgm:sp3d/>
+    <dgm:txPr/>
+    <dgm:style>
+      <a:lnRef idx="2">
+        <a:scrgbClr r="0" g="0" b="0"/>
+      </a:lnRef>
+      <a:fillRef idx="1">
+        <a:scrgbClr r="0" g="0" b="0"/>
+      </a:fillRef>
+      <a:effectRef idx="0">
+        <a:scrgbClr r="0" g="0" b="0"/>
+      </a:effectRef>
+      <a:fontRef idx="minor"/>
+    </dgm:style>
+  </dgm:styleLbl>
+  <dgm:styleLbl name="solidAlignAcc1">
+    <dgm:scene3d>
+      <a:camera prst="orthographicFront"/>
+      <a:lightRig rig="threePt" dir="t"/>
+    </dgm:scene3d>
+    <dgm:sp3d/>
+    <dgm:txPr/>
+    <dgm:style>
+      <a:lnRef idx="2">
+        <a:scrgbClr r="0" g="0" b="0"/>
+      </a:lnRef>
+      <a:fillRef idx="1">
+        <a:scrgbClr r="0" g="0" b="0"/>
+      </a:fillRef>
+      <a:effectRef idx="0">
+        <a:scrgbClr r="0" g="0" b="0"/>
+      </a:effectRef>
+      <a:fontRef idx="minor"/>
+    </dgm:style>
+  </dgm:styleLbl>
+  <dgm:styleLbl name="solidBgAcc1">
+    <dgm:scene3d>
+      <a:camera prst="orthographicFront"/>
+      <a:lightRig rig="threePt" dir="t"/>
+    </dgm:scene3d>
+    <dgm:sp3d/>
+    <dgm:txPr/>
+    <dgm:style>
+      <a:lnRef idx="2">
+        <a:scrgbClr r="0" g="0" b="0"/>
+      </a:lnRef>
+      <a:fillRef idx="1">
+        <a:scrgbClr r="0" g="0" b="0"/>
+      </a:fillRef>
+      <a:effectRef idx="0">
+        <a:scrgbClr r="0" g="0" b="0"/>
+      </a:effectRef>
+      <a:fontRef idx="minor"/>
+    </dgm:style>
+  </dgm:styleLbl>
+  <dgm:styleLbl name="fgAccFollowNode1">
+    <dgm:scene3d>
+      <a:camera prst="orthographicFront"/>
+      <a:lightRig rig="threePt" dir="t"/>
+    </dgm:scene3d>
+    <dgm:sp3d/>
+    <dgm:txPr/>
+    <dgm:style>
+      <a:lnRef idx="2">
+        <a:scrgbClr r="0" g="0" b="0"/>
+      </a:lnRef>
+      <a:fillRef idx="1">
+        <a:scrgbClr r="0" g="0" b="0"/>
+      </a:fillRef>
+      <a:effectRef idx="0">
+        <a:scrgbClr r="0" g="0" b="0"/>
+      </a:effectRef>
+      <a:fontRef idx="minor"/>
+    </dgm:style>
+  </dgm:styleLbl>
+  <dgm:styleLbl name="alignAccFollowNode1">
+    <dgm:scene3d>
+      <a:camera prst="orthographicFront"/>
+      <a:lightRig rig="threePt" dir="t"/>
+    </dgm:scene3d>
+    <dgm:sp3d/>
+    <dgm:txPr/>
+    <dgm:style>
+      <a:lnRef idx="2">
+        <a:scrgbClr r="0" g="0" b="0"/>
+      </a:lnRef>
+      <a:fillRef idx="1">
+        <a:scrgbClr r="0" g="0" b="0"/>
+      </a:fillRef>
+      <a:effectRef idx="0">
+        <a:scrgbClr r="0" g="0" b="0"/>
+      </a:effectRef>
+      <a:fontRef idx="minor"/>
+    </dgm:style>
+  </dgm:styleLbl>
+  <dgm:styleLbl name="bgAccFollowNode1">
+    <dgm:scene3d>
+      <a:camera prst="orthographicFront"/>
+      <a:lightRig rig="threePt" dir="t"/>
+    </dgm:scene3d>
+    <dgm:sp3d/>
+    <dgm:txPr/>
+    <dgm:style>
+      <a:lnRef idx="2">
+        <a:scrgbClr r="0" g="0" b="0"/>
+      </a:lnRef>
+      <a:fillRef idx="1">
+        <a:scrgbClr r="0" g="0" b="0"/>
+      </a:fillRef>
+      <a:effectRef idx="0">
+        <a:scrgbClr r="0" g="0" b="0"/>
+      </a:effectRef>
+      <a:fontRef idx="minor"/>
+    </dgm:style>
+  </dgm:styleLbl>
+  <dgm:styleLbl name="fgAcc0">
+    <dgm:scene3d>
+      <a:camera prst="orthographicFront"/>
+      <a:lightRig rig="threePt" dir="t"/>
+    </dgm:scene3d>
+    <dgm:sp3d/>
+    <dgm:txPr/>
+    <dgm:style>
+      <a:lnRef idx="2">
+        <a:scrgbClr r="0" g="0" b="0"/>
+      </a:lnRef>
+      <a:fillRef idx="1">
+        <a:scrgbClr r="0" g="0" b="0"/>
+      </a:fillRef>
+      <a:effectRef idx="0">
+        <a:scrgbClr r="0" g="0" b="0"/>
+      </a:effectRef>
+      <a:fontRef idx="minor"/>
+    </dgm:style>
+  </dgm:styleLbl>
+  <dgm:styleLbl name="fgAcc2">
+    <dgm:scene3d>
+      <a:camera prst="orthographicFront"/>
+      <a:lightRig rig="threePt" dir="t"/>
+    </dgm:scene3d>
+    <dgm:sp3d/>
+    <dgm:txPr/>
+    <dgm:style>
+      <a:lnRef idx="2">
+        <a:scrgbClr r="0" g="0" b="0"/>
+      </a:lnRef>
+      <a:fillRef idx="1">
+        <a:scrgbClr r="0" g="0" b="0"/>
+      </a:fillRef>
+      <a:effectRef idx="0">
+        <a:scrgbClr r="0" g="0" b="0"/>
+      </a:effectRef>
+      <a:fontRef idx="minor"/>
+    </dgm:style>
+  </dgm:styleLbl>
+  <dgm:styleLbl name="fgAcc3">
+    <dgm:scene3d>
+      <a:camera prst="orthographicFront"/>
+      <a:lightRig rig="threePt" dir="t"/>
+    </dgm:scene3d>
+    <dgm:sp3d/>
+    <dgm:txPr/>
+    <dgm:style>
+      <a:lnRef idx="2">
+        <a:scrgbClr r="0" g="0" b="0"/>
+      </a:lnRef>
+      <a:fillRef idx="1">
+        <a:scrgbClr r="0" g="0" b="0"/>
+      </a:fillRef>
+      <a:effectRef idx="0">
+        <a:scrgbClr r="0" g="0" b="0"/>
+      </a:effectRef>
+      <a:fontRef idx="minor"/>
+    </dgm:style>
+  </dgm:styleLbl>
+  <dgm:styleLbl name="fgAcc4">
+    <dgm:scene3d>
+      <a:camera prst="orthographicFront"/>
+      <a:lightRig rig="threePt" dir="t"/>
+    </dgm:scene3d>
+    <dgm:sp3d/>
+    <dgm:txPr/>
+    <dgm:style>
+      <a:lnRef idx="2">
+        <a:scrgbClr r="0" g="0" b="0"/>
+      </a:lnRef>
+      <a:fillRef idx="1">
+        <a:scrgbClr r="0" g="0" b="0"/>
+      </a:fillRef>
+      <a:effectRef idx="0">
+        <a:scrgbClr r="0" g="0" b="0"/>
+      </a:effectRef>
+      <a:fontRef idx="minor"/>
+    </dgm:style>
+  </dgm:styleLbl>
+  <dgm:styleLbl name="bgShp">
+    <dgm:scene3d>
+      <a:camera prst="orthographicFront"/>
+      <a:lightRig rig="threePt" dir="t"/>
+    </dgm:scene3d>
+    <dgm:sp3d/>
+    <dgm:txPr/>
+    <dgm:style>
+      <a:lnRef idx="0">
+        <a:scrgbClr r="0" g="0" b="0"/>
+      </a:lnRef>
+      <a:fillRef idx="1">
+        <a:scrgbClr r="0" g="0" b="0"/>
+      </a:fillRef>
+      <a:effectRef idx="0">
+        <a:scrgbClr r="0" g="0" b="0"/>
+      </a:effectRef>
+      <a:fontRef idx="minor"/>
+    </dgm:style>
+  </dgm:styleLbl>
+  <dgm:styleLbl name="dkBgShp">
+    <dgm:scene3d>
+      <a:camera prst="orthographicFront"/>
+      <a:lightRig rig="threePt" dir="t"/>
+    </dgm:scene3d>
+    <dgm:sp3d/>
+    <dgm:txPr/>
+    <dgm:style>
+      <a:lnRef idx="0">
+        <a:scrgbClr r="0" g="0" b="0"/>
+      </a:lnRef>
+      <a:fillRef idx="1">
+        <a:scrgbClr r="0" g="0" b="0"/>
+      </a:fillRef>
+      <a:effectRef idx="0">
+        <a:scrgbClr r="0" g="0" b="0"/>
+      </a:effectRef>
+      <a:fontRef idx="minor"/>
+    </dgm:style>
+  </dgm:styleLbl>
+  <dgm:styleLbl name="trBgShp">
+    <dgm:scene3d>
+      <a:camera prst="orthographicFront"/>
+      <a:lightRig rig="threePt" dir="t"/>
+    </dgm:scene3d>
+    <dgm:sp3d/>
+    <dgm:txPr/>
+    <dgm:style>
+      <a:lnRef idx="0">
+        <a:scrgbClr r="0" g="0" b="0"/>
+      </a:lnRef>
+      <a:fillRef idx="1">
+        <a:scrgbClr r="0" g="0" b="0"/>
+      </a:fillRef>
+      <a:effectRef idx="0">
+        <a:scrgbClr r="0" g="0" b="0"/>
+      </a:effectRef>
+      <a:fontRef idx="minor"/>
+    </dgm:style>
+  </dgm:styleLbl>
+  <dgm:styleLbl name="fgShp">
+    <dgm:scene3d>
+      <a:camera prst="orthographicFront"/>
+      <a:lightRig rig="threePt" dir="t"/>
+    </dgm:scene3d>
+    <dgm:sp3d/>
+    <dgm:txPr/>
+    <dgm:style>
+      <a:lnRef idx="2">
+        <a:scrgbClr r="0" g="0" b="0"/>
+      </a:lnRef>
+      <a:fillRef idx="1">
+        <a:scrgbClr r="0" g="0" b="0"/>
+      </a:fillRef>
+      <a:effectRef idx="0">
+        <a:scrgbClr r="0" g="0" b="0"/>
+      </a:effectRef>
+      <a:fontRef idx="minor"/>
+    </dgm:style>
+  </dgm:styleLbl>
+  <dgm:styleLbl name="revTx">
+    <dgm:scene3d>
+      <a:camera prst="orthographicFront"/>
+      <a:lightRig rig="threePt" dir="t"/>
+    </dgm:scene3d>
+    <dgm:sp3d/>
+    <dgm:txPr/>
+    <dgm:style>
+      <a:lnRef idx="0">
+        <a:scrgbClr r="0" g="0" b="0"/>
+      </a:lnRef>
+      <a:fillRef idx="0">
+        <a:scrgbClr r="0" g="0" b="0"/>
+      </a:fillRef>
+      <a:effectRef idx="0">
+        <a:scrgbClr r="0" g="0" b="0"/>
+      </a:effectRef>
+      <a:fontRef idx="minor"/>
+    </dgm:style>
+  </dgm:styleLbl>
+</dgm:styleDef>
+</file>
+
+<file path=ppt/diagrams/quickStyle9.xml><?xml version="1.0" encoding="utf-8"?>
 <dgm:styleDef xmlns:dgm="http://schemas.openxmlformats.org/drawingml/2006/diagram" xmlns:a="http://schemas.openxmlformats.org/drawingml/2006/main" uniqueId="urn:microsoft.com/office/officeart/2005/8/quickstyle/simple4">
   <dgm:title val=""/>
   <dgm:desc val=""/>
@@ -25355,7 +31529,7 @@
           <a:effectLst/>
           <a:extLst>
             <a:ext uri="{91240B29-F687-4f45-9708-019B960494DF}">
-              <a14:hiddenLine xmlns="" xmlns:a14="http://schemas.microsoft.com/office/drawing/2010/main" w="9525">
+              <a14:hiddenLine xmlns:a14="http://schemas.microsoft.com/office/drawing/2010/main" xmlns="" w="9525">
                 <a:solidFill>
                   <a:srgbClr val="000000"/>
                 </a:solidFill>
@@ -25547,7 +31721,7 @@
           <a:p>
             <a:fld id="{E133CC28-1BF0-4371-9E36-1469D628F18D}" type="datetimeFigureOut">
               <a:rPr lang="en-US" smtClean="0"/>
-              <a:t>10/16/2022</a:t>
+              <a:t>6/18/2023</a:t>
             </a:fld>
             <a:endParaRPr lang="en-US"/>
           </a:p>
@@ -25865,7 +32039,7 @@
           <a:p>
             <a:fld id="{E133CC28-1BF0-4371-9E36-1469D628F18D}" type="datetimeFigureOut">
               <a:rPr lang="en-US" smtClean="0"/>
-              <a:t>10/16/2022</a:t>
+              <a:t>6/18/2023</a:t>
             </a:fld>
             <a:endParaRPr lang="en-US"/>
           </a:p>
@@ -26353,7 +32527,7 @@
           <a:p>
             <a:fld id="{E133CC28-1BF0-4371-9E36-1469D628F18D}" type="datetimeFigureOut">
               <a:rPr lang="en-US" smtClean="0"/>
-              <a:t>10/16/2022</a:t>
+              <a:t>6/18/2023</a:t>
             </a:fld>
             <a:endParaRPr lang="en-US"/>
           </a:p>
@@ -26722,7 +32896,7 @@
           <a:p>
             <a:fld id="{E133CC28-1BF0-4371-9E36-1469D628F18D}" type="datetimeFigureOut">
               <a:rPr lang="en-US" smtClean="0"/>
-              <a:t>10/16/2022</a:t>
+              <a:t>6/18/2023</a:t>
             </a:fld>
             <a:endParaRPr lang="en-US"/>
           </a:p>
@@ -26877,7 +33051,7 @@
           <a:ln/>
           <a:extLst>
             <a:ext uri="{91240B29-F687-4f45-9708-019B960494DF}">
-              <a14:hiddenLine xmlns="" xmlns:a14="http://schemas.microsoft.com/office/drawing/2010/main" w="9525">
+              <a14:hiddenLine xmlns:a14="http://schemas.microsoft.com/office/drawing/2010/main" xmlns="" w="9525">
                 <a:solidFill>
                   <a:srgbClr val="000000"/>
                 </a:solidFill>
@@ -26995,7 +33169,7 @@
           <a:p>
             <a:fld id="{E133CC28-1BF0-4371-9E36-1469D628F18D}" type="datetimeFigureOut">
               <a:rPr lang="en-US" smtClean="0"/>
-              <a:t>10/16/2022</a:t>
+              <a:t>6/18/2023</a:t>
             </a:fld>
             <a:endParaRPr lang="en-US"/>
           </a:p>
@@ -27152,7 +33326,7 @@
           <a:ln/>
           <a:extLst>
             <a:ext uri="{91240B29-F687-4f45-9708-019B960494DF}">
-              <a14:hiddenLine xmlns="" xmlns:a14="http://schemas.microsoft.com/office/drawing/2010/main" w="9525">
+              <a14:hiddenLine xmlns:a14="http://schemas.microsoft.com/office/drawing/2010/main" xmlns="" w="9525">
                 <a:solidFill>
                   <a:srgbClr val="000000"/>
                 </a:solidFill>
@@ -27280,7 +33454,7 @@
           <a:p>
             <a:fld id="{E133CC28-1BF0-4371-9E36-1469D628F18D}" type="datetimeFigureOut">
               <a:rPr lang="en-US" smtClean="0"/>
-              <a:t>10/16/2022</a:t>
+              <a:t>6/18/2023</a:t>
             </a:fld>
             <a:endParaRPr lang="en-US"/>
           </a:p>
@@ -27435,7 +33609,7 @@
           <a:ln/>
           <a:extLst>
             <a:ext uri="{91240B29-F687-4f45-9708-019B960494DF}">
-              <a14:hiddenLine xmlns="" xmlns:a14="http://schemas.microsoft.com/office/drawing/2010/main" w="9525">
+              <a14:hiddenLine xmlns:a14="http://schemas.microsoft.com/office/drawing/2010/main" xmlns="" w="9525">
                 <a:solidFill>
                   <a:srgbClr val="000000"/>
                 </a:solidFill>
@@ -27563,7 +33737,7 @@
           <a:p>
             <a:fld id="{E133CC28-1BF0-4371-9E36-1469D628F18D}" type="datetimeFigureOut">
               <a:rPr lang="en-US" smtClean="0"/>
-              <a:t>10/16/2022</a:t>
+              <a:t>6/18/2023</a:t>
             </a:fld>
             <a:endParaRPr lang="en-US"/>
           </a:p>
@@ -27906,7 +34080,7 @@
           <a:p>
             <a:fld id="{E133CC28-1BF0-4371-9E36-1469D628F18D}" type="datetimeFigureOut">
               <a:rPr lang="en-US" smtClean="0"/>
-              <a:t>10/16/2022</a:t>
+              <a:t>6/18/2023</a:t>
             </a:fld>
             <a:endParaRPr lang="en-US"/>
           </a:p>
@@ -28061,7 +34235,7 @@
           <a:ln/>
           <a:extLst>
             <a:ext uri="{91240B29-F687-4f45-9708-019B960494DF}">
-              <a14:hiddenLine xmlns="" xmlns:a14="http://schemas.microsoft.com/office/drawing/2010/main" w="9525">
+              <a14:hiddenLine xmlns:a14="http://schemas.microsoft.com/office/drawing/2010/main" xmlns="" w="9525">
                 <a:solidFill>
                   <a:srgbClr val="000000"/>
                 </a:solidFill>
@@ -28245,7 +34419,7 @@
           <a:p>
             <a:fld id="{E133CC28-1BF0-4371-9E36-1469D628F18D}" type="datetimeFigureOut">
               <a:rPr lang="en-US" smtClean="0"/>
-              <a:t>10/16/2022</a:t>
+              <a:t>6/18/2023</a:t>
             </a:fld>
             <a:endParaRPr lang="en-US"/>
           </a:p>
@@ -28400,7 +34574,7 @@
           <a:ln/>
           <a:extLst>
             <a:ext uri="{91240B29-F687-4f45-9708-019B960494DF}">
-              <a14:hiddenLine xmlns="" xmlns:a14="http://schemas.microsoft.com/office/drawing/2010/main" w="9525">
+              <a14:hiddenLine xmlns:a14="http://schemas.microsoft.com/office/drawing/2010/main" xmlns="" w="9525">
                 <a:solidFill>
                   <a:srgbClr val="000000"/>
                 </a:solidFill>
@@ -28722,7 +34896,7 @@
           <a:p>
             <a:fld id="{E133CC28-1BF0-4371-9E36-1469D628F18D}" type="datetimeFigureOut">
               <a:rPr lang="en-US" smtClean="0"/>
-              <a:t>10/16/2022</a:t>
+              <a:t>6/18/2023</a:t>
             </a:fld>
             <a:endParaRPr lang="en-US"/>
           </a:p>
@@ -28877,7 +35051,7 @@
           <a:ln/>
           <a:extLst>
             <a:ext uri="{91240B29-F687-4f45-9708-019B960494DF}">
-              <a14:hiddenLine xmlns="" xmlns:a14="http://schemas.microsoft.com/office/drawing/2010/main" w="9525">
+              <a14:hiddenLine xmlns:a14="http://schemas.microsoft.com/office/drawing/2010/main" xmlns="" w="9525">
                 <a:solidFill>
                   <a:srgbClr val="000000"/>
                 </a:solidFill>
@@ -28943,7 +35117,7 @@
           <a:p>
             <a:fld id="{E133CC28-1BF0-4371-9E36-1469D628F18D}" type="datetimeFigureOut">
               <a:rPr lang="en-US" smtClean="0"/>
-              <a:t>10/16/2022</a:t>
+              <a:t>6/18/2023</a:t>
             </a:fld>
             <a:endParaRPr lang="en-US"/>
           </a:p>
@@ -29038,7 +35212,7 @@
           <a:p>
             <a:fld id="{E133CC28-1BF0-4371-9E36-1469D628F18D}" type="datetimeFigureOut">
               <a:rPr lang="en-US" smtClean="0"/>
-              <a:t>10/16/2022</a:t>
+              <a:t>6/18/2023</a:t>
             </a:fld>
             <a:endParaRPr lang="en-US"/>
           </a:p>
@@ -29306,7 +35480,7 @@
           <a:ln/>
           <a:extLst>
             <a:ext uri="{91240B29-F687-4f45-9708-019B960494DF}">
-              <a14:hiddenLine xmlns="" xmlns:a14="http://schemas.microsoft.com/office/drawing/2010/main" w="9525">
+              <a14:hiddenLine xmlns:a14="http://schemas.microsoft.com/office/drawing/2010/main" xmlns="" w="9525">
                 <a:solidFill>
                   <a:srgbClr val="000000"/>
                 </a:solidFill>
@@ -29505,7 +35679,7 @@
           <a:p>
             <a:fld id="{E133CC28-1BF0-4371-9E36-1469D628F18D}" type="datetimeFigureOut">
               <a:rPr lang="en-US" smtClean="0"/>
-              <a:t>10/16/2022</a:t>
+              <a:t>6/18/2023</a:t>
             </a:fld>
             <a:endParaRPr lang="en-US"/>
           </a:p>
@@ -29818,7 +35992,7 @@
           <a:p>
             <a:fld id="{E133CC28-1BF0-4371-9E36-1469D628F18D}" type="datetimeFigureOut">
               <a:rPr lang="en-US" smtClean="0"/>
-              <a:t>10/16/2022</a:t>
+              <a:t>6/18/2023</a:t>
             </a:fld>
             <a:endParaRPr lang="en-US"/>
           </a:p>
@@ -30088,7 +36262,7 @@
           <a:p>
             <a:fld id="{E133CC28-1BF0-4371-9E36-1469D628F18D}" type="datetimeFigureOut">
               <a:rPr lang="en-US" smtClean="0"/>
-              <a:t>10/16/2022</a:t>
+              <a:t>6/18/2023</a:t>
             </a:fld>
             <a:endParaRPr lang="en-US"/>
           </a:p>
@@ -30913,12 +37087,11 @@
               </a:spcAft>
             </a:pPr>
             <a:r>
-              <a:rPr lang="en-US" sz="1800" b="0" i="0" u="none" strike="noStrike" dirty="0" err="1">
-                <a:effectLst/>
+              <a:rPr lang="ro-RO" dirty="0">
                 <a:latin typeface="Times New Roman" panose="02020603050405020304" pitchFamily="18" charset="0"/>
                 <a:cs typeface="Times New Roman" panose="02020603050405020304" pitchFamily="18" charset="0"/>
               </a:rPr>
-              <a:t>s.l.</a:t>
+              <a:t>Prof.</a:t>
             </a:r>
             <a:r>
               <a:rPr lang="en-US" sz="1800" b="0" i="0" u="none" strike="noStrike" dirty="0">
@@ -31099,6 +37272,1437 @@
 <file path=ppt/slides/slide10.xml><?xml version="1.0" encoding="utf-8"?>
 <p:sld xmlns:a="http://schemas.openxmlformats.org/drawingml/2006/main" xmlns:r="http://schemas.openxmlformats.org/officeDocument/2006/relationships" xmlns:p="http://schemas.openxmlformats.org/presentationml/2006/main">
   <p:cSld>
+    <p:bg>
+      <p:bgPr>
+        <a:solidFill>
+          <a:schemeClr val="bg1"/>
+        </a:solidFill>
+        <a:effectLst/>
+      </p:bgPr>
+    </p:bg>
+    <p:spTree>
+      <p:nvGrpSpPr>
+        <p:cNvPr id="1" name=""/>
+        <p:cNvGrpSpPr/>
+        <p:nvPr/>
+      </p:nvGrpSpPr>
+      <p:grpSpPr>
+        <a:xfrm>
+          <a:off x="0" y="0"/>
+          <a:ext cx="0" cy="0"/>
+          <a:chOff x="0" y="0"/>
+          <a:chExt cx="0" cy="0"/>
+        </a:xfrm>
+      </p:grpSpPr>
+      <p:sp>
+        <p:nvSpPr>
+          <p:cNvPr id="16" name="Rectangle 15">
+            <a:extLst>
+              <a:ext uri="{FF2B5EF4-FFF2-40B4-BE49-F238E27FC236}">
+                <a16:creationId xmlns:a16="http://schemas.microsoft.com/office/drawing/2014/main" id="{022AEB96-A3F8-4EC3-A246-8DAD9319AC20}"/>
+              </a:ext>
+              <a:ext uri="{C183D7F6-B498-43B3-948B-1728B52AA6E4}">
+                <adec:decorative xmlns:adec="http://schemas.microsoft.com/office/drawing/2017/decorative" val="1"/>
+              </a:ext>
+            </a:extLst>
+          </p:cNvPr>
+          <p:cNvSpPr>
+            <a:spLocks noGrp="1" noRot="1" noChangeAspect="1" noMove="1" noResize="1" noEditPoints="1" noAdjustHandles="1" noChangeArrowheads="1" noChangeShapeType="1" noTextEdit="1"/>
+          </p:cNvSpPr>
+          <p:nvPr>
+            <p:extLst>
+              <p:ext uri="{386F3935-93C4-4BCD-93E2-E3B085C9AB24}">
+                <p16:designElem xmlns:p16="http://schemas.microsoft.com/office/powerpoint/2015/main" val="1"/>
+              </p:ext>
+            </p:extLst>
+          </p:nvPr>
+        </p:nvSpPr>
+        <p:spPr>
+          <a:xfrm>
+            <a:off x="0" y="0"/>
+            <a:ext cx="12188952" cy="6858000"/>
+          </a:xfrm>
+          <a:prstGeom prst="rect">
+            <a:avLst/>
+          </a:prstGeom>
+          <a:solidFill>
+            <a:schemeClr val="bg1"/>
+          </a:solidFill>
+          <a:ln>
+            <a:noFill/>
+          </a:ln>
+        </p:spPr>
+        <p:style>
+          <a:lnRef idx="2">
+            <a:schemeClr val="accent1">
+              <a:shade val="50000"/>
+            </a:schemeClr>
+          </a:lnRef>
+          <a:fillRef idx="1">
+            <a:schemeClr val="accent1"/>
+          </a:fillRef>
+          <a:effectRef idx="0">
+            <a:schemeClr val="accent1"/>
+          </a:effectRef>
+          <a:fontRef idx="minor">
+            <a:schemeClr val="lt1"/>
+          </a:fontRef>
+        </p:style>
+        <p:txBody>
+          <a:bodyPr rtlCol="0" anchor="ctr"/>
+          <a:lstStyle/>
+          <a:p>
+            <a:pPr algn="ctr"/>
+            <a:endParaRPr lang="en-US"/>
+          </a:p>
+        </p:txBody>
+      </p:sp>
+      <p:sp>
+        <p:nvSpPr>
+          <p:cNvPr id="18" name="Freeform 23">
+            <a:extLst>
+              <a:ext uri="{FF2B5EF4-FFF2-40B4-BE49-F238E27FC236}">
+                <a16:creationId xmlns:a16="http://schemas.microsoft.com/office/drawing/2014/main" id="{14002556-A10E-479D-9B30-0C8B7938EF41}"/>
+              </a:ext>
+              <a:ext uri="{C183D7F6-B498-43B3-948B-1728B52AA6E4}">
+                <adec:decorative xmlns:adec="http://schemas.microsoft.com/office/drawing/2017/decorative" val="1"/>
+              </a:ext>
+            </a:extLst>
+          </p:cNvPr>
+          <p:cNvSpPr>
+            <a:spLocks noGrp="1" noRot="1" noChangeAspect="1" noMove="1" noResize="1" noEditPoints="1" noAdjustHandles="1" noChangeArrowheads="1" noChangeShapeType="1" noTextEdit="1"/>
+          </p:cNvSpPr>
+          <p:nvPr>
+            <p:extLst>
+              <p:ext uri="{386F3935-93C4-4BCD-93E2-E3B085C9AB24}">
+                <p16:designElem xmlns:p16="http://schemas.microsoft.com/office/powerpoint/2015/main" val="1"/>
+              </p:ext>
+            </p:extLst>
+          </p:nvPr>
+        </p:nvSpPr>
+        <p:spPr bwMode="white">
+          <a:xfrm>
+            <a:off x="0" y="0"/>
+            <a:ext cx="4637005" cy="6858000"/>
+          </a:xfrm>
+          <a:custGeom>
+            <a:avLst/>
+            <a:gdLst>
+              <a:gd name="connsiteX0" fmla="*/ 0 w 4637005"/>
+              <a:gd name="connsiteY0" fmla="*/ 0 h 6858000"/>
+              <a:gd name="connsiteX1" fmla="*/ 4637005 w 4637005"/>
+              <a:gd name="connsiteY1" fmla="*/ 0 h 6858000"/>
+              <a:gd name="connsiteX2" fmla="*/ 4637005 w 4637005"/>
+              <a:gd name="connsiteY2" fmla="*/ 1900238 h 6858000"/>
+              <a:gd name="connsiteX3" fmla="*/ 4266589 w 4637005"/>
+              <a:gd name="connsiteY3" fmla="*/ 2178050 h 6858000"/>
+              <a:gd name="connsiteX4" fmla="*/ 4262355 w 4637005"/>
+              <a:gd name="connsiteY4" fmla="*/ 2184400 h 6858000"/>
+              <a:gd name="connsiteX5" fmla="*/ 4256005 w 4637005"/>
+              <a:gd name="connsiteY5" fmla="*/ 2193925 h 6858000"/>
+              <a:gd name="connsiteX6" fmla="*/ 4249655 w 4637005"/>
+              <a:gd name="connsiteY6" fmla="*/ 2201863 h 6858000"/>
+              <a:gd name="connsiteX7" fmla="*/ 4249655 w 4637005"/>
+              <a:gd name="connsiteY7" fmla="*/ 2211388 h 6858000"/>
+              <a:gd name="connsiteX8" fmla="*/ 4249655 w 4637005"/>
+              <a:gd name="connsiteY8" fmla="*/ 2220913 h 6858000"/>
+              <a:gd name="connsiteX9" fmla="*/ 4256005 w 4637005"/>
+              <a:gd name="connsiteY9" fmla="*/ 2228850 h 6858000"/>
+              <a:gd name="connsiteX10" fmla="*/ 4262355 w 4637005"/>
+              <a:gd name="connsiteY10" fmla="*/ 2238375 h 6858000"/>
+              <a:gd name="connsiteX11" fmla="*/ 4266589 w 4637005"/>
+              <a:gd name="connsiteY11" fmla="*/ 2244725 h 6858000"/>
+              <a:gd name="connsiteX12" fmla="*/ 4637005 w 4637005"/>
+              <a:gd name="connsiteY12" fmla="*/ 2522538 h 6858000"/>
+              <a:gd name="connsiteX13" fmla="*/ 4637005 w 4637005"/>
+              <a:gd name="connsiteY13" fmla="*/ 6858000 h 6858000"/>
+              <a:gd name="connsiteX14" fmla="*/ 0 w 4637005"/>
+              <a:gd name="connsiteY14" fmla="*/ 6858000 h 6858000"/>
+            </a:gdLst>
+            <a:ahLst/>
+            <a:cxnLst>
+              <a:cxn ang="0">
+                <a:pos x="connsiteX0" y="connsiteY0"/>
+              </a:cxn>
+              <a:cxn ang="0">
+                <a:pos x="connsiteX1" y="connsiteY1"/>
+              </a:cxn>
+              <a:cxn ang="0">
+                <a:pos x="connsiteX2" y="connsiteY2"/>
+              </a:cxn>
+              <a:cxn ang="0">
+                <a:pos x="connsiteX3" y="connsiteY3"/>
+              </a:cxn>
+              <a:cxn ang="0">
+                <a:pos x="connsiteX4" y="connsiteY4"/>
+              </a:cxn>
+              <a:cxn ang="0">
+                <a:pos x="connsiteX5" y="connsiteY5"/>
+              </a:cxn>
+              <a:cxn ang="0">
+                <a:pos x="connsiteX6" y="connsiteY6"/>
+              </a:cxn>
+              <a:cxn ang="0">
+                <a:pos x="connsiteX7" y="connsiteY7"/>
+              </a:cxn>
+              <a:cxn ang="0">
+                <a:pos x="connsiteX8" y="connsiteY8"/>
+              </a:cxn>
+              <a:cxn ang="0">
+                <a:pos x="connsiteX9" y="connsiteY9"/>
+              </a:cxn>
+              <a:cxn ang="0">
+                <a:pos x="connsiteX10" y="connsiteY10"/>
+              </a:cxn>
+              <a:cxn ang="0">
+                <a:pos x="connsiteX11" y="connsiteY11"/>
+              </a:cxn>
+              <a:cxn ang="0">
+                <a:pos x="connsiteX12" y="connsiteY12"/>
+              </a:cxn>
+              <a:cxn ang="0">
+                <a:pos x="connsiteX13" y="connsiteY13"/>
+              </a:cxn>
+              <a:cxn ang="0">
+                <a:pos x="connsiteX14" y="connsiteY14"/>
+              </a:cxn>
+            </a:cxnLst>
+            <a:rect l="l" t="t" r="r" b="b"/>
+            <a:pathLst>
+              <a:path w="4637005" h="6858000">
+                <a:moveTo>
+                  <a:pt x="0" y="0"/>
+                </a:moveTo>
+                <a:lnTo>
+                  <a:pt x="4637005" y="0"/>
+                </a:lnTo>
+                <a:lnTo>
+                  <a:pt x="4637005" y="1900238"/>
+                </a:lnTo>
+                <a:lnTo>
+                  <a:pt x="4266589" y="2178050"/>
+                </a:lnTo>
+                <a:lnTo>
+                  <a:pt x="4262355" y="2184400"/>
+                </a:lnTo>
+                <a:lnTo>
+                  <a:pt x="4256005" y="2193925"/>
+                </a:lnTo>
+                <a:lnTo>
+                  <a:pt x="4249655" y="2201863"/>
+                </a:lnTo>
+                <a:lnTo>
+                  <a:pt x="4249655" y="2211388"/>
+                </a:lnTo>
+                <a:lnTo>
+                  <a:pt x="4249655" y="2220913"/>
+                </a:lnTo>
+                <a:lnTo>
+                  <a:pt x="4256005" y="2228850"/>
+                </a:lnTo>
+                <a:lnTo>
+                  <a:pt x="4262355" y="2238375"/>
+                </a:lnTo>
+                <a:lnTo>
+                  <a:pt x="4266589" y="2244725"/>
+                </a:lnTo>
+                <a:lnTo>
+                  <a:pt x="4637005" y="2522538"/>
+                </a:lnTo>
+                <a:lnTo>
+                  <a:pt x="4637005" y="6858000"/>
+                </a:lnTo>
+                <a:lnTo>
+                  <a:pt x="0" y="6858000"/>
+                </a:lnTo>
+                <a:close/>
+              </a:path>
+            </a:pathLst>
+          </a:custGeom>
+          <a:solidFill>
+            <a:srgbClr val="262626"/>
+          </a:solidFill>
+          <a:ln>
+            <a:noFill/>
+          </a:ln>
+        </p:spPr>
+        <p:style>
+          <a:lnRef idx="2">
+            <a:schemeClr val="accent1">
+              <a:shade val="50000"/>
+            </a:schemeClr>
+          </a:lnRef>
+          <a:fillRef idx="1">
+            <a:schemeClr val="accent1"/>
+          </a:fillRef>
+          <a:effectRef idx="0">
+            <a:schemeClr val="accent1"/>
+          </a:effectRef>
+          <a:fontRef idx="minor">
+            <a:schemeClr val="lt1"/>
+          </a:fontRef>
+        </p:style>
+        <p:txBody>
+          <a:bodyPr wrap="square" rtlCol="0" anchor="ctr">
+            <a:noAutofit/>
+          </a:bodyPr>
+          <a:lstStyle/>
+          <a:p>
+            <a:pPr algn="ctr"/>
+            <a:endParaRPr lang="en-US"/>
+          </a:p>
+        </p:txBody>
+      </p:sp>
+      <p:sp>
+        <p:nvSpPr>
+          <p:cNvPr id="2" name="Titlu 1">
+            <a:extLst>
+              <a:ext uri="{FF2B5EF4-FFF2-40B4-BE49-F238E27FC236}">
+                <a16:creationId xmlns:a16="http://schemas.microsoft.com/office/drawing/2014/main" id="{0D93E523-8871-3263-846A-CC503B3C42C0}"/>
+              </a:ext>
+            </a:extLst>
+          </p:cNvPr>
+          <p:cNvSpPr>
+            <a:spLocks noGrp="1"/>
+          </p:cNvSpPr>
+          <p:nvPr>
+            <p:ph type="title"/>
+          </p:nvPr>
+        </p:nvSpPr>
+        <p:spPr>
+          <a:xfrm>
+            <a:off x="451515" y="447188"/>
+            <a:ext cx="3675318" cy="5468700"/>
+          </a:xfrm>
+        </p:spPr>
+        <p:txBody>
+          <a:bodyPr vert="horz" lIns="91440" tIns="45720" rIns="91440" bIns="45720" rtlCol="0" anchor="ctr">
+            <a:normAutofit/>
+          </a:bodyPr>
+          <a:lstStyle/>
+          <a:p>
+            <a:r>
+              <a:rPr lang="en-US" sz="3000" dirty="0">
+                <a:latin typeface="Times New Roman" panose="02020603050405020304" pitchFamily="18" charset="0"/>
+                <a:cs typeface="Times New Roman" panose="02020603050405020304" pitchFamily="18" charset="0"/>
+              </a:rPr>
+              <a:t>Best recommendation? Hmm... </a:t>
+            </a:r>
+          </a:p>
+        </p:txBody>
+      </p:sp>
+      <p:grpSp>
+        <p:nvGrpSpPr>
+          <p:cNvPr id="11" name="Grupare 10">
+            <a:extLst>
+              <a:ext uri="{FF2B5EF4-FFF2-40B4-BE49-F238E27FC236}">
+                <a16:creationId xmlns:a16="http://schemas.microsoft.com/office/drawing/2014/main" id="{2023BEEA-5677-0BFE-5B07-446579848350}"/>
+              </a:ext>
+            </a:extLst>
+          </p:cNvPr>
+          <p:cNvGrpSpPr/>
+          <p:nvPr/>
+        </p:nvGrpSpPr>
+        <p:grpSpPr>
+          <a:xfrm>
+            <a:off x="7776320" y="3448970"/>
+            <a:ext cx="4922804" cy="3277801"/>
+            <a:chOff x="6774555" y="2284900"/>
+            <a:chExt cx="6153150" cy="3382165"/>
+          </a:xfrm>
+        </p:grpSpPr>
+        <p:pic>
+          <p:nvPicPr>
+            <p:cNvPr id="7" name="Imagine 6" descr="O imagine care conține jucărie, statuie, artă, miniatură&#10;&#10;Descriere generată automat">
+              <a:extLst>
+                <a:ext uri="{FF2B5EF4-FFF2-40B4-BE49-F238E27FC236}">
+                  <a16:creationId xmlns:a16="http://schemas.microsoft.com/office/drawing/2014/main" id="{C0A19A27-DC36-7B41-0016-BBC083678A02}"/>
+                </a:ext>
+              </a:extLst>
+            </p:cNvPr>
+            <p:cNvPicPr>
+              <a:picLocks noChangeAspect="1"/>
+            </p:cNvPicPr>
+            <p:nvPr/>
+          </p:nvPicPr>
+          <p:blipFill>
+            <a:blip r:embed="rId2"/>
+            <a:stretch>
+              <a:fillRect/>
+            </a:stretch>
+          </p:blipFill>
+          <p:spPr>
+            <a:xfrm>
+              <a:off x="6882684" y="2284900"/>
+              <a:ext cx="4713130" cy="2914650"/>
+            </a:xfrm>
+            <a:prstGeom prst="rect">
+              <a:avLst/>
+            </a:prstGeom>
+          </p:spPr>
+        </p:pic>
+        <p:sp>
+          <p:nvSpPr>
+            <p:cNvPr id="9" name="CasetăText 8">
+              <a:extLst>
+                <a:ext uri="{FF2B5EF4-FFF2-40B4-BE49-F238E27FC236}">
+                  <a16:creationId xmlns:a16="http://schemas.microsoft.com/office/drawing/2014/main" id="{1BD280E8-36F0-564B-F8C6-4225B0893CFC}"/>
+                </a:ext>
+              </a:extLst>
+            </p:cNvPr>
+            <p:cNvSpPr txBox="1"/>
+            <p:nvPr/>
+          </p:nvSpPr>
+          <p:spPr>
+            <a:xfrm>
+              <a:off x="6774555" y="5345348"/>
+              <a:ext cx="6153150" cy="321717"/>
+            </a:xfrm>
+            <a:prstGeom prst="rect">
+              <a:avLst/>
+            </a:prstGeom>
+            <a:noFill/>
+          </p:spPr>
+          <p:txBody>
+            <a:bodyPr wrap="square">
+              <a:spAutoFit/>
+            </a:bodyPr>
+            <a:lstStyle/>
+            <a:p>
+              <a:pPr defTabSz="246888">
+                <a:spcAft>
+                  <a:spcPts val="600"/>
+                </a:spcAft>
+              </a:pPr>
+              <a:r>
+                <a:rPr lang="en-US" sz="1400" kern="1200" dirty="0">
+                  <a:solidFill>
+                    <a:schemeClr val="tx1"/>
+                  </a:solidFill>
+                  <a:latin typeface="Times New Roman" panose="02020603050405020304" pitchFamily="18" charset="0"/>
+                  <a:ea typeface="+mn-ea"/>
+                  <a:cs typeface="Times New Roman" panose="02020603050405020304" pitchFamily="18" charset="0"/>
+                </a:rPr>
+                <a:t>Figure 9. Chose what suits best [image taken from [7]]</a:t>
+              </a:r>
+              <a:endParaRPr lang="en-US" sz="3600" dirty="0">
+                <a:latin typeface="Times New Roman" panose="02020603050405020304" pitchFamily="18" charset="0"/>
+                <a:cs typeface="Times New Roman" panose="02020603050405020304" pitchFamily="18" charset="0"/>
+              </a:endParaRPr>
+            </a:p>
+          </p:txBody>
+        </p:sp>
+      </p:grpSp>
+      <p:sp>
+        <p:nvSpPr>
+          <p:cNvPr id="24" name="Substituent conținut 2">
+            <a:extLst>
+              <a:ext uri="{FF2B5EF4-FFF2-40B4-BE49-F238E27FC236}">
+                <a16:creationId xmlns:a16="http://schemas.microsoft.com/office/drawing/2014/main" id="{D8EE7ECA-DFD4-55F0-E8D5-EFF0E8E2B4E9}"/>
+              </a:ext>
+            </a:extLst>
+          </p:cNvPr>
+          <p:cNvSpPr txBox="1">
+            <a:spLocks/>
+          </p:cNvSpPr>
+          <p:nvPr/>
+        </p:nvSpPr>
+        <p:spPr>
+          <a:xfrm>
+            <a:off x="4832413" y="4954763"/>
+            <a:ext cx="2524126" cy="1375530"/>
+          </a:xfrm>
+          <a:prstGeom prst="rect">
+            <a:avLst/>
+          </a:prstGeom>
+          <a:effectLst>
+            <a:outerShdw blurRad="50800" dir="14400000">
+              <a:srgbClr val="000000">
+                <a:alpha val="40000"/>
+              </a:srgbClr>
+            </a:outerShdw>
+          </a:effectLst>
+        </p:spPr>
+        <p:txBody>
+          <a:bodyPr vert="horz" lIns="91440" tIns="45720" rIns="91440" bIns="45720" rtlCol="0" anchor="ctr">
+            <a:normAutofit/>
+          </a:bodyPr>
+          <a:lstStyle>
+            <a:lvl1pPr marL="342900" indent="-342900" algn="l" defTabSz="457200" rtl="0" eaLnBrk="1" latinLnBrk="0" hangingPunct="1">
+              <a:spcBef>
+                <a:spcPct val="20000"/>
+              </a:spcBef>
+              <a:spcAft>
+                <a:spcPts val="600"/>
+              </a:spcAft>
+              <a:buClr>
+                <a:schemeClr val="accent1"/>
+              </a:buClr>
+              <a:buFont typeface="Wingdings 2" charset="2"/>
+              <a:buChar char=""/>
+              <a:defRPr sz="1800" kern="1200">
+                <a:solidFill>
+                  <a:schemeClr val="tx1"/>
+                </a:solidFill>
+                <a:latin typeface="+mn-lt"/>
+                <a:ea typeface="+mn-ea"/>
+                <a:cs typeface="+mn-cs"/>
+              </a:defRPr>
+            </a:lvl1pPr>
+            <a:lvl2pPr marL="742950" indent="-285750" algn="l" defTabSz="457200" rtl="0" eaLnBrk="1" latinLnBrk="0" hangingPunct="1">
+              <a:spcBef>
+                <a:spcPct val="20000"/>
+              </a:spcBef>
+              <a:spcAft>
+                <a:spcPts val="600"/>
+              </a:spcAft>
+              <a:buClr>
+                <a:schemeClr val="accent1"/>
+              </a:buClr>
+              <a:buFont typeface="Wingdings 2" charset="2"/>
+              <a:buChar char=""/>
+              <a:defRPr sz="1600" kern="1200">
+                <a:solidFill>
+                  <a:schemeClr val="tx1"/>
+                </a:solidFill>
+                <a:latin typeface="+mn-lt"/>
+                <a:ea typeface="+mn-ea"/>
+                <a:cs typeface="+mn-cs"/>
+              </a:defRPr>
+            </a:lvl2pPr>
+            <a:lvl3pPr marL="1143000" indent="-228600" algn="l" defTabSz="457200" rtl="0" eaLnBrk="1" latinLnBrk="0" hangingPunct="1">
+              <a:spcBef>
+                <a:spcPct val="20000"/>
+              </a:spcBef>
+              <a:spcAft>
+                <a:spcPts val="600"/>
+              </a:spcAft>
+              <a:buClr>
+                <a:schemeClr val="accent1"/>
+              </a:buClr>
+              <a:buFont typeface="Wingdings 2" charset="2"/>
+              <a:buChar char=""/>
+              <a:defRPr sz="1400" kern="1200">
+                <a:solidFill>
+                  <a:schemeClr val="tx1"/>
+                </a:solidFill>
+                <a:latin typeface="+mn-lt"/>
+                <a:ea typeface="+mn-ea"/>
+                <a:cs typeface="+mn-cs"/>
+              </a:defRPr>
+            </a:lvl3pPr>
+            <a:lvl4pPr marL="1600200" indent="-228600" algn="l" defTabSz="457200" rtl="0" eaLnBrk="1" latinLnBrk="0" hangingPunct="1">
+              <a:spcBef>
+                <a:spcPct val="20000"/>
+              </a:spcBef>
+              <a:spcAft>
+                <a:spcPts val="600"/>
+              </a:spcAft>
+              <a:buClr>
+                <a:schemeClr val="accent1"/>
+              </a:buClr>
+              <a:buFont typeface="Wingdings 2" charset="2"/>
+              <a:buChar char=""/>
+              <a:defRPr sz="1200" kern="1200">
+                <a:solidFill>
+                  <a:schemeClr val="tx1"/>
+                </a:solidFill>
+                <a:latin typeface="+mn-lt"/>
+                <a:ea typeface="+mn-ea"/>
+                <a:cs typeface="+mn-cs"/>
+              </a:defRPr>
+            </a:lvl4pPr>
+            <a:lvl5pPr marL="2057400" indent="-228600" algn="l" defTabSz="457200" rtl="0" eaLnBrk="1" latinLnBrk="0" hangingPunct="1">
+              <a:spcBef>
+                <a:spcPct val="20000"/>
+              </a:spcBef>
+              <a:spcAft>
+                <a:spcPts val="600"/>
+              </a:spcAft>
+              <a:buClr>
+                <a:schemeClr val="accent1"/>
+              </a:buClr>
+              <a:buFont typeface="Wingdings 2" charset="2"/>
+              <a:buChar char=""/>
+              <a:defRPr sz="1200" kern="1200">
+                <a:solidFill>
+                  <a:schemeClr val="tx1"/>
+                </a:solidFill>
+                <a:latin typeface="+mn-lt"/>
+                <a:ea typeface="+mn-ea"/>
+                <a:cs typeface="+mn-cs"/>
+              </a:defRPr>
+            </a:lvl5pPr>
+            <a:lvl6pPr marL="2400000" indent="-228600" algn="l" defTabSz="457200" rtl="0" eaLnBrk="1" latinLnBrk="0" hangingPunct="1">
+              <a:spcBef>
+                <a:spcPct val="20000"/>
+              </a:spcBef>
+              <a:spcAft>
+                <a:spcPts val="600"/>
+              </a:spcAft>
+              <a:buClr>
+                <a:schemeClr val="accent1"/>
+              </a:buClr>
+              <a:buFont typeface="Wingdings 2" charset="2"/>
+              <a:buChar char=""/>
+              <a:defRPr sz="1200" kern="1200">
+                <a:solidFill>
+                  <a:schemeClr val="tx1"/>
+                </a:solidFill>
+                <a:latin typeface="+mn-lt"/>
+                <a:ea typeface="+mn-ea"/>
+                <a:cs typeface="+mn-cs"/>
+              </a:defRPr>
+            </a:lvl6pPr>
+            <a:lvl7pPr marL="2800000" indent="-228600" algn="l" defTabSz="457200" rtl="0" eaLnBrk="1" latinLnBrk="0" hangingPunct="1">
+              <a:spcBef>
+                <a:spcPct val="20000"/>
+              </a:spcBef>
+              <a:spcAft>
+                <a:spcPts val="600"/>
+              </a:spcAft>
+              <a:buClr>
+                <a:schemeClr val="accent1"/>
+              </a:buClr>
+              <a:buFont typeface="Wingdings 2" charset="2"/>
+              <a:buChar char=""/>
+              <a:defRPr sz="1200" kern="1200">
+                <a:solidFill>
+                  <a:schemeClr val="tx1"/>
+                </a:solidFill>
+                <a:latin typeface="+mn-lt"/>
+                <a:ea typeface="+mn-ea"/>
+                <a:cs typeface="+mn-cs"/>
+              </a:defRPr>
+            </a:lvl7pPr>
+            <a:lvl8pPr marL="3200000" indent="-228600" algn="l" defTabSz="457200" rtl="0" eaLnBrk="1" latinLnBrk="0" hangingPunct="1">
+              <a:spcBef>
+                <a:spcPct val="20000"/>
+              </a:spcBef>
+              <a:spcAft>
+                <a:spcPts val="600"/>
+              </a:spcAft>
+              <a:buClr>
+                <a:schemeClr val="accent1"/>
+              </a:buClr>
+              <a:buFont typeface="Wingdings 2" charset="2"/>
+              <a:buChar char=""/>
+              <a:defRPr sz="1200" kern="1200">
+                <a:solidFill>
+                  <a:schemeClr val="tx1"/>
+                </a:solidFill>
+                <a:latin typeface="+mn-lt"/>
+                <a:ea typeface="+mn-ea"/>
+                <a:cs typeface="+mn-cs"/>
+              </a:defRPr>
+            </a:lvl8pPr>
+            <a:lvl9pPr marL="3600000" indent="-228600" algn="l" defTabSz="457200" rtl="0" eaLnBrk="1" latinLnBrk="0" hangingPunct="1">
+              <a:spcBef>
+                <a:spcPct val="20000"/>
+              </a:spcBef>
+              <a:spcAft>
+                <a:spcPts val="600"/>
+              </a:spcAft>
+              <a:buClr>
+                <a:schemeClr val="accent1"/>
+              </a:buClr>
+              <a:buFont typeface="Wingdings 2" charset="2"/>
+              <a:buChar char=""/>
+              <a:defRPr sz="1200" kern="1200">
+                <a:solidFill>
+                  <a:schemeClr val="tx1"/>
+                </a:solidFill>
+                <a:latin typeface="+mn-lt"/>
+                <a:ea typeface="+mn-ea"/>
+                <a:cs typeface="+mn-cs"/>
+              </a:defRPr>
+            </a:lvl9pPr>
+          </a:lstStyle>
+          <a:p>
+            <a:pPr marL="0" indent="0">
+              <a:buFont typeface="Wingdings 2" charset="2"/>
+              <a:buNone/>
+            </a:pPr>
+            <a:r>
+              <a:rPr lang="en-US" sz="1400" dirty="0">
+                <a:latin typeface="Times New Roman" panose="02020603050405020304" pitchFamily="18" charset="0"/>
+                <a:cs typeface="Times New Roman" panose="02020603050405020304" pitchFamily="18" charset="0"/>
+              </a:rPr>
+              <a:t>Figure 8. What is the way to go? [image taken from [6]]</a:t>
+            </a:r>
+          </a:p>
+        </p:txBody>
+      </p:sp>
+      <p:pic>
+        <p:nvPicPr>
+          <p:cNvPr id="25" name="Imagine 24" descr="O imagine care conține cuier, proiectare&#10;&#10;Descriere generată automat">
+            <a:extLst>
+              <a:ext uri="{FF2B5EF4-FFF2-40B4-BE49-F238E27FC236}">
+                <a16:creationId xmlns:a16="http://schemas.microsoft.com/office/drawing/2014/main" id="{F4B48600-5D80-26F7-8D60-AC2317F1F464}"/>
+              </a:ext>
+            </a:extLst>
+          </p:cNvPr>
+          <p:cNvPicPr>
+            <a:picLocks noChangeAspect="1"/>
+          </p:cNvPicPr>
+          <p:nvPr/>
+        </p:nvPicPr>
+        <p:blipFill>
+          <a:blip r:embed="rId3"/>
+          <a:stretch>
+            <a:fillRect/>
+          </a:stretch>
+        </p:blipFill>
+        <p:spPr>
+          <a:xfrm>
+            <a:off x="4990365" y="3181538"/>
+            <a:ext cx="2524126" cy="1959659"/>
+          </a:xfrm>
+          <a:prstGeom prst="rect">
+            <a:avLst/>
+          </a:prstGeom>
+        </p:spPr>
+      </p:pic>
+      <p:graphicFrame>
+        <p:nvGraphicFramePr>
+          <p:cNvPr id="29" name="CasetăText 9">
+            <a:extLst>
+              <a:ext uri="{FF2B5EF4-FFF2-40B4-BE49-F238E27FC236}">
+                <a16:creationId xmlns:a16="http://schemas.microsoft.com/office/drawing/2014/main" id="{E710E8E9-0B79-2240-66B7-90FF85EA2EEF}"/>
+              </a:ext>
+            </a:extLst>
+          </p:cNvPr>
+          <p:cNvGraphicFramePr/>
+          <p:nvPr>
+            <p:extLst>
+              <p:ext uri="{D42A27DB-BD31-4B8C-83A1-F6EECF244321}">
+                <p14:modId xmlns:p14="http://schemas.microsoft.com/office/powerpoint/2010/main" val="2126692245"/>
+              </p:ext>
+            </p:extLst>
+          </p:nvPr>
+        </p:nvGraphicFramePr>
+        <p:xfrm>
+          <a:off x="4637005" y="447188"/>
+          <a:ext cx="7551947" cy="3395469"/>
+        </p:xfrm>
+        <a:graphic>
+          <a:graphicData uri="http://schemas.openxmlformats.org/drawingml/2006/diagram">
+            <dgm:relIds xmlns:dgm="http://schemas.openxmlformats.org/drawingml/2006/diagram" xmlns:r="http://schemas.openxmlformats.org/officeDocument/2006/relationships" r:dm="rId4" r:lo="rId5" r:qs="rId6" r:cs="rId7"/>
+          </a:graphicData>
+        </a:graphic>
+      </p:graphicFrame>
+    </p:spTree>
+    <p:extLst>
+      <p:ext uri="{BB962C8B-B14F-4D97-AF65-F5344CB8AC3E}">
+        <p14:creationId xmlns:p14="http://schemas.microsoft.com/office/powerpoint/2010/main" val="130728150"/>
+      </p:ext>
+    </p:extLst>
+  </p:cSld>
+  <p:clrMapOvr>
+    <a:overrideClrMapping bg1="lt1" tx1="dk1" bg2="lt2" tx2="dk2" accent1="accent1" accent2="accent2" accent3="accent3" accent4="accent4" accent5="accent5" accent6="accent6" hlink="hlink" folHlink="folHlink"/>
+  </p:clrMapOvr>
+</p:sld>
+</file>
+
+<file path=ppt/slides/slide11.xml><?xml version="1.0" encoding="utf-8"?>
+<p:sld xmlns:a="http://schemas.openxmlformats.org/drawingml/2006/main" xmlns:r="http://schemas.openxmlformats.org/officeDocument/2006/relationships" xmlns:p="http://schemas.openxmlformats.org/presentationml/2006/main">
+  <p:cSld>
+    <p:bg>
+      <p:bgPr>
+        <a:solidFill>
+          <a:schemeClr val="bg2"/>
+        </a:solidFill>
+        <a:effectLst/>
+      </p:bgPr>
+    </p:bg>
+    <p:spTree>
+      <p:nvGrpSpPr>
+        <p:cNvPr id="1" name=""/>
+        <p:cNvGrpSpPr/>
+        <p:nvPr/>
+      </p:nvGrpSpPr>
+      <p:grpSpPr>
+        <a:xfrm>
+          <a:off x="0" y="0"/>
+          <a:ext cx="0" cy="0"/>
+          <a:chOff x="0" y="0"/>
+          <a:chExt cx="0" cy="0"/>
+        </a:xfrm>
+      </p:grpSpPr>
+      <p:sp>
+        <p:nvSpPr>
+          <p:cNvPr id="2" name="Titlu 1">
+            <a:extLst>
+              <a:ext uri="{FF2B5EF4-FFF2-40B4-BE49-F238E27FC236}">
+                <a16:creationId xmlns:a16="http://schemas.microsoft.com/office/drawing/2014/main" id="{78EBFDEC-FD6D-8029-FE43-89913F29EBA8}"/>
+              </a:ext>
+            </a:extLst>
+          </p:cNvPr>
+          <p:cNvSpPr>
+            <a:spLocks noGrp="1"/>
+          </p:cNvSpPr>
+          <p:nvPr>
+            <p:ph type="title"/>
+          </p:nvPr>
+        </p:nvSpPr>
+        <p:spPr>
+          <a:xfrm>
+            <a:off x="810000" y="447188"/>
+            <a:ext cx="10571998" cy="970450"/>
+          </a:xfrm>
+        </p:spPr>
+        <p:txBody>
+          <a:bodyPr vert="horz" lIns="91440" tIns="45720" rIns="91440" bIns="45720" rtlCol="0" anchor="b">
+            <a:normAutofit/>
+          </a:bodyPr>
+          <a:lstStyle/>
+          <a:p>
+            <a:r>
+              <a:rPr lang="en-US" dirty="0">
+                <a:latin typeface="Times New Roman" panose="02020603050405020304" pitchFamily="18" charset="0"/>
+                <a:cs typeface="Times New Roman" panose="02020603050405020304" pitchFamily="18" charset="0"/>
+              </a:rPr>
+              <a:t>The agent – the expert</a:t>
+            </a:r>
+          </a:p>
+        </p:txBody>
+      </p:sp>
+      <p:sp>
+        <p:nvSpPr>
+          <p:cNvPr id="9" name="CasetăText 8">
+            <a:extLst>
+              <a:ext uri="{FF2B5EF4-FFF2-40B4-BE49-F238E27FC236}">
+                <a16:creationId xmlns:a16="http://schemas.microsoft.com/office/drawing/2014/main" id="{45DC9419-D191-ABDD-80F9-8FD3B2B30494}"/>
+              </a:ext>
+            </a:extLst>
+          </p:cNvPr>
+          <p:cNvSpPr txBox="1"/>
+          <p:nvPr/>
+        </p:nvSpPr>
+        <p:spPr>
+          <a:xfrm>
+            <a:off x="818713" y="2413000"/>
+            <a:ext cx="3835583" cy="3632200"/>
+          </a:xfrm>
+          <a:prstGeom prst="rect">
+            <a:avLst/>
+          </a:prstGeom>
+        </p:spPr>
+        <p:txBody>
+          <a:bodyPr vert="horz" lIns="91440" tIns="45720" rIns="91440" bIns="45720" rtlCol="0" anchor="ctr">
+            <a:normAutofit/>
+          </a:bodyPr>
+          <a:lstStyle/>
+          <a:p>
+            <a:pPr marL="285750" indent="-285750">
+              <a:spcBef>
+                <a:spcPct val="20000"/>
+              </a:spcBef>
+              <a:spcAft>
+                <a:spcPts val="600"/>
+              </a:spcAft>
+              <a:buClr>
+                <a:schemeClr val="accent1"/>
+              </a:buClr>
+              <a:buFont typeface="Wingdings 2" charset="2"/>
+              <a:buChar char=""/>
+            </a:pPr>
+            <a:r>
+              <a:rPr lang="en-US" sz="1600" dirty="0">
+                <a:latin typeface="Times New Roman" panose="02020603050405020304" pitchFamily="18" charset="0"/>
+                <a:cs typeface="Times New Roman" panose="02020603050405020304" pitchFamily="18" charset="0"/>
+              </a:rPr>
+              <a:t>Agents choose a task according to their degree of expertness</a:t>
+            </a:r>
+          </a:p>
+          <a:p>
+            <a:pPr marL="285750" indent="-285750">
+              <a:spcBef>
+                <a:spcPct val="20000"/>
+              </a:spcBef>
+              <a:spcAft>
+                <a:spcPts val="600"/>
+              </a:spcAft>
+              <a:buClr>
+                <a:schemeClr val="accent1"/>
+              </a:buClr>
+              <a:buFont typeface="Wingdings 2" charset="2"/>
+              <a:buChar char=""/>
+            </a:pPr>
+            <a:r>
+              <a:rPr lang="en-US" sz="1600" dirty="0">
+                <a:latin typeface="Times New Roman" panose="02020603050405020304" pitchFamily="18" charset="0"/>
+                <a:cs typeface="Times New Roman" panose="02020603050405020304" pitchFamily="18" charset="0"/>
+              </a:rPr>
+              <a:t>The more tasks solved, the happier the customer, the more expert the agent.</a:t>
+            </a:r>
+          </a:p>
+          <a:p>
+            <a:pPr marL="285750" indent="-285750">
+              <a:spcBef>
+                <a:spcPct val="20000"/>
+              </a:spcBef>
+              <a:spcAft>
+                <a:spcPts val="600"/>
+              </a:spcAft>
+              <a:buClr>
+                <a:schemeClr val="accent1"/>
+              </a:buClr>
+              <a:buFont typeface="Wingdings 2" charset="2"/>
+              <a:buChar char=""/>
+            </a:pPr>
+            <a:r>
+              <a:rPr lang="en-US" sz="1600" dirty="0">
+                <a:latin typeface="Times New Roman" panose="02020603050405020304" pitchFamily="18" charset="0"/>
+                <a:cs typeface="Times New Roman" panose="02020603050405020304" pitchFamily="18" charset="0"/>
+              </a:rPr>
+              <a:t>If an agent helps another agent and the customer is satisfied, the agent increases trust in that agent.</a:t>
+            </a:r>
+          </a:p>
+        </p:txBody>
+      </p:sp>
+      <p:pic>
+        <p:nvPicPr>
+          <p:cNvPr id="7" name="Imagine 6" descr="O imagine care conține text, captură de ecran, proiectare&#10;&#10;Descriere generată automat">
+            <a:extLst>
+              <a:ext uri="{FF2B5EF4-FFF2-40B4-BE49-F238E27FC236}">
+                <a16:creationId xmlns:a16="http://schemas.microsoft.com/office/drawing/2014/main" id="{D1D3085B-C1F0-0015-5602-E75A2244D0E9}"/>
+              </a:ext>
+            </a:extLst>
+          </p:cNvPr>
+          <p:cNvPicPr>
+            <a:picLocks noChangeAspect="1"/>
+          </p:cNvPicPr>
+          <p:nvPr/>
+        </p:nvPicPr>
+        <p:blipFill>
+          <a:blip r:embed="rId2"/>
+          <a:stretch>
+            <a:fillRect/>
+          </a:stretch>
+        </p:blipFill>
+        <p:spPr>
+          <a:xfrm>
+            <a:off x="5101851" y="2466431"/>
+            <a:ext cx="6277349" cy="3609475"/>
+          </a:xfrm>
+          <a:prstGeom prst="roundRect">
+            <a:avLst>
+              <a:gd name="adj" fmla="val 3876"/>
+            </a:avLst>
+          </a:prstGeom>
+          <a:ln>
+            <a:solidFill>
+              <a:schemeClr val="accent1"/>
+            </a:solidFill>
+          </a:ln>
+          <a:effectLst/>
+        </p:spPr>
+      </p:pic>
+    </p:spTree>
+    <p:extLst>
+      <p:ext uri="{BB962C8B-B14F-4D97-AF65-F5344CB8AC3E}">
+        <p14:creationId xmlns:p14="http://schemas.microsoft.com/office/powerpoint/2010/main" val="4057923379"/>
+      </p:ext>
+    </p:extLst>
+  </p:cSld>
+  <p:clrMapOvr>
+    <a:masterClrMapping/>
+  </p:clrMapOvr>
+</p:sld>
+</file>
+
+<file path=ppt/slides/slide12.xml><?xml version="1.0" encoding="utf-8"?>
+<p:sld xmlns:a="http://schemas.openxmlformats.org/drawingml/2006/main" xmlns:r="http://schemas.openxmlformats.org/officeDocument/2006/relationships" xmlns:p="http://schemas.openxmlformats.org/presentationml/2006/main">
+  <p:cSld>
+    <p:bg>
+      <p:bgPr>
+        <a:solidFill>
+          <a:schemeClr val="bg2"/>
+        </a:solidFill>
+        <a:effectLst/>
+      </p:bgPr>
+    </p:bg>
+    <p:spTree>
+      <p:nvGrpSpPr>
+        <p:cNvPr id="1" name=""/>
+        <p:cNvGrpSpPr/>
+        <p:nvPr/>
+      </p:nvGrpSpPr>
+      <p:grpSpPr>
+        <a:xfrm>
+          <a:off x="0" y="0"/>
+          <a:ext cx="0" cy="0"/>
+          <a:chOff x="0" y="0"/>
+          <a:chExt cx="0" cy="0"/>
+        </a:xfrm>
+      </p:grpSpPr>
+      <p:sp>
+        <p:nvSpPr>
+          <p:cNvPr id="29" name="Rectangle 11">
+            <a:extLst>
+              <a:ext uri="{FF2B5EF4-FFF2-40B4-BE49-F238E27FC236}">
+                <a16:creationId xmlns:a16="http://schemas.microsoft.com/office/drawing/2014/main" id="{24DFCA1B-EBDC-4E7D-A427-8ABCF48723C2}"/>
+              </a:ext>
+              <a:ext uri="{C183D7F6-B498-43B3-948B-1728B52AA6E4}">
+                <adec:decorative xmlns:adec="http://schemas.microsoft.com/office/drawing/2017/decorative" val="1"/>
+              </a:ext>
+            </a:extLst>
+          </p:cNvPr>
+          <p:cNvSpPr>
+            <a:spLocks noGrp="1" noRot="1" noChangeAspect="1" noMove="1" noResize="1" noEditPoints="1" noAdjustHandles="1" noChangeArrowheads="1" noChangeShapeType="1" noTextEdit="1"/>
+          </p:cNvSpPr>
+          <p:nvPr>
+            <p:extLst>
+              <p:ext uri="{386F3935-93C4-4BCD-93E2-E3B085C9AB24}">
+                <p16:designElem xmlns:p16="http://schemas.microsoft.com/office/powerpoint/2015/main" val="1"/>
+              </p:ext>
+            </p:extLst>
+          </p:nvPr>
+        </p:nvSpPr>
+        <p:spPr>
+          <a:xfrm>
+            <a:off x="0" y="0"/>
+            <a:ext cx="12188952" cy="6858000"/>
+          </a:xfrm>
+          <a:prstGeom prst="rect">
+            <a:avLst/>
+          </a:prstGeom>
+          <a:solidFill>
+            <a:schemeClr val="tx1"/>
+          </a:solidFill>
+          <a:ln>
+            <a:noFill/>
+          </a:ln>
+        </p:spPr>
+        <p:style>
+          <a:lnRef idx="2">
+            <a:schemeClr val="accent1">
+              <a:shade val="50000"/>
+            </a:schemeClr>
+          </a:lnRef>
+          <a:fillRef idx="1">
+            <a:schemeClr val="accent1"/>
+          </a:fillRef>
+          <a:effectRef idx="0">
+            <a:schemeClr val="accent1"/>
+          </a:effectRef>
+          <a:fontRef idx="minor">
+            <a:schemeClr val="lt1"/>
+          </a:fontRef>
+        </p:style>
+        <p:txBody>
+          <a:bodyPr rtlCol="0" anchor="ctr"/>
+          <a:lstStyle/>
+          <a:p>
+            <a:pPr algn="ctr"/>
+            <a:endParaRPr lang="en-US"/>
+          </a:p>
+        </p:txBody>
+      </p:sp>
+      <p:sp>
+        <p:nvSpPr>
+          <p:cNvPr id="30" name="Freeform 23">
+            <a:extLst>
+              <a:ext uri="{FF2B5EF4-FFF2-40B4-BE49-F238E27FC236}">
+                <a16:creationId xmlns:a16="http://schemas.microsoft.com/office/drawing/2014/main" id="{685C60B6-0810-4355-895B-4513096D38DD}"/>
+              </a:ext>
+              <a:ext uri="{C183D7F6-B498-43B3-948B-1728B52AA6E4}">
+                <adec:decorative xmlns:adec="http://schemas.microsoft.com/office/drawing/2017/decorative" val="1"/>
+              </a:ext>
+            </a:extLst>
+          </p:cNvPr>
+          <p:cNvSpPr>
+            <a:spLocks noGrp="1" noRot="1" noChangeAspect="1" noMove="1" noResize="1" noEditPoints="1" noAdjustHandles="1" noChangeArrowheads="1" noChangeShapeType="1" noTextEdit="1"/>
+          </p:cNvSpPr>
+          <p:nvPr>
+            <p:extLst>
+              <p:ext uri="{386F3935-93C4-4BCD-93E2-E3B085C9AB24}">
+                <p16:designElem xmlns:p16="http://schemas.microsoft.com/office/powerpoint/2015/main" val="1"/>
+              </p:ext>
+            </p:extLst>
+          </p:nvPr>
+        </p:nvSpPr>
+        <p:spPr bwMode="white">
+          <a:xfrm>
+            <a:off x="0" y="0"/>
+            <a:ext cx="4637005" cy="6858000"/>
+          </a:xfrm>
+          <a:custGeom>
+            <a:avLst/>
+            <a:gdLst>
+              <a:gd name="connsiteX0" fmla="*/ 0 w 4637005"/>
+              <a:gd name="connsiteY0" fmla="*/ 0 h 6858000"/>
+              <a:gd name="connsiteX1" fmla="*/ 4637005 w 4637005"/>
+              <a:gd name="connsiteY1" fmla="*/ 0 h 6858000"/>
+              <a:gd name="connsiteX2" fmla="*/ 4637005 w 4637005"/>
+              <a:gd name="connsiteY2" fmla="*/ 1900238 h 6858000"/>
+              <a:gd name="connsiteX3" fmla="*/ 4266589 w 4637005"/>
+              <a:gd name="connsiteY3" fmla="*/ 2178050 h 6858000"/>
+              <a:gd name="connsiteX4" fmla="*/ 4262355 w 4637005"/>
+              <a:gd name="connsiteY4" fmla="*/ 2184400 h 6858000"/>
+              <a:gd name="connsiteX5" fmla="*/ 4256005 w 4637005"/>
+              <a:gd name="connsiteY5" fmla="*/ 2193925 h 6858000"/>
+              <a:gd name="connsiteX6" fmla="*/ 4249655 w 4637005"/>
+              <a:gd name="connsiteY6" fmla="*/ 2201863 h 6858000"/>
+              <a:gd name="connsiteX7" fmla="*/ 4249655 w 4637005"/>
+              <a:gd name="connsiteY7" fmla="*/ 2211388 h 6858000"/>
+              <a:gd name="connsiteX8" fmla="*/ 4249655 w 4637005"/>
+              <a:gd name="connsiteY8" fmla="*/ 2220913 h 6858000"/>
+              <a:gd name="connsiteX9" fmla="*/ 4256005 w 4637005"/>
+              <a:gd name="connsiteY9" fmla="*/ 2228850 h 6858000"/>
+              <a:gd name="connsiteX10" fmla="*/ 4262355 w 4637005"/>
+              <a:gd name="connsiteY10" fmla="*/ 2238375 h 6858000"/>
+              <a:gd name="connsiteX11" fmla="*/ 4266589 w 4637005"/>
+              <a:gd name="connsiteY11" fmla="*/ 2244725 h 6858000"/>
+              <a:gd name="connsiteX12" fmla="*/ 4637005 w 4637005"/>
+              <a:gd name="connsiteY12" fmla="*/ 2522538 h 6858000"/>
+              <a:gd name="connsiteX13" fmla="*/ 4637005 w 4637005"/>
+              <a:gd name="connsiteY13" fmla="*/ 6858000 h 6858000"/>
+              <a:gd name="connsiteX14" fmla="*/ 0 w 4637005"/>
+              <a:gd name="connsiteY14" fmla="*/ 6858000 h 6858000"/>
+            </a:gdLst>
+            <a:ahLst/>
+            <a:cxnLst>
+              <a:cxn ang="0">
+                <a:pos x="connsiteX0" y="connsiteY0"/>
+              </a:cxn>
+              <a:cxn ang="0">
+                <a:pos x="connsiteX1" y="connsiteY1"/>
+              </a:cxn>
+              <a:cxn ang="0">
+                <a:pos x="connsiteX2" y="connsiteY2"/>
+              </a:cxn>
+              <a:cxn ang="0">
+                <a:pos x="connsiteX3" y="connsiteY3"/>
+              </a:cxn>
+              <a:cxn ang="0">
+                <a:pos x="connsiteX4" y="connsiteY4"/>
+              </a:cxn>
+              <a:cxn ang="0">
+                <a:pos x="connsiteX5" y="connsiteY5"/>
+              </a:cxn>
+              <a:cxn ang="0">
+                <a:pos x="connsiteX6" y="connsiteY6"/>
+              </a:cxn>
+              <a:cxn ang="0">
+                <a:pos x="connsiteX7" y="connsiteY7"/>
+              </a:cxn>
+              <a:cxn ang="0">
+                <a:pos x="connsiteX8" y="connsiteY8"/>
+              </a:cxn>
+              <a:cxn ang="0">
+                <a:pos x="connsiteX9" y="connsiteY9"/>
+              </a:cxn>
+              <a:cxn ang="0">
+                <a:pos x="connsiteX10" y="connsiteY10"/>
+              </a:cxn>
+              <a:cxn ang="0">
+                <a:pos x="connsiteX11" y="connsiteY11"/>
+              </a:cxn>
+              <a:cxn ang="0">
+                <a:pos x="connsiteX12" y="connsiteY12"/>
+              </a:cxn>
+              <a:cxn ang="0">
+                <a:pos x="connsiteX13" y="connsiteY13"/>
+              </a:cxn>
+              <a:cxn ang="0">
+                <a:pos x="connsiteX14" y="connsiteY14"/>
+              </a:cxn>
+            </a:cxnLst>
+            <a:rect l="l" t="t" r="r" b="b"/>
+            <a:pathLst>
+              <a:path w="4637005" h="6858000">
+                <a:moveTo>
+                  <a:pt x="0" y="0"/>
+                </a:moveTo>
+                <a:lnTo>
+                  <a:pt x="4637005" y="0"/>
+                </a:lnTo>
+                <a:lnTo>
+                  <a:pt x="4637005" y="1900238"/>
+                </a:lnTo>
+                <a:lnTo>
+                  <a:pt x="4266589" y="2178050"/>
+                </a:lnTo>
+                <a:lnTo>
+                  <a:pt x="4262355" y="2184400"/>
+                </a:lnTo>
+                <a:lnTo>
+                  <a:pt x="4256005" y="2193925"/>
+                </a:lnTo>
+                <a:lnTo>
+                  <a:pt x="4249655" y="2201863"/>
+                </a:lnTo>
+                <a:lnTo>
+                  <a:pt x="4249655" y="2211388"/>
+                </a:lnTo>
+                <a:lnTo>
+                  <a:pt x="4249655" y="2220913"/>
+                </a:lnTo>
+                <a:lnTo>
+                  <a:pt x="4256005" y="2228850"/>
+                </a:lnTo>
+                <a:lnTo>
+                  <a:pt x="4262355" y="2238375"/>
+                </a:lnTo>
+                <a:lnTo>
+                  <a:pt x="4266589" y="2244725"/>
+                </a:lnTo>
+                <a:lnTo>
+                  <a:pt x="4637005" y="2522538"/>
+                </a:lnTo>
+                <a:lnTo>
+                  <a:pt x="4637005" y="6858000"/>
+                </a:lnTo>
+                <a:lnTo>
+                  <a:pt x="0" y="6858000"/>
+                </a:lnTo>
+                <a:close/>
+              </a:path>
+            </a:pathLst>
+          </a:custGeom>
+          <a:solidFill>
+            <a:schemeClr val="bg1">
+              <a:lumMod val="85000"/>
+              <a:lumOff val="15000"/>
+            </a:schemeClr>
+          </a:solidFill>
+          <a:ln>
+            <a:noFill/>
+          </a:ln>
+        </p:spPr>
+        <p:style>
+          <a:lnRef idx="2">
+            <a:schemeClr val="accent1">
+              <a:shade val="50000"/>
+            </a:schemeClr>
+          </a:lnRef>
+          <a:fillRef idx="1">
+            <a:schemeClr val="accent1"/>
+          </a:fillRef>
+          <a:effectRef idx="0">
+            <a:schemeClr val="accent1"/>
+          </a:effectRef>
+          <a:fontRef idx="minor">
+            <a:schemeClr val="lt1"/>
+          </a:fontRef>
+        </p:style>
+        <p:txBody>
+          <a:bodyPr wrap="square" rtlCol="0" anchor="ctr">
+            <a:noAutofit/>
+          </a:bodyPr>
+          <a:lstStyle/>
+          <a:p>
+            <a:pPr algn="ctr"/>
+            <a:endParaRPr lang="en-US"/>
+          </a:p>
+        </p:txBody>
+      </p:sp>
+      <p:sp>
+        <p:nvSpPr>
+          <p:cNvPr id="2" name="Titlu 1">
+            <a:extLst>
+              <a:ext uri="{FF2B5EF4-FFF2-40B4-BE49-F238E27FC236}">
+                <a16:creationId xmlns:a16="http://schemas.microsoft.com/office/drawing/2014/main" id="{C3E1987D-1CBF-0596-EABB-E934C38D2056}"/>
+              </a:ext>
+            </a:extLst>
+          </p:cNvPr>
+          <p:cNvSpPr>
+            <a:spLocks noGrp="1"/>
+          </p:cNvSpPr>
+          <p:nvPr>
+            <p:ph type="title"/>
+          </p:nvPr>
+        </p:nvSpPr>
+        <p:spPr>
+          <a:xfrm>
+            <a:off x="451515" y="447188"/>
+            <a:ext cx="3675318" cy="5468700"/>
+          </a:xfrm>
+        </p:spPr>
+        <p:txBody>
+          <a:bodyPr anchor="ctr">
+            <a:normAutofit/>
+          </a:bodyPr>
+          <a:lstStyle/>
+          <a:p>
+            <a:r>
+              <a:rPr lang="en-US" sz="3200" dirty="0">
+                <a:latin typeface="Times New Roman" panose="02020603050405020304" pitchFamily="18" charset="0"/>
+                <a:cs typeface="Times New Roman" panose="02020603050405020304" pitchFamily="18" charset="0"/>
+              </a:rPr>
+              <a:t>API Testing</a:t>
+            </a:r>
+          </a:p>
+        </p:txBody>
+      </p:sp>
+      <p:sp>
+        <p:nvSpPr>
+          <p:cNvPr id="31" name="Substituent conținut 2">
+            <a:extLst>
+              <a:ext uri="{FF2B5EF4-FFF2-40B4-BE49-F238E27FC236}">
+                <a16:creationId xmlns:a16="http://schemas.microsoft.com/office/drawing/2014/main" id="{854D27FE-4B0D-11C4-0D0A-E07BD6D4AE09}"/>
+              </a:ext>
+            </a:extLst>
+          </p:cNvPr>
+          <p:cNvSpPr>
+            <a:spLocks noGrp="1"/>
+          </p:cNvSpPr>
+          <p:nvPr>
+            <p:ph idx="1"/>
+          </p:nvPr>
+        </p:nvSpPr>
+        <p:spPr>
+          <a:xfrm>
+            <a:off x="4891866" y="0"/>
+            <a:ext cx="6585235" cy="3632200"/>
+          </a:xfrm>
+        </p:spPr>
+        <p:txBody>
+          <a:bodyPr>
+            <a:normAutofit/>
+          </a:bodyPr>
+          <a:lstStyle/>
+          <a:p>
+            <a:r>
+              <a:rPr lang="en-US" sz="2400" dirty="0">
+                <a:solidFill>
+                  <a:schemeClr val="bg1">
+                    <a:lumMod val="85000"/>
+                    <a:lumOff val="15000"/>
+                  </a:schemeClr>
+                </a:solidFill>
+                <a:latin typeface="Times New Roman" panose="02020603050405020304" pitchFamily="18" charset="0"/>
+                <a:cs typeface="Times New Roman" panose="02020603050405020304" pitchFamily="18" charset="0"/>
+              </a:rPr>
+              <a:t>Using Console Application as HTTP client</a:t>
+            </a:r>
+          </a:p>
+          <a:p>
+            <a:r>
+              <a:rPr lang="en-US" sz="2400" dirty="0">
+                <a:solidFill>
+                  <a:schemeClr val="bg1">
+                    <a:lumMod val="85000"/>
+                    <a:lumOff val="15000"/>
+                  </a:schemeClr>
+                </a:solidFill>
+                <a:latin typeface="Times New Roman" panose="02020603050405020304" pitchFamily="18" charset="0"/>
+                <a:cs typeface="Times New Roman" panose="02020603050405020304" pitchFamily="18" charset="0"/>
+              </a:rPr>
+              <a:t>Log data and analyze them</a:t>
+            </a:r>
+          </a:p>
+          <a:p>
+            <a:r>
+              <a:rPr lang="en-US" sz="2400" dirty="0">
+                <a:solidFill>
+                  <a:schemeClr val="bg1">
+                    <a:lumMod val="85000"/>
+                    <a:lumOff val="15000"/>
+                  </a:schemeClr>
+                </a:solidFill>
+                <a:latin typeface="Times New Roman" panose="02020603050405020304" pitchFamily="18" charset="0"/>
+                <a:cs typeface="Times New Roman" panose="02020603050405020304" pitchFamily="18" charset="0"/>
+              </a:rPr>
+              <a:t>Check manually the database</a:t>
+            </a:r>
+          </a:p>
+        </p:txBody>
+      </p:sp>
+      <p:pic>
+        <p:nvPicPr>
+          <p:cNvPr id="7" name="Imagine 6">
+            <a:extLst>
+              <a:ext uri="{FF2B5EF4-FFF2-40B4-BE49-F238E27FC236}">
+                <a16:creationId xmlns:a16="http://schemas.microsoft.com/office/drawing/2014/main" id="{B3015620-1342-7732-9991-6A6812C0C2BD}"/>
+              </a:ext>
+            </a:extLst>
+          </p:cNvPr>
+          <p:cNvPicPr>
+            <a:picLocks noChangeAspect="1"/>
+          </p:cNvPicPr>
+          <p:nvPr/>
+        </p:nvPicPr>
+        <p:blipFill>
+          <a:blip r:embed="rId2"/>
+          <a:stretch>
+            <a:fillRect/>
+          </a:stretch>
+        </p:blipFill>
+        <p:spPr>
+          <a:xfrm>
+            <a:off x="4814044" y="2841369"/>
+            <a:ext cx="4204627" cy="1944640"/>
+          </a:xfrm>
+          <a:prstGeom prst="roundRect">
+            <a:avLst>
+              <a:gd name="adj" fmla="val 3876"/>
+            </a:avLst>
+          </a:prstGeom>
+          <a:ln>
+            <a:solidFill>
+              <a:schemeClr val="accent1"/>
+            </a:solidFill>
+          </a:ln>
+          <a:effectLst/>
+        </p:spPr>
+      </p:pic>
+      <p:pic>
+        <p:nvPicPr>
+          <p:cNvPr id="5" name="Imagine 4">
+            <a:extLst>
+              <a:ext uri="{FF2B5EF4-FFF2-40B4-BE49-F238E27FC236}">
+                <a16:creationId xmlns:a16="http://schemas.microsoft.com/office/drawing/2014/main" id="{666ACA10-D456-6EF4-DCF3-B4063E6E5758}"/>
+              </a:ext>
+            </a:extLst>
+          </p:cNvPr>
+          <p:cNvPicPr>
+            <a:picLocks noChangeAspect="1"/>
+          </p:cNvPicPr>
+          <p:nvPr/>
+        </p:nvPicPr>
+        <p:blipFill>
+          <a:blip r:embed="rId3"/>
+          <a:stretch>
+            <a:fillRect/>
+          </a:stretch>
+        </p:blipFill>
+        <p:spPr>
+          <a:xfrm>
+            <a:off x="6470560" y="4931924"/>
+            <a:ext cx="5269925" cy="1725900"/>
+          </a:xfrm>
+          <a:prstGeom prst="roundRect">
+            <a:avLst>
+              <a:gd name="adj" fmla="val 3876"/>
+            </a:avLst>
+          </a:prstGeom>
+          <a:ln>
+            <a:solidFill>
+              <a:schemeClr val="accent1"/>
+            </a:solidFill>
+          </a:ln>
+          <a:effectLst/>
+        </p:spPr>
+      </p:pic>
+    </p:spTree>
+    <p:extLst>
+      <p:ext uri="{BB962C8B-B14F-4D97-AF65-F5344CB8AC3E}">
+        <p14:creationId xmlns:p14="http://schemas.microsoft.com/office/powerpoint/2010/main" val="3648862263"/>
+      </p:ext>
+    </p:extLst>
+  </p:cSld>
+  <p:clrMapOvr>
+    <a:masterClrMapping/>
+  </p:clrMapOvr>
+</p:sld>
+</file>
+
+<file path=ppt/slides/slide13.xml><?xml version="1.0" encoding="utf-8"?>
+<p:sld xmlns:a="http://schemas.openxmlformats.org/drawingml/2006/main" xmlns:r="http://schemas.openxmlformats.org/officeDocument/2006/relationships" xmlns:p="http://schemas.openxmlformats.org/presentationml/2006/main">
+  <p:cSld>
     <p:spTree>
       <p:nvGrpSpPr>
         <p:cNvPr id="1" name=""/>
@@ -31135,16 +38739,12 @@
           <a:lstStyle/>
           <a:p>
             <a:r>
-              <a:rPr lang="en-US">
+              <a:rPr lang="en-US" dirty="0">
                 <a:latin typeface="Times New Roman" panose="02020603050405020304" pitchFamily="18" charset="0"/>
                 <a:cs typeface="Times New Roman" panose="02020603050405020304" pitchFamily="18" charset="0"/>
               </a:rPr>
-              <a:t>Web page testing</a:t>
+              <a:t>Graphical Interface Testing</a:t>
             </a:r>
-            <a:endParaRPr lang="en-US" dirty="0">
-              <a:latin typeface="Times New Roman" panose="02020603050405020304" pitchFamily="18" charset="0"/>
-              <a:cs typeface="Times New Roman" panose="02020603050405020304" pitchFamily="18" charset="0"/>
-            </a:endParaRPr>
           </a:p>
         </p:txBody>
       </p:sp>
@@ -31250,7 +38850,7 @@
 </p:sld>
 </file>
 
-<file path=ppt/slides/slide11.xml><?xml version="1.0" encoding="utf-8"?>
+<file path=ppt/slides/slide14.xml><?xml version="1.0" encoding="utf-8"?>
 <p:sld xmlns:a="http://schemas.openxmlformats.org/drawingml/2006/main" xmlns:r="http://schemas.openxmlformats.org/officeDocument/2006/relationships" xmlns:p="http://schemas.openxmlformats.org/presentationml/2006/main">
   <p:cSld>
     <p:bg>
@@ -31624,7 +39224,7 @@
 </p:sld>
 </file>
 
-<file path=ppt/slides/slide12.xml><?xml version="1.0" encoding="utf-8"?>
+<file path=ppt/slides/slide15.xml><?xml version="1.0" encoding="utf-8"?>
 <p:sld xmlns:a="http://schemas.openxmlformats.org/drawingml/2006/main" xmlns:r="http://schemas.openxmlformats.org/officeDocument/2006/relationships" xmlns:p="http://schemas.openxmlformats.org/presentationml/2006/main">
   <p:cSld>
     <p:bg>
@@ -31934,8 +39534,8 @@
         </p:nvSpPr>
         <p:spPr>
           <a:xfrm>
-            <a:off x="641754" y="1687286"/>
-            <a:ext cx="3269463" cy="3978017"/>
+            <a:off x="428614" y="1652562"/>
+            <a:ext cx="3779775" cy="3978017"/>
           </a:xfrm>
         </p:spPr>
         <p:txBody>
@@ -31945,11 +39545,11 @@
           <a:lstStyle/>
           <a:p>
             <a:r>
-              <a:rPr lang="en-US" sz="4400">
+              <a:rPr lang="en-US" sz="4400" dirty="0">
                 <a:latin typeface="Times New Roman" panose="02020603050405020304" pitchFamily="18" charset="0"/>
                 <a:cs typeface="Times New Roman" panose="02020603050405020304" pitchFamily="18" charset="0"/>
               </a:rPr>
-              <a:t>Future directions of the development</a:t>
+              <a:t>Future Improvements</a:t>
             </a:r>
           </a:p>
         </p:txBody>
@@ -31970,7 +39570,7 @@
             <p:ph idx="1"/>
             <p:extLst>
               <p:ext uri="{D42A27DB-BD31-4B8C-83A1-F6EECF244321}">
-                <p14:modId xmlns:p14="http://schemas.microsoft.com/office/powerpoint/2010/main" val="3448483422"/>
+                <p14:modId xmlns:p14="http://schemas.microsoft.com/office/powerpoint/2010/main" val="849227365"/>
               </p:ext>
             </p:extLst>
           </p:nvPr>
@@ -31998,7 +39598,7 @@
 </p:sld>
 </file>
 
-<file path=ppt/slides/slide13.xml><?xml version="1.0" encoding="utf-8"?>
+<file path=ppt/slides/slide16.xml><?xml version="1.0" encoding="utf-8"?>
 <p:sld xmlns:a="http://schemas.openxmlformats.org/drawingml/2006/main" xmlns:r="http://schemas.openxmlformats.org/officeDocument/2006/relationships" xmlns:p="http://schemas.openxmlformats.org/presentationml/2006/main">
   <p:cSld>
     <p:bg>
@@ -32118,7 +39718,7 @@
           <a:effectLst/>
           <a:extLst>
             <a:ext uri="{91240B29-F687-4f45-9708-019B960494DF}">
-              <a14:hiddenLine xmlns:a16="http://schemas.microsoft.com/office/drawing/2014/main" xmlns:a14="http://schemas.microsoft.com/office/drawing/2010/main" xmlns="" w="9525">
+              <a14:hiddenLine xmlns="" xmlns:a14="http://schemas.microsoft.com/office/drawing/2010/main" xmlns:a16="http://schemas.microsoft.com/office/drawing/2014/main" w="9525">
                 <a:solidFill>
                   <a:srgbClr val="000000"/>
                 </a:solidFill>
@@ -32597,7 +40197,7 @@
 </p:sld>
 </file>
 
-<file path=ppt/slides/slide14.xml><?xml version="1.0" encoding="utf-8"?>
+<file path=ppt/slides/slide17.xml><?xml version="1.0" encoding="utf-8"?>
 <p:sld xmlns:a="http://schemas.openxmlformats.org/drawingml/2006/main" xmlns:r="http://schemas.openxmlformats.org/officeDocument/2006/relationships" xmlns:p="http://schemas.openxmlformats.org/presentationml/2006/main">
   <p:cSld>
     <p:spTree>
@@ -32829,6 +40429,48 @@
             <a:pPr marL="0" indent="0">
               <a:buNone/>
             </a:pPr>
+            <a:r>
+              <a:rPr lang="en-US" dirty="0">
+                <a:latin typeface="Times New Roman" panose="02020603050405020304" pitchFamily="18" charset="0"/>
+                <a:cs typeface="Times New Roman" panose="02020603050405020304" pitchFamily="18" charset="0"/>
+              </a:rPr>
+              <a:t>[6] </a:t>
+            </a:r>
+            <a:r>
+              <a:rPr lang="en-US" dirty="0">
+                <a:latin typeface="Times New Roman" panose="02020603050405020304" pitchFamily="18" charset="0"/>
+                <a:cs typeface="Times New Roman" panose="02020603050405020304" pitchFamily="18" charset="0"/>
+                <a:hlinkClick r:id="rId6">
+                  <a:extLst>
+                    <a:ext uri="{A12FA001-AC4F-418D-AE19-62706E023703}">
+                      <ahyp:hlinkClr xmlns:ahyp="http://schemas.microsoft.com/office/drawing/2018/hyperlinkcolor" val="tx"/>
+                    </a:ext>
+                  </a:extLst>
+                </a:hlinkClick>
+              </a:rPr>
+              <a:t>https://funderstanding.com/wp-content/uploads/2011/04/Decision-Making.jpg</a:t>
+            </a:r>
+            <a:endParaRPr lang="en-US" dirty="0">
+              <a:latin typeface="Times New Roman" panose="02020603050405020304" pitchFamily="18" charset="0"/>
+              <a:cs typeface="Times New Roman" panose="02020603050405020304" pitchFamily="18" charset="0"/>
+            </a:endParaRPr>
+          </a:p>
+          <a:p>
+            <a:pPr marL="0" indent="0">
+              <a:buNone/>
+            </a:pPr>
+            <a:r>
+              <a:rPr lang="en-US" dirty="0">
+                <a:latin typeface="Times New Roman" panose="02020603050405020304" pitchFamily="18" charset="0"/>
+                <a:cs typeface="Times New Roman" panose="02020603050405020304" pitchFamily="18" charset="0"/>
+              </a:rPr>
+              <a:t>[7] https://blog.slido.com/wp-content/uploads/2020/11/blog-slido-team-decision-making-header.jpg</a:t>
+            </a:r>
+          </a:p>
+          <a:p>
+            <a:pPr marL="0" indent="0">
+              <a:buNone/>
+            </a:pPr>
             <a:endParaRPr lang="en-US" dirty="0">
               <a:latin typeface="Times New Roman" panose="02020603050405020304" pitchFamily="18" charset="0"/>
               <a:cs typeface="Times New Roman" panose="02020603050405020304" pitchFamily="18" charset="0"/>
@@ -32907,7 +40549,7 @@
                 <a:latin typeface="Times New Roman" panose="02020603050405020304" pitchFamily="18" charset="0"/>
                 <a:cs typeface="Times New Roman" panose="02020603050405020304" pitchFamily="18" charset="0"/>
               </a:rPr>
-              <a:t>Summary</a:t>
+              <a:t>Project Overview</a:t>
             </a:r>
           </a:p>
         </p:txBody>
@@ -33140,7 +40782,7 @@
           </a:ln>
           <a:extLst>
             <a:ext uri="{91240B29-F687-4f45-9708-019B960494DF}">
-              <a14:hiddenLine xmlns:a14="http://schemas.microsoft.com/office/drawing/2010/main" xmlns:dgm="http://schemas.openxmlformats.org/drawingml/2006/diagram" xmlns:p14="http://schemas.microsoft.com/office/powerpoint/2010/main" xmlns:a16="http://schemas.microsoft.com/office/drawing/2014/main" xmlns="" w="9525">
+              <a14:hiddenLine xmlns="" xmlns:a16="http://schemas.microsoft.com/office/drawing/2014/main" xmlns:p14="http://schemas.microsoft.com/office/powerpoint/2010/main" xmlns:dgm="http://schemas.openxmlformats.org/drawingml/2006/diagram" xmlns:a14="http://schemas.microsoft.com/office/drawing/2010/main" w="9525">
                 <a:solidFill>
                   <a:srgbClr val="000000"/>
                 </a:solidFill>
@@ -33195,16 +40837,12 @@
           <a:lstStyle/>
           <a:p>
             <a:r>
-              <a:rPr lang="en-US">
+              <a:rPr lang="en-US" dirty="0">
                 <a:latin typeface="Times New Roman" panose="02020603050405020304" pitchFamily="18" charset="0"/>
                 <a:cs typeface="Times New Roman" panose="02020603050405020304" pitchFamily="18" charset="0"/>
               </a:rPr>
               <a:t>Why this subject?</a:t>
             </a:r>
-            <a:endParaRPr lang="en-US" dirty="0">
-              <a:latin typeface="Times New Roman" panose="02020603050405020304" pitchFamily="18" charset="0"/>
-              <a:cs typeface="Times New Roman" panose="02020603050405020304" pitchFamily="18" charset="0"/>
-            </a:endParaRPr>
           </a:p>
         </p:txBody>
       </p:sp>
@@ -33732,16 +41370,12 @@
           <a:lstStyle/>
           <a:p>
             <a:r>
-              <a:rPr lang="en-US">
+              <a:rPr lang="en-US" dirty="0">
                 <a:latin typeface="Times New Roman" panose="02020603050405020304" pitchFamily="18" charset="0"/>
                 <a:cs typeface="Times New Roman" panose="02020603050405020304" pitchFamily="18" charset="0"/>
               </a:rPr>
               <a:t>Proposed solution</a:t>
             </a:r>
-            <a:endParaRPr lang="en-US" dirty="0">
-              <a:latin typeface="Times New Roman" panose="02020603050405020304" pitchFamily="18" charset="0"/>
-              <a:cs typeface="Times New Roman" panose="02020603050405020304" pitchFamily="18" charset="0"/>
-            </a:endParaRPr>
           </a:p>
         </p:txBody>
       </p:sp>
@@ -34255,7 +41889,7 @@
             <p:ph idx="1"/>
             <p:extLst>
               <p:ext uri="{D42A27DB-BD31-4B8C-83A1-F6EECF244321}">
-                <p14:modId xmlns:p14="http://schemas.microsoft.com/office/powerpoint/2010/main" val="2102503274"/>
+                <p14:modId xmlns:p14="http://schemas.microsoft.com/office/powerpoint/2010/main" val="3011876585"/>
               </p:ext>
             </p:extLst>
           </p:nvPr>
@@ -34349,6 +41983,654 @@
       </p:grpSpPr>
       <p:sp>
         <p:nvSpPr>
+          <p:cNvPr id="47" name="Rectangle 40">
+            <a:extLst>
+              <a:ext uri="{FF2B5EF4-FFF2-40B4-BE49-F238E27FC236}">
+                <a16:creationId xmlns:a16="http://schemas.microsoft.com/office/drawing/2014/main" id="{4DDFE9F7-C936-4F4C-9EF6-679F30903637}"/>
+              </a:ext>
+              <a:ext uri="{C183D7F6-B498-43B3-948B-1728B52AA6E4}">
+                <adec:decorative xmlns:adec="http://schemas.microsoft.com/office/drawing/2017/decorative" val="1"/>
+              </a:ext>
+            </a:extLst>
+          </p:cNvPr>
+          <p:cNvSpPr>
+            <a:spLocks noGrp="1" noRot="1" noChangeAspect="1" noMove="1" noResize="1" noEditPoints="1" noAdjustHandles="1" noChangeArrowheads="1" noChangeShapeType="1" noTextEdit="1"/>
+          </p:cNvSpPr>
+          <p:nvPr>
+            <p:extLst>
+              <p:ext uri="{386F3935-93C4-4BCD-93E2-E3B085C9AB24}">
+                <p16:designElem xmlns:p16="http://schemas.microsoft.com/office/powerpoint/2015/main" val="1"/>
+              </p:ext>
+            </p:extLst>
+          </p:nvPr>
+        </p:nvSpPr>
+        <p:spPr>
+          <a:xfrm>
+            <a:off x="0" y="0"/>
+            <a:ext cx="12188952" cy="6858000"/>
+          </a:xfrm>
+          <a:prstGeom prst="rect">
+            <a:avLst/>
+          </a:prstGeom>
+          <a:solidFill>
+            <a:schemeClr val="tx1"/>
+          </a:solidFill>
+          <a:ln>
+            <a:noFill/>
+          </a:ln>
+        </p:spPr>
+        <p:style>
+          <a:lnRef idx="2">
+            <a:schemeClr val="accent1">
+              <a:shade val="50000"/>
+            </a:schemeClr>
+          </a:lnRef>
+          <a:fillRef idx="1">
+            <a:schemeClr val="accent1"/>
+          </a:fillRef>
+          <a:effectRef idx="0">
+            <a:schemeClr val="accent1"/>
+          </a:effectRef>
+          <a:fontRef idx="minor">
+            <a:schemeClr val="lt1"/>
+          </a:fontRef>
+        </p:style>
+        <p:txBody>
+          <a:bodyPr rtlCol="0" anchor="ctr"/>
+          <a:lstStyle/>
+          <a:p>
+            <a:pPr algn="ctr"/>
+            <a:endParaRPr lang="en-US"/>
+          </a:p>
+        </p:txBody>
+      </p:sp>
+      <p:sp>
+        <p:nvSpPr>
+          <p:cNvPr id="48" name="Freeform 23">
+            <a:extLst>
+              <a:ext uri="{FF2B5EF4-FFF2-40B4-BE49-F238E27FC236}">
+                <a16:creationId xmlns:a16="http://schemas.microsoft.com/office/drawing/2014/main" id="{83F36C5B-9ECA-4480-ABF2-496C48A49F0C}"/>
+              </a:ext>
+              <a:ext uri="{C183D7F6-B498-43B3-948B-1728B52AA6E4}">
+                <adec:decorative xmlns:adec="http://schemas.microsoft.com/office/drawing/2017/decorative" val="1"/>
+              </a:ext>
+            </a:extLst>
+          </p:cNvPr>
+          <p:cNvSpPr>
+            <a:spLocks noGrp="1" noRot="1" noChangeAspect="1" noMove="1" noResize="1" noEditPoints="1" noAdjustHandles="1" noChangeArrowheads="1" noChangeShapeType="1" noTextEdit="1"/>
+          </p:cNvSpPr>
+          <p:nvPr>
+            <p:extLst>
+              <p:ext uri="{386F3935-93C4-4BCD-93E2-E3B085C9AB24}">
+                <p16:designElem xmlns:p16="http://schemas.microsoft.com/office/powerpoint/2015/main" val="1"/>
+              </p:ext>
+            </p:extLst>
+          </p:nvPr>
+        </p:nvSpPr>
+        <p:spPr>
+          <a:xfrm>
+            <a:off x="0" y="0"/>
+            <a:ext cx="7552944" cy="6858000"/>
+          </a:xfrm>
+          <a:custGeom>
+            <a:avLst/>
+            <a:gdLst>
+              <a:gd name="connsiteX0" fmla="*/ 0 w 7552944"/>
+              <a:gd name="connsiteY0" fmla="*/ 0 h 6858000"/>
+              <a:gd name="connsiteX1" fmla="*/ 1067477 w 7552944"/>
+              <a:gd name="connsiteY1" fmla="*/ 0 h 6858000"/>
+              <a:gd name="connsiteX2" fmla="*/ 2201779 w 7552944"/>
+              <a:gd name="connsiteY2" fmla="*/ 0 h 6858000"/>
+              <a:gd name="connsiteX3" fmla="*/ 7552944 w 7552944"/>
+              <a:gd name="connsiteY3" fmla="*/ 0 h 6858000"/>
+              <a:gd name="connsiteX4" fmla="*/ 7552944 w 7552944"/>
+              <a:gd name="connsiteY4" fmla="*/ 1900238 h 6858000"/>
+              <a:gd name="connsiteX5" fmla="*/ 7182528 w 7552944"/>
+              <a:gd name="connsiteY5" fmla="*/ 2178050 h 6858000"/>
+              <a:gd name="connsiteX6" fmla="*/ 7178294 w 7552944"/>
+              <a:gd name="connsiteY6" fmla="*/ 2184400 h 6858000"/>
+              <a:gd name="connsiteX7" fmla="*/ 7171944 w 7552944"/>
+              <a:gd name="connsiteY7" fmla="*/ 2193925 h 6858000"/>
+              <a:gd name="connsiteX8" fmla="*/ 7165594 w 7552944"/>
+              <a:gd name="connsiteY8" fmla="*/ 2201863 h 6858000"/>
+              <a:gd name="connsiteX9" fmla="*/ 7165594 w 7552944"/>
+              <a:gd name="connsiteY9" fmla="*/ 2211388 h 6858000"/>
+              <a:gd name="connsiteX10" fmla="*/ 7165594 w 7552944"/>
+              <a:gd name="connsiteY10" fmla="*/ 2220913 h 6858000"/>
+              <a:gd name="connsiteX11" fmla="*/ 7171944 w 7552944"/>
+              <a:gd name="connsiteY11" fmla="*/ 2228850 h 6858000"/>
+              <a:gd name="connsiteX12" fmla="*/ 7178294 w 7552944"/>
+              <a:gd name="connsiteY12" fmla="*/ 2238375 h 6858000"/>
+              <a:gd name="connsiteX13" fmla="*/ 7182528 w 7552944"/>
+              <a:gd name="connsiteY13" fmla="*/ 2244725 h 6858000"/>
+              <a:gd name="connsiteX14" fmla="*/ 7552944 w 7552944"/>
+              <a:gd name="connsiteY14" fmla="*/ 2522538 h 6858000"/>
+              <a:gd name="connsiteX15" fmla="*/ 7552944 w 7552944"/>
+              <a:gd name="connsiteY15" fmla="*/ 6858000 h 6858000"/>
+              <a:gd name="connsiteX16" fmla="*/ 2201779 w 7552944"/>
+              <a:gd name="connsiteY16" fmla="*/ 6858000 h 6858000"/>
+              <a:gd name="connsiteX17" fmla="*/ 1067477 w 7552944"/>
+              <a:gd name="connsiteY17" fmla="*/ 6858000 h 6858000"/>
+              <a:gd name="connsiteX18" fmla="*/ 0 w 7552944"/>
+              <a:gd name="connsiteY18" fmla="*/ 6858000 h 6858000"/>
+            </a:gdLst>
+            <a:ahLst/>
+            <a:cxnLst>
+              <a:cxn ang="0">
+                <a:pos x="connsiteX0" y="connsiteY0"/>
+              </a:cxn>
+              <a:cxn ang="0">
+                <a:pos x="connsiteX1" y="connsiteY1"/>
+              </a:cxn>
+              <a:cxn ang="0">
+                <a:pos x="connsiteX2" y="connsiteY2"/>
+              </a:cxn>
+              <a:cxn ang="0">
+                <a:pos x="connsiteX3" y="connsiteY3"/>
+              </a:cxn>
+              <a:cxn ang="0">
+                <a:pos x="connsiteX4" y="connsiteY4"/>
+              </a:cxn>
+              <a:cxn ang="0">
+                <a:pos x="connsiteX5" y="connsiteY5"/>
+              </a:cxn>
+              <a:cxn ang="0">
+                <a:pos x="connsiteX6" y="connsiteY6"/>
+              </a:cxn>
+              <a:cxn ang="0">
+                <a:pos x="connsiteX7" y="connsiteY7"/>
+              </a:cxn>
+              <a:cxn ang="0">
+                <a:pos x="connsiteX8" y="connsiteY8"/>
+              </a:cxn>
+              <a:cxn ang="0">
+                <a:pos x="connsiteX9" y="connsiteY9"/>
+              </a:cxn>
+              <a:cxn ang="0">
+                <a:pos x="connsiteX10" y="connsiteY10"/>
+              </a:cxn>
+              <a:cxn ang="0">
+                <a:pos x="connsiteX11" y="connsiteY11"/>
+              </a:cxn>
+              <a:cxn ang="0">
+                <a:pos x="connsiteX12" y="connsiteY12"/>
+              </a:cxn>
+              <a:cxn ang="0">
+                <a:pos x="connsiteX13" y="connsiteY13"/>
+              </a:cxn>
+              <a:cxn ang="0">
+                <a:pos x="connsiteX14" y="connsiteY14"/>
+              </a:cxn>
+              <a:cxn ang="0">
+                <a:pos x="connsiteX15" y="connsiteY15"/>
+              </a:cxn>
+              <a:cxn ang="0">
+                <a:pos x="connsiteX16" y="connsiteY16"/>
+              </a:cxn>
+              <a:cxn ang="0">
+                <a:pos x="connsiteX17" y="connsiteY17"/>
+              </a:cxn>
+              <a:cxn ang="0">
+                <a:pos x="connsiteX18" y="connsiteY18"/>
+              </a:cxn>
+            </a:cxnLst>
+            <a:rect l="l" t="t" r="r" b="b"/>
+            <a:pathLst>
+              <a:path w="7552944" h="6858000">
+                <a:moveTo>
+                  <a:pt x="0" y="0"/>
+                </a:moveTo>
+                <a:lnTo>
+                  <a:pt x="1067477" y="0"/>
+                </a:lnTo>
+                <a:lnTo>
+                  <a:pt x="2201779" y="0"/>
+                </a:lnTo>
+                <a:lnTo>
+                  <a:pt x="7552944" y="0"/>
+                </a:lnTo>
+                <a:lnTo>
+                  <a:pt x="7552944" y="1900238"/>
+                </a:lnTo>
+                <a:lnTo>
+                  <a:pt x="7182528" y="2178050"/>
+                </a:lnTo>
+                <a:lnTo>
+                  <a:pt x="7178294" y="2184400"/>
+                </a:lnTo>
+                <a:lnTo>
+                  <a:pt x="7171944" y="2193925"/>
+                </a:lnTo>
+                <a:lnTo>
+                  <a:pt x="7165594" y="2201863"/>
+                </a:lnTo>
+                <a:lnTo>
+                  <a:pt x="7165594" y="2211388"/>
+                </a:lnTo>
+                <a:lnTo>
+                  <a:pt x="7165594" y="2220913"/>
+                </a:lnTo>
+                <a:lnTo>
+                  <a:pt x="7171944" y="2228850"/>
+                </a:lnTo>
+                <a:lnTo>
+                  <a:pt x="7178294" y="2238375"/>
+                </a:lnTo>
+                <a:lnTo>
+                  <a:pt x="7182528" y="2244725"/>
+                </a:lnTo>
+                <a:lnTo>
+                  <a:pt x="7552944" y="2522538"/>
+                </a:lnTo>
+                <a:lnTo>
+                  <a:pt x="7552944" y="6858000"/>
+                </a:lnTo>
+                <a:lnTo>
+                  <a:pt x="2201779" y="6858000"/>
+                </a:lnTo>
+                <a:lnTo>
+                  <a:pt x="1067477" y="6858000"/>
+                </a:lnTo>
+                <a:lnTo>
+                  <a:pt x="0" y="6858000"/>
+                </a:lnTo>
+                <a:close/>
+              </a:path>
+            </a:pathLst>
+          </a:custGeom>
+          <a:solidFill>
+            <a:schemeClr val="bg1">
+              <a:lumMod val="85000"/>
+              <a:lumOff val="15000"/>
+            </a:schemeClr>
+          </a:solidFill>
+          <a:ln>
+            <a:noFill/>
+          </a:ln>
+        </p:spPr>
+        <p:style>
+          <a:lnRef idx="2">
+            <a:schemeClr val="accent1">
+              <a:shade val="50000"/>
+            </a:schemeClr>
+          </a:lnRef>
+          <a:fillRef idx="1">
+            <a:schemeClr val="accent1"/>
+          </a:fillRef>
+          <a:effectRef idx="0">
+            <a:schemeClr val="accent1"/>
+          </a:effectRef>
+          <a:fontRef idx="minor">
+            <a:schemeClr val="lt1"/>
+          </a:fontRef>
+        </p:style>
+        <p:txBody>
+          <a:bodyPr rtlCol="0" anchor="ctr"/>
+          <a:lstStyle/>
+          <a:p>
+            <a:pPr algn="ctr"/>
+            <a:endParaRPr lang="en-US"/>
+          </a:p>
+        </p:txBody>
+      </p:sp>
+      <p:sp>
+        <p:nvSpPr>
+          <p:cNvPr id="2" name="Titlu 1">
+            <a:extLst>
+              <a:ext uri="{FF2B5EF4-FFF2-40B4-BE49-F238E27FC236}">
+                <a16:creationId xmlns:a16="http://schemas.microsoft.com/office/drawing/2014/main" id="{C655D516-769B-3585-A040-AB2F70B80328}"/>
+              </a:ext>
+            </a:extLst>
+          </p:cNvPr>
+          <p:cNvSpPr>
+            <a:spLocks noGrp="1"/>
+          </p:cNvSpPr>
+          <p:nvPr>
+            <p:ph type="title"/>
+          </p:nvPr>
+        </p:nvSpPr>
+        <p:spPr>
+          <a:xfrm>
+            <a:off x="810000" y="447188"/>
+            <a:ext cx="6097955" cy="1559412"/>
+          </a:xfrm>
+          <a:effectLst/>
+        </p:spPr>
+        <p:txBody>
+          <a:bodyPr vert="horz" lIns="91440" tIns="45720" rIns="91440" bIns="45720" rtlCol="0" anchor="b">
+            <a:normAutofit/>
+          </a:bodyPr>
+          <a:lstStyle/>
+          <a:p>
+            <a:r>
+              <a:rPr lang="en-US" dirty="0">
+                <a:solidFill>
+                  <a:schemeClr val="tx1"/>
+                </a:solidFill>
+                <a:latin typeface="Times New Roman" panose="02020603050405020304" pitchFamily="18" charset="0"/>
+                <a:cs typeface="Times New Roman" panose="02020603050405020304" pitchFamily="18" charset="0"/>
+              </a:rPr>
+              <a:t>Database design</a:t>
+            </a:r>
+          </a:p>
+        </p:txBody>
+      </p:sp>
+      <p:sp>
+        <p:nvSpPr>
+          <p:cNvPr id="49" name="Rounded Rectangle 14">
+            <a:extLst>
+              <a:ext uri="{FF2B5EF4-FFF2-40B4-BE49-F238E27FC236}">
+                <a16:creationId xmlns:a16="http://schemas.microsoft.com/office/drawing/2014/main" id="{928DE3A7-1615-464D-BCC0-01F174893A8A}"/>
+              </a:ext>
+              <a:ext uri="{C183D7F6-B498-43B3-948B-1728B52AA6E4}">
+                <adec:decorative xmlns:adec="http://schemas.microsoft.com/office/drawing/2017/decorative" val="1"/>
+              </a:ext>
+            </a:extLst>
+          </p:cNvPr>
+          <p:cNvSpPr>
+            <a:spLocks noGrp="1" noRot="1" noChangeAspect="1" noMove="1" noResize="1" noEditPoints="1" noAdjustHandles="1" noChangeArrowheads="1" noChangeShapeType="1" noTextEdit="1"/>
+          </p:cNvSpPr>
+          <p:nvPr>
+            <p:extLst>
+              <p:ext uri="{386F3935-93C4-4BCD-93E2-E3B085C9AB24}">
+                <p16:designElem xmlns:p16="http://schemas.microsoft.com/office/powerpoint/2015/main" val="1"/>
+              </p:ext>
+            </p:extLst>
+          </p:nvPr>
+        </p:nvSpPr>
+        <p:spPr>
+          <a:xfrm>
+            <a:off x="8189083" y="321733"/>
+            <a:ext cx="3363730" cy="6203620"/>
+          </a:xfrm>
+          <a:prstGeom prst="roundRect">
+            <a:avLst>
+              <a:gd name="adj" fmla="val 3513"/>
+            </a:avLst>
+          </a:prstGeom>
+          <a:solidFill>
+            <a:schemeClr val="tx1"/>
+          </a:solidFill>
+          <a:ln>
+            <a:solidFill>
+              <a:schemeClr val="accent1"/>
+            </a:solidFill>
+          </a:ln>
+          <a:effectLst/>
+        </p:spPr>
+        <p:style>
+          <a:lnRef idx="2">
+            <a:schemeClr val="accent1">
+              <a:shade val="50000"/>
+            </a:schemeClr>
+          </a:lnRef>
+          <a:fillRef idx="1">
+            <a:schemeClr val="accent1"/>
+          </a:fillRef>
+          <a:effectRef idx="0">
+            <a:schemeClr val="accent1"/>
+          </a:effectRef>
+          <a:fontRef idx="minor">
+            <a:schemeClr val="lt1"/>
+          </a:fontRef>
+        </p:style>
+        <p:txBody>
+          <a:bodyPr rtlCol="0" anchor="ctr"/>
+          <a:lstStyle/>
+          <a:p>
+            <a:pPr algn="ctr"/>
+            <a:endParaRPr lang="en-US"/>
+          </a:p>
+        </p:txBody>
+      </p:sp>
+      <p:pic>
+        <p:nvPicPr>
+          <p:cNvPr id="10" name="Imagine 9" descr="O imagine care conține text, diagramă, Paralel, Plan&#10;&#10;Descriere generată automat">
+            <a:extLst>
+              <a:ext uri="{FF2B5EF4-FFF2-40B4-BE49-F238E27FC236}">
+                <a16:creationId xmlns:a16="http://schemas.microsoft.com/office/drawing/2014/main" id="{2196AF1B-45C5-F781-BC8D-E55745F9BC2B}"/>
+              </a:ext>
+            </a:extLst>
+          </p:cNvPr>
+          <p:cNvPicPr>
+            <a:picLocks noChangeAspect="1"/>
+          </p:cNvPicPr>
+          <p:nvPr/>
+        </p:nvPicPr>
+        <p:blipFill>
+          <a:blip r:embed="rId2"/>
+          <a:stretch>
+            <a:fillRect/>
+          </a:stretch>
+        </p:blipFill>
+        <p:spPr>
+          <a:xfrm>
+            <a:off x="8213633" y="392015"/>
+            <a:ext cx="1444618" cy="1840279"/>
+          </a:xfrm>
+          <a:prstGeom prst="rect">
+            <a:avLst/>
+          </a:prstGeom>
+        </p:spPr>
+      </p:pic>
+      <p:pic>
+        <p:nvPicPr>
+          <p:cNvPr id="20" name="Imagine 19" descr="O imagine care conține text, captură de ecran, Font, Paralel&#10;&#10;Descriere generată automat">
+            <a:extLst>
+              <a:ext uri="{FF2B5EF4-FFF2-40B4-BE49-F238E27FC236}">
+                <a16:creationId xmlns:a16="http://schemas.microsoft.com/office/drawing/2014/main" id="{2E3B5B15-B5A0-E40B-213A-A770DBA69E34}"/>
+              </a:ext>
+            </a:extLst>
+          </p:cNvPr>
+          <p:cNvPicPr>
+            <a:picLocks noChangeAspect="1"/>
+          </p:cNvPicPr>
+          <p:nvPr/>
+        </p:nvPicPr>
+        <p:blipFill>
+          <a:blip r:embed="rId3"/>
+          <a:stretch>
+            <a:fillRect/>
+          </a:stretch>
+        </p:blipFill>
+        <p:spPr>
+          <a:xfrm>
+            <a:off x="10010382" y="392015"/>
+            <a:ext cx="1470249" cy="1840279"/>
+          </a:xfrm>
+          <a:prstGeom prst="rect">
+            <a:avLst/>
+          </a:prstGeom>
+        </p:spPr>
+      </p:pic>
+      <p:pic>
+        <p:nvPicPr>
+          <p:cNvPr id="14" name="Imagine 13" descr="O imagine care conține text, diagramă, Paralel, linie&#10;&#10;Descriere generată automat">
+            <a:extLst>
+              <a:ext uri="{FF2B5EF4-FFF2-40B4-BE49-F238E27FC236}">
+                <a16:creationId xmlns:a16="http://schemas.microsoft.com/office/drawing/2014/main" id="{A159D0AA-2156-791C-6DDF-7C83A8B302DE}"/>
+              </a:ext>
+            </a:extLst>
+          </p:cNvPr>
+          <p:cNvPicPr>
+            <a:picLocks noChangeAspect="1"/>
+          </p:cNvPicPr>
+          <p:nvPr/>
+        </p:nvPicPr>
+        <p:blipFill>
+          <a:blip r:embed="rId4"/>
+          <a:stretch>
+            <a:fillRect/>
+          </a:stretch>
+        </p:blipFill>
+        <p:spPr>
+          <a:xfrm>
+            <a:off x="8256743" y="2319753"/>
+            <a:ext cx="1518230" cy="1840279"/>
+          </a:xfrm>
+          <a:prstGeom prst="rect">
+            <a:avLst/>
+          </a:prstGeom>
+        </p:spPr>
+      </p:pic>
+      <p:pic>
+        <p:nvPicPr>
+          <p:cNvPr id="8" name="Imagine 7" descr="O imagine care conține text, captură de ecran, Paralel, Font&#10;&#10;Descriere generată automat">
+            <a:extLst>
+              <a:ext uri="{FF2B5EF4-FFF2-40B4-BE49-F238E27FC236}">
+                <a16:creationId xmlns:a16="http://schemas.microsoft.com/office/drawing/2014/main" id="{ACB654E4-848E-1655-8E39-B4C6691BFE6D}"/>
+              </a:ext>
+            </a:extLst>
+          </p:cNvPr>
+          <p:cNvPicPr>
+            <a:picLocks noChangeAspect="1"/>
+          </p:cNvPicPr>
+          <p:nvPr/>
+        </p:nvPicPr>
+        <p:blipFill>
+          <a:blip r:embed="rId5"/>
+          <a:stretch>
+            <a:fillRect/>
+          </a:stretch>
+        </p:blipFill>
+        <p:spPr>
+          <a:xfrm>
+            <a:off x="9991993" y="2468810"/>
+            <a:ext cx="1276140" cy="1542164"/>
+          </a:xfrm>
+          <a:prstGeom prst="rect">
+            <a:avLst/>
+          </a:prstGeom>
+        </p:spPr>
+      </p:pic>
+      <p:pic>
+        <p:nvPicPr>
+          <p:cNvPr id="26" name="Imagine 25" descr="O imagine care conține text, captură de ecran, Paralel, Font&#10;&#10;Descriere generată automat">
+            <a:extLst>
+              <a:ext uri="{FF2B5EF4-FFF2-40B4-BE49-F238E27FC236}">
+                <a16:creationId xmlns:a16="http://schemas.microsoft.com/office/drawing/2014/main" id="{10CD5784-8323-FABA-9002-06D5F4D97E3C}"/>
+              </a:ext>
+            </a:extLst>
+          </p:cNvPr>
+          <p:cNvPicPr>
+            <a:picLocks noChangeAspect="1"/>
+          </p:cNvPicPr>
+          <p:nvPr/>
+        </p:nvPicPr>
+        <p:blipFill>
+          <a:blip r:embed="rId6"/>
+          <a:stretch>
+            <a:fillRect/>
+          </a:stretch>
+        </p:blipFill>
+        <p:spPr>
+          <a:xfrm>
+            <a:off x="10163503" y="4149668"/>
+            <a:ext cx="1189741" cy="2091554"/>
+          </a:xfrm>
+          <a:prstGeom prst="rect">
+            <a:avLst/>
+          </a:prstGeom>
+        </p:spPr>
+      </p:pic>
+      <p:pic>
+        <p:nvPicPr>
+          <p:cNvPr id="31" name="Imagine 30" descr="O imagine care conține text, captură de ecran, Paralel, Font&#10;&#10;Descriere generată automat">
+            <a:extLst>
+              <a:ext uri="{FF2B5EF4-FFF2-40B4-BE49-F238E27FC236}">
+                <a16:creationId xmlns:a16="http://schemas.microsoft.com/office/drawing/2014/main" id="{B7BF5B6C-FE85-DEEC-54BE-1B8AC0E6D556}"/>
+              </a:ext>
+            </a:extLst>
+          </p:cNvPr>
+          <p:cNvPicPr>
+            <a:picLocks noChangeAspect="1"/>
+          </p:cNvPicPr>
+          <p:nvPr/>
+        </p:nvPicPr>
+        <p:blipFill>
+          <a:blip r:embed="rId7"/>
+          <a:stretch>
+            <a:fillRect/>
+          </a:stretch>
+        </p:blipFill>
+        <p:spPr>
+          <a:xfrm>
+            <a:off x="8319963" y="4363452"/>
+            <a:ext cx="1447092" cy="1840279"/>
+          </a:xfrm>
+          <a:prstGeom prst="rect">
+            <a:avLst/>
+          </a:prstGeom>
+        </p:spPr>
+      </p:pic>
+      <p:graphicFrame>
+        <p:nvGraphicFramePr>
+          <p:cNvPr id="51" name="CasetăText 4">
+            <a:extLst>
+              <a:ext uri="{FF2B5EF4-FFF2-40B4-BE49-F238E27FC236}">
+                <a16:creationId xmlns:a16="http://schemas.microsoft.com/office/drawing/2014/main" id="{28027708-F175-DEDD-F53B-2C2E698E4780}"/>
+              </a:ext>
+            </a:extLst>
+          </p:cNvPr>
+          <p:cNvGraphicFramePr/>
+          <p:nvPr>
+            <p:extLst>
+              <p:ext uri="{D42A27DB-BD31-4B8C-83A1-F6EECF244321}">
+                <p14:modId xmlns:p14="http://schemas.microsoft.com/office/powerpoint/2010/main" val="4042975769"/>
+              </p:ext>
+            </p:extLst>
+          </p:nvPr>
+        </p:nvGraphicFramePr>
+        <p:xfrm>
+          <a:off x="818712" y="2413000"/>
+          <a:ext cx="6075179" cy="3494064"/>
+        </p:xfrm>
+        <a:graphic>
+          <a:graphicData uri="http://schemas.openxmlformats.org/drawingml/2006/diagram">
+            <dgm:relIds xmlns:dgm="http://schemas.openxmlformats.org/drawingml/2006/diagram" xmlns:r="http://schemas.openxmlformats.org/officeDocument/2006/relationships" r:dm="rId8" r:lo="rId9" r:qs="rId10" r:cs="rId11"/>
+          </a:graphicData>
+        </a:graphic>
+      </p:graphicFrame>
+    </p:spTree>
+    <p:extLst>
+      <p:ext uri="{BB962C8B-B14F-4D97-AF65-F5344CB8AC3E}">
+        <p14:creationId xmlns:p14="http://schemas.microsoft.com/office/powerpoint/2010/main" val="2862714020"/>
+      </p:ext>
+    </p:extLst>
+  </p:cSld>
+  <p:clrMapOvr>
+    <a:masterClrMapping/>
+  </p:clrMapOvr>
+</p:sld>
+</file>
+
+<file path=ppt/slides/slide8.xml><?xml version="1.0" encoding="utf-8"?>
+<p:sld xmlns:a="http://schemas.openxmlformats.org/drawingml/2006/main" xmlns:r="http://schemas.openxmlformats.org/officeDocument/2006/relationships" xmlns:p="http://schemas.openxmlformats.org/presentationml/2006/main">
+  <p:cSld>
+    <p:bg>
+      <p:bgPr>
+        <a:solidFill>
+          <a:schemeClr val="bg2"/>
+        </a:solidFill>
+        <a:effectLst/>
+      </p:bgPr>
+    </p:bg>
+    <p:spTree>
+      <p:nvGrpSpPr>
+        <p:cNvPr id="1" name=""/>
+        <p:cNvGrpSpPr/>
+        <p:nvPr/>
+      </p:nvGrpSpPr>
+      <p:grpSpPr>
+        <a:xfrm>
+          <a:off x="0" y="0"/>
+          <a:ext cx="0" cy="0"/>
+          <a:chOff x="0" y="0"/>
+          <a:chExt cx="0" cy="0"/>
+        </a:xfrm>
+      </p:grpSpPr>
+      <p:sp>
+        <p:nvSpPr>
           <p:cNvPr id="2" name="Titlu 1">
             <a:extLst>
               <a:ext uri="{FF2B5EF4-FFF2-40B4-BE49-F238E27FC236}">
@@ -34380,7 +42662,7 @@
                 <a:latin typeface="Times New Roman" panose="02020603050405020304" pitchFamily="18" charset="0"/>
                 <a:cs typeface="Times New Roman" panose="02020603050405020304" pitchFamily="18" charset="0"/>
               </a:rPr>
-              <a:t>Technologies</a:t>
+              <a:t>Core Technologies</a:t>
             </a:r>
           </a:p>
         </p:txBody>
@@ -34714,7 +42996,7 @@
 </p:sld>
 </file>
 
-<file path=ppt/slides/slide8.xml><?xml version="1.0" encoding="utf-8"?>
+<file path=ppt/slides/slide9.xml><?xml version="1.0" encoding="utf-8"?>
 <p:sld xmlns:a="http://schemas.openxmlformats.org/drawingml/2006/main" xmlns:r="http://schemas.openxmlformats.org/officeDocument/2006/relationships" xmlns:p="http://schemas.openxmlformats.org/presentationml/2006/main">
   <p:cSld>
     <p:bg>
@@ -34834,7 +43116,7 @@
           <a:effectLst/>
           <a:extLst>
             <a:ext uri="{91240B29-F687-4f45-9708-019B960494DF}">
-              <a14:hiddenLine xmlns="" xmlns:a16="http://schemas.microsoft.com/office/drawing/2014/main" xmlns:p14="http://schemas.microsoft.com/office/powerpoint/2010/main" xmlns:a14="http://schemas.microsoft.com/office/drawing/2010/main" w="9525">
+              <a14:hiddenLine xmlns:a14="http://schemas.microsoft.com/office/drawing/2010/main" xmlns:p14="http://schemas.microsoft.com/office/powerpoint/2010/main" xmlns:a16="http://schemas.microsoft.com/office/drawing/2014/main" xmlns="" w="9525">
                 <a:solidFill>
                   <a:srgbClr val="000000"/>
                 </a:solidFill>
@@ -35163,7 +43445,7 @@
                 <a:latin typeface="Times New Roman" panose="02020603050405020304" pitchFamily="18" charset="0"/>
                 <a:cs typeface="Times New Roman" panose="02020603050405020304" pitchFamily="18" charset="0"/>
               </a:rPr>
-              <a:t>Application development</a:t>
+              <a:t>Development Stage</a:t>
             </a:r>
           </a:p>
         </p:txBody>
@@ -35223,494 +43505,6 @@
   </p:cSld>
   <p:clrMapOvr>
     <a:overrideClrMapping bg1="lt1" tx1="dk1" bg2="lt2" tx2="dk2" accent1="accent1" accent2="accent2" accent3="accent3" accent4="accent4" accent5="accent5" accent6="accent6" hlink="hlink" folHlink="folHlink"/>
-  </p:clrMapOvr>
-</p:sld>
-</file>
-
-<file path=ppt/slides/slide9.xml><?xml version="1.0" encoding="utf-8"?>
-<p:sld xmlns:a="http://schemas.openxmlformats.org/drawingml/2006/main" xmlns:r="http://schemas.openxmlformats.org/officeDocument/2006/relationships" xmlns:p="http://schemas.openxmlformats.org/presentationml/2006/main">
-  <p:cSld>
-    <p:bg>
-      <p:bgPr>
-        <a:solidFill>
-          <a:schemeClr val="bg2"/>
-        </a:solidFill>
-        <a:effectLst/>
-      </p:bgPr>
-    </p:bg>
-    <p:spTree>
-      <p:nvGrpSpPr>
-        <p:cNvPr id="1" name=""/>
-        <p:cNvGrpSpPr/>
-        <p:nvPr/>
-      </p:nvGrpSpPr>
-      <p:grpSpPr>
-        <a:xfrm>
-          <a:off x="0" y="0"/>
-          <a:ext cx="0" cy="0"/>
-          <a:chOff x="0" y="0"/>
-          <a:chExt cx="0" cy="0"/>
-        </a:xfrm>
-      </p:grpSpPr>
-      <p:sp>
-        <p:nvSpPr>
-          <p:cNvPr id="29" name="Rectangle 11">
-            <a:extLst>
-              <a:ext uri="{FF2B5EF4-FFF2-40B4-BE49-F238E27FC236}">
-                <a16:creationId xmlns:a16="http://schemas.microsoft.com/office/drawing/2014/main" id="{24DFCA1B-EBDC-4E7D-A427-8ABCF48723C2}"/>
-              </a:ext>
-              <a:ext uri="{C183D7F6-B498-43B3-948B-1728B52AA6E4}">
-                <adec:decorative xmlns:adec="http://schemas.microsoft.com/office/drawing/2017/decorative" val="1"/>
-              </a:ext>
-            </a:extLst>
-          </p:cNvPr>
-          <p:cNvSpPr>
-            <a:spLocks noGrp="1" noRot="1" noChangeAspect="1" noMove="1" noResize="1" noEditPoints="1" noAdjustHandles="1" noChangeArrowheads="1" noChangeShapeType="1" noTextEdit="1"/>
-          </p:cNvSpPr>
-          <p:nvPr>
-            <p:extLst>
-              <p:ext uri="{386F3935-93C4-4BCD-93E2-E3B085C9AB24}">
-                <p16:designElem xmlns:p16="http://schemas.microsoft.com/office/powerpoint/2015/main" val="1"/>
-              </p:ext>
-            </p:extLst>
-          </p:nvPr>
-        </p:nvSpPr>
-        <p:spPr>
-          <a:xfrm>
-            <a:off x="0" y="0"/>
-            <a:ext cx="12188952" cy="6858000"/>
-          </a:xfrm>
-          <a:prstGeom prst="rect">
-            <a:avLst/>
-          </a:prstGeom>
-          <a:solidFill>
-            <a:schemeClr val="tx1"/>
-          </a:solidFill>
-          <a:ln>
-            <a:noFill/>
-          </a:ln>
-        </p:spPr>
-        <p:style>
-          <a:lnRef idx="2">
-            <a:schemeClr val="accent1">
-              <a:shade val="50000"/>
-            </a:schemeClr>
-          </a:lnRef>
-          <a:fillRef idx="1">
-            <a:schemeClr val="accent1"/>
-          </a:fillRef>
-          <a:effectRef idx="0">
-            <a:schemeClr val="accent1"/>
-          </a:effectRef>
-          <a:fontRef idx="minor">
-            <a:schemeClr val="lt1"/>
-          </a:fontRef>
-        </p:style>
-        <p:txBody>
-          <a:bodyPr rtlCol="0" anchor="ctr"/>
-          <a:lstStyle/>
-          <a:p>
-            <a:pPr algn="ctr"/>
-            <a:endParaRPr lang="en-US"/>
-          </a:p>
-        </p:txBody>
-      </p:sp>
-      <p:sp>
-        <p:nvSpPr>
-          <p:cNvPr id="30" name="Freeform 23">
-            <a:extLst>
-              <a:ext uri="{FF2B5EF4-FFF2-40B4-BE49-F238E27FC236}">
-                <a16:creationId xmlns:a16="http://schemas.microsoft.com/office/drawing/2014/main" id="{685C60B6-0810-4355-895B-4513096D38DD}"/>
-              </a:ext>
-              <a:ext uri="{C183D7F6-B498-43B3-948B-1728B52AA6E4}">
-                <adec:decorative xmlns:adec="http://schemas.microsoft.com/office/drawing/2017/decorative" val="1"/>
-              </a:ext>
-            </a:extLst>
-          </p:cNvPr>
-          <p:cNvSpPr>
-            <a:spLocks noGrp="1" noRot="1" noChangeAspect="1" noMove="1" noResize="1" noEditPoints="1" noAdjustHandles="1" noChangeArrowheads="1" noChangeShapeType="1" noTextEdit="1"/>
-          </p:cNvSpPr>
-          <p:nvPr>
-            <p:extLst>
-              <p:ext uri="{386F3935-93C4-4BCD-93E2-E3B085C9AB24}">
-                <p16:designElem xmlns:p16="http://schemas.microsoft.com/office/powerpoint/2015/main" val="1"/>
-              </p:ext>
-            </p:extLst>
-          </p:nvPr>
-        </p:nvSpPr>
-        <p:spPr bwMode="white">
-          <a:xfrm>
-            <a:off x="0" y="0"/>
-            <a:ext cx="4637005" cy="6858000"/>
-          </a:xfrm>
-          <a:custGeom>
-            <a:avLst/>
-            <a:gdLst>
-              <a:gd name="connsiteX0" fmla="*/ 0 w 4637005"/>
-              <a:gd name="connsiteY0" fmla="*/ 0 h 6858000"/>
-              <a:gd name="connsiteX1" fmla="*/ 4637005 w 4637005"/>
-              <a:gd name="connsiteY1" fmla="*/ 0 h 6858000"/>
-              <a:gd name="connsiteX2" fmla="*/ 4637005 w 4637005"/>
-              <a:gd name="connsiteY2" fmla="*/ 1900238 h 6858000"/>
-              <a:gd name="connsiteX3" fmla="*/ 4266589 w 4637005"/>
-              <a:gd name="connsiteY3" fmla="*/ 2178050 h 6858000"/>
-              <a:gd name="connsiteX4" fmla="*/ 4262355 w 4637005"/>
-              <a:gd name="connsiteY4" fmla="*/ 2184400 h 6858000"/>
-              <a:gd name="connsiteX5" fmla="*/ 4256005 w 4637005"/>
-              <a:gd name="connsiteY5" fmla="*/ 2193925 h 6858000"/>
-              <a:gd name="connsiteX6" fmla="*/ 4249655 w 4637005"/>
-              <a:gd name="connsiteY6" fmla="*/ 2201863 h 6858000"/>
-              <a:gd name="connsiteX7" fmla="*/ 4249655 w 4637005"/>
-              <a:gd name="connsiteY7" fmla="*/ 2211388 h 6858000"/>
-              <a:gd name="connsiteX8" fmla="*/ 4249655 w 4637005"/>
-              <a:gd name="connsiteY8" fmla="*/ 2220913 h 6858000"/>
-              <a:gd name="connsiteX9" fmla="*/ 4256005 w 4637005"/>
-              <a:gd name="connsiteY9" fmla="*/ 2228850 h 6858000"/>
-              <a:gd name="connsiteX10" fmla="*/ 4262355 w 4637005"/>
-              <a:gd name="connsiteY10" fmla="*/ 2238375 h 6858000"/>
-              <a:gd name="connsiteX11" fmla="*/ 4266589 w 4637005"/>
-              <a:gd name="connsiteY11" fmla="*/ 2244725 h 6858000"/>
-              <a:gd name="connsiteX12" fmla="*/ 4637005 w 4637005"/>
-              <a:gd name="connsiteY12" fmla="*/ 2522538 h 6858000"/>
-              <a:gd name="connsiteX13" fmla="*/ 4637005 w 4637005"/>
-              <a:gd name="connsiteY13" fmla="*/ 6858000 h 6858000"/>
-              <a:gd name="connsiteX14" fmla="*/ 0 w 4637005"/>
-              <a:gd name="connsiteY14" fmla="*/ 6858000 h 6858000"/>
-            </a:gdLst>
-            <a:ahLst/>
-            <a:cxnLst>
-              <a:cxn ang="0">
-                <a:pos x="connsiteX0" y="connsiteY0"/>
-              </a:cxn>
-              <a:cxn ang="0">
-                <a:pos x="connsiteX1" y="connsiteY1"/>
-              </a:cxn>
-              <a:cxn ang="0">
-                <a:pos x="connsiteX2" y="connsiteY2"/>
-              </a:cxn>
-              <a:cxn ang="0">
-                <a:pos x="connsiteX3" y="connsiteY3"/>
-              </a:cxn>
-              <a:cxn ang="0">
-                <a:pos x="connsiteX4" y="connsiteY4"/>
-              </a:cxn>
-              <a:cxn ang="0">
-                <a:pos x="connsiteX5" y="connsiteY5"/>
-              </a:cxn>
-              <a:cxn ang="0">
-                <a:pos x="connsiteX6" y="connsiteY6"/>
-              </a:cxn>
-              <a:cxn ang="0">
-                <a:pos x="connsiteX7" y="connsiteY7"/>
-              </a:cxn>
-              <a:cxn ang="0">
-                <a:pos x="connsiteX8" y="connsiteY8"/>
-              </a:cxn>
-              <a:cxn ang="0">
-                <a:pos x="connsiteX9" y="connsiteY9"/>
-              </a:cxn>
-              <a:cxn ang="0">
-                <a:pos x="connsiteX10" y="connsiteY10"/>
-              </a:cxn>
-              <a:cxn ang="0">
-                <a:pos x="connsiteX11" y="connsiteY11"/>
-              </a:cxn>
-              <a:cxn ang="0">
-                <a:pos x="connsiteX12" y="connsiteY12"/>
-              </a:cxn>
-              <a:cxn ang="0">
-                <a:pos x="connsiteX13" y="connsiteY13"/>
-              </a:cxn>
-              <a:cxn ang="0">
-                <a:pos x="connsiteX14" y="connsiteY14"/>
-              </a:cxn>
-            </a:cxnLst>
-            <a:rect l="l" t="t" r="r" b="b"/>
-            <a:pathLst>
-              <a:path w="4637005" h="6858000">
-                <a:moveTo>
-                  <a:pt x="0" y="0"/>
-                </a:moveTo>
-                <a:lnTo>
-                  <a:pt x="4637005" y="0"/>
-                </a:lnTo>
-                <a:lnTo>
-                  <a:pt x="4637005" y="1900238"/>
-                </a:lnTo>
-                <a:lnTo>
-                  <a:pt x="4266589" y="2178050"/>
-                </a:lnTo>
-                <a:lnTo>
-                  <a:pt x="4262355" y="2184400"/>
-                </a:lnTo>
-                <a:lnTo>
-                  <a:pt x="4256005" y="2193925"/>
-                </a:lnTo>
-                <a:lnTo>
-                  <a:pt x="4249655" y="2201863"/>
-                </a:lnTo>
-                <a:lnTo>
-                  <a:pt x="4249655" y="2211388"/>
-                </a:lnTo>
-                <a:lnTo>
-                  <a:pt x="4249655" y="2220913"/>
-                </a:lnTo>
-                <a:lnTo>
-                  <a:pt x="4256005" y="2228850"/>
-                </a:lnTo>
-                <a:lnTo>
-                  <a:pt x="4262355" y="2238375"/>
-                </a:lnTo>
-                <a:lnTo>
-                  <a:pt x="4266589" y="2244725"/>
-                </a:lnTo>
-                <a:lnTo>
-                  <a:pt x="4637005" y="2522538"/>
-                </a:lnTo>
-                <a:lnTo>
-                  <a:pt x="4637005" y="6858000"/>
-                </a:lnTo>
-                <a:lnTo>
-                  <a:pt x="0" y="6858000"/>
-                </a:lnTo>
-                <a:close/>
-              </a:path>
-            </a:pathLst>
-          </a:custGeom>
-          <a:solidFill>
-            <a:schemeClr val="bg1">
-              <a:lumMod val="85000"/>
-              <a:lumOff val="15000"/>
-            </a:schemeClr>
-          </a:solidFill>
-          <a:ln>
-            <a:noFill/>
-          </a:ln>
-        </p:spPr>
-        <p:style>
-          <a:lnRef idx="2">
-            <a:schemeClr val="accent1">
-              <a:shade val="50000"/>
-            </a:schemeClr>
-          </a:lnRef>
-          <a:fillRef idx="1">
-            <a:schemeClr val="accent1"/>
-          </a:fillRef>
-          <a:effectRef idx="0">
-            <a:schemeClr val="accent1"/>
-          </a:effectRef>
-          <a:fontRef idx="minor">
-            <a:schemeClr val="lt1"/>
-          </a:fontRef>
-        </p:style>
-        <p:txBody>
-          <a:bodyPr wrap="square" rtlCol="0" anchor="ctr">
-            <a:noAutofit/>
-          </a:bodyPr>
-          <a:lstStyle/>
-          <a:p>
-            <a:pPr algn="ctr"/>
-            <a:endParaRPr lang="en-US"/>
-          </a:p>
-        </p:txBody>
-      </p:sp>
-      <p:sp>
-        <p:nvSpPr>
-          <p:cNvPr id="2" name="Titlu 1">
-            <a:extLst>
-              <a:ext uri="{FF2B5EF4-FFF2-40B4-BE49-F238E27FC236}">
-                <a16:creationId xmlns:a16="http://schemas.microsoft.com/office/drawing/2014/main" id="{C3E1987D-1CBF-0596-EABB-E934C38D2056}"/>
-              </a:ext>
-            </a:extLst>
-          </p:cNvPr>
-          <p:cNvSpPr>
-            <a:spLocks noGrp="1"/>
-          </p:cNvSpPr>
-          <p:nvPr>
-            <p:ph type="title"/>
-          </p:nvPr>
-        </p:nvSpPr>
-        <p:spPr>
-          <a:xfrm>
-            <a:off x="451515" y="447188"/>
-            <a:ext cx="3675318" cy="5468700"/>
-          </a:xfrm>
-        </p:spPr>
-        <p:txBody>
-          <a:bodyPr anchor="ctr">
-            <a:normAutofit/>
-          </a:bodyPr>
-          <a:lstStyle/>
-          <a:p>
-            <a:r>
-              <a:rPr lang="en-US" sz="3200">
-                <a:latin typeface="Times New Roman" panose="02020603050405020304" pitchFamily="18" charset="0"/>
-                <a:cs typeface="Times New Roman" panose="02020603050405020304" pitchFamily="18" charset="0"/>
-              </a:rPr>
-              <a:t>API testing</a:t>
-            </a:r>
-          </a:p>
-        </p:txBody>
-      </p:sp>
-      <p:sp>
-        <p:nvSpPr>
-          <p:cNvPr id="31" name="Substituent conținut 2">
-            <a:extLst>
-              <a:ext uri="{FF2B5EF4-FFF2-40B4-BE49-F238E27FC236}">
-                <a16:creationId xmlns:a16="http://schemas.microsoft.com/office/drawing/2014/main" id="{854D27FE-4B0D-11C4-0D0A-E07BD6D4AE09}"/>
-              </a:ext>
-            </a:extLst>
-          </p:cNvPr>
-          <p:cNvSpPr>
-            <a:spLocks noGrp="1"/>
-          </p:cNvSpPr>
-          <p:nvPr>
-            <p:ph idx="1"/>
-          </p:nvPr>
-        </p:nvSpPr>
-        <p:spPr>
-          <a:xfrm>
-            <a:off x="4891866" y="0"/>
-            <a:ext cx="6585235" cy="3632200"/>
-          </a:xfrm>
-        </p:spPr>
-        <p:txBody>
-          <a:bodyPr>
-            <a:normAutofit/>
-          </a:bodyPr>
-          <a:lstStyle/>
-          <a:p>
-            <a:r>
-              <a:rPr lang="en-US" sz="2400" dirty="0">
-                <a:solidFill>
-                  <a:schemeClr val="bg1">
-                    <a:lumMod val="85000"/>
-                    <a:lumOff val="15000"/>
-                  </a:schemeClr>
-                </a:solidFill>
-                <a:latin typeface="Times New Roman" panose="02020603050405020304" pitchFamily="18" charset="0"/>
-                <a:cs typeface="Times New Roman" panose="02020603050405020304" pitchFamily="18" charset="0"/>
-              </a:rPr>
-              <a:t>Using Console Application as HTTP client</a:t>
-            </a:r>
-          </a:p>
-          <a:p>
-            <a:r>
-              <a:rPr lang="en-US" sz="2400" dirty="0">
-                <a:solidFill>
-                  <a:schemeClr val="bg1">
-                    <a:lumMod val="85000"/>
-                    <a:lumOff val="15000"/>
-                  </a:schemeClr>
-                </a:solidFill>
-                <a:latin typeface="Times New Roman" panose="02020603050405020304" pitchFamily="18" charset="0"/>
-                <a:cs typeface="Times New Roman" panose="02020603050405020304" pitchFamily="18" charset="0"/>
-              </a:rPr>
-              <a:t>Log data and analyze them</a:t>
-            </a:r>
-          </a:p>
-          <a:p>
-            <a:r>
-              <a:rPr lang="en-US" sz="2400" dirty="0">
-                <a:solidFill>
-                  <a:schemeClr val="bg1">
-                    <a:lumMod val="85000"/>
-                    <a:lumOff val="15000"/>
-                  </a:schemeClr>
-                </a:solidFill>
-                <a:latin typeface="Times New Roman" panose="02020603050405020304" pitchFamily="18" charset="0"/>
-                <a:cs typeface="Times New Roman" panose="02020603050405020304" pitchFamily="18" charset="0"/>
-              </a:rPr>
-              <a:t>Check manually the database</a:t>
-            </a:r>
-          </a:p>
-        </p:txBody>
-      </p:sp>
-      <p:pic>
-        <p:nvPicPr>
-          <p:cNvPr id="7" name="Imagine 6">
-            <a:extLst>
-              <a:ext uri="{FF2B5EF4-FFF2-40B4-BE49-F238E27FC236}">
-                <a16:creationId xmlns:a16="http://schemas.microsoft.com/office/drawing/2014/main" id="{B3015620-1342-7732-9991-6A6812C0C2BD}"/>
-              </a:ext>
-            </a:extLst>
-          </p:cNvPr>
-          <p:cNvPicPr>
-            <a:picLocks noChangeAspect="1"/>
-          </p:cNvPicPr>
-          <p:nvPr/>
-        </p:nvPicPr>
-        <p:blipFill>
-          <a:blip r:embed="rId2"/>
-          <a:stretch>
-            <a:fillRect/>
-          </a:stretch>
-        </p:blipFill>
-        <p:spPr>
-          <a:xfrm>
-            <a:off x="4814044" y="2841369"/>
-            <a:ext cx="4204627" cy="1944640"/>
-          </a:xfrm>
-          <a:prstGeom prst="roundRect">
-            <a:avLst>
-              <a:gd name="adj" fmla="val 3876"/>
-            </a:avLst>
-          </a:prstGeom>
-          <a:ln>
-            <a:solidFill>
-              <a:schemeClr val="accent1"/>
-            </a:solidFill>
-          </a:ln>
-          <a:effectLst/>
-        </p:spPr>
-      </p:pic>
-      <p:pic>
-        <p:nvPicPr>
-          <p:cNvPr id="5" name="Imagine 4">
-            <a:extLst>
-              <a:ext uri="{FF2B5EF4-FFF2-40B4-BE49-F238E27FC236}">
-                <a16:creationId xmlns:a16="http://schemas.microsoft.com/office/drawing/2014/main" id="{666ACA10-D456-6EF4-DCF3-B4063E6E5758}"/>
-              </a:ext>
-            </a:extLst>
-          </p:cNvPr>
-          <p:cNvPicPr>
-            <a:picLocks noChangeAspect="1"/>
-          </p:cNvPicPr>
-          <p:nvPr/>
-        </p:nvPicPr>
-        <p:blipFill>
-          <a:blip r:embed="rId3"/>
-          <a:stretch>
-            <a:fillRect/>
-          </a:stretch>
-        </p:blipFill>
-        <p:spPr>
-          <a:xfrm>
-            <a:off x="6470560" y="4931924"/>
-            <a:ext cx="5269925" cy="1725900"/>
-          </a:xfrm>
-          <a:prstGeom prst="roundRect">
-            <a:avLst>
-              <a:gd name="adj" fmla="val 3876"/>
-            </a:avLst>
-          </a:prstGeom>
-          <a:ln>
-            <a:solidFill>
-              <a:schemeClr val="accent1"/>
-            </a:solidFill>
-          </a:ln>
-          <a:effectLst/>
-        </p:spPr>
-      </p:pic>
-    </p:spTree>
-    <p:extLst>
-      <p:ext uri="{BB962C8B-B14F-4D97-AF65-F5344CB8AC3E}">
-        <p14:creationId xmlns:p14="http://schemas.microsoft.com/office/powerpoint/2010/main" val="3648862263"/>
-      </p:ext>
-    </p:extLst>
-  </p:cSld>
-  <p:clrMapOvr>
-    <a:masterClrMapping/>
   </p:clrMapOvr>
 </p:sld>
 </file>
